--- a/präsentation/WildMap.pptx
+++ b/präsentation/WildMap.pptx
@@ -5,14 +5,12 @@
     <p:sldMasterId id="2147483648" r:id="rId1"/>
   </p:sldMasterIdLst>
   <p:notesMasterIdLst>
-    <p:notesMasterId r:id="rId7"/>
+    <p:notesMasterId r:id="rId5"/>
   </p:notesMasterIdLst>
   <p:sldIdLst>
     <p:sldId id="259" r:id="rId2"/>
-    <p:sldId id="262" r:id="rId3"/>
-    <p:sldId id="260" r:id="rId4"/>
-    <p:sldId id="261" r:id="rId5"/>
-    <p:sldId id="263" r:id="rId6"/>
+    <p:sldId id="260" r:id="rId3"/>
+    <p:sldId id="261" r:id="rId4"/>
   </p:sldIdLst>
   <p:sldSz cx="9144000" cy="6858000" type="screen4x3"/>
   <p:notesSz cx="6858000" cy="9144000"/>
@@ -591,6 +589,22 @@
           </a:bodyPr>
           <a:lstStyle/>
           <a:p>
+            <a:r>
+              <a:rPr lang="de-DE" dirty="0" smtClean="0"/>
+              <a:t>Unser</a:t>
+            </a:r>
+            <a:r>
+              <a:rPr lang="de-DE" baseline="0" dirty="0" smtClean="0"/>
+              <a:t> Projekt heißt </a:t>
+            </a:r>
+            <a:r>
+              <a:rPr lang="de-DE" baseline="0" dirty="0" err="1" smtClean="0"/>
+              <a:t>WildMap</a:t>
+            </a:r>
+            <a:r>
+              <a:rPr lang="de-DE" baseline="0" smtClean="0"/>
+              <a:t>.</a:t>
+            </a:r>
             <a:endParaRPr lang="de-DE" dirty="0"/>
           </a:p>
         </p:txBody>
@@ -686,7 +700,7 @@
               <a:t>WildMap</a:t>
             </a:r>
             <a:r>
-              <a:rPr lang="de-DE" baseline="0" smtClean="0"/>
+              <a:rPr lang="de-DE" baseline="0" dirty="0" smtClean="0"/>
               <a:t>.</a:t>
             </a:r>
             <a:endParaRPr lang="de-DE" dirty="0"/>
@@ -712,186 +726,6 @@
               <a:rPr lang="de-DE" smtClean="0"/>
               <a:pPr/>
               <a:t>3</a:t>
-            </a:fld>
-            <a:endParaRPr lang="de-DE"/>
-          </a:p>
-        </p:txBody>
-      </p:sp>
-    </p:spTree>
-  </p:cSld>
-  <p:clrMapOvr>
-    <a:masterClrMapping/>
-  </p:clrMapOvr>
-</p:notes>
-</file>
-
-<file path=ppt/notesSlides/notesSlide4.xml><?xml version="1.0" encoding="utf-8"?>
-<p:notes xmlns:a="http://schemas.openxmlformats.org/drawingml/2006/main" xmlns:r="http://schemas.openxmlformats.org/officeDocument/2006/relationships" xmlns:p="http://schemas.openxmlformats.org/presentationml/2006/main">
-  <p:cSld>
-    <p:spTree>
-      <p:nvGrpSpPr>
-        <p:cNvPr id="1" name=""/>
-        <p:cNvGrpSpPr/>
-        <p:nvPr/>
-      </p:nvGrpSpPr>
-      <p:grpSpPr>
-        <a:xfrm>
-          <a:off x="0" y="0"/>
-          <a:ext cx="0" cy="0"/>
-          <a:chOff x="0" y="0"/>
-          <a:chExt cx="0" cy="0"/>
-        </a:xfrm>
-      </p:grpSpPr>
-      <p:sp>
-        <p:nvSpPr>
-          <p:cNvPr id="2" name="Folienbildplatzhalter 1"/>
-          <p:cNvSpPr>
-            <a:spLocks noGrp="1" noRot="1" noChangeAspect="1"/>
-          </p:cNvSpPr>
-          <p:nvPr>
-            <p:ph type="sldImg"/>
-          </p:nvPr>
-        </p:nvSpPr>
-        <p:spPr/>
-      </p:sp>
-      <p:sp>
-        <p:nvSpPr>
-          <p:cNvPr id="3" name="Notizenplatzhalter 2"/>
-          <p:cNvSpPr>
-            <a:spLocks noGrp="1"/>
-          </p:cNvSpPr>
-          <p:nvPr>
-            <p:ph type="body" idx="1"/>
-          </p:nvPr>
-        </p:nvSpPr>
-        <p:spPr/>
-        <p:txBody>
-          <a:bodyPr>
-            <a:normAutofit/>
-          </a:bodyPr>
-          <a:lstStyle/>
-          <a:p>
-            <a:r>
-              <a:rPr lang="de-DE" dirty="0" smtClean="0"/>
-              <a:t>Unser</a:t>
-            </a:r>
-            <a:r>
-              <a:rPr lang="de-DE" baseline="0" dirty="0" smtClean="0"/>
-              <a:t> Projekt heißt </a:t>
-            </a:r>
-            <a:r>
-              <a:rPr lang="de-DE" baseline="0" dirty="0" err="1" smtClean="0"/>
-              <a:t>WildMap</a:t>
-            </a:r>
-            <a:r>
-              <a:rPr lang="de-DE" baseline="0" dirty="0" smtClean="0"/>
-              <a:t>.</a:t>
-            </a:r>
-            <a:endParaRPr lang="de-DE" dirty="0"/>
-          </a:p>
-        </p:txBody>
-      </p:sp>
-      <p:sp>
-        <p:nvSpPr>
-          <p:cNvPr id="4" name="Foliennummernplatzhalter 3"/>
-          <p:cNvSpPr>
-            <a:spLocks noGrp="1"/>
-          </p:cNvSpPr>
-          <p:nvPr>
-            <p:ph type="sldNum" sz="quarter" idx="10"/>
-          </p:nvPr>
-        </p:nvSpPr>
-        <p:spPr/>
-        <p:txBody>
-          <a:bodyPr/>
-          <a:lstStyle/>
-          <a:p>
-            <a:fld id="{8C825963-3FFC-4354-A0E5-F97B916D8603}" type="slidenum">
-              <a:rPr lang="de-DE" smtClean="0"/>
-              <a:pPr/>
-              <a:t>4</a:t>
-            </a:fld>
-            <a:endParaRPr lang="de-DE"/>
-          </a:p>
-        </p:txBody>
-      </p:sp>
-    </p:spTree>
-  </p:cSld>
-  <p:clrMapOvr>
-    <a:masterClrMapping/>
-  </p:clrMapOvr>
-</p:notes>
-</file>
-
-<file path=ppt/notesSlides/notesSlide5.xml><?xml version="1.0" encoding="utf-8"?>
-<p:notes xmlns:a="http://schemas.openxmlformats.org/drawingml/2006/main" xmlns:r="http://schemas.openxmlformats.org/officeDocument/2006/relationships" xmlns:p="http://schemas.openxmlformats.org/presentationml/2006/main">
-  <p:cSld>
-    <p:spTree>
-      <p:nvGrpSpPr>
-        <p:cNvPr id="1" name=""/>
-        <p:cNvGrpSpPr/>
-        <p:nvPr/>
-      </p:nvGrpSpPr>
-      <p:grpSpPr>
-        <a:xfrm>
-          <a:off x="0" y="0"/>
-          <a:ext cx="0" cy="0"/>
-          <a:chOff x="0" y="0"/>
-          <a:chExt cx="0" cy="0"/>
-        </a:xfrm>
-      </p:grpSpPr>
-      <p:sp>
-        <p:nvSpPr>
-          <p:cNvPr id="2" name="Folienbildplatzhalter 1"/>
-          <p:cNvSpPr>
-            <a:spLocks noGrp="1" noRot="1" noChangeAspect="1"/>
-          </p:cNvSpPr>
-          <p:nvPr>
-            <p:ph type="sldImg"/>
-          </p:nvPr>
-        </p:nvSpPr>
-        <p:spPr/>
-      </p:sp>
-      <p:sp>
-        <p:nvSpPr>
-          <p:cNvPr id="3" name="Notizenplatzhalter 2"/>
-          <p:cNvSpPr>
-            <a:spLocks noGrp="1"/>
-          </p:cNvSpPr>
-          <p:nvPr>
-            <p:ph type="body" idx="1"/>
-          </p:nvPr>
-        </p:nvSpPr>
-        <p:spPr/>
-        <p:txBody>
-          <a:bodyPr>
-            <a:normAutofit/>
-          </a:bodyPr>
-          <a:lstStyle/>
-          <a:p>
-            <a:endParaRPr lang="de-DE" dirty="0"/>
-          </a:p>
-        </p:txBody>
-      </p:sp>
-      <p:sp>
-        <p:nvSpPr>
-          <p:cNvPr id="4" name="Foliennummernplatzhalter 3"/>
-          <p:cNvSpPr>
-            <a:spLocks noGrp="1"/>
-          </p:cNvSpPr>
-          <p:nvPr>
-            <p:ph type="sldNum" sz="quarter" idx="10"/>
-          </p:nvPr>
-        </p:nvSpPr>
-        <p:spPr/>
-        <p:txBody>
-          <a:bodyPr/>
-          <a:lstStyle/>
-          <a:p>
-            <a:fld id="{8C825963-3FFC-4354-A0E5-F97B916D8603}" type="slidenum">
-              <a:rPr lang="de-DE" smtClean="0"/>
-              <a:pPr/>
-              <a:t>5</a:t>
             </a:fld>
             <a:endParaRPr lang="de-DE"/>
           </a:p>
@@ -1139,7 +973,7 @@
     </p:spTree>
     <p:extLst>
       <p:ext uri="{BB962C8B-B14F-4D97-AF65-F5344CB8AC3E}">
-        <p14:creationId xmlns:p14="http://schemas.microsoft.com/office/powerpoint/2010/main" xmlns="" val="1457345725"/>
+        <p14:creationId xmlns="" xmlns:p14="http://schemas.microsoft.com/office/powerpoint/2010/main" val="1457345725"/>
       </p:ext>
     </p:extLst>
   </p:cSld>
@@ -1311,7 +1145,7 @@
     </p:spTree>
     <p:extLst>
       <p:ext uri="{BB962C8B-B14F-4D97-AF65-F5344CB8AC3E}">
-        <p14:creationId xmlns:p14="http://schemas.microsoft.com/office/powerpoint/2010/main" xmlns="" val="27762613"/>
+        <p14:creationId xmlns="" xmlns:p14="http://schemas.microsoft.com/office/powerpoint/2010/main" val="27762613"/>
       </p:ext>
     </p:extLst>
   </p:cSld>
@@ -1493,7 +1327,7 @@
     </p:spTree>
     <p:extLst>
       <p:ext uri="{BB962C8B-B14F-4D97-AF65-F5344CB8AC3E}">
-        <p14:creationId xmlns:p14="http://schemas.microsoft.com/office/powerpoint/2010/main" xmlns="" val="2131739852"/>
+        <p14:creationId xmlns="" xmlns:p14="http://schemas.microsoft.com/office/powerpoint/2010/main" val="2131739852"/>
       </p:ext>
     </p:extLst>
   </p:cSld>
@@ -1665,7 +1499,7 @@
     </p:spTree>
     <p:extLst>
       <p:ext uri="{BB962C8B-B14F-4D97-AF65-F5344CB8AC3E}">
-        <p14:creationId xmlns:p14="http://schemas.microsoft.com/office/powerpoint/2010/main" xmlns="" val="2167622155"/>
+        <p14:creationId xmlns="" xmlns:p14="http://schemas.microsoft.com/office/powerpoint/2010/main" val="2167622155"/>
       </p:ext>
     </p:extLst>
   </p:cSld>
@@ -1913,7 +1747,7 @@
     </p:spTree>
     <p:extLst>
       <p:ext uri="{BB962C8B-B14F-4D97-AF65-F5344CB8AC3E}">
-        <p14:creationId xmlns:p14="http://schemas.microsoft.com/office/powerpoint/2010/main" xmlns="" val="774575004"/>
+        <p14:creationId xmlns="" xmlns:p14="http://schemas.microsoft.com/office/powerpoint/2010/main" val="774575004"/>
       </p:ext>
     </p:extLst>
   </p:cSld>
@@ -2203,7 +2037,7 @@
     </p:spTree>
     <p:extLst>
       <p:ext uri="{BB962C8B-B14F-4D97-AF65-F5344CB8AC3E}">
-        <p14:creationId xmlns:p14="http://schemas.microsoft.com/office/powerpoint/2010/main" xmlns="" val="1815237217"/>
+        <p14:creationId xmlns="" xmlns:p14="http://schemas.microsoft.com/office/powerpoint/2010/main" val="1815237217"/>
       </p:ext>
     </p:extLst>
   </p:cSld>
@@ -2627,7 +2461,7 @@
     </p:spTree>
     <p:extLst>
       <p:ext uri="{BB962C8B-B14F-4D97-AF65-F5344CB8AC3E}">
-        <p14:creationId xmlns:p14="http://schemas.microsoft.com/office/powerpoint/2010/main" xmlns="" val="744224409"/>
+        <p14:creationId xmlns="" xmlns:p14="http://schemas.microsoft.com/office/powerpoint/2010/main" val="744224409"/>
       </p:ext>
     </p:extLst>
   </p:cSld>
@@ -2747,7 +2581,7 @@
     </p:spTree>
     <p:extLst>
       <p:ext uri="{BB962C8B-B14F-4D97-AF65-F5344CB8AC3E}">
-        <p14:creationId xmlns:p14="http://schemas.microsoft.com/office/powerpoint/2010/main" xmlns="" val="2687918467"/>
+        <p14:creationId xmlns="" xmlns:p14="http://schemas.microsoft.com/office/powerpoint/2010/main" val="2687918467"/>
       </p:ext>
     </p:extLst>
   </p:cSld>
@@ -2844,7 +2678,7 @@
     </p:spTree>
     <p:extLst>
       <p:ext uri="{BB962C8B-B14F-4D97-AF65-F5344CB8AC3E}">
-        <p14:creationId xmlns:p14="http://schemas.microsoft.com/office/powerpoint/2010/main" xmlns="" val="2421876414"/>
+        <p14:creationId xmlns="" xmlns:p14="http://schemas.microsoft.com/office/powerpoint/2010/main" val="2421876414"/>
       </p:ext>
     </p:extLst>
   </p:cSld>
@@ -3123,7 +2957,7 @@
     </p:spTree>
     <p:extLst>
       <p:ext uri="{BB962C8B-B14F-4D97-AF65-F5344CB8AC3E}">
-        <p14:creationId xmlns:p14="http://schemas.microsoft.com/office/powerpoint/2010/main" xmlns="" val="1216412965"/>
+        <p14:creationId xmlns="" xmlns:p14="http://schemas.microsoft.com/office/powerpoint/2010/main" val="1216412965"/>
       </p:ext>
     </p:extLst>
   </p:cSld>
@@ -3382,7 +3216,7 @@
     </p:spTree>
     <p:extLst>
       <p:ext uri="{BB962C8B-B14F-4D97-AF65-F5344CB8AC3E}">
-        <p14:creationId xmlns:p14="http://schemas.microsoft.com/office/powerpoint/2010/main" xmlns="" val="2643636076"/>
+        <p14:creationId xmlns="" xmlns:p14="http://schemas.microsoft.com/office/powerpoint/2010/main" val="2643636076"/>
       </p:ext>
     </p:extLst>
   </p:cSld>
@@ -3633,7 +3467,7 @@
     </p:spTree>
     <p:extLst>
       <p:ext uri="{BB962C8B-B14F-4D97-AF65-F5344CB8AC3E}">
-        <p14:creationId xmlns:p14="http://schemas.microsoft.com/office/powerpoint/2010/main" xmlns="" val="631787515"/>
+        <p14:creationId xmlns="" xmlns:p14="http://schemas.microsoft.com/office/powerpoint/2010/main" val="631787515"/>
       </p:ext>
     </p:extLst>
   </p:cSld>
@@ -3933,7 +3767,7 @@
           <a:blip r:embed="rId3" cstate="print">
             <a:extLst>
               <a:ext uri="{28A0092B-C50C-407E-A947-70E740481C1C}">
-                <a14:useLocalDpi xmlns:a14="http://schemas.microsoft.com/office/drawing/2010/main" xmlns="" val="0"/>
+                <a14:useLocalDpi xmlns="" xmlns:a14="http://schemas.microsoft.com/office/drawing/2010/main" val="0"/>
               </a:ext>
             </a:extLst>
           </a:blip>
@@ -3963,7 +3797,7 @@
           <a:blip r:embed="rId4" cstate="print">
             <a:extLst>
               <a:ext uri="{28A0092B-C50C-407E-A947-70E740481C1C}">
-                <a14:useLocalDpi xmlns:a14="http://schemas.microsoft.com/office/drawing/2010/main" xmlns="" val="0"/>
+                <a14:useLocalDpi xmlns="" xmlns:a14="http://schemas.microsoft.com/office/drawing/2010/main" val="0"/>
               </a:ext>
             </a:extLst>
           </a:blip>
@@ -3993,7 +3827,7 @@
           <a:blip r:embed="rId5" cstate="print">
             <a:extLst>
               <a:ext uri="{28A0092B-C50C-407E-A947-70E740481C1C}">
-                <a14:useLocalDpi xmlns:a14="http://schemas.microsoft.com/office/drawing/2010/main" xmlns="" val="0"/>
+                <a14:useLocalDpi xmlns="" xmlns:a14="http://schemas.microsoft.com/office/drawing/2010/main" val="0"/>
               </a:ext>
             </a:extLst>
           </a:blip>
@@ -4023,7 +3857,7 @@
           <a:blip r:embed="rId6" cstate="print">
             <a:extLst>
               <a:ext uri="{28A0092B-C50C-407E-A947-70E740481C1C}">
-                <a14:useLocalDpi xmlns:a14="http://schemas.microsoft.com/office/drawing/2010/main" xmlns="" val="0"/>
+                <a14:useLocalDpi xmlns="" xmlns:a14="http://schemas.microsoft.com/office/drawing/2010/main" val="0"/>
               </a:ext>
             </a:extLst>
           </a:blip>
@@ -4060,7 +3894,7 @@
             </a:duotone>
             <a:extLst>
               <a:ext uri="{28A0092B-C50C-407E-A947-70E740481C1C}">
-                <a14:useLocalDpi xmlns:a14="http://schemas.microsoft.com/office/drawing/2010/main" xmlns="" val="0"/>
+                <a14:useLocalDpi xmlns="" xmlns:a14="http://schemas.microsoft.com/office/drawing/2010/main" val="0"/>
               </a:ext>
             </a:extLst>
           </a:blip>
@@ -4097,7 +3931,7 @@
             </a:duotone>
             <a:extLst>
               <a:ext uri="{28A0092B-C50C-407E-A947-70E740481C1C}">
-                <a14:useLocalDpi xmlns:a14="http://schemas.microsoft.com/office/drawing/2010/main" xmlns="" val="0"/>
+                <a14:useLocalDpi xmlns="" xmlns:a14="http://schemas.microsoft.com/office/drawing/2010/main" val="0"/>
               </a:ext>
             </a:extLst>
           </a:blip>
@@ -4134,7 +3968,7 @@
             </a:duotone>
             <a:extLst>
               <a:ext uri="{28A0092B-C50C-407E-A947-70E740481C1C}">
-                <a14:useLocalDpi xmlns:a14="http://schemas.microsoft.com/office/drawing/2010/main" xmlns="" val="0"/>
+                <a14:useLocalDpi xmlns="" xmlns:a14="http://schemas.microsoft.com/office/drawing/2010/main" val="0"/>
               </a:ext>
             </a:extLst>
           </a:blip>
@@ -4171,7 +4005,7 @@
             </a:duotone>
             <a:extLst>
               <a:ext uri="{28A0092B-C50C-407E-A947-70E740481C1C}">
-                <a14:useLocalDpi xmlns:a14="http://schemas.microsoft.com/office/drawing/2010/main" xmlns="" val="0"/>
+                <a14:useLocalDpi xmlns="" xmlns:a14="http://schemas.microsoft.com/office/drawing/2010/main" val="0"/>
               </a:ext>
             </a:extLst>
           </a:blip>
@@ -4208,7 +4042,7 @@
             </a:duotone>
             <a:extLst>
               <a:ext uri="{28A0092B-C50C-407E-A947-70E740481C1C}">
-                <a14:useLocalDpi xmlns:a14="http://schemas.microsoft.com/office/drawing/2010/main" xmlns="" val="0"/>
+                <a14:useLocalDpi xmlns="" xmlns:a14="http://schemas.microsoft.com/office/drawing/2010/main" val="0"/>
               </a:ext>
             </a:extLst>
           </a:blip>
@@ -4245,7 +4079,7 @@
             </a:duotone>
             <a:extLst>
               <a:ext uri="{28A0092B-C50C-407E-A947-70E740481C1C}">
-                <a14:useLocalDpi xmlns:a14="http://schemas.microsoft.com/office/drawing/2010/main" xmlns="" val="0"/>
+                <a14:useLocalDpi xmlns="" xmlns:a14="http://schemas.microsoft.com/office/drawing/2010/main" val="0"/>
               </a:ext>
             </a:extLst>
           </a:blip>
@@ -4282,7 +4116,7 @@
             </a:duotone>
             <a:extLst>
               <a:ext uri="{28A0092B-C50C-407E-A947-70E740481C1C}">
-                <a14:useLocalDpi xmlns:a14="http://schemas.microsoft.com/office/drawing/2010/main" xmlns="" val="0"/>
+                <a14:useLocalDpi xmlns="" xmlns:a14="http://schemas.microsoft.com/office/drawing/2010/main" val="0"/>
               </a:ext>
             </a:extLst>
           </a:blip>
@@ -4319,7 +4153,7 @@
             </a:duotone>
             <a:extLst>
               <a:ext uri="{28A0092B-C50C-407E-A947-70E740481C1C}">
-                <a14:useLocalDpi xmlns:a14="http://schemas.microsoft.com/office/drawing/2010/main" xmlns="" val="0"/>
+                <a14:useLocalDpi xmlns="" xmlns:a14="http://schemas.microsoft.com/office/drawing/2010/main" val="0"/>
               </a:ext>
             </a:extLst>
           </a:blip>
@@ -4356,7 +4190,7 @@
             </a:duotone>
             <a:extLst>
               <a:ext uri="{28A0092B-C50C-407E-A947-70E740481C1C}">
-                <a14:useLocalDpi xmlns:a14="http://schemas.microsoft.com/office/drawing/2010/main" xmlns="" val="0"/>
+                <a14:useLocalDpi xmlns="" xmlns:a14="http://schemas.microsoft.com/office/drawing/2010/main" val="0"/>
               </a:ext>
             </a:extLst>
           </a:blip>
@@ -4393,7 +4227,7 @@
             </a:duotone>
             <a:extLst>
               <a:ext uri="{28A0092B-C50C-407E-A947-70E740481C1C}">
-                <a14:useLocalDpi xmlns:a14="http://schemas.microsoft.com/office/drawing/2010/main" xmlns="" val="0"/>
+                <a14:useLocalDpi xmlns="" xmlns:a14="http://schemas.microsoft.com/office/drawing/2010/main" val="0"/>
               </a:ext>
             </a:extLst>
           </a:blip>
@@ -4430,7 +4264,7 @@
             </a:duotone>
             <a:extLst>
               <a:ext uri="{28A0092B-C50C-407E-A947-70E740481C1C}">
-                <a14:useLocalDpi xmlns:a14="http://schemas.microsoft.com/office/drawing/2010/main" xmlns="" val="0"/>
+                <a14:useLocalDpi xmlns="" xmlns:a14="http://schemas.microsoft.com/office/drawing/2010/main" val="0"/>
               </a:ext>
             </a:extLst>
           </a:blip>
@@ -4467,7 +4301,7 @@
             </a:duotone>
             <a:extLst>
               <a:ext uri="{28A0092B-C50C-407E-A947-70E740481C1C}">
-                <a14:useLocalDpi xmlns:a14="http://schemas.microsoft.com/office/drawing/2010/main" xmlns="" val="0"/>
+                <a14:useLocalDpi xmlns="" xmlns:a14="http://schemas.microsoft.com/office/drawing/2010/main" val="0"/>
               </a:ext>
             </a:extLst>
           </a:blip>
@@ -4504,7 +4338,7 @@
             </a:duotone>
             <a:extLst>
               <a:ext uri="{28A0092B-C50C-407E-A947-70E740481C1C}">
-                <a14:useLocalDpi xmlns:a14="http://schemas.microsoft.com/office/drawing/2010/main" xmlns="" val="0"/>
+                <a14:useLocalDpi xmlns="" xmlns:a14="http://schemas.microsoft.com/office/drawing/2010/main" val="0"/>
               </a:ext>
             </a:extLst>
           </a:blip>
@@ -4541,7 +4375,7 @@
             </a:duotone>
             <a:extLst>
               <a:ext uri="{28A0092B-C50C-407E-A947-70E740481C1C}">
-                <a14:useLocalDpi xmlns:a14="http://schemas.microsoft.com/office/drawing/2010/main" xmlns="" val="0"/>
+                <a14:useLocalDpi xmlns="" xmlns:a14="http://schemas.microsoft.com/office/drawing/2010/main" val="0"/>
               </a:ext>
             </a:extLst>
           </a:blip>
@@ -4578,7 +4412,7 @@
             </a:duotone>
             <a:extLst>
               <a:ext uri="{28A0092B-C50C-407E-A947-70E740481C1C}">
-                <a14:useLocalDpi xmlns:a14="http://schemas.microsoft.com/office/drawing/2010/main" xmlns="" val="0"/>
+                <a14:useLocalDpi xmlns="" xmlns:a14="http://schemas.microsoft.com/office/drawing/2010/main" val="0"/>
               </a:ext>
             </a:extLst>
           </a:blip>
@@ -4608,7 +4442,7 @@
           <a:blip r:embed="rId7" cstate="print">
             <a:extLst>
               <a:ext uri="{28A0092B-C50C-407E-A947-70E740481C1C}">
-                <a14:useLocalDpi xmlns:a14="http://schemas.microsoft.com/office/drawing/2010/main" xmlns="" val="0"/>
+                <a14:useLocalDpi xmlns="" xmlns:a14="http://schemas.microsoft.com/office/drawing/2010/main" val="0"/>
               </a:ext>
             </a:extLst>
           </a:blip>
@@ -4638,7 +4472,7 @@
           <a:blip r:embed="rId8" cstate="print">
             <a:extLst>
               <a:ext uri="{28A0092B-C50C-407E-A947-70E740481C1C}">
-                <a14:useLocalDpi xmlns:a14="http://schemas.microsoft.com/office/drawing/2010/main" xmlns="" val="0"/>
+                <a14:useLocalDpi xmlns="" xmlns:a14="http://schemas.microsoft.com/office/drawing/2010/main" val="0"/>
               </a:ext>
             </a:extLst>
           </a:blip>
@@ -4668,7 +4502,7 @@
           <a:blip r:embed="rId9" cstate="print">
             <a:extLst>
               <a:ext uri="{28A0092B-C50C-407E-A947-70E740481C1C}">
-                <a14:useLocalDpi xmlns:a14="http://schemas.microsoft.com/office/drawing/2010/main" xmlns="" val="0"/>
+                <a14:useLocalDpi xmlns="" xmlns:a14="http://schemas.microsoft.com/office/drawing/2010/main" val="0"/>
               </a:ext>
             </a:extLst>
           </a:blip>
@@ -4705,7 +4539,7 @@
             </a:duotone>
             <a:extLst>
               <a:ext uri="{28A0092B-C50C-407E-A947-70E740481C1C}">
-                <a14:useLocalDpi xmlns:a14="http://schemas.microsoft.com/office/drawing/2010/main" xmlns="" val="0"/>
+                <a14:useLocalDpi xmlns="" xmlns:a14="http://schemas.microsoft.com/office/drawing/2010/main" val="0"/>
               </a:ext>
             </a:extLst>
           </a:blip>
@@ -4742,7 +4576,7 @@
             </a:duotone>
             <a:extLst>
               <a:ext uri="{28A0092B-C50C-407E-A947-70E740481C1C}">
-                <a14:useLocalDpi xmlns:a14="http://schemas.microsoft.com/office/drawing/2010/main" xmlns="" val="0"/>
+                <a14:useLocalDpi xmlns="" xmlns:a14="http://schemas.microsoft.com/office/drawing/2010/main" val="0"/>
               </a:ext>
             </a:extLst>
           </a:blip>
@@ -4779,7 +4613,7 @@
             </a:duotone>
             <a:extLst>
               <a:ext uri="{28A0092B-C50C-407E-A947-70E740481C1C}">
-                <a14:useLocalDpi xmlns:a14="http://schemas.microsoft.com/office/drawing/2010/main" xmlns="" val="0"/>
+                <a14:useLocalDpi xmlns="" xmlns:a14="http://schemas.microsoft.com/office/drawing/2010/main" val="0"/>
               </a:ext>
             </a:extLst>
           </a:blip>
@@ -4816,7 +4650,7 @@
             </a:duotone>
             <a:extLst>
               <a:ext uri="{28A0092B-C50C-407E-A947-70E740481C1C}">
-                <a14:useLocalDpi xmlns:a14="http://schemas.microsoft.com/office/drawing/2010/main" xmlns="" val="0"/>
+                <a14:useLocalDpi xmlns="" xmlns:a14="http://schemas.microsoft.com/office/drawing/2010/main" val="0"/>
               </a:ext>
             </a:extLst>
           </a:blip>
@@ -4853,7 +4687,7 @@
             </a:duotone>
             <a:extLst>
               <a:ext uri="{28A0092B-C50C-407E-A947-70E740481C1C}">
-                <a14:useLocalDpi xmlns:a14="http://schemas.microsoft.com/office/drawing/2010/main" xmlns="" val="0"/>
+                <a14:useLocalDpi xmlns="" xmlns:a14="http://schemas.microsoft.com/office/drawing/2010/main" val="0"/>
               </a:ext>
             </a:extLst>
           </a:blip>
@@ -4890,7 +4724,7 @@
             </a:duotone>
             <a:extLst>
               <a:ext uri="{28A0092B-C50C-407E-A947-70E740481C1C}">
-                <a14:useLocalDpi xmlns:a14="http://schemas.microsoft.com/office/drawing/2010/main" xmlns="" val="0"/>
+                <a14:useLocalDpi xmlns="" xmlns:a14="http://schemas.microsoft.com/office/drawing/2010/main" val="0"/>
               </a:ext>
             </a:extLst>
           </a:blip>
@@ -4927,7 +4761,7 @@
             </a:duotone>
             <a:extLst>
               <a:ext uri="{28A0092B-C50C-407E-A947-70E740481C1C}">
-                <a14:useLocalDpi xmlns:a14="http://schemas.microsoft.com/office/drawing/2010/main" xmlns="" val="0"/>
+                <a14:useLocalDpi xmlns="" xmlns:a14="http://schemas.microsoft.com/office/drawing/2010/main" val="0"/>
               </a:ext>
             </a:extLst>
           </a:blip>
@@ -4964,7 +4798,7 @@
             </a:duotone>
             <a:extLst>
               <a:ext uri="{28A0092B-C50C-407E-A947-70E740481C1C}">
-                <a14:useLocalDpi xmlns:a14="http://schemas.microsoft.com/office/drawing/2010/main" xmlns="" val="0"/>
+                <a14:useLocalDpi xmlns="" xmlns:a14="http://schemas.microsoft.com/office/drawing/2010/main" val="0"/>
               </a:ext>
             </a:extLst>
           </a:blip>
@@ -5001,7 +4835,7 @@
             </a:duotone>
             <a:extLst>
               <a:ext uri="{28A0092B-C50C-407E-A947-70E740481C1C}">
-                <a14:useLocalDpi xmlns:a14="http://schemas.microsoft.com/office/drawing/2010/main" xmlns="" val="0"/>
+                <a14:useLocalDpi xmlns="" xmlns:a14="http://schemas.microsoft.com/office/drawing/2010/main" val="0"/>
               </a:ext>
             </a:extLst>
           </a:blip>
@@ -5038,7 +4872,7 @@
             </a:duotone>
             <a:extLst>
               <a:ext uri="{28A0092B-C50C-407E-A947-70E740481C1C}">
-                <a14:useLocalDpi xmlns:a14="http://schemas.microsoft.com/office/drawing/2010/main" xmlns="" val="0"/>
+                <a14:useLocalDpi xmlns="" xmlns:a14="http://schemas.microsoft.com/office/drawing/2010/main" val="0"/>
               </a:ext>
             </a:extLst>
           </a:blip>
@@ -5075,7 +4909,7 @@
             </a:duotone>
             <a:extLst>
               <a:ext uri="{28A0092B-C50C-407E-A947-70E740481C1C}">
-                <a14:useLocalDpi xmlns:a14="http://schemas.microsoft.com/office/drawing/2010/main" xmlns="" val="0"/>
+                <a14:useLocalDpi xmlns="" xmlns:a14="http://schemas.microsoft.com/office/drawing/2010/main" val="0"/>
               </a:ext>
             </a:extLst>
           </a:blip>
@@ -5112,7 +4946,7 @@
             </a:duotone>
             <a:extLst>
               <a:ext uri="{28A0092B-C50C-407E-A947-70E740481C1C}">
-                <a14:useLocalDpi xmlns:a14="http://schemas.microsoft.com/office/drawing/2010/main" xmlns="" val="0"/>
+                <a14:useLocalDpi xmlns="" xmlns:a14="http://schemas.microsoft.com/office/drawing/2010/main" val="0"/>
               </a:ext>
             </a:extLst>
           </a:blip>
@@ -5149,7 +4983,7 @@
             </a:duotone>
             <a:extLst>
               <a:ext uri="{28A0092B-C50C-407E-A947-70E740481C1C}">
-                <a14:useLocalDpi xmlns:a14="http://schemas.microsoft.com/office/drawing/2010/main" xmlns="" val="0"/>
+                <a14:useLocalDpi xmlns="" xmlns:a14="http://schemas.microsoft.com/office/drawing/2010/main" val="0"/>
               </a:ext>
             </a:extLst>
           </a:blip>
@@ -5186,7 +5020,7 @@
             </a:duotone>
             <a:extLst>
               <a:ext uri="{28A0092B-C50C-407E-A947-70E740481C1C}">
-                <a14:useLocalDpi xmlns:a14="http://schemas.microsoft.com/office/drawing/2010/main" xmlns="" val="0"/>
+                <a14:useLocalDpi xmlns="" xmlns:a14="http://schemas.microsoft.com/office/drawing/2010/main" val="0"/>
               </a:ext>
             </a:extLst>
           </a:blip>
@@ -5223,7 +5057,7 @@
             </a:duotone>
             <a:extLst>
               <a:ext uri="{28A0092B-C50C-407E-A947-70E740481C1C}">
-                <a14:useLocalDpi xmlns:a14="http://schemas.microsoft.com/office/drawing/2010/main" xmlns="" val="0"/>
+                <a14:useLocalDpi xmlns="" xmlns:a14="http://schemas.microsoft.com/office/drawing/2010/main" val="0"/>
               </a:ext>
             </a:extLst>
           </a:blip>
@@ -5253,7 +5087,7 @@
           <a:blip r:embed="rId10" cstate="print">
             <a:extLst>
               <a:ext uri="{BEBA8EAE-BF5A-486C-A8C5-ECC9F3942E4B}">
-                <a14:imgProps xmlns:a14="http://schemas.microsoft.com/office/drawing/2010/main" xmlns="">
+                <a14:imgProps xmlns="" xmlns:a14="http://schemas.microsoft.com/office/drawing/2010/main">
                   <a14:imgLayer r:embed="rId16">
                     <a14:imgEffect>
                       <a14:saturation sat="0"/>
@@ -5262,7 +5096,7 @@
                 </a14:imgProps>
               </a:ext>
               <a:ext uri="{28A0092B-C50C-407E-A947-70E740481C1C}">
-                <a14:useLocalDpi xmlns:a14="http://schemas.microsoft.com/office/drawing/2010/main" xmlns="" val="0"/>
+                <a14:useLocalDpi xmlns="" xmlns:a14="http://schemas.microsoft.com/office/drawing/2010/main" val="0"/>
               </a:ext>
             </a:extLst>
           </a:blip>
@@ -5299,7 +5133,7 @@
             </a:duotone>
             <a:extLst>
               <a:ext uri="{28A0092B-C50C-407E-A947-70E740481C1C}">
-                <a14:useLocalDpi xmlns:a14="http://schemas.microsoft.com/office/drawing/2010/main" xmlns="" val="0"/>
+                <a14:useLocalDpi xmlns="" xmlns:a14="http://schemas.microsoft.com/office/drawing/2010/main" val="0"/>
               </a:ext>
             </a:extLst>
           </a:blip>
@@ -5336,7 +5170,7 @@
             </a:duotone>
             <a:extLst>
               <a:ext uri="{28A0092B-C50C-407E-A947-70E740481C1C}">
-                <a14:useLocalDpi xmlns:a14="http://schemas.microsoft.com/office/drawing/2010/main" xmlns="" val="0"/>
+                <a14:useLocalDpi xmlns="" xmlns:a14="http://schemas.microsoft.com/office/drawing/2010/main" val="0"/>
               </a:ext>
             </a:extLst>
           </a:blip>
@@ -5373,7 +5207,7 @@
             </a:duotone>
             <a:extLst>
               <a:ext uri="{28A0092B-C50C-407E-A947-70E740481C1C}">
-                <a14:useLocalDpi xmlns:a14="http://schemas.microsoft.com/office/drawing/2010/main" xmlns="" val="0"/>
+                <a14:useLocalDpi xmlns="" xmlns:a14="http://schemas.microsoft.com/office/drawing/2010/main" val="0"/>
               </a:ext>
             </a:extLst>
           </a:blip>
@@ -5410,7 +5244,7 @@
             </a:duotone>
             <a:extLst>
               <a:ext uri="{28A0092B-C50C-407E-A947-70E740481C1C}">
-                <a14:useLocalDpi xmlns:a14="http://schemas.microsoft.com/office/drawing/2010/main" xmlns="" val="0"/>
+                <a14:useLocalDpi xmlns="" xmlns:a14="http://schemas.microsoft.com/office/drawing/2010/main" val="0"/>
               </a:ext>
             </a:extLst>
           </a:blip>
@@ -5447,7 +5281,7 @@
             </a:duotone>
             <a:extLst>
               <a:ext uri="{28A0092B-C50C-407E-A947-70E740481C1C}">
-                <a14:useLocalDpi xmlns:a14="http://schemas.microsoft.com/office/drawing/2010/main" xmlns="" val="0"/>
+                <a14:useLocalDpi xmlns="" xmlns:a14="http://schemas.microsoft.com/office/drawing/2010/main" val="0"/>
               </a:ext>
             </a:extLst>
           </a:blip>
@@ -5484,7 +5318,7 @@
             </a:duotone>
             <a:extLst>
               <a:ext uri="{28A0092B-C50C-407E-A947-70E740481C1C}">
-                <a14:useLocalDpi xmlns:a14="http://schemas.microsoft.com/office/drawing/2010/main" xmlns="" val="0"/>
+                <a14:useLocalDpi xmlns="" xmlns:a14="http://schemas.microsoft.com/office/drawing/2010/main" val="0"/>
               </a:ext>
             </a:extLst>
           </a:blip>
@@ -5514,7 +5348,7 @@
           <a:blip r:embed="rId18" cstate="print">
             <a:extLst>
               <a:ext uri="{28A0092B-C50C-407E-A947-70E740481C1C}">
-                <a14:useLocalDpi xmlns:a14="http://schemas.microsoft.com/office/drawing/2010/main" xmlns="" val="0"/>
+                <a14:useLocalDpi xmlns="" xmlns:a14="http://schemas.microsoft.com/office/drawing/2010/main" val="0"/>
               </a:ext>
             </a:extLst>
           </a:blip>
@@ -5551,7 +5385,7 @@
             </a:duotone>
             <a:extLst>
               <a:ext uri="{28A0092B-C50C-407E-A947-70E740481C1C}">
-                <a14:useLocalDpi xmlns:a14="http://schemas.microsoft.com/office/drawing/2010/main" xmlns="" val="0"/>
+                <a14:useLocalDpi xmlns="" xmlns:a14="http://schemas.microsoft.com/office/drawing/2010/main" val="0"/>
               </a:ext>
             </a:extLst>
           </a:blip>
@@ -5588,7 +5422,7 @@
             </a:duotone>
             <a:extLst>
               <a:ext uri="{28A0092B-C50C-407E-A947-70E740481C1C}">
-                <a14:useLocalDpi xmlns:a14="http://schemas.microsoft.com/office/drawing/2010/main" xmlns="" val="0"/>
+                <a14:useLocalDpi xmlns="" xmlns:a14="http://schemas.microsoft.com/office/drawing/2010/main" val="0"/>
               </a:ext>
             </a:extLst>
           </a:blip>
@@ -5618,7 +5452,7 @@
           <a:blip r:embed="rId17" cstate="print">
             <a:extLst>
               <a:ext uri="{28A0092B-C50C-407E-A947-70E740481C1C}">
-                <a14:useLocalDpi xmlns:a14="http://schemas.microsoft.com/office/drawing/2010/main" xmlns="" val="0"/>
+                <a14:useLocalDpi xmlns="" xmlns:a14="http://schemas.microsoft.com/office/drawing/2010/main" val="0"/>
               </a:ext>
             </a:extLst>
           </a:blip>
@@ -5655,7 +5489,7 @@
             </a:duotone>
             <a:extLst>
               <a:ext uri="{28A0092B-C50C-407E-A947-70E740481C1C}">
-                <a14:useLocalDpi xmlns:a14="http://schemas.microsoft.com/office/drawing/2010/main" xmlns="" val="0"/>
+                <a14:useLocalDpi xmlns="" xmlns:a14="http://schemas.microsoft.com/office/drawing/2010/main" val="0"/>
               </a:ext>
             </a:extLst>
           </a:blip>
@@ -5692,7 +5526,7 @@
             </a:duotone>
             <a:extLst>
               <a:ext uri="{28A0092B-C50C-407E-A947-70E740481C1C}">
-                <a14:useLocalDpi xmlns:a14="http://schemas.microsoft.com/office/drawing/2010/main" xmlns="" val="0"/>
+                <a14:useLocalDpi xmlns="" xmlns:a14="http://schemas.microsoft.com/office/drawing/2010/main" val="0"/>
               </a:ext>
             </a:extLst>
           </a:blip>
@@ -5729,7 +5563,7 @@
             </a:duotone>
             <a:extLst>
               <a:ext uri="{28A0092B-C50C-407E-A947-70E740481C1C}">
-                <a14:useLocalDpi xmlns:a14="http://schemas.microsoft.com/office/drawing/2010/main" xmlns="" val="0"/>
+                <a14:useLocalDpi xmlns="" xmlns:a14="http://schemas.microsoft.com/office/drawing/2010/main" val="0"/>
               </a:ext>
             </a:extLst>
           </a:blip>
@@ -5766,7 +5600,7 @@
             </a:duotone>
             <a:extLst>
               <a:ext uri="{28A0092B-C50C-407E-A947-70E740481C1C}">
-                <a14:useLocalDpi xmlns:a14="http://schemas.microsoft.com/office/drawing/2010/main" xmlns="" val="0"/>
+                <a14:useLocalDpi xmlns="" xmlns:a14="http://schemas.microsoft.com/office/drawing/2010/main" val="0"/>
               </a:ext>
             </a:extLst>
           </a:blip>
@@ -5803,7 +5637,7 @@
             </a:duotone>
             <a:extLst>
               <a:ext uri="{28A0092B-C50C-407E-A947-70E740481C1C}">
-                <a14:useLocalDpi xmlns:a14="http://schemas.microsoft.com/office/drawing/2010/main" xmlns="" val="0"/>
+                <a14:useLocalDpi xmlns="" xmlns:a14="http://schemas.microsoft.com/office/drawing/2010/main" val="0"/>
               </a:ext>
             </a:extLst>
           </a:blip>
@@ -5840,7 +5674,7 @@
             </a:duotone>
             <a:extLst>
               <a:ext uri="{28A0092B-C50C-407E-A947-70E740481C1C}">
-                <a14:useLocalDpi xmlns:a14="http://schemas.microsoft.com/office/drawing/2010/main" xmlns="" val="0"/>
+                <a14:useLocalDpi xmlns="" xmlns:a14="http://schemas.microsoft.com/office/drawing/2010/main" val="0"/>
               </a:ext>
             </a:extLst>
           </a:blip>
@@ -5877,7 +5711,7 @@
             </a:duotone>
             <a:extLst>
               <a:ext uri="{28A0092B-C50C-407E-A947-70E740481C1C}">
-                <a14:useLocalDpi xmlns:a14="http://schemas.microsoft.com/office/drawing/2010/main" xmlns="" val="0"/>
+                <a14:useLocalDpi xmlns="" xmlns:a14="http://schemas.microsoft.com/office/drawing/2010/main" val="0"/>
               </a:ext>
             </a:extLst>
           </a:blip>
@@ -5907,7 +5741,7 @@
           <a:blip r:embed="rId19" cstate="print">
             <a:extLst>
               <a:ext uri="{28A0092B-C50C-407E-A947-70E740481C1C}">
-                <a14:useLocalDpi xmlns:a14="http://schemas.microsoft.com/office/drawing/2010/main" xmlns="" val="0"/>
+                <a14:useLocalDpi xmlns="" xmlns:a14="http://schemas.microsoft.com/office/drawing/2010/main" val="0"/>
               </a:ext>
             </a:extLst>
           </a:blip>
@@ -5944,7 +5778,7 @@
             </a:duotone>
             <a:extLst>
               <a:ext uri="{28A0092B-C50C-407E-A947-70E740481C1C}">
-                <a14:useLocalDpi xmlns:a14="http://schemas.microsoft.com/office/drawing/2010/main" xmlns="" val="0"/>
+                <a14:useLocalDpi xmlns="" xmlns:a14="http://schemas.microsoft.com/office/drawing/2010/main" val="0"/>
               </a:ext>
             </a:extLst>
           </a:blip>
@@ -5981,7 +5815,7 @@
             </a:duotone>
             <a:extLst>
               <a:ext uri="{28A0092B-C50C-407E-A947-70E740481C1C}">
-                <a14:useLocalDpi xmlns:a14="http://schemas.microsoft.com/office/drawing/2010/main" xmlns="" val="0"/>
+                <a14:useLocalDpi xmlns="" xmlns:a14="http://schemas.microsoft.com/office/drawing/2010/main" val="0"/>
               </a:ext>
             </a:extLst>
           </a:blip>
@@ -6018,7 +5852,7 @@
             </a:duotone>
             <a:extLst>
               <a:ext uri="{28A0092B-C50C-407E-A947-70E740481C1C}">
-                <a14:useLocalDpi xmlns:a14="http://schemas.microsoft.com/office/drawing/2010/main" xmlns="" val="0"/>
+                <a14:useLocalDpi xmlns="" xmlns:a14="http://schemas.microsoft.com/office/drawing/2010/main" val="0"/>
               </a:ext>
             </a:extLst>
           </a:blip>
@@ -6055,7 +5889,7 @@
             </a:duotone>
             <a:extLst>
               <a:ext uri="{28A0092B-C50C-407E-A947-70E740481C1C}">
-                <a14:useLocalDpi xmlns:a14="http://schemas.microsoft.com/office/drawing/2010/main" xmlns="" val="0"/>
+                <a14:useLocalDpi xmlns="" xmlns:a14="http://schemas.microsoft.com/office/drawing/2010/main" val="0"/>
               </a:ext>
             </a:extLst>
           </a:blip>
@@ -6092,7 +5926,7 @@
             </a:duotone>
             <a:extLst>
               <a:ext uri="{28A0092B-C50C-407E-A947-70E740481C1C}">
-                <a14:useLocalDpi xmlns:a14="http://schemas.microsoft.com/office/drawing/2010/main" xmlns="" val="0"/>
+                <a14:useLocalDpi xmlns="" xmlns:a14="http://schemas.microsoft.com/office/drawing/2010/main" val="0"/>
               </a:ext>
             </a:extLst>
           </a:blip>
@@ -6197,7 +6031,7 @@
     </p:spTree>
     <p:extLst>
       <p:ext uri="{BB962C8B-B14F-4D97-AF65-F5344CB8AC3E}">
-        <p14:creationId xmlns:p14="http://schemas.microsoft.com/office/powerpoint/2010/main" xmlns="" val="2163611856"/>
+        <p14:creationId xmlns="" xmlns:p14="http://schemas.microsoft.com/office/powerpoint/2010/main" val="2163611856"/>
       </p:ext>
     </p:extLst>
   </p:cSld>
@@ -6243,7 +6077,7 @@
           <a:blip r:embed="rId3" cstate="print">
             <a:extLst>
               <a:ext uri="{28A0092B-C50C-407E-A947-70E740481C1C}">
-                <a14:useLocalDpi xmlns:a14="http://schemas.microsoft.com/office/drawing/2010/main" xmlns="" val="0"/>
+                <a14:useLocalDpi xmlns="" xmlns:a14="http://schemas.microsoft.com/office/drawing/2010/main" val="0"/>
               </a:ext>
             </a:extLst>
           </a:blip>
@@ -6273,7 +6107,7 @@
           <a:blip r:embed="rId4" cstate="print">
             <a:extLst>
               <a:ext uri="{28A0092B-C50C-407E-A947-70E740481C1C}">
-                <a14:useLocalDpi xmlns:a14="http://schemas.microsoft.com/office/drawing/2010/main" xmlns="" val="0"/>
+                <a14:useLocalDpi xmlns="" xmlns:a14="http://schemas.microsoft.com/office/drawing/2010/main" val="0"/>
               </a:ext>
             </a:extLst>
           </a:blip>
@@ -6303,7 +6137,7 @@
           <a:blip r:embed="rId5" cstate="print">
             <a:extLst>
               <a:ext uri="{28A0092B-C50C-407E-A947-70E740481C1C}">
-                <a14:useLocalDpi xmlns:a14="http://schemas.microsoft.com/office/drawing/2010/main" xmlns="" val="0"/>
+                <a14:useLocalDpi xmlns="" xmlns:a14="http://schemas.microsoft.com/office/drawing/2010/main" val="0"/>
               </a:ext>
             </a:extLst>
           </a:blip>
@@ -6333,7 +6167,7 @@
           <a:blip r:embed="rId6" cstate="print">
             <a:extLst>
               <a:ext uri="{28A0092B-C50C-407E-A947-70E740481C1C}">
-                <a14:useLocalDpi xmlns:a14="http://schemas.microsoft.com/office/drawing/2010/main" xmlns="" val="0"/>
+                <a14:useLocalDpi xmlns="" xmlns:a14="http://schemas.microsoft.com/office/drawing/2010/main" val="0"/>
               </a:ext>
             </a:extLst>
           </a:blip>
@@ -6370,7 +6204,7 @@
             </a:duotone>
             <a:extLst>
               <a:ext uri="{28A0092B-C50C-407E-A947-70E740481C1C}">
-                <a14:useLocalDpi xmlns:a14="http://schemas.microsoft.com/office/drawing/2010/main" xmlns="" val="0"/>
+                <a14:useLocalDpi xmlns="" xmlns:a14="http://schemas.microsoft.com/office/drawing/2010/main" val="0"/>
               </a:ext>
             </a:extLst>
           </a:blip>
@@ -6407,7 +6241,7 @@
             </a:duotone>
             <a:extLst>
               <a:ext uri="{28A0092B-C50C-407E-A947-70E740481C1C}">
-                <a14:useLocalDpi xmlns:a14="http://schemas.microsoft.com/office/drawing/2010/main" xmlns="" val="0"/>
+                <a14:useLocalDpi xmlns="" xmlns:a14="http://schemas.microsoft.com/office/drawing/2010/main" val="0"/>
               </a:ext>
             </a:extLst>
           </a:blip>
@@ -6444,7 +6278,7 @@
             </a:duotone>
             <a:extLst>
               <a:ext uri="{28A0092B-C50C-407E-A947-70E740481C1C}">
-                <a14:useLocalDpi xmlns:a14="http://schemas.microsoft.com/office/drawing/2010/main" xmlns="" val="0"/>
+                <a14:useLocalDpi xmlns="" xmlns:a14="http://schemas.microsoft.com/office/drawing/2010/main" val="0"/>
               </a:ext>
             </a:extLst>
           </a:blip>
@@ -6481,7 +6315,7 @@
             </a:duotone>
             <a:extLst>
               <a:ext uri="{28A0092B-C50C-407E-A947-70E740481C1C}">
-                <a14:useLocalDpi xmlns:a14="http://schemas.microsoft.com/office/drawing/2010/main" xmlns="" val="0"/>
+                <a14:useLocalDpi xmlns="" xmlns:a14="http://schemas.microsoft.com/office/drawing/2010/main" val="0"/>
               </a:ext>
             </a:extLst>
           </a:blip>
@@ -6518,7 +6352,7 @@
             </a:duotone>
             <a:extLst>
               <a:ext uri="{28A0092B-C50C-407E-A947-70E740481C1C}">
-                <a14:useLocalDpi xmlns:a14="http://schemas.microsoft.com/office/drawing/2010/main" xmlns="" val="0"/>
+                <a14:useLocalDpi xmlns="" xmlns:a14="http://schemas.microsoft.com/office/drawing/2010/main" val="0"/>
               </a:ext>
             </a:extLst>
           </a:blip>
@@ -6555,7 +6389,7 @@
             </a:duotone>
             <a:extLst>
               <a:ext uri="{28A0092B-C50C-407E-A947-70E740481C1C}">
-                <a14:useLocalDpi xmlns:a14="http://schemas.microsoft.com/office/drawing/2010/main" xmlns="" val="0"/>
+                <a14:useLocalDpi xmlns="" xmlns:a14="http://schemas.microsoft.com/office/drawing/2010/main" val="0"/>
               </a:ext>
             </a:extLst>
           </a:blip>
@@ -6592,7 +6426,7 @@
             </a:duotone>
             <a:extLst>
               <a:ext uri="{28A0092B-C50C-407E-A947-70E740481C1C}">
-                <a14:useLocalDpi xmlns:a14="http://schemas.microsoft.com/office/drawing/2010/main" xmlns="" val="0"/>
+                <a14:useLocalDpi xmlns="" xmlns:a14="http://schemas.microsoft.com/office/drawing/2010/main" val="0"/>
               </a:ext>
             </a:extLst>
           </a:blip>
@@ -6629,7 +6463,7 @@
             </a:duotone>
             <a:extLst>
               <a:ext uri="{28A0092B-C50C-407E-A947-70E740481C1C}">
-                <a14:useLocalDpi xmlns:a14="http://schemas.microsoft.com/office/drawing/2010/main" xmlns="" val="0"/>
+                <a14:useLocalDpi xmlns="" xmlns:a14="http://schemas.microsoft.com/office/drawing/2010/main" val="0"/>
               </a:ext>
             </a:extLst>
           </a:blip>
@@ -6666,7 +6500,7 @@
             </a:duotone>
             <a:extLst>
               <a:ext uri="{28A0092B-C50C-407E-A947-70E740481C1C}">
-                <a14:useLocalDpi xmlns:a14="http://schemas.microsoft.com/office/drawing/2010/main" xmlns="" val="0"/>
+                <a14:useLocalDpi xmlns="" xmlns:a14="http://schemas.microsoft.com/office/drawing/2010/main" val="0"/>
               </a:ext>
             </a:extLst>
           </a:blip>
@@ -6703,7 +6537,7 @@
             </a:duotone>
             <a:extLst>
               <a:ext uri="{28A0092B-C50C-407E-A947-70E740481C1C}">
-                <a14:useLocalDpi xmlns:a14="http://schemas.microsoft.com/office/drawing/2010/main" xmlns="" val="0"/>
+                <a14:useLocalDpi xmlns="" xmlns:a14="http://schemas.microsoft.com/office/drawing/2010/main" val="0"/>
               </a:ext>
             </a:extLst>
           </a:blip>
@@ -6740,7 +6574,7 @@
             </a:duotone>
             <a:extLst>
               <a:ext uri="{28A0092B-C50C-407E-A947-70E740481C1C}">
-                <a14:useLocalDpi xmlns:a14="http://schemas.microsoft.com/office/drawing/2010/main" xmlns="" val="0"/>
+                <a14:useLocalDpi xmlns="" xmlns:a14="http://schemas.microsoft.com/office/drawing/2010/main" val="0"/>
               </a:ext>
             </a:extLst>
           </a:blip>
@@ -6777,7 +6611,7 @@
             </a:duotone>
             <a:extLst>
               <a:ext uri="{28A0092B-C50C-407E-A947-70E740481C1C}">
-                <a14:useLocalDpi xmlns:a14="http://schemas.microsoft.com/office/drawing/2010/main" xmlns="" val="0"/>
+                <a14:useLocalDpi xmlns="" xmlns:a14="http://schemas.microsoft.com/office/drawing/2010/main" val="0"/>
               </a:ext>
             </a:extLst>
           </a:blip>
@@ -6814,7 +6648,7 @@
             </a:duotone>
             <a:extLst>
               <a:ext uri="{28A0092B-C50C-407E-A947-70E740481C1C}">
-                <a14:useLocalDpi xmlns:a14="http://schemas.microsoft.com/office/drawing/2010/main" xmlns="" val="0"/>
+                <a14:useLocalDpi xmlns="" xmlns:a14="http://schemas.microsoft.com/office/drawing/2010/main" val="0"/>
               </a:ext>
             </a:extLst>
           </a:blip>
@@ -6851,7 +6685,7 @@
             </a:duotone>
             <a:extLst>
               <a:ext uri="{28A0092B-C50C-407E-A947-70E740481C1C}">
-                <a14:useLocalDpi xmlns:a14="http://schemas.microsoft.com/office/drawing/2010/main" xmlns="" val="0"/>
+                <a14:useLocalDpi xmlns="" xmlns:a14="http://schemas.microsoft.com/office/drawing/2010/main" val="0"/>
               </a:ext>
             </a:extLst>
           </a:blip>
@@ -6888,7 +6722,7 @@
             </a:duotone>
             <a:extLst>
               <a:ext uri="{28A0092B-C50C-407E-A947-70E740481C1C}">
-                <a14:useLocalDpi xmlns:a14="http://schemas.microsoft.com/office/drawing/2010/main" xmlns="" val="0"/>
+                <a14:useLocalDpi xmlns="" xmlns:a14="http://schemas.microsoft.com/office/drawing/2010/main" val="0"/>
               </a:ext>
             </a:extLst>
           </a:blip>
@@ -6918,7 +6752,7 @@
           <a:blip r:embed="rId7" cstate="print">
             <a:extLst>
               <a:ext uri="{28A0092B-C50C-407E-A947-70E740481C1C}">
-                <a14:useLocalDpi xmlns:a14="http://schemas.microsoft.com/office/drawing/2010/main" xmlns="" val="0"/>
+                <a14:useLocalDpi xmlns="" xmlns:a14="http://schemas.microsoft.com/office/drawing/2010/main" val="0"/>
               </a:ext>
             </a:extLst>
           </a:blip>
@@ -6948,7 +6782,7 @@
           <a:blip r:embed="rId8" cstate="print">
             <a:extLst>
               <a:ext uri="{28A0092B-C50C-407E-A947-70E740481C1C}">
-                <a14:useLocalDpi xmlns:a14="http://schemas.microsoft.com/office/drawing/2010/main" xmlns="" val="0"/>
+                <a14:useLocalDpi xmlns="" xmlns:a14="http://schemas.microsoft.com/office/drawing/2010/main" val="0"/>
               </a:ext>
             </a:extLst>
           </a:blip>
@@ -6978,7 +6812,7 @@
           <a:blip r:embed="rId9" cstate="print">
             <a:extLst>
               <a:ext uri="{28A0092B-C50C-407E-A947-70E740481C1C}">
-                <a14:useLocalDpi xmlns:a14="http://schemas.microsoft.com/office/drawing/2010/main" xmlns="" val="0"/>
+                <a14:useLocalDpi xmlns="" xmlns:a14="http://schemas.microsoft.com/office/drawing/2010/main" val="0"/>
               </a:ext>
             </a:extLst>
           </a:blip>
@@ -7015,7 +6849,7 @@
             </a:duotone>
             <a:extLst>
               <a:ext uri="{28A0092B-C50C-407E-A947-70E740481C1C}">
-                <a14:useLocalDpi xmlns:a14="http://schemas.microsoft.com/office/drawing/2010/main" xmlns="" val="0"/>
+                <a14:useLocalDpi xmlns="" xmlns:a14="http://schemas.microsoft.com/office/drawing/2010/main" val="0"/>
               </a:ext>
             </a:extLst>
           </a:blip>
@@ -7052,7 +6886,7 @@
             </a:duotone>
             <a:extLst>
               <a:ext uri="{28A0092B-C50C-407E-A947-70E740481C1C}">
-                <a14:useLocalDpi xmlns:a14="http://schemas.microsoft.com/office/drawing/2010/main" xmlns="" val="0"/>
+                <a14:useLocalDpi xmlns="" xmlns:a14="http://schemas.microsoft.com/office/drawing/2010/main" val="0"/>
               </a:ext>
             </a:extLst>
           </a:blip>
@@ -7089,7 +6923,7 @@
             </a:duotone>
             <a:extLst>
               <a:ext uri="{28A0092B-C50C-407E-A947-70E740481C1C}">
-                <a14:useLocalDpi xmlns:a14="http://schemas.microsoft.com/office/drawing/2010/main" xmlns="" val="0"/>
+                <a14:useLocalDpi xmlns="" xmlns:a14="http://schemas.microsoft.com/office/drawing/2010/main" val="0"/>
               </a:ext>
             </a:extLst>
           </a:blip>
@@ -7126,7 +6960,7 @@
             </a:duotone>
             <a:extLst>
               <a:ext uri="{28A0092B-C50C-407E-A947-70E740481C1C}">
-                <a14:useLocalDpi xmlns:a14="http://schemas.microsoft.com/office/drawing/2010/main" xmlns="" val="0"/>
+                <a14:useLocalDpi xmlns="" xmlns:a14="http://schemas.microsoft.com/office/drawing/2010/main" val="0"/>
               </a:ext>
             </a:extLst>
           </a:blip>
@@ -7163,7 +6997,7 @@
             </a:duotone>
             <a:extLst>
               <a:ext uri="{28A0092B-C50C-407E-A947-70E740481C1C}">
-                <a14:useLocalDpi xmlns:a14="http://schemas.microsoft.com/office/drawing/2010/main" xmlns="" val="0"/>
+                <a14:useLocalDpi xmlns="" xmlns:a14="http://schemas.microsoft.com/office/drawing/2010/main" val="0"/>
               </a:ext>
             </a:extLst>
           </a:blip>
@@ -7200,7 +7034,7 @@
             </a:duotone>
             <a:extLst>
               <a:ext uri="{28A0092B-C50C-407E-A947-70E740481C1C}">
-                <a14:useLocalDpi xmlns:a14="http://schemas.microsoft.com/office/drawing/2010/main" xmlns="" val="0"/>
+                <a14:useLocalDpi xmlns="" xmlns:a14="http://schemas.microsoft.com/office/drawing/2010/main" val="0"/>
               </a:ext>
             </a:extLst>
           </a:blip>
@@ -7237,7 +7071,7 @@
             </a:duotone>
             <a:extLst>
               <a:ext uri="{28A0092B-C50C-407E-A947-70E740481C1C}">
-                <a14:useLocalDpi xmlns:a14="http://schemas.microsoft.com/office/drawing/2010/main" xmlns="" val="0"/>
+                <a14:useLocalDpi xmlns="" xmlns:a14="http://schemas.microsoft.com/office/drawing/2010/main" val="0"/>
               </a:ext>
             </a:extLst>
           </a:blip>
@@ -7274,7 +7108,7 @@
             </a:duotone>
             <a:extLst>
               <a:ext uri="{28A0092B-C50C-407E-A947-70E740481C1C}">
-                <a14:useLocalDpi xmlns:a14="http://schemas.microsoft.com/office/drawing/2010/main" xmlns="" val="0"/>
+                <a14:useLocalDpi xmlns="" xmlns:a14="http://schemas.microsoft.com/office/drawing/2010/main" val="0"/>
               </a:ext>
             </a:extLst>
           </a:blip>
@@ -7311,7 +7145,7 @@
             </a:duotone>
             <a:extLst>
               <a:ext uri="{28A0092B-C50C-407E-A947-70E740481C1C}">
-                <a14:useLocalDpi xmlns:a14="http://schemas.microsoft.com/office/drawing/2010/main" xmlns="" val="0"/>
+                <a14:useLocalDpi xmlns="" xmlns:a14="http://schemas.microsoft.com/office/drawing/2010/main" val="0"/>
               </a:ext>
             </a:extLst>
           </a:blip>
@@ -7348,7 +7182,7 @@
             </a:duotone>
             <a:extLst>
               <a:ext uri="{28A0092B-C50C-407E-A947-70E740481C1C}">
-                <a14:useLocalDpi xmlns:a14="http://schemas.microsoft.com/office/drawing/2010/main" xmlns="" val="0"/>
+                <a14:useLocalDpi xmlns="" xmlns:a14="http://schemas.microsoft.com/office/drawing/2010/main" val="0"/>
               </a:ext>
             </a:extLst>
           </a:blip>
@@ -7385,7 +7219,7 @@
             </a:duotone>
             <a:extLst>
               <a:ext uri="{28A0092B-C50C-407E-A947-70E740481C1C}">
-                <a14:useLocalDpi xmlns:a14="http://schemas.microsoft.com/office/drawing/2010/main" xmlns="" val="0"/>
+                <a14:useLocalDpi xmlns="" xmlns:a14="http://schemas.microsoft.com/office/drawing/2010/main" val="0"/>
               </a:ext>
             </a:extLst>
           </a:blip>
@@ -7422,7 +7256,7 @@
             </a:duotone>
             <a:extLst>
               <a:ext uri="{28A0092B-C50C-407E-A947-70E740481C1C}">
-                <a14:useLocalDpi xmlns:a14="http://schemas.microsoft.com/office/drawing/2010/main" xmlns="" val="0"/>
+                <a14:useLocalDpi xmlns="" xmlns:a14="http://schemas.microsoft.com/office/drawing/2010/main" val="0"/>
               </a:ext>
             </a:extLst>
           </a:blip>
@@ -7459,7 +7293,7 @@
             </a:duotone>
             <a:extLst>
               <a:ext uri="{28A0092B-C50C-407E-A947-70E740481C1C}">
-                <a14:useLocalDpi xmlns:a14="http://schemas.microsoft.com/office/drawing/2010/main" xmlns="" val="0"/>
+                <a14:useLocalDpi xmlns="" xmlns:a14="http://schemas.microsoft.com/office/drawing/2010/main" val="0"/>
               </a:ext>
             </a:extLst>
           </a:blip>
@@ -7496,7 +7330,7 @@
             </a:duotone>
             <a:extLst>
               <a:ext uri="{28A0092B-C50C-407E-A947-70E740481C1C}">
-                <a14:useLocalDpi xmlns:a14="http://schemas.microsoft.com/office/drawing/2010/main" xmlns="" val="0"/>
+                <a14:useLocalDpi xmlns="" xmlns:a14="http://schemas.microsoft.com/office/drawing/2010/main" val="0"/>
               </a:ext>
             </a:extLst>
           </a:blip>
@@ -7533,7 +7367,7 @@
             </a:duotone>
             <a:extLst>
               <a:ext uri="{28A0092B-C50C-407E-A947-70E740481C1C}">
-                <a14:useLocalDpi xmlns:a14="http://schemas.microsoft.com/office/drawing/2010/main" xmlns="" val="0"/>
+                <a14:useLocalDpi xmlns="" xmlns:a14="http://schemas.microsoft.com/office/drawing/2010/main" val="0"/>
               </a:ext>
             </a:extLst>
           </a:blip>
@@ -7563,7 +7397,7 @@
           <a:blip r:embed="rId10" cstate="print">
             <a:extLst>
               <a:ext uri="{BEBA8EAE-BF5A-486C-A8C5-ECC9F3942E4B}">
-                <a14:imgProps xmlns:a14="http://schemas.microsoft.com/office/drawing/2010/main" xmlns="">
+                <a14:imgProps xmlns="" xmlns:a14="http://schemas.microsoft.com/office/drawing/2010/main">
                   <a14:imgLayer r:embed="rId16">
                     <a14:imgEffect>
                       <a14:saturation sat="0"/>
@@ -7572,7 +7406,7 @@
                 </a14:imgProps>
               </a:ext>
               <a:ext uri="{28A0092B-C50C-407E-A947-70E740481C1C}">
-                <a14:useLocalDpi xmlns:a14="http://schemas.microsoft.com/office/drawing/2010/main" xmlns="" val="0"/>
+                <a14:useLocalDpi xmlns="" xmlns:a14="http://schemas.microsoft.com/office/drawing/2010/main" val="0"/>
               </a:ext>
             </a:extLst>
           </a:blip>
@@ -7609,7 +7443,7 @@
             </a:duotone>
             <a:extLst>
               <a:ext uri="{28A0092B-C50C-407E-A947-70E740481C1C}">
-                <a14:useLocalDpi xmlns:a14="http://schemas.microsoft.com/office/drawing/2010/main" xmlns="" val="0"/>
+                <a14:useLocalDpi xmlns="" xmlns:a14="http://schemas.microsoft.com/office/drawing/2010/main" val="0"/>
               </a:ext>
             </a:extLst>
           </a:blip>
@@ -7646,7 +7480,7 @@
             </a:duotone>
             <a:extLst>
               <a:ext uri="{28A0092B-C50C-407E-A947-70E740481C1C}">
-                <a14:useLocalDpi xmlns:a14="http://schemas.microsoft.com/office/drawing/2010/main" xmlns="" val="0"/>
+                <a14:useLocalDpi xmlns="" xmlns:a14="http://schemas.microsoft.com/office/drawing/2010/main" val="0"/>
               </a:ext>
             </a:extLst>
           </a:blip>
@@ -7683,7 +7517,7 @@
             </a:duotone>
             <a:extLst>
               <a:ext uri="{28A0092B-C50C-407E-A947-70E740481C1C}">
-                <a14:useLocalDpi xmlns:a14="http://schemas.microsoft.com/office/drawing/2010/main" xmlns="" val="0"/>
+                <a14:useLocalDpi xmlns="" xmlns:a14="http://schemas.microsoft.com/office/drawing/2010/main" val="0"/>
               </a:ext>
             </a:extLst>
           </a:blip>
@@ -7720,7 +7554,7 @@
             </a:duotone>
             <a:extLst>
               <a:ext uri="{28A0092B-C50C-407E-A947-70E740481C1C}">
-                <a14:useLocalDpi xmlns:a14="http://schemas.microsoft.com/office/drawing/2010/main" xmlns="" val="0"/>
+                <a14:useLocalDpi xmlns="" xmlns:a14="http://schemas.microsoft.com/office/drawing/2010/main" val="0"/>
               </a:ext>
             </a:extLst>
           </a:blip>
@@ -7757,7 +7591,7 @@
             </a:duotone>
             <a:extLst>
               <a:ext uri="{28A0092B-C50C-407E-A947-70E740481C1C}">
-                <a14:useLocalDpi xmlns:a14="http://schemas.microsoft.com/office/drawing/2010/main" xmlns="" val="0"/>
+                <a14:useLocalDpi xmlns="" xmlns:a14="http://schemas.microsoft.com/office/drawing/2010/main" val="0"/>
               </a:ext>
             </a:extLst>
           </a:blip>
@@ -7794,7 +7628,7 @@
             </a:duotone>
             <a:extLst>
               <a:ext uri="{28A0092B-C50C-407E-A947-70E740481C1C}">
-                <a14:useLocalDpi xmlns:a14="http://schemas.microsoft.com/office/drawing/2010/main" xmlns="" val="0"/>
+                <a14:useLocalDpi xmlns="" xmlns:a14="http://schemas.microsoft.com/office/drawing/2010/main" val="0"/>
               </a:ext>
             </a:extLst>
           </a:blip>
@@ -7824,7 +7658,7 @@
           <a:blip r:embed="rId18" cstate="print">
             <a:extLst>
               <a:ext uri="{28A0092B-C50C-407E-A947-70E740481C1C}">
-                <a14:useLocalDpi xmlns:a14="http://schemas.microsoft.com/office/drawing/2010/main" xmlns="" val="0"/>
+                <a14:useLocalDpi xmlns="" xmlns:a14="http://schemas.microsoft.com/office/drawing/2010/main" val="0"/>
               </a:ext>
             </a:extLst>
           </a:blip>
@@ -7861,7 +7695,7 @@
             </a:duotone>
             <a:extLst>
               <a:ext uri="{28A0092B-C50C-407E-A947-70E740481C1C}">
-                <a14:useLocalDpi xmlns:a14="http://schemas.microsoft.com/office/drawing/2010/main" xmlns="" val="0"/>
+                <a14:useLocalDpi xmlns="" xmlns:a14="http://schemas.microsoft.com/office/drawing/2010/main" val="0"/>
               </a:ext>
             </a:extLst>
           </a:blip>
@@ -7898,7 +7732,7 @@
             </a:duotone>
             <a:extLst>
               <a:ext uri="{28A0092B-C50C-407E-A947-70E740481C1C}">
-                <a14:useLocalDpi xmlns:a14="http://schemas.microsoft.com/office/drawing/2010/main" xmlns="" val="0"/>
+                <a14:useLocalDpi xmlns="" xmlns:a14="http://schemas.microsoft.com/office/drawing/2010/main" val="0"/>
               </a:ext>
             </a:extLst>
           </a:blip>
@@ -7928,17 +7762,17 @@
           <a:blip r:embed="rId17" cstate="print">
             <a:extLst>
               <a:ext uri="{28A0092B-C50C-407E-A947-70E740481C1C}">
-                <a14:useLocalDpi xmlns:a14="http://schemas.microsoft.com/office/drawing/2010/main" xmlns="" val="0"/>
-              </a:ext>
-            </a:extLst>
-          </a:blip>
-          <a:stretch>
-            <a:fillRect/>
-          </a:stretch>
-        </p:blipFill>
-        <p:spPr>
-          <a:xfrm>
-            <a:off x="-2235128" y="5257550"/>
+                <a14:useLocalDpi xmlns="" xmlns:a14="http://schemas.microsoft.com/office/drawing/2010/main" val="0"/>
+              </a:ext>
+            </a:extLst>
+          </a:blip>
+          <a:stretch>
+            <a:fillRect/>
+          </a:stretch>
+        </p:blipFill>
+        <p:spPr>
+          <a:xfrm>
+            <a:off x="-2209800" y="5257800"/>
             <a:ext cx="520120" cy="503080"/>
           </a:xfrm>
           <a:prstGeom prst="rect">
@@ -7965,7 +7799,7 @@
             </a:duotone>
             <a:extLst>
               <a:ext uri="{28A0092B-C50C-407E-A947-70E740481C1C}">
-                <a14:useLocalDpi xmlns:a14="http://schemas.microsoft.com/office/drawing/2010/main" xmlns="" val="0"/>
+                <a14:useLocalDpi xmlns="" xmlns:a14="http://schemas.microsoft.com/office/drawing/2010/main" val="0"/>
               </a:ext>
             </a:extLst>
           </a:blip>
@@ -8002,7 +7836,7 @@
             </a:duotone>
             <a:extLst>
               <a:ext uri="{28A0092B-C50C-407E-A947-70E740481C1C}">
-                <a14:useLocalDpi xmlns:a14="http://schemas.microsoft.com/office/drawing/2010/main" xmlns="" val="0"/>
+                <a14:useLocalDpi xmlns="" xmlns:a14="http://schemas.microsoft.com/office/drawing/2010/main" val="0"/>
               </a:ext>
             </a:extLst>
           </a:blip>
@@ -8039,7 +7873,7 @@
             </a:duotone>
             <a:extLst>
               <a:ext uri="{28A0092B-C50C-407E-A947-70E740481C1C}">
-                <a14:useLocalDpi xmlns:a14="http://schemas.microsoft.com/office/drawing/2010/main" xmlns="" val="0"/>
+                <a14:useLocalDpi xmlns="" xmlns:a14="http://schemas.microsoft.com/office/drawing/2010/main" val="0"/>
               </a:ext>
             </a:extLst>
           </a:blip>
@@ -8076,7 +7910,7 @@
             </a:duotone>
             <a:extLst>
               <a:ext uri="{28A0092B-C50C-407E-A947-70E740481C1C}">
-                <a14:useLocalDpi xmlns:a14="http://schemas.microsoft.com/office/drawing/2010/main" xmlns="" val="0"/>
+                <a14:useLocalDpi xmlns="" xmlns:a14="http://schemas.microsoft.com/office/drawing/2010/main" val="0"/>
               </a:ext>
             </a:extLst>
           </a:blip>
@@ -8113,7 +7947,7 @@
             </a:duotone>
             <a:extLst>
               <a:ext uri="{28A0092B-C50C-407E-A947-70E740481C1C}">
-                <a14:useLocalDpi xmlns:a14="http://schemas.microsoft.com/office/drawing/2010/main" xmlns="" val="0"/>
+                <a14:useLocalDpi xmlns="" xmlns:a14="http://schemas.microsoft.com/office/drawing/2010/main" val="0"/>
               </a:ext>
             </a:extLst>
           </a:blip>
@@ -8150,7 +7984,7 @@
             </a:duotone>
             <a:extLst>
               <a:ext uri="{28A0092B-C50C-407E-A947-70E740481C1C}">
-                <a14:useLocalDpi xmlns:a14="http://schemas.microsoft.com/office/drawing/2010/main" xmlns="" val="0"/>
+                <a14:useLocalDpi xmlns="" xmlns:a14="http://schemas.microsoft.com/office/drawing/2010/main" val="0"/>
               </a:ext>
             </a:extLst>
           </a:blip>
@@ -8187,7 +8021,7 @@
             </a:duotone>
             <a:extLst>
               <a:ext uri="{28A0092B-C50C-407E-A947-70E740481C1C}">
-                <a14:useLocalDpi xmlns:a14="http://schemas.microsoft.com/office/drawing/2010/main" xmlns="" val="0"/>
+                <a14:useLocalDpi xmlns="" xmlns:a14="http://schemas.microsoft.com/office/drawing/2010/main" val="0"/>
               </a:ext>
             </a:extLst>
           </a:blip>
@@ -8217,7 +8051,7 @@
           <a:blip r:embed="rId19" cstate="print">
             <a:extLst>
               <a:ext uri="{28A0092B-C50C-407E-A947-70E740481C1C}">
-                <a14:useLocalDpi xmlns:a14="http://schemas.microsoft.com/office/drawing/2010/main" xmlns="" val="0"/>
+                <a14:useLocalDpi xmlns="" xmlns:a14="http://schemas.microsoft.com/office/drawing/2010/main" val="0"/>
               </a:ext>
             </a:extLst>
           </a:blip>
@@ -8254,7 +8088,7 @@
             </a:duotone>
             <a:extLst>
               <a:ext uri="{28A0092B-C50C-407E-A947-70E740481C1C}">
-                <a14:useLocalDpi xmlns:a14="http://schemas.microsoft.com/office/drawing/2010/main" xmlns="" val="0"/>
+                <a14:useLocalDpi xmlns="" xmlns:a14="http://schemas.microsoft.com/office/drawing/2010/main" val="0"/>
               </a:ext>
             </a:extLst>
           </a:blip>
@@ -8291,7 +8125,7 @@
             </a:duotone>
             <a:extLst>
               <a:ext uri="{28A0092B-C50C-407E-A947-70E740481C1C}">
-                <a14:useLocalDpi xmlns:a14="http://schemas.microsoft.com/office/drawing/2010/main" xmlns="" val="0"/>
+                <a14:useLocalDpi xmlns="" xmlns:a14="http://schemas.microsoft.com/office/drawing/2010/main" val="0"/>
               </a:ext>
             </a:extLst>
           </a:blip>
@@ -8328,7 +8162,7 @@
             </a:duotone>
             <a:extLst>
               <a:ext uri="{28A0092B-C50C-407E-A947-70E740481C1C}">
-                <a14:useLocalDpi xmlns:a14="http://schemas.microsoft.com/office/drawing/2010/main" xmlns="" val="0"/>
+                <a14:useLocalDpi xmlns="" xmlns:a14="http://schemas.microsoft.com/office/drawing/2010/main" val="0"/>
               </a:ext>
             </a:extLst>
           </a:blip>
@@ -8365,7 +8199,7 @@
             </a:duotone>
             <a:extLst>
               <a:ext uri="{28A0092B-C50C-407E-A947-70E740481C1C}">
-                <a14:useLocalDpi xmlns:a14="http://schemas.microsoft.com/office/drawing/2010/main" xmlns="" val="0"/>
+                <a14:useLocalDpi xmlns="" xmlns:a14="http://schemas.microsoft.com/office/drawing/2010/main" val="0"/>
               </a:ext>
             </a:extLst>
           </a:blip>
@@ -8402,7 +8236,7 @@
             </a:duotone>
             <a:extLst>
               <a:ext uri="{28A0092B-C50C-407E-A947-70E740481C1C}">
-                <a14:useLocalDpi xmlns:a14="http://schemas.microsoft.com/office/drawing/2010/main" xmlns="" val="0"/>
+                <a14:useLocalDpi xmlns="" xmlns:a14="http://schemas.microsoft.com/office/drawing/2010/main" val="0"/>
               </a:ext>
             </a:extLst>
           </a:blip>
@@ -8420,16 +8254,77 @@
           </a:prstGeom>
         </p:spPr>
       </p:pic>
+      <p:pic>
+        <p:nvPicPr>
+          <p:cNvPr id="2050" name="Picture 2" descr="C:\Users\Tani\Desktop\wildmap\map.png"/>
+          <p:cNvPicPr>
+            <a:picLocks noChangeAspect="1" noChangeArrowheads="1"/>
+          </p:cNvPicPr>
+          <p:nvPr/>
+        </p:nvPicPr>
+        <p:blipFill>
+          <a:blip r:embed="rId20" cstate="print"/>
+          <a:srcRect l="5949" r="14602" b="-216"/>
+          <a:stretch>
+            <a:fillRect/>
+          </a:stretch>
+        </p:blipFill>
+        <p:spPr bwMode="auto">
+          <a:xfrm rot="300682">
+            <a:off x="1520154" y="1111845"/>
+            <a:ext cx="6426383" cy="3682444"/>
+          </a:xfrm>
+          <a:prstGeom prst="rect">
+            <a:avLst/>
+          </a:prstGeom>
+          <a:ln>
+            <a:noFill/>
+          </a:ln>
+          <a:effectLst>
+            <a:softEdge rad="112500"/>
+          </a:effectLst>
+        </p:spPr>
+      </p:pic>
+      <p:pic>
+        <p:nvPicPr>
+          <p:cNvPr id="79" name="Picture 64"/>
+          <p:cNvPicPr>
+            <a:picLocks noChangeAspect="1"/>
+          </p:cNvPicPr>
+          <p:nvPr/>
+        </p:nvPicPr>
+        <p:blipFill>
+          <a:blip r:embed="rId17" cstate="print">
+            <a:extLst>
+              <a:ext uri="{28A0092B-C50C-407E-A947-70E740481C1C}">
+                <a14:useLocalDpi xmlns="" xmlns:a14="http://schemas.microsoft.com/office/drawing/2010/main" val="0"/>
+              </a:ext>
+            </a:extLst>
+          </a:blip>
+          <a:stretch>
+            <a:fillRect/>
+          </a:stretch>
+        </p:blipFill>
+        <p:spPr>
+          <a:xfrm rot="400388">
+            <a:off x="1404507" y="4758562"/>
+            <a:ext cx="623089" cy="602676"/>
+          </a:xfrm>
+          <a:prstGeom prst="rect">
+            <a:avLst/>
+          </a:prstGeom>
+        </p:spPr>
+      </p:pic>
       <p:sp>
         <p:nvSpPr>
-          <p:cNvPr id="79" name="Textfeld 78"/>
+          <p:cNvPr id="80" name="Textfeld 79"/>
           <p:cNvSpPr txBox="1"/>
           <p:nvPr/>
         </p:nvSpPr>
         <p:spPr>
-          <a:xfrm>
-            <a:off x="3124200" y="2438400"/>
-            <a:ext cx="4648200" cy="707886"/>
+          <a:xfrm rot="304681">
+            <a:off x="1993290" y="5277724"/>
+            <a:ext cx="5638800" cy="523220"/>
           </a:xfrm>
           <a:prstGeom prst="rect">
             <a:avLst/>
@@ -8443,16 +8338,54 @@
           <a:lstStyle/>
           <a:p>
             <a:r>
-              <a:rPr lang="de-DE" sz="4000" dirty="0" smtClean="0"/>
-              <a:t>Trailer</a:t>
+              <a:rPr lang="de-DE" sz="2800" b="1" dirty="0" smtClean="0">
+                <a:latin typeface="Bradley Hand ITC" pitchFamily="66" charset="0"/>
+                <a:ea typeface="Verdana" pitchFamily="34" charset="0"/>
+                <a:cs typeface="Verdana" pitchFamily="34" charset="0"/>
+              </a:rPr>
+              <a:t>Karte, die Wildunfälle anzeigt</a:t>
             </a:r>
-            <a:endParaRPr lang="de-DE" dirty="0"/>
+            <a:endParaRPr lang="de-DE" sz="2800" b="1" dirty="0">
+              <a:latin typeface="Bradley Hand ITC" pitchFamily="66" charset="0"/>
+              <a:ea typeface="Verdana" pitchFamily="34" charset="0"/>
+              <a:cs typeface="Verdana" pitchFamily="34" charset="0"/>
+            </a:endParaRPr>
           </a:p>
         </p:txBody>
       </p:sp>
+      <p:pic>
+        <p:nvPicPr>
+          <p:cNvPr id="81" name="Picture 17"/>
+          <p:cNvPicPr>
+            <a:picLocks noChangeAspect="1"/>
+          </p:cNvPicPr>
+          <p:nvPr/>
+        </p:nvPicPr>
+        <p:blipFill>
+          <a:blip r:embed="rId5" cstate="print">
+            <a:extLst>
+              <a:ext uri="{28A0092B-C50C-407E-A947-70E740481C1C}">
+                <a14:useLocalDpi xmlns="" xmlns:a14="http://schemas.microsoft.com/office/drawing/2010/main" val="0"/>
+              </a:ext>
+            </a:extLst>
+          </a:blip>
+          <a:stretch>
+            <a:fillRect/>
+          </a:stretch>
+        </p:blipFill>
+        <p:spPr>
+          <a:xfrm rot="475868">
+            <a:off x="2133600" y="5638800"/>
+            <a:ext cx="4140473" cy="228600"/>
+          </a:xfrm>
+          <a:prstGeom prst="rect">
+            <a:avLst/>
+          </a:prstGeom>
+        </p:spPr>
+      </p:pic>
       <p:sp>
         <p:nvSpPr>
-          <p:cNvPr id="80" name="Textfeld 79"/>
+          <p:cNvPr id="82" name="Textfeld 81"/>
           <p:cNvSpPr txBox="1"/>
           <p:nvPr/>
         </p:nvSpPr>
@@ -8508,10 +8441,36 @@
           </a:p>
         </p:txBody>
       </p:sp>
+      <p:pic>
+        <p:nvPicPr>
+          <p:cNvPr id="1026" name="Picture 2" descr="C:\Users\Tani\Desktop\wildmap\wildmap\frontend\src\markericon.png"/>
+          <p:cNvPicPr>
+            <a:picLocks noChangeAspect="1" noChangeArrowheads="1"/>
+          </p:cNvPicPr>
+          <p:nvPr/>
+        </p:nvPicPr>
+        <p:blipFill>
+          <a:blip r:embed="rId21" cstate="print"/>
+          <a:srcRect/>
+          <a:stretch>
+            <a:fillRect/>
+          </a:stretch>
+        </p:blipFill>
+        <p:spPr bwMode="auto">
+          <a:xfrm rot="287469">
+            <a:off x="2456091" y="642109"/>
+            <a:ext cx="4606126" cy="4265562"/>
+          </a:xfrm>
+          <a:prstGeom prst="rect">
+            <a:avLst/>
+          </a:prstGeom>
+          <a:noFill/>
+        </p:spPr>
+      </p:pic>
     </p:spTree>
     <p:extLst>
       <p:ext uri="{BB962C8B-B14F-4D97-AF65-F5344CB8AC3E}">
-        <p14:creationId xmlns:p14="http://schemas.microsoft.com/office/powerpoint/2010/main" xmlns="" val="2163611856"/>
+        <p14:creationId xmlns="" xmlns:p14="http://schemas.microsoft.com/office/powerpoint/2010/main" val="2163611856"/>
       </p:ext>
     </p:extLst>
   </p:cSld>
@@ -8557,7 +8516,7 @@
           <a:blip r:embed="rId3" cstate="print">
             <a:extLst>
               <a:ext uri="{28A0092B-C50C-407E-A947-70E740481C1C}">
-                <a14:useLocalDpi xmlns:a14="http://schemas.microsoft.com/office/drawing/2010/main" xmlns="" val="0"/>
+                <a14:useLocalDpi xmlns="" xmlns:a14="http://schemas.microsoft.com/office/drawing/2010/main" val="0"/>
               </a:ext>
             </a:extLst>
           </a:blip>
@@ -8587,7 +8546,7 @@
           <a:blip r:embed="rId4" cstate="print">
             <a:extLst>
               <a:ext uri="{28A0092B-C50C-407E-A947-70E740481C1C}">
-                <a14:useLocalDpi xmlns:a14="http://schemas.microsoft.com/office/drawing/2010/main" xmlns="" val="0"/>
+                <a14:useLocalDpi xmlns="" xmlns:a14="http://schemas.microsoft.com/office/drawing/2010/main" val="0"/>
               </a:ext>
             </a:extLst>
           </a:blip>
@@ -8617,7 +8576,7 @@
           <a:blip r:embed="rId5" cstate="print">
             <a:extLst>
               <a:ext uri="{28A0092B-C50C-407E-A947-70E740481C1C}">
-                <a14:useLocalDpi xmlns:a14="http://schemas.microsoft.com/office/drawing/2010/main" xmlns="" val="0"/>
+                <a14:useLocalDpi xmlns="" xmlns:a14="http://schemas.microsoft.com/office/drawing/2010/main" val="0"/>
               </a:ext>
             </a:extLst>
           </a:blip>
@@ -8647,7 +8606,7 @@
           <a:blip r:embed="rId6" cstate="print">
             <a:extLst>
               <a:ext uri="{28A0092B-C50C-407E-A947-70E740481C1C}">
-                <a14:useLocalDpi xmlns:a14="http://schemas.microsoft.com/office/drawing/2010/main" xmlns="" val="0"/>
+                <a14:useLocalDpi xmlns="" xmlns:a14="http://schemas.microsoft.com/office/drawing/2010/main" val="0"/>
               </a:ext>
             </a:extLst>
           </a:blip>
@@ -8684,7 +8643,7 @@
             </a:duotone>
             <a:extLst>
               <a:ext uri="{28A0092B-C50C-407E-A947-70E740481C1C}">
-                <a14:useLocalDpi xmlns:a14="http://schemas.microsoft.com/office/drawing/2010/main" xmlns="" val="0"/>
+                <a14:useLocalDpi xmlns="" xmlns:a14="http://schemas.microsoft.com/office/drawing/2010/main" val="0"/>
               </a:ext>
             </a:extLst>
           </a:blip>
@@ -8721,7 +8680,7 @@
             </a:duotone>
             <a:extLst>
               <a:ext uri="{28A0092B-C50C-407E-A947-70E740481C1C}">
-                <a14:useLocalDpi xmlns:a14="http://schemas.microsoft.com/office/drawing/2010/main" xmlns="" val="0"/>
+                <a14:useLocalDpi xmlns="" xmlns:a14="http://schemas.microsoft.com/office/drawing/2010/main" val="0"/>
               </a:ext>
             </a:extLst>
           </a:blip>
@@ -8758,7 +8717,7 @@
             </a:duotone>
             <a:extLst>
               <a:ext uri="{28A0092B-C50C-407E-A947-70E740481C1C}">
-                <a14:useLocalDpi xmlns:a14="http://schemas.microsoft.com/office/drawing/2010/main" xmlns="" val="0"/>
+                <a14:useLocalDpi xmlns="" xmlns:a14="http://schemas.microsoft.com/office/drawing/2010/main" val="0"/>
               </a:ext>
             </a:extLst>
           </a:blip>
@@ -8795,7 +8754,7 @@
             </a:duotone>
             <a:extLst>
               <a:ext uri="{28A0092B-C50C-407E-A947-70E740481C1C}">
-                <a14:useLocalDpi xmlns:a14="http://schemas.microsoft.com/office/drawing/2010/main" xmlns="" val="0"/>
+                <a14:useLocalDpi xmlns="" xmlns:a14="http://schemas.microsoft.com/office/drawing/2010/main" val="0"/>
               </a:ext>
             </a:extLst>
           </a:blip>
@@ -8832,7 +8791,7 @@
             </a:duotone>
             <a:extLst>
               <a:ext uri="{28A0092B-C50C-407E-A947-70E740481C1C}">
-                <a14:useLocalDpi xmlns:a14="http://schemas.microsoft.com/office/drawing/2010/main" xmlns="" val="0"/>
+                <a14:useLocalDpi xmlns="" xmlns:a14="http://schemas.microsoft.com/office/drawing/2010/main" val="0"/>
               </a:ext>
             </a:extLst>
           </a:blip>
@@ -8869,7 +8828,7 @@
             </a:duotone>
             <a:extLst>
               <a:ext uri="{28A0092B-C50C-407E-A947-70E740481C1C}">
-                <a14:useLocalDpi xmlns:a14="http://schemas.microsoft.com/office/drawing/2010/main" xmlns="" val="0"/>
+                <a14:useLocalDpi xmlns="" xmlns:a14="http://schemas.microsoft.com/office/drawing/2010/main" val="0"/>
               </a:ext>
             </a:extLst>
           </a:blip>
@@ -8906,7 +8865,7 @@
             </a:duotone>
             <a:extLst>
               <a:ext uri="{28A0092B-C50C-407E-A947-70E740481C1C}">
-                <a14:useLocalDpi xmlns:a14="http://schemas.microsoft.com/office/drawing/2010/main" xmlns="" val="0"/>
+                <a14:useLocalDpi xmlns="" xmlns:a14="http://schemas.microsoft.com/office/drawing/2010/main" val="0"/>
               </a:ext>
             </a:extLst>
           </a:blip>
@@ -8943,7 +8902,7 @@
             </a:duotone>
             <a:extLst>
               <a:ext uri="{28A0092B-C50C-407E-A947-70E740481C1C}">
-                <a14:useLocalDpi xmlns:a14="http://schemas.microsoft.com/office/drawing/2010/main" xmlns="" val="0"/>
+                <a14:useLocalDpi xmlns="" xmlns:a14="http://schemas.microsoft.com/office/drawing/2010/main" val="0"/>
               </a:ext>
             </a:extLst>
           </a:blip>
@@ -8980,7 +8939,7 @@
             </a:duotone>
             <a:extLst>
               <a:ext uri="{28A0092B-C50C-407E-A947-70E740481C1C}">
-                <a14:useLocalDpi xmlns:a14="http://schemas.microsoft.com/office/drawing/2010/main" xmlns="" val="0"/>
+                <a14:useLocalDpi xmlns="" xmlns:a14="http://schemas.microsoft.com/office/drawing/2010/main" val="0"/>
               </a:ext>
             </a:extLst>
           </a:blip>
@@ -9017,7 +8976,7 @@
             </a:duotone>
             <a:extLst>
               <a:ext uri="{28A0092B-C50C-407E-A947-70E740481C1C}">
-                <a14:useLocalDpi xmlns:a14="http://schemas.microsoft.com/office/drawing/2010/main" xmlns="" val="0"/>
+                <a14:useLocalDpi xmlns="" xmlns:a14="http://schemas.microsoft.com/office/drawing/2010/main" val="0"/>
               </a:ext>
             </a:extLst>
           </a:blip>
@@ -9054,7 +9013,7 @@
             </a:duotone>
             <a:extLst>
               <a:ext uri="{28A0092B-C50C-407E-A947-70E740481C1C}">
-                <a14:useLocalDpi xmlns:a14="http://schemas.microsoft.com/office/drawing/2010/main" xmlns="" val="0"/>
+                <a14:useLocalDpi xmlns="" xmlns:a14="http://schemas.microsoft.com/office/drawing/2010/main" val="0"/>
               </a:ext>
             </a:extLst>
           </a:blip>
@@ -9091,7 +9050,7 @@
             </a:duotone>
             <a:extLst>
               <a:ext uri="{28A0092B-C50C-407E-A947-70E740481C1C}">
-                <a14:useLocalDpi xmlns:a14="http://schemas.microsoft.com/office/drawing/2010/main" xmlns="" val="0"/>
+                <a14:useLocalDpi xmlns="" xmlns:a14="http://schemas.microsoft.com/office/drawing/2010/main" val="0"/>
               </a:ext>
             </a:extLst>
           </a:blip>
@@ -9128,7 +9087,7 @@
             </a:duotone>
             <a:extLst>
               <a:ext uri="{28A0092B-C50C-407E-A947-70E740481C1C}">
-                <a14:useLocalDpi xmlns:a14="http://schemas.microsoft.com/office/drawing/2010/main" xmlns="" val="0"/>
+                <a14:useLocalDpi xmlns="" xmlns:a14="http://schemas.microsoft.com/office/drawing/2010/main" val="0"/>
               </a:ext>
             </a:extLst>
           </a:blip>
@@ -9165,7 +9124,7 @@
             </a:duotone>
             <a:extLst>
               <a:ext uri="{28A0092B-C50C-407E-A947-70E740481C1C}">
-                <a14:useLocalDpi xmlns:a14="http://schemas.microsoft.com/office/drawing/2010/main" xmlns="" val="0"/>
+                <a14:useLocalDpi xmlns="" xmlns:a14="http://schemas.microsoft.com/office/drawing/2010/main" val="0"/>
               </a:ext>
             </a:extLst>
           </a:blip>
@@ -9202,7 +9161,7 @@
             </a:duotone>
             <a:extLst>
               <a:ext uri="{28A0092B-C50C-407E-A947-70E740481C1C}">
-                <a14:useLocalDpi xmlns:a14="http://schemas.microsoft.com/office/drawing/2010/main" xmlns="" val="0"/>
+                <a14:useLocalDpi xmlns="" xmlns:a14="http://schemas.microsoft.com/office/drawing/2010/main" val="0"/>
               </a:ext>
             </a:extLst>
           </a:blip>
@@ -9232,7 +9191,7 @@
           <a:blip r:embed="rId7" cstate="print">
             <a:extLst>
               <a:ext uri="{28A0092B-C50C-407E-A947-70E740481C1C}">
-                <a14:useLocalDpi xmlns:a14="http://schemas.microsoft.com/office/drawing/2010/main" xmlns="" val="0"/>
+                <a14:useLocalDpi xmlns="" xmlns:a14="http://schemas.microsoft.com/office/drawing/2010/main" val="0"/>
               </a:ext>
             </a:extLst>
           </a:blip>
@@ -9262,7 +9221,7 @@
           <a:blip r:embed="rId8" cstate="print">
             <a:extLst>
               <a:ext uri="{28A0092B-C50C-407E-A947-70E740481C1C}">
-                <a14:useLocalDpi xmlns:a14="http://schemas.microsoft.com/office/drawing/2010/main" xmlns="" val="0"/>
+                <a14:useLocalDpi xmlns="" xmlns:a14="http://schemas.microsoft.com/office/drawing/2010/main" val="0"/>
               </a:ext>
             </a:extLst>
           </a:blip>
@@ -9292,7 +9251,7 @@
           <a:blip r:embed="rId9" cstate="print">
             <a:extLst>
               <a:ext uri="{28A0092B-C50C-407E-A947-70E740481C1C}">
-                <a14:useLocalDpi xmlns:a14="http://schemas.microsoft.com/office/drawing/2010/main" xmlns="" val="0"/>
+                <a14:useLocalDpi xmlns="" xmlns:a14="http://schemas.microsoft.com/office/drawing/2010/main" val="0"/>
               </a:ext>
             </a:extLst>
           </a:blip>
@@ -9329,7 +9288,7 @@
             </a:duotone>
             <a:extLst>
               <a:ext uri="{28A0092B-C50C-407E-A947-70E740481C1C}">
-                <a14:useLocalDpi xmlns:a14="http://schemas.microsoft.com/office/drawing/2010/main" xmlns="" val="0"/>
+                <a14:useLocalDpi xmlns="" xmlns:a14="http://schemas.microsoft.com/office/drawing/2010/main" val="0"/>
               </a:ext>
             </a:extLst>
           </a:blip>
@@ -9366,7 +9325,7 @@
             </a:duotone>
             <a:extLst>
               <a:ext uri="{28A0092B-C50C-407E-A947-70E740481C1C}">
-                <a14:useLocalDpi xmlns:a14="http://schemas.microsoft.com/office/drawing/2010/main" xmlns="" val="0"/>
+                <a14:useLocalDpi xmlns="" xmlns:a14="http://schemas.microsoft.com/office/drawing/2010/main" val="0"/>
               </a:ext>
             </a:extLst>
           </a:blip>
@@ -9403,7 +9362,7 @@
             </a:duotone>
             <a:extLst>
               <a:ext uri="{28A0092B-C50C-407E-A947-70E740481C1C}">
-                <a14:useLocalDpi xmlns:a14="http://schemas.microsoft.com/office/drawing/2010/main" xmlns="" val="0"/>
+                <a14:useLocalDpi xmlns="" xmlns:a14="http://schemas.microsoft.com/office/drawing/2010/main" val="0"/>
               </a:ext>
             </a:extLst>
           </a:blip>
@@ -9440,7 +9399,7 @@
             </a:duotone>
             <a:extLst>
               <a:ext uri="{28A0092B-C50C-407E-A947-70E740481C1C}">
-                <a14:useLocalDpi xmlns:a14="http://schemas.microsoft.com/office/drawing/2010/main" xmlns="" val="0"/>
+                <a14:useLocalDpi xmlns="" xmlns:a14="http://schemas.microsoft.com/office/drawing/2010/main" val="0"/>
               </a:ext>
             </a:extLst>
           </a:blip>
@@ -9477,7 +9436,7 @@
             </a:duotone>
             <a:extLst>
               <a:ext uri="{28A0092B-C50C-407E-A947-70E740481C1C}">
-                <a14:useLocalDpi xmlns:a14="http://schemas.microsoft.com/office/drawing/2010/main" xmlns="" val="0"/>
+                <a14:useLocalDpi xmlns="" xmlns:a14="http://schemas.microsoft.com/office/drawing/2010/main" val="0"/>
               </a:ext>
             </a:extLst>
           </a:blip>
@@ -9514,7 +9473,7 @@
             </a:duotone>
             <a:extLst>
               <a:ext uri="{28A0092B-C50C-407E-A947-70E740481C1C}">
-                <a14:useLocalDpi xmlns:a14="http://schemas.microsoft.com/office/drawing/2010/main" xmlns="" val="0"/>
+                <a14:useLocalDpi xmlns="" xmlns:a14="http://schemas.microsoft.com/office/drawing/2010/main" val="0"/>
               </a:ext>
             </a:extLst>
           </a:blip>
@@ -9551,7 +9510,7 @@
             </a:duotone>
             <a:extLst>
               <a:ext uri="{28A0092B-C50C-407E-A947-70E740481C1C}">
-                <a14:useLocalDpi xmlns:a14="http://schemas.microsoft.com/office/drawing/2010/main" xmlns="" val="0"/>
+                <a14:useLocalDpi xmlns="" xmlns:a14="http://schemas.microsoft.com/office/drawing/2010/main" val="0"/>
               </a:ext>
             </a:extLst>
           </a:blip>
@@ -9588,7 +9547,7 @@
             </a:duotone>
             <a:extLst>
               <a:ext uri="{28A0092B-C50C-407E-A947-70E740481C1C}">
-                <a14:useLocalDpi xmlns:a14="http://schemas.microsoft.com/office/drawing/2010/main" xmlns="" val="0"/>
+                <a14:useLocalDpi xmlns="" xmlns:a14="http://schemas.microsoft.com/office/drawing/2010/main" val="0"/>
               </a:ext>
             </a:extLst>
           </a:blip>
@@ -9625,7 +9584,7 @@
             </a:duotone>
             <a:extLst>
               <a:ext uri="{28A0092B-C50C-407E-A947-70E740481C1C}">
-                <a14:useLocalDpi xmlns:a14="http://schemas.microsoft.com/office/drawing/2010/main" xmlns="" val="0"/>
+                <a14:useLocalDpi xmlns="" xmlns:a14="http://schemas.microsoft.com/office/drawing/2010/main" val="0"/>
               </a:ext>
             </a:extLst>
           </a:blip>
@@ -9662,7 +9621,7 @@
             </a:duotone>
             <a:extLst>
               <a:ext uri="{28A0092B-C50C-407E-A947-70E740481C1C}">
-                <a14:useLocalDpi xmlns:a14="http://schemas.microsoft.com/office/drawing/2010/main" xmlns="" val="0"/>
+                <a14:useLocalDpi xmlns="" xmlns:a14="http://schemas.microsoft.com/office/drawing/2010/main" val="0"/>
               </a:ext>
             </a:extLst>
           </a:blip>
@@ -9699,7 +9658,7 @@
             </a:duotone>
             <a:extLst>
               <a:ext uri="{28A0092B-C50C-407E-A947-70E740481C1C}">
-                <a14:useLocalDpi xmlns:a14="http://schemas.microsoft.com/office/drawing/2010/main" xmlns="" val="0"/>
+                <a14:useLocalDpi xmlns="" xmlns:a14="http://schemas.microsoft.com/office/drawing/2010/main" val="0"/>
               </a:ext>
             </a:extLst>
           </a:blip>
@@ -9736,7 +9695,7 @@
             </a:duotone>
             <a:extLst>
               <a:ext uri="{28A0092B-C50C-407E-A947-70E740481C1C}">
-                <a14:useLocalDpi xmlns:a14="http://schemas.microsoft.com/office/drawing/2010/main" xmlns="" val="0"/>
+                <a14:useLocalDpi xmlns="" xmlns:a14="http://schemas.microsoft.com/office/drawing/2010/main" val="0"/>
               </a:ext>
             </a:extLst>
           </a:blip>
@@ -9773,7 +9732,7 @@
             </a:duotone>
             <a:extLst>
               <a:ext uri="{28A0092B-C50C-407E-A947-70E740481C1C}">
-                <a14:useLocalDpi xmlns:a14="http://schemas.microsoft.com/office/drawing/2010/main" xmlns="" val="0"/>
+                <a14:useLocalDpi xmlns="" xmlns:a14="http://schemas.microsoft.com/office/drawing/2010/main" val="0"/>
               </a:ext>
             </a:extLst>
           </a:blip>
@@ -9810,7 +9769,7 @@
             </a:duotone>
             <a:extLst>
               <a:ext uri="{28A0092B-C50C-407E-A947-70E740481C1C}">
-                <a14:useLocalDpi xmlns:a14="http://schemas.microsoft.com/office/drawing/2010/main" xmlns="" val="0"/>
+                <a14:useLocalDpi xmlns="" xmlns:a14="http://schemas.microsoft.com/office/drawing/2010/main" val="0"/>
               </a:ext>
             </a:extLst>
           </a:blip>
@@ -9847,7 +9806,7 @@
             </a:duotone>
             <a:extLst>
               <a:ext uri="{28A0092B-C50C-407E-A947-70E740481C1C}">
-                <a14:useLocalDpi xmlns:a14="http://schemas.microsoft.com/office/drawing/2010/main" xmlns="" val="0"/>
+                <a14:useLocalDpi xmlns="" xmlns:a14="http://schemas.microsoft.com/office/drawing/2010/main" val="0"/>
               </a:ext>
             </a:extLst>
           </a:blip>
@@ -9877,7 +9836,7 @@
           <a:blip r:embed="rId10" cstate="print">
             <a:extLst>
               <a:ext uri="{BEBA8EAE-BF5A-486C-A8C5-ECC9F3942E4B}">
-                <a14:imgProps xmlns:a14="http://schemas.microsoft.com/office/drawing/2010/main" xmlns="">
+                <a14:imgProps xmlns="" xmlns:a14="http://schemas.microsoft.com/office/drawing/2010/main">
                   <a14:imgLayer r:embed="rId16">
                     <a14:imgEffect>
                       <a14:saturation sat="0"/>
@@ -9886,7 +9845,7 @@
                 </a14:imgProps>
               </a:ext>
               <a:ext uri="{28A0092B-C50C-407E-A947-70E740481C1C}">
-                <a14:useLocalDpi xmlns:a14="http://schemas.microsoft.com/office/drawing/2010/main" xmlns="" val="0"/>
+                <a14:useLocalDpi xmlns="" xmlns:a14="http://schemas.microsoft.com/office/drawing/2010/main" val="0"/>
               </a:ext>
             </a:extLst>
           </a:blip>
@@ -9923,7 +9882,7 @@
             </a:duotone>
             <a:extLst>
               <a:ext uri="{28A0092B-C50C-407E-A947-70E740481C1C}">
-                <a14:useLocalDpi xmlns:a14="http://schemas.microsoft.com/office/drawing/2010/main" xmlns="" val="0"/>
+                <a14:useLocalDpi xmlns="" xmlns:a14="http://schemas.microsoft.com/office/drawing/2010/main" val="0"/>
               </a:ext>
             </a:extLst>
           </a:blip>
@@ -9960,7 +9919,7 @@
             </a:duotone>
             <a:extLst>
               <a:ext uri="{28A0092B-C50C-407E-A947-70E740481C1C}">
-                <a14:useLocalDpi xmlns:a14="http://schemas.microsoft.com/office/drawing/2010/main" xmlns="" val="0"/>
+                <a14:useLocalDpi xmlns="" xmlns:a14="http://schemas.microsoft.com/office/drawing/2010/main" val="0"/>
               </a:ext>
             </a:extLst>
           </a:blip>
@@ -9997,7 +9956,7 @@
             </a:duotone>
             <a:extLst>
               <a:ext uri="{28A0092B-C50C-407E-A947-70E740481C1C}">
-                <a14:useLocalDpi xmlns:a14="http://schemas.microsoft.com/office/drawing/2010/main" xmlns="" val="0"/>
+                <a14:useLocalDpi xmlns="" xmlns:a14="http://schemas.microsoft.com/office/drawing/2010/main" val="0"/>
               </a:ext>
             </a:extLst>
           </a:blip>
@@ -10034,7 +9993,7 @@
             </a:duotone>
             <a:extLst>
               <a:ext uri="{28A0092B-C50C-407E-A947-70E740481C1C}">
-                <a14:useLocalDpi xmlns:a14="http://schemas.microsoft.com/office/drawing/2010/main" xmlns="" val="0"/>
+                <a14:useLocalDpi xmlns="" xmlns:a14="http://schemas.microsoft.com/office/drawing/2010/main" val="0"/>
               </a:ext>
             </a:extLst>
           </a:blip>
@@ -10071,7 +10030,7 @@
             </a:duotone>
             <a:extLst>
               <a:ext uri="{28A0092B-C50C-407E-A947-70E740481C1C}">
-                <a14:useLocalDpi xmlns:a14="http://schemas.microsoft.com/office/drawing/2010/main" xmlns="" val="0"/>
+                <a14:useLocalDpi xmlns="" xmlns:a14="http://schemas.microsoft.com/office/drawing/2010/main" val="0"/>
               </a:ext>
             </a:extLst>
           </a:blip>
@@ -10108,7 +10067,7 @@
             </a:duotone>
             <a:extLst>
               <a:ext uri="{28A0092B-C50C-407E-A947-70E740481C1C}">
-                <a14:useLocalDpi xmlns:a14="http://schemas.microsoft.com/office/drawing/2010/main" xmlns="" val="0"/>
+                <a14:useLocalDpi xmlns="" xmlns:a14="http://schemas.microsoft.com/office/drawing/2010/main" val="0"/>
               </a:ext>
             </a:extLst>
           </a:blip>
@@ -10138,7 +10097,7 @@
           <a:blip r:embed="rId18" cstate="print">
             <a:extLst>
               <a:ext uri="{28A0092B-C50C-407E-A947-70E740481C1C}">
-                <a14:useLocalDpi xmlns:a14="http://schemas.microsoft.com/office/drawing/2010/main" xmlns="" val="0"/>
+                <a14:useLocalDpi xmlns="" xmlns:a14="http://schemas.microsoft.com/office/drawing/2010/main" val="0"/>
               </a:ext>
             </a:extLst>
           </a:blip>
@@ -10175,7 +10134,7 @@
             </a:duotone>
             <a:extLst>
               <a:ext uri="{28A0092B-C50C-407E-A947-70E740481C1C}">
-                <a14:useLocalDpi xmlns:a14="http://schemas.microsoft.com/office/drawing/2010/main" xmlns="" val="0"/>
+                <a14:useLocalDpi xmlns="" xmlns:a14="http://schemas.microsoft.com/office/drawing/2010/main" val="0"/>
               </a:ext>
             </a:extLst>
           </a:blip>
@@ -10212,7 +10171,7 @@
             </a:duotone>
             <a:extLst>
               <a:ext uri="{28A0092B-C50C-407E-A947-70E740481C1C}">
-                <a14:useLocalDpi xmlns:a14="http://schemas.microsoft.com/office/drawing/2010/main" xmlns="" val="0"/>
+                <a14:useLocalDpi xmlns="" xmlns:a14="http://schemas.microsoft.com/office/drawing/2010/main" val="0"/>
               </a:ext>
             </a:extLst>
           </a:blip>
@@ -10242,17 +10201,17 @@
           <a:blip r:embed="rId17" cstate="print">
             <a:extLst>
               <a:ext uri="{28A0092B-C50C-407E-A947-70E740481C1C}">
-                <a14:useLocalDpi xmlns:a14="http://schemas.microsoft.com/office/drawing/2010/main" xmlns="" val="0"/>
-              </a:ext>
-            </a:extLst>
-          </a:blip>
-          <a:stretch>
-            <a:fillRect/>
-          </a:stretch>
-        </p:blipFill>
-        <p:spPr>
-          <a:xfrm>
-            <a:off x="-2209800" y="5257800"/>
+                <a14:useLocalDpi xmlns="" xmlns:a14="http://schemas.microsoft.com/office/drawing/2010/main" val="0"/>
+              </a:ext>
+            </a:extLst>
+          </a:blip>
+          <a:stretch>
+            <a:fillRect/>
+          </a:stretch>
+        </p:blipFill>
+        <p:spPr>
+          <a:xfrm>
+            <a:off x="-2235128" y="5257550"/>
             <a:ext cx="520120" cy="503080"/>
           </a:xfrm>
           <a:prstGeom prst="rect">
@@ -10279,7 +10238,7 @@
             </a:duotone>
             <a:extLst>
               <a:ext uri="{28A0092B-C50C-407E-A947-70E740481C1C}">
-                <a14:useLocalDpi xmlns:a14="http://schemas.microsoft.com/office/drawing/2010/main" xmlns="" val="0"/>
+                <a14:useLocalDpi xmlns="" xmlns:a14="http://schemas.microsoft.com/office/drawing/2010/main" val="0"/>
               </a:ext>
             </a:extLst>
           </a:blip>
@@ -10316,7 +10275,7 @@
             </a:duotone>
             <a:extLst>
               <a:ext uri="{28A0092B-C50C-407E-A947-70E740481C1C}">
-                <a14:useLocalDpi xmlns:a14="http://schemas.microsoft.com/office/drawing/2010/main" xmlns="" val="0"/>
+                <a14:useLocalDpi xmlns="" xmlns:a14="http://schemas.microsoft.com/office/drawing/2010/main" val="0"/>
               </a:ext>
             </a:extLst>
           </a:blip>
@@ -10353,7 +10312,7 @@
             </a:duotone>
             <a:extLst>
               <a:ext uri="{28A0092B-C50C-407E-A947-70E740481C1C}">
-                <a14:useLocalDpi xmlns:a14="http://schemas.microsoft.com/office/drawing/2010/main" xmlns="" val="0"/>
+                <a14:useLocalDpi xmlns="" xmlns:a14="http://schemas.microsoft.com/office/drawing/2010/main" val="0"/>
               </a:ext>
             </a:extLst>
           </a:blip>
@@ -10390,7 +10349,7 @@
             </a:duotone>
             <a:extLst>
               <a:ext uri="{28A0092B-C50C-407E-A947-70E740481C1C}">
-                <a14:useLocalDpi xmlns:a14="http://schemas.microsoft.com/office/drawing/2010/main" xmlns="" val="0"/>
+                <a14:useLocalDpi xmlns="" xmlns:a14="http://schemas.microsoft.com/office/drawing/2010/main" val="0"/>
               </a:ext>
             </a:extLst>
           </a:blip>
@@ -10427,7 +10386,7 @@
             </a:duotone>
             <a:extLst>
               <a:ext uri="{28A0092B-C50C-407E-A947-70E740481C1C}">
-                <a14:useLocalDpi xmlns:a14="http://schemas.microsoft.com/office/drawing/2010/main" xmlns="" val="0"/>
+                <a14:useLocalDpi xmlns="" xmlns:a14="http://schemas.microsoft.com/office/drawing/2010/main" val="0"/>
               </a:ext>
             </a:extLst>
           </a:blip>
@@ -10464,7 +10423,7 @@
             </a:duotone>
             <a:extLst>
               <a:ext uri="{28A0092B-C50C-407E-A947-70E740481C1C}">
-                <a14:useLocalDpi xmlns:a14="http://schemas.microsoft.com/office/drawing/2010/main" xmlns="" val="0"/>
+                <a14:useLocalDpi xmlns="" xmlns:a14="http://schemas.microsoft.com/office/drawing/2010/main" val="0"/>
               </a:ext>
             </a:extLst>
           </a:blip>
@@ -10501,7 +10460,7 @@
             </a:duotone>
             <a:extLst>
               <a:ext uri="{28A0092B-C50C-407E-A947-70E740481C1C}">
-                <a14:useLocalDpi xmlns:a14="http://schemas.microsoft.com/office/drawing/2010/main" xmlns="" val="0"/>
+                <a14:useLocalDpi xmlns="" xmlns:a14="http://schemas.microsoft.com/office/drawing/2010/main" val="0"/>
               </a:ext>
             </a:extLst>
           </a:blip>
@@ -10531,7 +10490,7 @@
           <a:blip r:embed="rId19" cstate="print">
             <a:extLst>
               <a:ext uri="{28A0092B-C50C-407E-A947-70E740481C1C}">
-                <a14:useLocalDpi xmlns:a14="http://schemas.microsoft.com/office/drawing/2010/main" xmlns="" val="0"/>
+                <a14:useLocalDpi xmlns="" xmlns:a14="http://schemas.microsoft.com/office/drawing/2010/main" val="0"/>
               </a:ext>
             </a:extLst>
           </a:blip>
@@ -10568,7 +10527,7 @@
             </a:duotone>
             <a:extLst>
               <a:ext uri="{28A0092B-C50C-407E-A947-70E740481C1C}">
-                <a14:useLocalDpi xmlns:a14="http://schemas.microsoft.com/office/drawing/2010/main" xmlns="" val="0"/>
+                <a14:useLocalDpi xmlns="" xmlns:a14="http://schemas.microsoft.com/office/drawing/2010/main" val="0"/>
               </a:ext>
             </a:extLst>
           </a:blip>
@@ -10605,7 +10564,7 @@
             </a:duotone>
             <a:extLst>
               <a:ext uri="{28A0092B-C50C-407E-A947-70E740481C1C}">
-                <a14:useLocalDpi xmlns:a14="http://schemas.microsoft.com/office/drawing/2010/main" xmlns="" val="0"/>
+                <a14:useLocalDpi xmlns="" xmlns:a14="http://schemas.microsoft.com/office/drawing/2010/main" val="0"/>
               </a:ext>
             </a:extLst>
           </a:blip>
@@ -10642,7 +10601,7 @@
             </a:duotone>
             <a:extLst>
               <a:ext uri="{28A0092B-C50C-407E-A947-70E740481C1C}">
-                <a14:useLocalDpi xmlns:a14="http://schemas.microsoft.com/office/drawing/2010/main" xmlns="" val="0"/>
+                <a14:useLocalDpi xmlns="" xmlns:a14="http://schemas.microsoft.com/office/drawing/2010/main" val="0"/>
               </a:ext>
             </a:extLst>
           </a:blip>
@@ -10679,7 +10638,7 @@
             </a:duotone>
             <a:extLst>
               <a:ext uri="{28A0092B-C50C-407E-A947-70E740481C1C}">
-                <a14:useLocalDpi xmlns:a14="http://schemas.microsoft.com/office/drawing/2010/main" xmlns="" val="0"/>
+                <a14:useLocalDpi xmlns="" xmlns:a14="http://schemas.microsoft.com/office/drawing/2010/main" val="0"/>
               </a:ext>
             </a:extLst>
           </a:blip>
@@ -10716,7 +10675,7 @@
             </a:duotone>
             <a:extLst>
               <a:ext uri="{28A0092B-C50C-407E-A947-70E740481C1C}">
-                <a14:useLocalDpi xmlns:a14="http://schemas.microsoft.com/office/drawing/2010/main" xmlns="" val="0"/>
+                <a14:useLocalDpi xmlns="" xmlns:a14="http://schemas.microsoft.com/office/drawing/2010/main" val="0"/>
               </a:ext>
             </a:extLst>
           </a:blip>
@@ -10728,67 +10687,6 @@
           <a:xfrm>
             <a:off x="-1069585" y="6298321"/>
             <a:ext cx="518208" cy="478719"/>
-          </a:xfrm>
-          <a:prstGeom prst="rect">
-            <a:avLst/>
-          </a:prstGeom>
-        </p:spPr>
-      </p:pic>
-      <p:pic>
-        <p:nvPicPr>
-          <p:cNvPr id="2050" name="Picture 2" descr="C:\Users\Tani\Desktop\wildmap\map.png"/>
-          <p:cNvPicPr>
-            <a:picLocks noChangeAspect="1" noChangeArrowheads="1"/>
-          </p:cNvPicPr>
-          <p:nvPr/>
-        </p:nvPicPr>
-        <p:blipFill>
-          <a:blip r:embed="rId20" cstate="print"/>
-          <a:srcRect l="5949" r="14602" b="-216"/>
-          <a:stretch>
-            <a:fillRect/>
-          </a:stretch>
-        </p:blipFill>
-        <p:spPr bwMode="auto">
-          <a:xfrm rot="300682">
-            <a:off x="1520154" y="1111845"/>
-            <a:ext cx="6426383" cy="3682444"/>
-          </a:xfrm>
-          <a:prstGeom prst="rect">
-            <a:avLst/>
-          </a:prstGeom>
-          <a:ln>
-            <a:noFill/>
-          </a:ln>
-          <a:effectLst>
-            <a:softEdge rad="112500"/>
-          </a:effectLst>
-        </p:spPr>
-      </p:pic>
-      <p:pic>
-        <p:nvPicPr>
-          <p:cNvPr id="79" name="Picture 64"/>
-          <p:cNvPicPr>
-            <a:picLocks noChangeAspect="1"/>
-          </p:cNvPicPr>
-          <p:nvPr/>
-        </p:nvPicPr>
-        <p:blipFill>
-          <a:blip r:embed="rId17" cstate="print">
-            <a:extLst>
-              <a:ext uri="{28A0092B-C50C-407E-A947-70E740481C1C}">
-                <a14:useLocalDpi xmlns:a14="http://schemas.microsoft.com/office/drawing/2010/main" xmlns="" val="0"/>
-              </a:ext>
-            </a:extLst>
-          </a:blip>
-          <a:stretch>
-            <a:fillRect/>
-          </a:stretch>
-        </p:blipFill>
-        <p:spPr>
-          <a:xfrm rot="400388">
-            <a:off x="1404507" y="4758562"/>
-            <a:ext cx="623089" cy="602676"/>
           </a:xfrm>
           <a:prstGeom prst="rect">
             <a:avLst/>
@@ -10802,9 +10700,9 @@
           <p:nvPr/>
         </p:nvSpPr>
         <p:spPr>
-          <a:xfrm rot="304681">
-            <a:off x="1993290" y="5277724"/>
-            <a:ext cx="5638800" cy="523220"/>
+          <a:xfrm>
+            <a:off x="3886200" y="5257800"/>
+            <a:ext cx="1143000" cy="461665"/>
           </a:xfrm>
           <a:prstGeom prst="rect">
             <a:avLst/>
@@ -10818,54 +10716,791 @@
           <a:lstStyle/>
           <a:p>
             <a:r>
-              <a:rPr lang="de-DE" sz="2800" b="1" dirty="0" smtClean="0">
+              <a:rPr lang="de-DE" sz="2400" b="1" dirty="0" smtClean="0">
                 <a:latin typeface="Bradley Hand ITC" pitchFamily="66" charset="0"/>
-                <a:ea typeface="Verdana" pitchFamily="34" charset="0"/>
-                <a:cs typeface="Verdana" pitchFamily="34" charset="0"/>
               </a:rPr>
-              <a:t>Karte, die Wildunfälle anzeigt</a:t>
+              <a:t>Client</a:t>
             </a:r>
-            <a:endParaRPr lang="de-DE" sz="2800" b="1" dirty="0">
+            <a:endParaRPr lang="de-DE" sz="2400" b="1" dirty="0">
               <a:latin typeface="Bradley Hand ITC" pitchFamily="66" charset="0"/>
-              <a:ea typeface="Verdana" pitchFamily="34" charset="0"/>
-              <a:cs typeface="Verdana" pitchFamily="34" charset="0"/>
             </a:endParaRPr>
           </a:p>
         </p:txBody>
       </p:sp>
-      <p:pic>
-        <p:nvPicPr>
-          <p:cNvPr id="81" name="Picture 17"/>
-          <p:cNvPicPr>
-            <a:picLocks noChangeAspect="1"/>
-          </p:cNvPicPr>
-          <p:nvPr/>
-        </p:nvPicPr>
-        <p:blipFill>
-          <a:blip r:embed="rId5" cstate="print">
-            <a:extLst>
-              <a:ext uri="{28A0092B-C50C-407E-A947-70E740481C1C}">
-                <a14:useLocalDpi xmlns:a14="http://schemas.microsoft.com/office/drawing/2010/main" xmlns="" val="0"/>
-              </a:ext>
-            </a:extLst>
-          </a:blip>
-          <a:stretch>
-            <a:fillRect/>
-          </a:stretch>
-        </p:blipFill>
-        <p:spPr>
-          <a:xfrm rot="475868">
-            <a:off x="2133600" y="5638800"/>
-            <a:ext cx="4140473" cy="228600"/>
-          </a:xfrm>
-          <a:prstGeom prst="rect">
-            <a:avLst/>
-          </a:prstGeom>
-        </p:spPr>
-      </p:pic>
+      <p:sp>
+        <p:nvSpPr>
+          <p:cNvPr id="81" name="Textfeld 80"/>
+          <p:cNvSpPr txBox="1"/>
+          <p:nvPr/>
+        </p:nvSpPr>
+        <p:spPr>
+          <a:xfrm>
+            <a:off x="1066800" y="4495800"/>
+            <a:ext cx="1219200" cy="461665"/>
+          </a:xfrm>
+          <a:prstGeom prst="rect">
+            <a:avLst/>
+          </a:prstGeom>
+          <a:noFill/>
+        </p:spPr>
+        <p:txBody>
+          <a:bodyPr wrap="square" rtlCol="0">
+            <a:spAutoFit/>
+          </a:bodyPr>
+          <a:lstStyle/>
+          <a:p>
+            <a:r>
+              <a:rPr lang="de-DE" sz="2400" b="1" dirty="0" err="1" smtClean="0">
+                <a:latin typeface="Bradley Hand ITC" pitchFamily="66" charset="0"/>
+              </a:rPr>
+              <a:t>Nginx</a:t>
+            </a:r>
+            <a:endParaRPr lang="de-DE" b="1" dirty="0">
+              <a:latin typeface="Bradley Hand ITC" pitchFamily="66" charset="0"/>
+            </a:endParaRPr>
+          </a:p>
+        </p:txBody>
+      </p:sp>
       <p:sp>
         <p:nvSpPr>
           <p:cNvPr id="82" name="Textfeld 81"/>
+          <p:cNvSpPr txBox="1"/>
+          <p:nvPr/>
+        </p:nvSpPr>
+        <p:spPr>
+          <a:xfrm>
+            <a:off x="4724400" y="2362200"/>
+            <a:ext cx="838200" cy="830997"/>
+          </a:xfrm>
+          <a:prstGeom prst="rect">
+            <a:avLst/>
+          </a:prstGeom>
+          <a:noFill/>
+        </p:spPr>
+        <p:txBody>
+          <a:bodyPr wrap="square" rtlCol="0">
+            <a:spAutoFit/>
+          </a:bodyPr>
+          <a:lstStyle/>
+          <a:p>
+            <a:r>
+              <a:rPr lang="de-DE" sz="2400" b="1" dirty="0" smtClean="0">
+                <a:latin typeface="Bradley Hand ITC" pitchFamily="66" charset="0"/>
+              </a:rPr>
+              <a:t>Open Data</a:t>
+            </a:r>
+            <a:endParaRPr lang="de-DE" sz="2400" b="1" dirty="0">
+              <a:latin typeface="Bradley Hand ITC" pitchFamily="66" charset="0"/>
+            </a:endParaRPr>
+          </a:p>
+        </p:txBody>
+      </p:sp>
+      <p:sp>
+        <p:nvSpPr>
+          <p:cNvPr id="83" name="Textfeld 82"/>
+          <p:cNvSpPr txBox="1"/>
+          <p:nvPr/>
+        </p:nvSpPr>
+        <p:spPr>
+          <a:xfrm>
+            <a:off x="838200" y="2133600"/>
+            <a:ext cx="1981200" cy="830997"/>
+          </a:xfrm>
+          <a:prstGeom prst="rect">
+            <a:avLst/>
+          </a:prstGeom>
+          <a:noFill/>
+        </p:spPr>
+        <p:txBody>
+          <a:bodyPr wrap="square" rtlCol="0">
+            <a:spAutoFit/>
+          </a:bodyPr>
+          <a:lstStyle/>
+          <a:p>
+            <a:r>
+              <a:rPr lang="de-DE" sz="2400" b="1" dirty="0" err="1" smtClean="0">
+                <a:latin typeface="Bradley Hand ITC" pitchFamily="66" charset="0"/>
+              </a:rPr>
+              <a:t>Node</a:t>
+            </a:r>
+            <a:r>
+              <a:rPr lang="de-DE" sz="2400" b="1" dirty="0" smtClean="0">
+                <a:latin typeface="Bradley Hand ITC" pitchFamily="66" charset="0"/>
+              </a:rPr>
+              <a:t>-Proxy (Express)</a:t>
+            </a:r>
+            <a:endParaRPr lang="de-DE" sz="2400" b="1" dirty="0">
+              <a:latin typeface="Bradley Hand ITC" pitchFamily="66" charset="0"/>
+            </a:endParaRPr>
+          </a:p>
+        </p:txBody>
+      </p:sp>
+      <p:sp>
+        <p:nvSpPr>
+          <p:cNvPr id="84" name="Textfeld 83"/>
+          <p:cNvSpPr txBox="1"/>
+          <p:nvPr/>
+        </p:nvSpPr>
+        <p:spPr>
+          <a:xfrm>
+            <a:off x="7010400" y="4114800"/>
+            <a:ext cx="1371600" cy="830997"/>
+          </a:xfrm>
+          <a:prstGeom prst="rect">
+            <a:avLst/>
+          </a:prstGeom>
+          <a:noFill/>
+        </p:spPr>
+        <p:txBody>
+          <a:bodyPr wrap="square" rtlCol="0">
+            <a:spAutoFit/>
+          </a:bodyPr>
+          <a:lstStyle/>
+          <a:p>
+            <a:r>
+              <a:rPr lang="de-DE" sz="2400" b="1" dirty="0" err="1" smtClean="0">
+                <a:latin typeface="Bradley Hand ITC" pitchFamily="66" charset="0"/>
+              </a:rPr>
+              <a:t>Mapbox</a:t>
+            </a:r>
+            <a:r>
+              <a:rPr lang="de-DE" sz="2400" b="1" dirty="0" smtClean="0">
+                <a:latin typeface="Bradley Hand ITC" pitchFamily="66" charset="0"/>
+              </a:rPr>
+              <a:t>/OSM</a:t>
+            </a:r>
+            <a:endParaRPr lang="de-DE" sz="2400" b="1" dirty="0">
+              <a:latin typeface="Bradley Hand ITC" pitchFamily="66" charset="0"/>
+            </a:endParaRPr>
+          </a:p>
+        </p:txBody>
+      </p:sp>
+      <p:sp>
+        <p:nvSpPr>
+          <p:cNvPr id="85" name="Textfeld 84"/>
+          <p:cNvSpPr txBox="1"/>
+          <p:nvPr/>
+        </p:nvSpPr>
+        <p:spPr>
+          <a:xfrm>
+            <a:off x="1981200" y="990600"/>
+            <a:ext cx="1905000" cy="461665"/>
+          </a:xfrm>
+          <a:prstGeom prst="rect">
+            <a:avLst/>
+          </a:prstGeom>
+          <a:noFill/>
+        </p:spPr>
+        <p:txBody>
+          <a:bodyPr wrap="square" rtlCol="0">
+            <a:spAutoFit/>
+          </a:bodyPr>
+          <a:lstStyle/>
+          <a:p>
+            <a:r>
+              <a:rPr lang="de-DE" sz="2400" b="1" dirty="0" err="1" smtClean="0">
+                <a:latin typeface="Bradley Hand ITC" pitchFamily="66" charset="0"/>
+              </a:rPr>
+              <a:t>Elasticsearch</a:t>
+            </a:r>
+            <a:endParaRPr lang="de-DE" sz="2400" b="1" dirty="0">
+              <a:latin typeface="Bradley Hand ITC" pitchFamily="66" charset="0"/>
+            </a:endParaRPr>
+          </a:p>
+        </p:txBody>
+      </p:sp>
+      <p:sp>
+        <p:nvSpPr>
+          <p:cNvPr id="86" name="Textfeld 85"/>
+          <p:cNvSpPr txBox="1"/>
+          <p:nvPr/>
+        </p:nvSpPr>
+        <p:spPr>
+          <a:xfrm>
+            <a:off x="5943600" y="1143000"/>
+            <a:ext cx="1371600" cy="461665"/>
+          </a:xfrm>
+          <a:prstGeom prst="rect">
+            <a:avLst/>
+          </a:prstGeom>
+          <a:noFill/>
+        </p:spPr>
+        <p:txBody>
+          <a:bodyPr wrap="square" rtlCol="0">
+            <a:spAutoFit/>
+          </a:bodyPr>
+          <a:lstStyle/>
+          <a:p>
+            <a:r>
+              <a:rPr lang="de-DE" sz="2400" b="1" dirty="0" err="1" smtClean="0">
+                <a:latin typeface="Bradley Hand ITC" pitchFamily="66" charset="0"/>
+              </a:rPr>
+              <a:t>Fakebot</a:t>
+            </a:r>
+            <a:endParaRPr lang="de-DE" sz="2400" b="1" dirty="0">
+              <a:latin typeface="Bradley Hand ITC" pitchFamily="66" charset="0"/>
+            </a:endParaRPr>
+          </a:p>
+        </p:txBody>
+      </p:sp>
+      <p:pic>
+        <p:nvPicPr>
+          <p:cNvPr id="88" name="Picture 41"/>
+          <p:cNvPicPr>
+            <a:picLocks noChangeAspect="1"/>
+          </p:cNvPicPr>
+          <p:nvPr/>
+        </p:nvPicPr>
+        <p:blipFill>
+          <a:blip r:embed="rId7" cstate="print">
+            <a:duotone>
+              <a:schemeClr val="accent1">
+                <a:shade val="45000"/>
+                <a:satMod val="135000"/>
+              </a:schemeClr>
+              <a:prstClr val="white"/>
+            </a:duotone>
+            <a:extLst>
+              <a:ext uri="{28A0092B-C50C-407E-A947-70E740481C1C}">
+                <a14:useLocalDpi xmlns="" xmlns:a14="http://schemas.microsoft.com/office/drawing/2010/main" val="0"/>
+              </a:ext>
+            </a:extLst>
+          </a:blip>
+          <a:stretch>
+            <a:fillRect/>
+          </a:stretch>
+        </p:blipFill>
+        <p:spPr>
+          <a:xfrm rot="10963831">
+            <a:off x="792145" y="4153989"/>
+            <a:ext cx="1676400" cy="1305571"/>
+          </a:xfrm>
+          <a:prstGeom prst="rect">
+            <a:avLst/>
+          </a:prstGeom>
+        </p:spPr>
+      </p:pic>
+      <p:pic>
+        <p:nvPicPr>
+          <p:cNvPr id="89" name="Picture 41"/>
+          <p:cNvPicPr>
+            <a:picLocks noChangeAspect="1"/>
+          </p:cNvPicPr>
+          <p:nvPr/>
+        </p:nvPicPr>
+        <p:blipFill>
+          <a:blip r:embed="rId7" cstate="print">
+            <a:duotone>
+              <a:schemeClr val="accent1">
+                <a:shade val="45000"/>
+                <a:satMod val="135000"/>
+              </a:schemeClr>
+              <a:prstClr val="white"/>
+            </a:duotone>
+            <a:extLst>
+              <a:ext uri="{28A0092B-C50C-407E-A947-70E740481C1C}">
+                <a14:useLocalDpi xmlns="" xmlns:a14="http://schemas.microsoft.com/office/drawing/2010/main" val="0"/>
+              </a:ext>
+            </a:extLst>
+          </a:blip>
+          <a:stretch>
+            <a:fillRect/>
+          </a:stretch>
+        </p:blipFill>
+        <p:spPr>
+          <a:xfrm rot="20079027">
+            <a:off x="6626681" y="3689177"/>
+            <a:ext cx="1905000" cy="1483604"/>
+          </a:xfrm>
+          <a:prstGeom prst="rect">
+            <a:avLst/>
+          </a:prstGeom>
+        </p:spPr>
+      </p:pic>
+      <p:pic>
+        <p:nvPicPr>
+          <p:cNvPr id="90" name="Picture 20"/>
+          <p:cNvPicPr>
+            <a:picLocks noChangeAspect="1"/>
+          </p:cNvPicPr>
+          <p:nvPr/>
+        </p:nvPicPr>
+        <p:blipFill>
+          <a:blip r:embed="rId4" cstate="print">
+            <a:duotone>
+              <a:schemeClr val="accent1">
+                <a:shade val="45000"/>
+                <a:satMod val="135000"/>
+              </a:schemeClr>
+              <a:prstClr val="white"/>
+            </a:duotone>
+            <a:extLst>
+              <a:ext uri="{28A0092B-C50C-407E-A947-70E740481C1C}">
+                <a14:useLocalDpi xmlns="" xmlns:a14="http://schemas.microsoft.com/office/drawing/2010/main" val="0"/>
+              </a:ext>
+            </a:extLst>
+          </a:blip>
+          <a:stretch>
+            <a:fillRect/>
+          </a:stretch>
+        </p:blipFill>
+        <p:spPr>
+          <a:xfrm rot="5400000">
+            <a:off x="1191516" y="3456684"/>
+            <a:ext cx="908106" cy="243139"/>
+          </a:xfrm>
+          <a:prstGeom prst="rect">
+            <a:avLst/>
+          </a:prstGeom>
+        </p:spPr>
+      </p:pic>
+      <p:pic>
+        <p:nvPicPr>
+          <p:cNvPr id="92" name="Picture 20"/>
+          <p:cNvPicPr>
+            <a:picLocks noChangeAspect="1"/>
+          </p:cNvPicPr>
+          <p:nvPr/>
+        </p:nvPicPr>
+        <p:blipFill>
+          <a:blip r:embed="rId4" cstate="print">
+            <a:duotone>
+              <a:schemeClr val="accent1">
+                <a:shade val="45000"/>
+                <a:satMod val="135000"/>
+              </a:schemeClr>
+              <a:prstClr val="white"/>
+            </a:duotone>
+            <a:extLst>
+              <a:ext uri="{28A0092B-C50C-407E-A947-70E740481C1C}">
+                <a14:useLocalDpi xmlns="" xmlns:a14="http://schemas.microsoft.com/office/drawing/2010/main" val="0"/>
+              </a:ext>
+            </a:extLst>
+          </a:blip>
+          <a:stretch>
+            <a:fillRect/>
+          </a:stretch>
+        </p:blipFill>
+        <p:spPr>
+          <a:xfrm rot="7370491">
+            <a:off x="1661448" y="1652668"/>
+            <a:ext cx="783319" cy="209728"/>
+          </a:xfrm>
+          <a:prstGeom prst="rect">
+            <a:avLst/>
+          </a:prstGeom>
+        </p:spPr>
+      </p:pic>
+      <p:pic>
+        <p:nvPicPr>
+          <p:cNvPr id="93" name="Picture 20"/>
+          <p:cNvPicPr>
+            <a:picLocks noChangeAspect="1"/>
+          </p:cNvPicPr>
+          <p:nvPr/>
+        </p:nvPicPr>
+        <p:blipFill>
+          <a:blip r:embed="rId4" cstate="print">
+            <a:duotone>
+              <a:schemeClr val="accent1">
+                <a:shade val="45000"/>
+                <a:satMod val="135000"/>
+              </a:schemeClr>
+              <a:prstClr val="white"/>
+            </a:duotone>
+            <a:extLst>
+              <a:ext uri="{28A0092B-C50C-407E-A947-70E740481C1C}">
+                <a14:useLocalDpi xmlns="" xmlns:a14="http://schemas.microsoft.com/office/drawing/2010/main" val="0"/>
+              </a:ext>
+            </a:extLst>
+          </a:blip>
+          <a:stretch>
+            <a:fillRect/>
+          </a:stretch>
+        </p:blipFill>
+        <p:spPr>
+          <a:xfrm rot="18219916">
+            <a:off x="2046330" y="1727040"/>
+            <a:ext cx="783319" cy="209728"/>
+          </a:xfrm>
+          <a:prstGeom prst="rect">
+            <a:avLst/>
+          </a:prstGeom>
+        </p:spPr>
+      </p:pic>
+      <p:pic>
+        <p:nvPicPr>
+          <p:cNvPr id="94" name="Picture 20"/>
+          <p:cNvPicPr>
+            <a:picLocks noChangeAspect="1"/>
+          </p:cNvPicPr>
+          <p:nvPr/>
+        </p:nvPicPr>
+        <p:blipFill>
+          <a:blip r:embed="rId4" cstate="print">
+            <a:duotone>
+              <a:schemeClr val="accent1">
+                <a:shade val="45000"/>
+                <a:satMod val="135000"/>
+              </a:schemeClr>
+              <a:prstClr val="white"/>
+            </a:duotone>
+            <a:extLst>
+              <a:ext uri="{28A0092B-C50C-407E-A947-70E740481C1C}">
+                <a14:useLocalDpi xmlns="" xmlns:a14="http://schemas.microsoft.com/office/drawing/2010/main" val="0"/>
+              </a:ext>
+            </a:extLst>
+          </a:blip>
+          <a:stretch>
+            <a:fillRect/>
+          </a:stretch>
+        </p:blipFill>
+        <p:spPr>
+          <a:xfrm rot="11153312">
+            <a:off x="4057807" y="1154367"/>
+            <a:ext cx="1730893" cy="463434"/>
+          </a:xfrm>
+          <a:prstGeom prst="rect">
+            <a:avLst/>
+          </a:prstGeom>
+        </p:spPr>
+      </p:pic>
+      <p:pic>
+        <p:nvPicPr>
+          <p:cNvPr id="95" name="Picture 20"/>
+          <p:cNvPicPr>
+            <a:picLocks noChangeAspect="1"/>
+          </p:cNvPicPr>
+          <p:nvPr/>
+        </p:nvPicPr>
+        <p:blipFill>
+          <a:blip r:embed="rId4" cstate="print">
+            <a:duotone>
+              <a:schemeClr val="accent1">
+                <a:shade val="45000"/>
+                <a:satMod val="135000"/>
+              </a:schemeClr>
+              <a:prstClr val="white"/>
+            </a:duotone>
+            <a:extLst>
+              <a:ext uri="{28A0092B-C50C-407E-A947-70E740481C1C}">
+                <a14:useLocalDpi xmlns="" xmlns:a14="http://schemas.microsoft.com/office/drawing/2010/main" val="0"/>
+              </a:ext>
+            </a:extLst>
+          </a:blip>
+          <a:stretch>
+            <a:fillRect/>
+          </a:stretch>
+        </p:blipFill>
+        <p:spPr>
+          <a:xfrm rot="13221231">
+            <a:off x="3620113" y="1862914"/>
+            <a:ext cx="1161059" cy="310865"/>
+          </a:xfrm>
+          <a:prstGeom prst="rect">
+            <a:avLst/>
+          </a:prstGeom>
+        </p:spPr>
+      </p:pic>
+      <p:pic>
+        <p:nvPicPr>
+          <p:cNvPr id="96" name="Picture 20"/>
+          <p:cNvPicPr>
+            <a:picLocks noChangeAspect="1"/>
+          </p:cNvPicPr>
+          <p:nvPr/>
+        </p:nvPicPr>
+        <p:blipFill>
+          <a:blip r:embed="rId4" cstate="print">
+            <a:duotone>
+              <a:schemeClr val="accent1">
+                <a:shade val="45000"/>
+                <a:satMod val="135000"/>
+              </a:schemeClr>
+              <a:prstClr val="white"/>
+            </a:duotone>
+            <a:extLst>
+              <a:ext uri="{28A0092B-C50C-407E-A947-70E740481C1C}">
+                <a14:useLocalDpi xmlns="" xmlns:a14="http://schemas.microsoft.com/office/drawing/2010/main" val="0"/>
+              </a:ext>
+            </a:extLst>
+          </a:blip>
+          <a:stretch>
+            <a:fillRect/>
+          </a:stretch>
+        </p:blipFill>
+        <p:spPr>
+          <a:xfrm rot="9597648">
+            <a:off x="5417290" y="5135722"/>
+            <a:ext cx="1210505" cy="324104"/>
+          </a:xfrm>
+          <a:prstGeom prst="rect">
+            <a:avLst/>
+          </a:prstGeom>
+        </p:spPr>
+      </p:pic>
+      <p:pic>
+        <p:nvPicPr>
+          <p:cNvPr id="97" name="Picture 20"/>
+          <p:cNvPicPr>
+            <a:picLocks noChangeAspect="1"/>
+          </p:cNvPicPr>
+          <p:nvPr/>
+        </p:nvPicPr>
+        <p:blipFill>
+          <a:blip r:embed="rId4" cstate="print">
+            <a:duotone>
+              <a:schemeClr val="accent1">
+                <a:shade val="45000"/>
+                <a:satMod val="135000"/>
+              </a:schemeClr>
+              <a:prstClr val="white"/>
+            </a:duotone>
+            <a:extLst>
+              <a:ext uri="{28A0092B-C50C-407E-A947-70E740481C1C}">
+                <a14:useLocalDpi xmlns="" xmlns:a14="http://schemas.microsoft.com/office/drawing/2010/main" val="0"/>
+              </a:ext>
+            </a:extLst>
+          </a:blip>
+          <a:stretch>
+            <a:fillRect/>
+          </a:stretch>
+        </p:blipFill>
+        <p:spPr>
+          <a:xfrm rot="20191001">
+            <a:off x="5272050" y="4644270"/>
+            <a:ext cx="1194079" cy="319706"/>
+          </a:xfrm>
+          <a:prstGeom prst="rect">
+            <a:avLst/>
+          </a:prstGeom>
+        </p:spPr>
+      </p:pic>
+      <p:pic>
+        <p:nvPicPr>
+          <p:cNvPr id="98" name="Picture 20"/>
+          <p:cNvPicPr>
+            <a:picLocks noChangeAspect="1"/>
+          </p:cNvPicPr>
+          <p:nvPr/>
+        </p:nvPicPr>
+        <p:blipFill>
+          <a:blip r:embed="rId4" cstate="print">
+            <a:duotone>
+              <a:schemeClr val="accent1">
+                <a:shade val="45000"/>
+                <a:satMod val="135000"/>
+              </a:schemeClr>
+              <a:prstClr val="white"/>
+            </a:duotone>
+            <a:extLst>
+              <a:ext uri="{28A0092B-C50C-407E-A947-70E740481C1C}">
+                <a14:useLocalDpi xmlns="" xmlns:a14="http://schemas.microsoft.com/office/drawing/2010/main" val="0"/>
+              </a:ext>
+            </a:extLst>
+          </a:blip>
+          <a:stretch>
+            <a:fillRect/>
+          </a:stretch>
+        </p:blipFill>
+        <p:spPr>
+          <a:xfrm rot="12093328">
+            <a:off x="2678135" y="5165764"/>
+            <a:ext cx="783319" cy="209728"/>
+          </a:xfrm>
+          <a:prstGeom prst="rect">
+            <a:avLst/>
+          </a:prstGeom>
+        </p:spPr>
+      </p:pic>
+      <p:pic>
+        <p:nvPicPr>
+          <p:cNvPr id="99" name="Picture 20"/>
+          <p:cNvPicPr>
+            <a:picLocks noChangeAspect="1"/>
+          </p:cNvPicPr>
+          <p:nvPr/>
+        </p:nvPicPr>
+        <p:blipFill>
+          <a:blip r:embed="rId4" cstate="print">
+            <a:duotone>
+              <a:schemeClr val="accent1">
+                <a:shade val="45000"/>
+                <a:satMod val="135000"/>
+              </a:schemeClr>
+              <a:prstClr val="white"/>
+            </a:duotone>
+            <a:extLst>
+              <a:ext uri="{28A0092B-C50C-407E-A947-70E740481C1C}">
+                <a14:useLocalDpi xmlns="" xmlns:a14="http://schemas.microsoft.com/office/drawing/2010/main" val="0"/>
+              </a:ext>
+            </a:extLst>
+          </a:blip>
+          <a:stretch>
+            <a:fillRect/>
+          </a:stretch>
+        </p:blipFill>
+        <p:spPr>
+          <a:xfrm rot="1232777">
+            <a:off x="2755090" y="4778989"/>
+            <a:ext cx="783319" cy="209728"/>
+          </a:xfrm>
+          <a:prstGeom prst="rect">
+            <a:avLst/>
+          </a:prstGeom>
+        </p:spPr>
+      </p:pic>
+      <p:pic>
+        <p:nvPicPr>
+          <p:cNvPr id="100" name="Picture 42"/>
+          <p:cNvPicPr>
+            <a:picLocks noChangeAspect="1"/>
+          </p:cNvPicPr>
+          <p:nvPr/>
+        </p:nvPicPr>
+        <p:blipFill>
+          <a:blip r:embed="rId7" cstate="print">
+            <a:duotone>
+              <a:schemeClr val="accent2">
+                <a:shade val="45000"/>
+                <a:satMod val="135000"/>
+              </a:schemeClr>
+              <a:prstClr val="white"/>
+            </a:duotone>
+            <a:extLst>
+              <a:ext uri="{28A0092B-C50C-407E-A947-70E740481C1C}">
+                <a14:useLocalDpi xmlns="" xmlns:a14="http://schemas.microsoft.com/office/drawing/2010/main" val="0"/>
+              </a:ext>
+            </a:extLst>
+          </a:blip>
+          <a:stretch>
+            <a:fillRect/>
+          </a:stretch>
+        </p:blipFill>
+        <p:spPr>
+          <a:xfrm>
+            <a:off x="3733800" y="4800600"/>
+            <a:ext cx="1467653" cy="1143000"/>
+          </a:xfrm>
+          <a:prstGeom prst="rect">
+            <a:avLst/>
+          </a:prstGeom>
+        </p:spPr>
+      </p:pic>
+      <p:pic>
+        <p:nvPicPr>
+          <p:cNvPr id="101" name="Picture 25"/>
+          <p:cNvPicPr>
+            <a:picLocks noChangeAspect="1"/>
+          </p:cNvPicPr>
+          <p:nvPr/>
+        </p:nvPicPr>
+        <p:blipFill>
+          <a:blip r:embed="rId5" cstate="print">
+            <a:duotone>
+              <a:schemeClr val="accent2">
+                <a:shade val="45000"/>
+                <a:satMod val="135000"/>
+              </a:schemeClr>
+              <a:prstClr val="white"/>
+            </a:duotone>
+            <a:extLst>
+              <a:ext uri="{28A0092B-C50C-407E-A947-70E740481C1C}">
+                <a14:useLocalDpi xmlns="" xmlns:a14="http://schemas.microsoft.com/office/drawing/2010/main" val="0"/>
+              </a:ext>
+            </a:extLst>
+          </a:blip>
+          <a:stretch>
+            <a:fillRect/>
+          </a:stretch>
+        </p:blipFill>
+        <p:spPr>
+          <a:xfrm>
+            <a:off x="5257800" y="1524000"/>
+            <a:ext cx="2209800" cy="122005"/>
+          </a:xfrm>
+          <a:prstGeom prst="rect">
+            <a:avLst/>
+          </a:prstGeom>
+        </p:spPr>
+      </p:pic>
+      <p:pic>
+        <p:nvPicPr>
+          <p:cNvPr id="102" name="Picture 25"/>
+          <p:cNvPicPr>
+            <a:picLocks noChangeAspect="1"/>
+          </p:cNvPicPr>
+          <p:nvPr/>
+        </p:nvPicPr>
+        <p:blipFill>
+          <a:blip r:embed="rId5" cstate="print">
+            <a:duotone>
+              <a:schemeClr val="accent2">
+                <a:shade val="45000"/>
+                <a:satMod val="135000"/>
+              </a:schemeClr>
+              <a:prstClr val="white"/>
+            </a:duotone>
+            <a:extLst>
+              <a:ext uri="{28A0092B-C50C-407E-A947-70E740481C1C}">
+                <a14:useLocalDpi xmlns="" xmlns:a14="http://schemas.microsoft.com/office/drawing/2010/main" val="0"/>
+              </a:ext>
+            </a:extLst>
+          </a:blip>
+          <a:stretch>
+            <a:fillRect/>
+          </a:stretch>
+        </p:blipFill>
+        <p:spPr>
+          <a:xfrm>
+            <a:off x="4495800" y="2743200"/>
+            <a:ext cx="1034122" cy="57095"/>
+          </a:xfrm>
+          <a:prstGeom prst="rect">
+            <a:avLst/>
+          </a:prstGeom>
+        </p:spPr>
+      </p:pic>
+      <p:pic>
+        <p:nvPicPr>
+          <p:cNvPr id="103" name="Picture 25"/>
+          <p:cNvPicPr>
+            <a:picLocks noChangeAspect="1"/>
+          </p:cNvPicPr>
+          <p:nvPr/>
+        </p:nvPicPr>
+        <p:blipFill>
+          <a:blip r:embed="rId5" cstate="print">
+            <a:duotone>
+              <a:schemeClr val="accent2">
+                <a:shade val="45000"/>
+                <a:satMod val="135000"/>
+              </a:schemeClr>
+              <a:prstClr val="white"/>
+            </a:duotone>
+            <a:extLst>
+              <a:ext uri="{28A0092B-C50C-407E-A947-70E740481C1C}">
+                <a14:useLocalDpi xmlns="" xmlns:a14="http://schemas.microsoft.com/office/drawing/2010/main" val="0"/>
+              </a:ext>
+            </a:extLst>
+          </a:blip>
+          <a:stretch>
+            <a:fillRect/>
+          </a:stretch>
+        </p:blipFill>
+        <p:spPr>
+          <a:xfrm>
+            <a:off x="4648200" y="3048000"/>
+            <a:ext cx="1034122" cy="57095"/>
+          </a:xfrm>
+          <a:prstGeom prst="rect">
+            <a:avLst/>
+          </a:prstGeom>
+        </p:spPr>
+      </p:pic>
+      <p:sp>
+        <p:nvSpPr>
+          <p:cNvPr id="104" name="Textfeld 103"/>
           <p:cNvSpPr txBox="1"/>
           <p:nvPr/>
         </p:nvSpPr>
@@ -10924,5410 +11559,7 @@
     </p:spTree>
     <p:extLst>
       <p:ext uri="{BB962C8B-B14F-4D97-AF65-F5344CB8AC3E}">
-        <p14:creationId xmlns:p14="http://schemas.microsoft.com/office/powerpoint/2010/main" xmlns="" val="2163611856"/>
-      </p:ext>
-    </p:extLst>
-  </p:cSld>
-  <p:clrMapOvr>
-    <a:masterClrMapping/>
-  </p:clrMapOvr>
-  <p:timing>
-    <p:tnLst>
-      <p:par>
-        <p:cTn id="1" dur="indefinite" restart="never" nodeType="tmRoot"/>
-      </p:par>
-    </p:tnLst>
-  </p:timing>
-</p:sld>
-</file>
-
-<file path=ppt/slides/slide4.xml><?xml version="1.0" encoding="utf-8"?>
-<p:sld xmlns:a="http://schemas.openxmlformats.org/drawingml/2006/main" xmlns:r="http://schemas.openxmlformats.org/officeDocument/2006/relationships" xmlns:p="http://schemas.openxmlformats.org/presentationml/2006/main">
-  <p:cSld>
-    <p:spTree>
-      <p:nvGrpSpPr>
-        <p:cNvPr id="1" name=""/>
-        <p:cNvGrpSpPr/>
-        <p:nvPr/>
-      </p:nvGrpSpPr>
-      <p:grpSpPr>
-        <a:xfrm>
-          <a:off x="0" y="0"/>
-          <a:ext cx="0" cy="0"/>
-          <a:chOff x="0" y="0"/>
-          <a:chExt cx="0" cy="0"/>
-        </a:xfrm>
-      </p:grpSpPr>
-      <p:pic>
-        <p:nvPicPr>
-          <p:cNvPr id="8" name="Picture 7"/>
-          <p:cNvPicPr>
-            <a:picLocks noChangeAspect="1"/>
-          </p:cNvPicPr>
-          <p:nvPr/>
-        </p:nvPicPr>
-        <p:blipFill>
-          <a:blip r:embed="rId3" cstate="print">
-            <a:extLst>
-              <a:ext uri="{28A0092B-C50C-407E-A947-70E740481C1C}">
-                <a14:useLocalDpi xmlns:a14="http://schemas.microsoft.com/office/drawing/2010/main" xmlns="" val="0"/>
-              </a:ext>
-            </a:extLst>
-          </a:blip>
-          <a:stretch>
-            <a:fillRect/>
-          </a:stretch>
-        </p:blipFill>
-        <p:spPr>
-          <a:xfrm>
-            <a:off x="19084" y="0"/>
-            <a:ext cx="9105833" cy="6858000"/>
-          </a:xfrm>
-          <a:prstGeom prst="rect">
-            <a:avLst/>
-          </a:prstGeom>
-        </p:spPr>
-      </p:pic>
-      <p:pic>
-        <p:nvPicPr>
-          <p:cNvPr id="11" name="Picture 10"/>
-          <p:cNvPicPr>
-            <a:picLocks noChangeAspect="1"/>
-          </p:cNvPicPr>
-          <p:nvPr/>
-        </p:nvPicPr>
-        <p:blipFill>
-          <a:blip r:embed="rId4" cstate="print">
-            <a:extLst>
-              <a:ext uri="{28A0092B-C50C-407E-A947-70E740481C1C}">
-                <a14:useLocalDpi xmlns:a14="http://schemas.microsoft.com/office/drawing/2010/main" xmlns="" val="0"/>
-              </a:ext>
-            </a:extLst>
-          </a:blip>
-          <a:stretch>
-            <a:fillRect/>
-          </a:stretch>
-        </p:blipFill>
-        <p:spPr>
-          <a:xfrm>
-            <a:off x="-1174096" y="223592"/>
-            <a:ext cx="908106" cy="243139"/>
-          </a:xfrm>
-          <a:prstGeom prst="rect">
-            <a:avLst/>
-          </a:prstGeom>
-        </p:spPr>
-      </p:pic>
-      <p:pic>
-        <p:nvPicPr>
-          <p:cNvPr id="18" name="Picture 17"/>
-          <p:cNvPicPr>
-            <a:picLocks noChangeAspect="1"/>
-          </p:cNvPicPr>
-          <p:nvPr/>
-        </p:nvPicPr>
-        <p:blipFill>
-          <a:blip r:embed="rId5" cstate="print">
-            <a:extLst>
-              <a:ext uri="{28A0092B-C50C-407E-A947-70E740481C1C}">
-                <a14:useLocalDpi xmlns:a14="http://schemas.microsoft.com/office/drawing/2010/main" xmlns="" val="0"/>
-              </a:ext>
-            </a:extLst>
-          </a:blip>
-          <a:stretch>
-            <a:fillRect/>
-          </a:stretch>
-        </p:blipFill>
-        <p:spPr>
-          <a:xfrm>
-            <a:off x="-2436687" y="345162"/>
-            <a:ext cx="1034122" cy="57095"/>
-          </a:xfrm>
-          <a:prstGeom prst="rect">
-            <a:avLst/>
-          </a:prstGeom>
-        </p:spPr>
-      </p:pic>
-      <p:pic>
-        <p:nvPicPr>
-          <p:cNvPr id="20" name="Picture 19"/>
-          <p:cNvPicPr>
-            <a:picLocks noChangeAspect="1"/>
-          </p:cNvPicPr>
-          <p:nvPr/>
-        </p:nvPicPr>
-        <p:blipFill>
-          <a:blip r:embed="rId6" cstate="print">
-            <a:extLst>
-              <a:ext uri="{28A0092B-C50C-407E-A947-70E740481C1C}">
-                <a14:useLocalDpi xmlns:a14="http://schemas.microsoft.com/office/drawing/2010/main" xmlns="" val="0"/>
-              </a:ext>
-            </a:extLst>
-          </a:blip>
-          <a:stretch>
-            <a:fillRect/>
-          </a:stretch>
-        </p:blipFill>
-        <p:spPr>
-          <a:xfrm>
-            <a:off x="-3939771" y="240660"/>
-            <a:ext cx="1310989" cy="209002"/>
-          </a:xfrm>
-          <a:prstGeom prst="rect">
-            <a:avLst/>
-          </a:prstGeom>
-        </p:spPr>
-      </p:pic>
-      <p:pic>
-        <p:nvPicPr>
-          <p:cNvPr id="21" name="Picture 20"/>
-          <p:cNvPicPr>
-            <a:picLocks noChangeAspect="1"/>
-          </p:cNvPicPr>
-          <p:nvPr/>
-        </p:nvPicPr>
-        <p:blipFill>
-          <a:blip r:embed="rId4" cstate="print">
-            <a:duotone>
-              <a:schemeClr val="accent1">
-                <a:shade val="45000"/>
-                <a:satMod val="135000"/>
-              </a:schemeClr>
-              <a:prstClr val="white"/>
-            </a:duotone>
-            <a:extLst>
-              <a:ext uri="{28A0092B-C50C-407E-A947-70E740481C1C}">
-                <a14:useLocalDpi xmlns:a14="http://schemas.microsoft.com/office/drawing/2010/main" xmlns="" val="0"/>
-              </a:ext>
-            </a:extLst>
-          </a:blip>
-          <a:stretch>
-            <a:fillRect/>
-          </a:stretch>
-        </p:blipFill>
-        <p:spPr>
-          <a:xfrm>
-            <a:off x="-1174096" y="495474"/>
-            <a:ext cx="908106" cy="243139"/>
-          </a:xfrm>
-          <a:prstGeom prst="rect">
-            <a:avLst/>
-          </a:prstGeom>
-        </p:spPr>
-      </p:pic>
-      <p:pic>
-        <p:nvPicPr>
-          <p:cNvPr id="22" name="Picture 21"/>
-          <p:cNvPicPr>
-            <a:picLocks noChangeAspect="1"/>
-          </p:cNvPicPr>
-          <p:nvPr/>
-        </p:nvPicPr>
-        <p:blipFill>
-          <a:blip r:embed="rId5" cstate="print">
-            <a:duotone>
-              <a:schemeClr val="accent1">
-                <a:shade val="45000"/>
-                <a:satMod val="135000"/>
-              </a:schemeClr>
-              <a:prstClr val="white"/>
-            </a:duotone>
-            <a:extLst>
-              <a:ext uri="{28A0092B-C50C-407E-A947-70E740481C1C}">
-                <a14:useLocalDpi xmlns:a14="http://schemas.microsoft.com/office/drawing/2010/main" xmlns="" val="0"/>
-              </a:ext>
-            </a:extLst>
-          </a:blip>
-          <a:stretch>
-            <a:fillRect/>
-          </a:stretch>
-        </p:blipFill>
-        <p:spPr>
-          <a:xfrm>
-            <a:off x="-2436687" y="617044"/>
-            <a:ext cx="1034122" cy="57095"/>
-          </a:xfrm>
-          <a:prstGeom prst="rect">
-            <a:avLst/>
-          </a:prstGeom>
-        </p:spPr>
-      </p:pic>
-      <p:pic>
-        <p:nvPicPr>
-          <p:cNvPr id="23" name="Picture 22"/>
-          <p:cNvPicPr>
-            <a:picLocks noChangeAspect="1"/>
-          </p:cNvPicPr>
-          <p:nvPr/>
-        </p:nvPicPr>
-        <p:blipFill>
-          <a:blip r:embed="rId6" cstate="print">
-            <a:duotone>
-              <a:schemeClr val="accent1">
-                <a:shade val="45000"/>
-                <a:satMod val="135000"/>
-              </a:schemeClr>
-              <a:prstClr val="white"/>
-            </a:duotone>
-            <a:extLst>
-              <a:ext uri="{28A0092B-C50C-407E-A947-70E740481C1C}">
-                <a14:useLocalDpi xmlns:a14="http://schemas.microsoft.com/office/drawing/2010/main" xmlns="" val="0"/>
-              </a:ext>
-            </a:extLst>
-          </a:blip>
-          <a:stretch>
-            <a:fillRect/>
-          </a:stretch>
-        </p:blipFill>
-        <p:spPr>
-          <a:xfrm>
-            <a:off x="-3939771" y="512543"/>
-            <a:ext cx="1310989" cy="209002"/>
-          </a:xfrm>
-          <a:prstGeom prst="rect">
-            <a:avLst/>
-          </a:prstGeom>
-        </p:spPr>
-      </p:pic>
-      <p:pic>
-        <p:nvPicPr>
-          <p:cNvPr id="25" name="Picture 24"/>
-          <p:cNvPicPr>
-            <a:picLocks noChangeAspect="1"/>
-          </p:cNvPicPr>
-          <p:nvPr/>
-        </p:nvPicPr>
-        <p:blipFill>
-          <a:blip r:embed="rId4" cstate="print">
-            <a:duotone>
-              <a:schemeClr val="accent2">
-                <a:shade val="45000"/>
-                <a:satMod val="135000"/>
-              </a:schemeClr>
-              <a:prstClr val="white"/>
-            </a:duotone>
-            <a:extLst>
-              <a:ext uri="{28A0092B-C50C-407E-A947-70E740481C1C}">
-                <a14:useLocalDpi xmlns:a14="http://schemas.microsoft.com/office/drawing/2010/main" xmlns="" val="0"/>
-              </a:ext>
-            </a:extLst>
-          </a:blip>
-          <a:stretch>
-            <a:fillRect/>
-          </a:stretch>
-        </p:blipFill>
-        <p:spPr>
-          <a:xfrm>
-            <a:off x="-1174096" y="804220"/>
-            <a:ext cx="908106" cy="243139"/>
-          </a:xfrm>
-          <a:prstGeom prst="rect">
-            <a:avLst/>
-          </a:prstGeom>
-        </p:spPr>
-      </p:pic>
-      <p:pic>
-        <p:nvPicPr>
-          <p:cNvPr id="26" name="Picture 25"/>
-          <p:cNvPicPr>
-            <a:picLocks noChangeAspect="1"/>
-          </p:cNvPicPr>
-          <p:nvPr/>
-        </p:nvPicPr>
-        <p:blipFill>
-          <a:blip r:embed="rId5" cstate="print">
-            <a:duotone>
-              <a:schemeClr val="accent2">
-                <a:shade val="45000"/>
-                <a:satMod val="135000"/>
-              </a:schemeClr>
-              <a:prstClr val="white"/>
-            </a:duotone>
-            <a:extLst>
-              <a:ext uri="{28A0092B-C50C-407E-A947-70E740481C1C}">
-                <a14:useLocalDpi xmlns:a14="http://schemas.microsoft.com/office/drawing/2010/main" xmlns="" val="0"/>
-              </a:ext>
-            </a:extLst>
-          </a:blip>
-          <a:stretch>
-            <a:fillRect/>
-          </a:stretch>
-        </p:blipFill>
-        <p:spPr>
-          <a:xfrm>
-            <a:off x="-2436687" y="925790"/>
-            <a:ext cx="1034122" cy="57095"/>
-          </a:xfrm>
-          <a:prstGeom prst="rect">
-            <a:avLst/>
-          </a:prstGeom>
-        </p:spPr>
-      </p:pic>
-      <p:pic>
-        <p:nvPicPr>
-          <p:cNvPr id="27" name="Picture 26"/>
-          <p:cNvPicPr>
-            <a:picLocks noChangeAspect="1"/>
-          </p:cNvPicPr>
-          <p:nvPr/>
-        </p:nvPicPr>
-        <p:blipFill>
-          <a:blip r:embed="rId6" cstate="print">
-            <a:duotone>
-              <a:schemeClr val="accent2">
-                <a:shade val="45000"/>
-                <a:satMod val="135000"/>
-              </a:schemeClr>
-              <a:prstClr val="white"/>
-            </a:duotone>
-            <a:extLst>
-              <a:ext uri="{28A0092B-C50C-407E-A947-70E740481C1C}">
-                <a14:useLocalDpi xmlns:a14="http://schemas.microsoft.com/office/drawing/2010/main" xmlns="" val="0"/>
-              </a:ext>
-            </a:extLst>
-          </a:blip>
-          <a:stretch>
-            <a:fillRect/>
-          </a:stretch>
-        </p:blipFill>
-        <p:spPr>
-          <a:xfrm>
-            <a:off x="-3939771" y="821289"/>
-            <a:ext cx="1310989" cy="209002"/>
-          </a:xfrm>
-          <a:prstGeom prst="rect">
-            <a:avLst/>
-          </a:prstGeom>
-        </p:spPr>
-      </p:pic>
-      <p:pic>
-        <p:nvPicPr>
-          <p:cNvPr id="28" name="Picture 27"/>
-          <p:cNvPicPr>
-            <a:picLocks noChangeAspect="1"/>
-          </p:cNvPicPr>
-          <p:nvPr/>
-        </p:nvPicPr>
-        <p:blipFill>
-          <a:blip r:embed="rId4" cstate="print">
-            <a:duotone>
-              <a:schemeClr val="accent3">
-                <a:shade val="45000"/>
-                <a:satMod val="135000"/>
-              </a:schemeClr>
-              <a:prstClr val="white"/>
-            </a:duotone>
-            <a:extLst>
-              <a:ext uri="{28A0092B-C50C-407E-A947-70E740481C1C}">
-                <a14:useLocalDpi xmlns:a14="http://schemas.microsoft.com/office/drawing/2010/main" xmlns="" val="0"/>
-              </a:ext>
-            </a:extLst>
-          </a:blip>
-          <a:stretch>
-            <a:fillRect/>
-          </a:stretch>
-        </p:blipFill>
-        <p:spPr>
-          <a:xfrm>
-            <a:off x="-1174096" y="1098055"/>
-            <a:ext cx="908106" cy="243139"/>
-          </a:xfrm>
-          <a:prstGeom prst="rect">
-            <a:avLst/>
-          </a:prstGeom>
-        </p:spPr>
-      </p:pic>
-      <p:pic>
-        <p:nvPicPr>
-          <p:cNvPr id="29" name="Picture 28"/>
-          <p:cNvPicPr>
-            <a:picLocks noChangeAspect="1"/>
-          </p:cNvPicPr>
-          <p:nvPr/>
-        </p:nvPicPr>
-        <p:blipFill>
-          <a:blip r:embed="rId5" cstate="print">
-            <a:duotone>
-              <a:schemeClr val="accent3">
-                <a:shade val="45000"/>
-                <a:satMod val="135000"/>
-              </a:schemeClr>
-              <a:prstClr val="white"/>
-            </a:duotone>
-            <a:extLst>
-              <a:ext uri="{28A0092B-C50C-407E-A947-70E740481C1C}">
-                <a14:useLocalDpi xmlns:a14="http://schemas.microsoft.com/office/drawing/2010/main" xmlns="" val="0"/>
-              </a:ext>
-            </a:extLst>
-          </a:blip>
-          <a:stretch>
-            <a:fillRect/>
-          </a:stretch>
-        </p:blipFill>
-        <p:spPr>
-          <a:xfrm>
-            <a:off x="-2436687" y="1219625"/>
-            <a:ext cx="1034122" cy="57095"/>
-          </a:xfrm>
-          <a:prstGeom prst="rect">
-            <a:avLst/>
-          </a:prstGeom>
-        </p:spPr>
-      </p:pic>
-      <p:pic>
-        <p:nvPicPr>
-          <p:cNvPr id="30" name="Picture 29"/>
-          <p:cNvPicPr>
-            <a:picLocks noChangeAspect="1"/>
-          </p:cNvPicPr>
-          <p:nvPr/>
-        </p:nvPicPr>
-        <p:blipFill>
-          <a:blip r:embed="rId6" cstate="print">
-            <a:duotone>
-              <a:schemeClr val="accent3">
-                <a:shade val="45000"/>
-                <a:satMod val="135000"/>
-              </a:schemeClr>
-              <a:prstClr val="white"/>
-            </a:duotone>
-            <a:extLst>
-              <a:ext uri="{28A0092B-C50C-407E-A947-70E740481C1C}">
-                <a14:useLocalDpi xmlns:a14="http://schemas.microsoft.com/office/drawing/2010/main" xmlns="" val="0"/>
-              </a:ext>
-            </a:extLst>
-          </a:blip>
-          <a:stretch>
-            <a:fillRect/>
-          </a:stretch>
-        </p:blipFill>
-        <p:spPr>
-          <a:xfrm>
-            <a:off x="-3939771" y="1115124"/>
-            <a:ext cx="1310989" cy="209002"/>
-          </a:xfrm>
-          <a:prstGeom prst="rect">
-            <a:avLst/>
-          </a:prstGeom>
-        </p:spPr>
-      </p:pic>
-      <p:pic>
-        <p:nvPicPr>
-          <p:cNvPr id="31" name="Picture 30"/>
-          <p:cNvPicPr>
-            <a:picLocks noChangeAspect="1"/>
-          </p:cNvPicPr>
-          <p:nvPr/>
-        </p:nvPicPr>
-        <p:blipFill>
-          <a:blip r:embed="rId4" cstate="print">
-            <a:duotone>
-              <a:schemeClr val="accent4">
-                <a:shade val="45000"/>
-                <a:satMod val="135000"/>
-              </a:schemeClr>
-              <a:prstClr val="white"/>
-            </a:duotone>
-            <a:extLst>
-              <a:ext uri="{28A0092B-C50C-407E-A947-70E740481C1C}">
-                <a14:useLocalDpi xmlns:a14="http://schemas.microsoft.com/office/drawing/2010/main" xmlns="" val="0"/>
-              </a:ext>
-            </a:extLst>
-          </a:blip>
-          <a:stretch>
-            <a:fillRect/>
-          </a:stretch>
-        </p:blipFill>
-        <p:spPr>
-          <a:xfrm>
-            <a:off x="-1174096" y="1415953"/>
-            <a:ext cx="908106" cy="243139"/>
-          </a:xfrm>
-          <a:prstGeom prst="rect">
-            <a:avLst/>
-          </a:prstGeom>
-        </p:spPr>
-      </p:pic>
-      <p:pic>
-        <p:nvPicPr>
-          <p:cNvPr id="32" name="Picture 31"/>
-          <p:cNvPicPr>
-            <a:picLocks noChangeAspect="1"/>
-          </p:cNvPicPr>
-          <p:nvPr/>
-        </p:nvPicPr>
-        <p:blipFill>
-          <a:blip r:embed="rId5" cstate="print">
-            <a:duotone>
-              <a:schemeClr val="accent4">
-                <a:shade val="45000"/>
-                <a:satMod val="135000"/>
-              </a:schemeClr>
-              <a:prstClr val="white"/>
-            </a:duotone>
-            <a:extLst>
-              <a:ext uri="{28A0092B-C50C-407E-A947-70E740481C1C}">
-                <a14:useLocalDpi xmlns:a14="http://schemas.microsoft.com/office/drawing/2010/main" xmlns="" val="0"/>
-              </a:ext>
-            </a:extLst>
-          </a:blip>
-          <a:stretch>
-            <a:fillRect/>
-          </a:stretch>
-        </p:blipFill>
-        <p:spPr>
-          <a:xfrm>
-            <a:off x="-2436687" y="1537523"/>
-            <a:ext cx="1034122" cy="57095"/>
-          </a:xfrm>
-          <a:prstGeom prst="rect">
-            <a:avLst/>
-          </a:prstGeom>
-        </p:spPr>
-      </p:pic>
-      <p:pic>
-        <p:nvPicPr>
-          <p:cNvPr id="33" name="Picture 32"/>
-          <p:cNvPicPr>
-            <a:picLocks noChangeAspect="1"/>
-          </p:cNvPicPr>
-          <p:nvPr/>
-        </p:nvPicPr>
-        <p:blipFill>
-          <a:blip r:embed="rId6" cstate="print">
-            <a:duotone>
-              <a:schemeClr val="accent4">
-                <a:shade val="45000"/>
-                <a:satMod val="135000"/>
-              </a:schemeClr>
-              <a:prstClr val="white"/>
-            </a:duotone>
-            <a:extLst>
-              <a:ext uri="{28A0092B-C50C-407E-A947-70E740481C1C}">
-                <a14:useLocalDpi xmlns:a14="http://schemas.microsoft.com/office/drawing/2010/main" xmlns="" val="0"/>
-              </a:ext>
-            </a:extLst>
-          </a:blip>
-          <a:stretch>
-            <a:fillRect/>
-          </a:stretch>
-        </p:blipFill>
-        <p:spPr>
-          <a:xfrm>
-            <a:off x="-3939771" y="1433021"/>
-            <a:ext cx="1310989" cy="209002"/>
-          </a:xfrm>
-          <a:prstGeom prst="rect">
-            <a:avLst/>
-          </a:prstGeom>
-        </p:spPr>
-      </p:pic>
-      <p:pic>
-        <p:nvPicPr>
-          <p:cNvPr id="34" name="Picture 33"/>
-          <p:cNvPicPr>
-            <a:picLocks noChangeAspect="1"/>
-          </p:cNvPicPr>
-          <p:nvPr/>
-        </p:nvPicPr>
-        <p:blipFill>
-          <a:blip r:embed="rId4" cstate="print">
-            <a:duotone>
-              <a:schemeClr val="accent5">
-                <a:shade val="45000"/>
-                <a:satMod val="135000"/>
-              </a:schemeClr>
-              <a:prstClr val="white"/>
-            </a:duotone>
-            <a:extLst>
-              <a:ext uri="{28A0092B-C50C-407E-A947-70E740481C1C}">
-                <a14:useLocalDpi xmlns:a14="http://schemas.microsoft.com/office/drawing/2010/main" xmlns="" val="0"/>
-              </a:ext>
-            </a:extLst>
-          </a:blip>
-          <a:stretch>
-            <a:fillRect/>
-          </a:stretch>
-        </p:blipFill>
-        <p:spPr>
-          <a:xfrm>
-            <a:off x="-1174096" y="1720184"/>
-            <a:ext cx="908106" cy="243139"/>
-          </a:xfrm>
-          <a:prstGeom prst="rect">
-            <a:avLst/>
-          </a:prstGeom>
-        </p:spPr>
-      </p:pic>
-      <p:pic>
-        <p:nvPicPr>
-          <p:cNvPr id="35" name="Picture 34"/>
-          <p:cNvPicPr>
-            <a:picLocks noChangeAspect="1"/>
-          </p:cNvPicPr>
-          <p:nvPr/>
-        </p:nvPicPr>
-        <p:blipFill>
-          <a:blip r:embed="rId5" cstate="print">
-            <a:duotone>
-              <a:schemeClr val="accent5">
-                <a:shade val="45000"/>
-                <a:satMod val="135000"/>
-              </a:schemeClr>
-              <a:prstClr val="white"/>
-            </a:duotone>
-            <a:extLst>
-              <a:ext uri="{28A0092B-C50C-407E-A947-70E740481C1C}">
-                <a14:useLocalDpi xmlns:a14="http://schemas.microsoft.com/office/drawing/2010/main" xmlns="" val="0"/>
-              </a:ext>
-            </a:extLst>
-          </a:blip>
-          <a:stretch>
-            <a:fillRect/>
-          </a:stretch>
-        </p:blipFill>
-        <p:spPr>
-          <a:xfrm>
-            <a:off x="-2436687" y="1841754"/>
-            <a:ext cx="1034122" cy="57095"/>
-          </a:xfrm>
-          <a:prstGeom prst="rect">
-            <a:avLst/>
-          </a:prstGeom>
-        </p:spPr>
-      </p:pic>
-      <p:pic>
-        <p:nvPicPr>
-          <p:cNvPr id="36" name="Picture 35"/>
-          <p:cNvPicPr>
-            <a:picLocks noChangeAspect="1"/>
-          </p:cNvPicPr>
-          <p:nvPr/>
-        </p:nvPicPr>
-        <p:blipFill>
-          <a:blip r:embed="rId6" cstate="print">
-            <a:duotone>
-              <a:schemeClr val="accent5">
-                <a:shade val="45000"/>
-                <a:satMod val="135000"/>
-              </a:schemeClr>
-              <a:prstClr val="white"/>
-            </a:duotone>
-            <a:extLst>
-              <a:ext uri="{28A0092B-C50C-407E-A947-70E740481C1C}">
-                <a14:useLocalDpi xmlns:a14="http://schemas.microsoft.com/office/drawing/2010/main" xmlns="" val="0"/>
-              </a:ext>
-            </a:extLst>
-          </a:blip>
-          <a:stretch>
-            <a:fillRect/>
-          </a:stretch>
-        </p:blipFill>
-        <p:spPr>
-          <a:xfrm>
-            <a:off x="-3939771" y="1737253"/>
-            <a:ext cx="1310989" cy="209002"/>
-          </a:xfrm>
-          <a:prstGeom prst="rect">
-            <a:avLst/>
-          </a:prstGeom>
-        </p:spPr>
-      </p:pic>
-      <p:pic>
-        <p:nvPicPr>
-          <p:cNvPr id="37" name="Picture 36"/>
-          <p:cNvPicPr>
-            <a:picLocks noChangeAspect="1"/>
-          </p:cNvPicPr>
-          <p:nvPr/>
-        </p:nvPicPr>
-        <p:blipFill>
-          <a:blip r:embed="rId7" cstate="print">
-            <a:extLst>
-              <a:ext uri="{28A0092B-C50C-407E-A947-70E740481C1C}">
-                <a14:useLocalDpi xmlns:a14="http://schemas.microsoft.com/office/drawing/2010/main" xmlns="" val="0"/>
-              </a:ext>
-            </a:extLst>
-          </a:blip>
-          <a:stretch>
-            <a:fillRect/>
-          </a:stretch>
-        </p:blipFill>
-        <p:spPr>
-          <a:xfrm>
-            <a:off x="-3969265" y="2067385"/>
-            <a:ext cx="541388" cy="421630"/>
-          </a:xfrm>
-          <a:prstGeom prst="rect">
-            <a:avLst/>
-          </a:prstGeom>
-        </p:spPr>
-      </p:pic>
-      <p:pic>
-        <p:nvPicPr>
-          <p:cNvPr id="38" name="Picture 37"/>
-          <p:cNvPicPr>
-            <a:picLocks noChangeAspect="1"/>
-          </p:cNvPicPr>
-          <p:nvPr/>
-        </p:nvPicPr>
-        <p:blipFill>
-          <a:blip r:embed="rId8" cstate="print">
-            <a:extLst>
-              <a:ext uri="{28A0092B-C50C-407E-A947-70E740481C1C}">
-                <a14:useLocalDpi xmlns:a14="http://schemas.microsoft.com/office/drawing/2010/main" xmlns="" val="0"/>
-              </a:ext>
-            </a:extLst>
-          </a:blip>
-          <a:stretch>
-            <a:fillRect/>
-          </a:stretch>
-        </p:blipFill>
-        <p:spPr>
-          <a:xfrm>
-            <a:off x="-2655326" y="2172810"/>
-            <a:ext cx="435521" cy="306178"/>
-          </a:xfrm>
-          <a:prstGeom prst="rect">
-            <a:avLst/>
-          </a:prstGeom>
-        </p:spPr>
-      </p:pic>
-      <p:pic>
-        <p:nvPicPr>
-          <p:cNvPr id="39" name="Picture 38"/>
-          <p:cNvPicPr>
-            <a:picLocks noChangeAspect="1"/>
-          </p:cNvPicPr>
-          <p:nvPr/>
-        </p:nvPicPr>
-        <p:blipFill>
-          <a:blip r:embed="rId9" cstate="print">
-            <a:extLst>
-              <a:ext uri="{28A0092B-C50C-407E-A947-70E740481C1C}">
-                <a14:useLocalDpi xmlns:a14="http://schemas.microsoft.com/office/drawing/2010/main" xmlns="" val="0"/>
-              </a:ext>
-            </a:extLst>
-          </a:blip>
-          <a:stretch>
-            <a:fillRect/>
-          </a:stretch>
-        </p:blipFill>
-        <p:spPr>
-          <a:xfrm rot="9902188" flipV="1">
-            <a:off x="-1539909" y="2134699"/>
-            <a:ext cx="621838" cy="361288"/>
-          </a:xfrm>
-          <a:prstGeom prst="rect">
-            <a:avLst/>
-          </a:prstGeom>
-        </p:spPr>
-      </p:pic>
-      <p:pic>
-        <p:nvPicPr>
-          <p:cNvPr id="40" name="Picture 39"/>
-          <p:cNvPicPr>
-            <a:picLocks noChangeAspect="1"/>
-          </p:cNvPicPr>
-          <p:nvPr/>
-        </p:nvPicPr>
-        <p:blipFill>
-          <a:blip r:embed="rId9" cstate="print">
-            <a:duotone>
-              <a:schemeClr val="accent1">
-                <a:shade val="45000"/>
-                <a:satMod val="135000"/>
-              </a:schemeClr>
-              <a:prstClr val="white"/>
-            </a:duotone>
-            <a:extLst>
-              <a:ext uri="{28A0092B-C50C-407E-A947-70E740481C1C}">
-                <a14:useLocalDpi xmlns:a14="http://schemas.microsoft.com/office/drawing/2010/main" xmlns="" val="0"/>
-              </a:ext>
-            </a:extLst>
-          </a:blip>
-          <a:stretch>
-            <a:fillRect/>
-          </a:stretch>
-        </p:blipFill>
-        <p:spPr>
-          <a:xfrm rot="9902188" flipV="1">
-            <a:off x="-840213" y="2134699"/>
-            <a:ext cx="621838" cy="361288"/>
-          </a:xfrm>
-          <a:prstGeom prst="rect">
-            <a:avLst/>
-          </a:prstGeom>
-        </p:spPr>
-      </p:pic>
-      <p:pic>
-        <p:nvPicPr>
-          <p:cNvPr id="41" name="Picture 40"/>
-          <p:cNvPicPr>
-            <a:picLocks noChangeAspect="1"/>
-          </p:cNvPicPr>
-          <p:nvPr/>
-        </p:nvPicPr>
-        <p:blipFill>
-          <a:blip r:embed="rId8" cstate="print">
-            <a:duotone>
-              <a:schemeClr val="accent1">
-                <a:shade val="45000"/>
-                <a:satMod val="135000"/>
-              </a:schemeClr>
-              <a:prstClr val="white"/>
-            </a:duotone>
-            <a:extLst>
-              <a:ext uri="{28A0092B-C50C-407E-A947-70E740481C1C}">
-                <a14:useLocalDpi xmlns:a14="http://schemas.microsoft.com/office/drawing/2010/main" xmlns="" val="0"/>
-              </a:ext>
-            </a:extLst>
-          </a:blip>
-          <a:stretch>
-            <a:fillRect/>
-          </a:stretch>
-        </p:blipFill>
-        <p:spPr>
-          <a:xfrm>
-            <a:off x="-2106157" y="2180238"/>
-            <a:ext cx="435521" cy="306178"/>
-          </a:xfrm>
-          <a:prstGeom prst="rect">
-            <a:avLst/>
-          </a:prstGeom>
-        </p:spPr>
-      </p:pic>
-      <p:pic>
-        <p:nvPicPr>
-          <p:cNvPr id="42" name="Picture 41"/>
-          <p:cNvPicPr>
-            <a:picLocks noChangeAspect="1"/>
-          </p:cNvPicPr>
-          <p:nvPr/>
-        </p:nvPicPr>
-        <p:blipFill>
-          <a:blip r:embed="rId7" cstate="print">
-            <a:duotone>
-              <a:schemeClr val="accent1">
-                <a:shade val="45000"/>
-                <a:satMod val="135000"/>
-              </a:schemeClr>
-              <a:prstClr val="white"/>
-            </a:duotone>
-            <a:extLst>
-              <a:ext uri="{28A0092B-C50C-407E-A947-70E740481C1C}">
-                <a14:useLocalDpi xmlns:a14="http://schemas.microsoft.com/office/drawing/2010/main" xmlns="" val="0"/>
-              </a:ext>
-            </a:extLst>
-          </a:blip>
-          <a:stretch>
-            <a:fillRect/>
-          </a:stretch>
-        </p:blipFill>
-        <p:spPr>
-          <a:xfrm>
-            <a:off x="-3326513" y="2067385"/>
-            <a:ext cx="541388" cy="421630"/>
-          </a:xfrm>
-          <a:prstGeom prst="rect">
-            <a:avLst/>
-          </a:prstGeom>
-        </p:spPr>
-      </p:pic>
-      <p:pic>
-        <p:nvPicPr>
-          <p:cNvPr id="43" name="Picture 42"/>
-          <p:cNvPicPr>
-            <a:picLocks noChangeAspect="1"/>
-          </p:cNvPicPr>
-          <p:nvPr/>
-        </p:nvPicPr>
-        <p:blipFill>
-          <a:blip r:embed="rId7" cstate="print">
-            <a:duotone>
-              <a:schemeClr val="accent2">
-                <a:shade val="45000"/>
-                <a:satMod val="135000"/>
-              </a:schemeClr>
-              <a:prstClr val="white"/>
-            </a:duotone>
-            <a:extLst>
-              <a:ext uri="{28A0092B-C50C-407E-A947-70E740481C1C}">
-                <a14:useLocalDpi xmlns:a14="http://schemas.microsoft.com/office/drawing/2010/main" xmlns="" val="0"/>
-              </a:ext>
-            </a:extLst>
-          </a:blip>
-          <a:stretch>
-            <a:fillRect/>
-          </a:stretch>
-        </p:blipFill>
-        <p:spPr>
-          <a:xfrm>
-            <a:off x="-3969265" y="2485829"/>
-            <a:ext cx="541388" cy="421630"/>
-          </a:xfrm>
-          <a:prstGeom prst="rect">
-            <a:avLst/>
-          </a:prstGeom>
-        </p:spPr>
-      </p:pic>
-      <p:pic>
-        <p:nvPicPr>
-          <p:cNvPr id="44" name="Picture 43"/>
-          <p:cNvPicPr>
-            <a:picLocks noChangeAspect="1"/>
-          </p:cNvPicPr>
-          <p:nvPr/>
-        </p:nvPicPr>
-        <p:blipFill>
-          <a:blip r:embed="rId8" cstate="print">
-            <a:duotone>
-              <a:schemeClr val="accent2">
-                <a:shade val="45000"/>
-                <a:satMod val="135000"/>
-              </a:schemeClr>
-              <a:prstClr val="white"/>
-            </a:duotone>
-            <a:extLst>
-              <a:ext uri="{28A0092B-C50C-407E-A947-70E740481C1C}">
-                <a14:useLocalDpi xmlns:a14="http://schemas.microsoft.com/office/drawing/2010/main" xmlns="" val="0"/>
-              </a:ext>
-            </a:extLst>
-          </a:blip>
-          <a:stretch>
-            <a:fillRect/>
-          </a:stretch>
-        </p:blipFill>
-        <p:spPr>
-          <a:xfrm>
-            <a:off x="-2655327" y="2591254"/>
-            <a:ext cx="435521" cy="306178"/>
-          </a:xfrm>
-          <a:prstGeom prst="rect">
-            <a:avLst/>
-          </a:prstGeom>
-        </p:spPr>
-      </p:pic>
-      <p:pic>
-        <p:nvPicPr>
-          <p:cNvPr id="45" name="Picture 44"/>
-          <p:cNvPicPr>
-            <a:picLocks noChangeAspect="1"/>
-          </p:cNvPicPr>
-          <p:nvPr/>
-        </p:nvPicPr>
-        <p:blipFill>
-          <a:blip r:embed="rId9" cstate="print">
-            <a:duotone>
-              <a:schemeClr val="accent2">
-                <a:shade val="45000"/>
-                <a:satMod val="135000"/>
-              </a:schemeClr>
-              <a:prstClr val="white"/>
-            </a:duotone>
-            <a:extLst>
-              <a:ext uri="{28A0092B-C50C-407E-A947-70E740481C1C}">
-                <a14:useLocalDpi xmlns:a14="http://schemas.microsoft.com/office/drawing/2010/main" xmlns="" val="0"/>
-              </a:ext>
-            </a:extLst>
-          </a:blip>
-          <a:stretch>
-            <a:fillRect/>
-          </a:stretch>
-        </p:blipFill>
-        <p:spPr>
-          <a:xfrm rot="9902188" flipV="1">
-            <a:off x="-1539909" y="2553143"/>
-            <a:ext cx="621838" cy="361288"/>
-          </a:xfrm>
-          <a:prstGeom prst="rect">
-            <a:avLst/>
-          </a:prstGeom>
-        </p:spPr>
-      </p:pic>
-      <p:pic>
-        <p:nvPicPr>
-          <p:cNvPr id="46" name="Picture 45"/>
-          <p:cNvPicPr>
-            <a:picLocks noChangeAspect="1"/>
-          </p:cNvPicPr>
-          <p:nvPr/>
-        </p:nvPicPr>
-        <p:blipFill>
-          <a:blip r:embed="rId9" cstate="print">
-            <a:duotone>
-              <a:schemeClr val="accent3">
-                <a:shade val="45000"/>
-                <a:satMod val="135000"/>
-              </a:schemeClr>
-              <a:prstClr val="white"/>
-            </a:duotone>
-            <a:extLst>
-              <a:ext uri="{28A0092B-C50C-407E-A947-70E740481C1C}">
-                <a14:useLocalDpi xmlns:a14="http://schemas.microsoft.com/office/drawing/2010/main" xmlns="" val="0"/>
-              </a:ext>
-            </a:extLst>
-          </a:blip>
-          <a:stretch>
-            <a:fillRect/>
-          </a:stretch>
-        </p:blipFill>
-        <p:spPr>
-          <a:xfrm rot="9902188" flipV="1">
-            <a:off x="-840213" y="2553143"/>
-            <a:ext cx="621838" cy="361288"/>
-          </a:xfrm>
-          <a:prstGeom prst="rect">
-            <a:avLst/>
-          </a:prstGeom>
-        </p:spPr>
-      </p:pic>
-      <p:pic>
-        <p:nvPicPr>
-          <p:cNvPr id="47" name="Picture 46"/>
-          <p:cNvPicPr>
-            <a:picLocks noChangeAspect="1"/>
-          </p:cNvPicPr>
-          <p:nvPr/>
-        </p:nvPicPr>
-        <p:blipFill>
-          <a:blip r:embed="rId8" cstate="print">
-            <a:duotone>
-              <a:schemeClr val="accent3">
-                <a:shade val="45000"/>
-                <a:satMod val="135000"/>
-              </a:schemeClr>
-              <a:prstClr val="white"/>
-            </a:duotone>
-            <a:extLst>
-              <a:ext uri="{28A0092B-C50C-407E-A947-70E740481C1C}">
-                <a14:useLocalDpi xmlns:a14="http://schemas.microsoft.com/office/drawing/2010/main" xmlns="" val="0"/>
-              </a:ext>
-            </a:extLst>
-          </a:blip>
-          <a:stretch>
-            <a:fillRect/>
-          </a:stretch>
-        </p:blipFill>
-        <p:spPr>
-          <a:xfrm>
-            <a:off x="-2106158" y="2598682"/>
-            <a:ext cx="435521" cy="306178"/>
-          </a:xfrm>
-          <a:prstGeom prst="rect">
-            <a:avLst/>
-          </a:prstGeom>
-        </p:spPr>
-      </p:pic>
-      <p:pic>
-        <p:nvPicPr>
-          <p:cNvPr id="48" name="Picture 47"/>
-          <p:cNvPicPr>
-            <a:picLocks noChangeAspect="1"/>
-          </p:cNvPicPr>
-          <p:nvPr/>
-        </p:nvPicPr>
-        <p:blipFill>
-          <a:blip r:embed="rId7" cstate="print">
-            <a:duotone>
-              <a:schemeClr val="accent3">
-                <a:shade val="45000"/>
-                <a:satMod val="135000"/>
-              </a:schemeClr>
-              <a:prstClr val="white"/>
-            </a:duotone>
-            <a:extLst>
-              <a:ext uri="{28A0092B-C50C-407E-A947-70E740481C1C}">
-                <a14:useLocalDpi xmlns:a14="http://schemas.microsoft.com/office/drawing/2010/main" xmlns="" val="0"/>
-              </a:ext>
-            </a:extLst>
-          </a:blip>
-          <a:stretch>
-            <a:fillRect/>
-          </a:stretch>
-        </p:blipFill>
-        <p:spPr>
-          <a:xfrm>
-            <a:off x="-3326513" y="2485829"/>
-            <a:ext cx="541388" cy="421630"/>
-          </a:xfrm>
-          <a:prstGeom prst="rect">
-            <a:avLst/>
-          </a:prstGeom>
-        </p:spPr>
-      </p:pic>
-      <p:pic>
-        <p:nvPicPr>
-          <p:cNvPr id="49" name="Picture 48"/>
-          <p:cNvPicPr>
-            <a:picLocks noChangeAspect="1"/>
-          </p:cNvPicPr>
-          <p:nvPr/>
-        </p:nvPicPr>
-        <p:blipFill>
-          <a:blip r:embed="rId7" cstate="print">
-            <a:duotone>
-              <a:schemeClr val="accent4">
-                <a:shade val="45000"/>
-                <a:satMod val="135000"/>
-              </a:schemeClr>
-              <a:prstClr val="white"/>
-            </a:duotone>
-            <a:extLst>
-              <a:ext uri="{28A0092B-C50C-407E-A947-70E740481C1C}">
-                <a14:useLocalDpi xmlns:a14="http://schemas.microsoft.com/office/drawing/2010/main" xmlns="" val="0"/>
-              </a:ext>
-            </a:extLst>
-          </a:blip>
-          <a:stretch>
-            <a:fillRect/>
-          </a:stretch>
-        </p:blipFill>
-        <p:spPr>
-          <a:xfrm>
-            <a:off x="-3969265" y="2911701"/>
-            <a:ext cx="541388" cy="421630"/>
-          </a:xfrm>
-          <a:prstGeom prst="rect">
-            <a:avLst/>
-          </a:prstGeom>
-        </p:spPr>
-      </p:pic>
-      <p:pic>
-        <p:nvPicPr>
-          <p:cNvPr id="50" name="Picture 49"/>
-          <p:cNvPicPr>
-            <a:picLocks noChangeAspect="1"/>
-          </p:cNvPicPr>
-          <p:nvPr/>
-        </p:nvPicPr>
-        <p:blipFill>
-          <a:blip r:embed="rId8" cstate="print">
-            <a:duotone>
-              <a:schemeClr val="accent4">
-                <a:shade val="45000"/>
-                <a:satMod val="135000"/>
-              </a:schemeClr>
-              <a:prstClr val="white"/>
-            </a:duotone>
-            <a:extLst>
-              <a:ext uri="{28A0092B-C50C-407E-A947-70E740481C1C}">
-                <a14:useLocalDpi xmlns:a14="http://schemas.microsoft.com/office/drawing/2010/main" xmlns="" val="0"/>
-              </a:ext>
-            </a:extLst>
-          </a:blip>
-          <a:stretch>
-            <a:fillRect/>
-          </a:stretch>
-        </p:blipFill>
-        <p:spPr>
-          <a:xfrm>
-            <a:off x="-2655327" y="3017125"/>
-            <a:ext cx="435521" cy="306178"/>
-          </a:xfrm>
-          <a:prstGeom prst="rect">
-            <a:avLst/>
-          </a:prstGeom>
-        </p:spPr>
-      </p:pic>
-      <p:pic>
-        <p:nvPicPr>
-          <p:cNvPr id="51" name="Picture 50"/>
-          <p:cNvPicPr>
-            <a:picLocks noChangeAspect="1"/>
-          </p:cNvPicPr>
-          <p:nvPr/>
-        </p:nvPicPr>
-        <p:blipFill>
-          <a:blip r:embed="rId9" cstate="print">
-            <a:duotone>
-              <a:schemeClr val="accent4">
-                <a:shade val="45000"/>
-                <a:satMod val="135000"/>
-              </a:schemeClr>
-              <a:prstClr val="white"/>
-            </a:duotone>
-            <a:extLst>
-              <a:ext uri="{28A0092B-C50C-407E-A947-70E740481C1C}">
-                <a14:useLocalDpi xmlns:a14="http://schemas.microsoft.com/office/drawing/2010/main" xmlns="" val="0"/>
-              </a:ext>
-            </a:extLst>
-          </a:blip>
-          <a:stretch>
-            <a:fillRect/>
-          </a:stretch>
-        </p:blipFill>
-        <p:spPr>
-          <a:xfrm rot="9902188" flipV="1">
-            <a:off x="-1539909" y="2979015"/>
-            <a:ext cx="621838" cy="361288"/>
-          </a:xfrm>
-          <a:prstGeom prst="rect">
-            <a:avLst/>
-          </a:prstGeom>
-        </p:spPr>
-      </p:pic>
-      <p:pic>
-        <p:nvPicPr>
-          <p:cNvPr id="52" name="Picture 51"/>
-          <p:cNvPicPr>
-            <a:picLocks noChangeAspect="1"/>
-          </p:cNvPicPr>
-          <p:nvPr/>
-        </p:nvPicPr>
-        <p:blipFill>
-          <a:blip r:embed="rId9" cstate="print">
-            <a:duotone>
-              <a:schemeClr val="accent5">
-                <a:shade val="45000"/>
-                <a:satMod val="135000"/>
-              </a:schemeClr>
-              <a:prstClr val="white"/>
-            </a:duotone>
-            <a:extLst>
-              <a:ext uri="{28A0092B-C50C-407E-A947-70E740481C1C}">
-                <a14:useLocalDpi xmlns:a14="http://schemas.microsoft.com/office/drawing/2010/main" xmlns="" val="0"/>
-              </a:ext>
-            </a:extLst>
-          </a:blip>
-          <a:stretch>
-            <a:fillRect/>
-          </a:stretch>
-        </p:blipFill>
-        <p:spPr>
-          <a:xfrm rot="9902188" flipV="1">
-            <a:off x="-840213" y="2979015"/>
-            <a:ext cx="621838" cy="361288"/>
-          </a:xfrm>
-          <a:prstGeom prst="rect">
-            <a:avLst/>
-          </a:prstGeom>
-        </p:spPr>
-      </p:pic>
-      <p:pic>
-        <p:nvPicPr>
-          <p:cNvPr id="53" name="Picture 52"/>
-          <p:cNvPicPr>
-            <a:picLocks noChangeAspect="1"/>
-          </p:cNvPicPr>
-          <p:nvPr/>
-        </p:nvPicPr>
-        <p:blipFill>
-          <a:blip r:embed="rId8" cstate="print">
-            <a:duotone>
-              <a:schemeClr val="accent5">
-                <a:shade val="45000"/>
-                <a:satMod val="135000"/>
-              </a:schemeClr>
-              <a:prstClr val="white"/>
-            </a:duotone>
-            <a:extLst>
-              <a:ext uri="{28A0092B-C50C-407E-A947-70E740481C1C}">
-                <a14:useLocalDpi xmlns:a14="http://schemas.microsoft.com/office/drawing/2010/main" xmlns="" val="0"/>
-              </a:ext>
-            </a:extLst>
-          </a:blip>
-          <a:stretch>
-            <a:fillRect/>
-          </a:stretch>
-        </p:blipFill>
-        <p:spPr>
-          <a:xfrm>
-            <a:off x="-2106158" y="3024553"/>
-            <a:ext cx="435521" cy="306178"/>
-          </a:xfrm>
-          <a:prstGeom prst="rect">
-            <a:avLst/>
-          </a:prstGeom>
-        </p:spPr>
-      </p:pic>
-      <p:pic>
-        <p:nvPicPr>
-          <p:cNvPr id="54" name="Picture 53"/>
-          <p:cNvPicPr>
-            <a:picLocks noChangeAspect="1"/>
-          </p:cNvPicPr>
-          <p:nvPr/>
-        </p:nvPicPr>
-        <p:blipFill>
-          <a:blip r:embed="rId7" cstate="print">
-            <a:duotone>
-              <a:schemeClr val="accent5">
-                <a:shade val="45000"/>
-                <a:satMod val="135000"/>
-              </a:schemeClr>
-              <a:prstClr val="white"/>
-            </a:duotone>
-            <a:extLst>
-              <a:ext uri="{28A0092B-C50C-407E-A947-70E740481C1C}">
-                <a14:useLocalDpi xmlns:a14="http://schemas.microsoft.com/office/drawing/2010/main" xmlns="" val="0"/>
-              </a:ext>
-            </a:extLst>
-          </a:blip>
-          <a:stretch>
-            <a:fillRect/>
-          </a:stretch>
-        </p:blipFill>
-        <p:spPr>
-          <a:xfrm>
-            <a:off x="-3326513" y="2911701"/>
-            <a:ext cx="541388" cy="421630"/>
-          </a:xfrm>
-          <a:prstGeom prst="rect">
-            <a:avLst/>
-          </a:prstGeom>
-        </p:spPr>
-      </p:pic>
-      <p:pic>
-        <p:nvPicPr>
-          <p:cNvPr id="55" name="Picture 54"/>
-          <p:cNvPicPr>
-            <a:picLocks noChangeAspect="1"/>
-          </p:cNvPicPr>
-          <p:nvPr/>
-        </p:nvPicPr>
-        <p:blipFill>
-          <a:blip r:embed="rId10" cstate="print">
-            <a:extLst>
-              <a:ext uri="{BEBA8EAE-BF5A-486C-A8C5-ECC9F3942E4B}">
-                <a14:imgProps xmlns:a14="http://schemas.microsoft.com/office/drawing/2010/main" xmlns="">
-                  <a14:imgLayer r:embed="rId16">
-                    <a14:imgEffect>
-                      <a14:saturation sat="0"/>
-                    </a14:imgEffect>
-                  </a14:imgLayer>
-                </a14:imgProps>
-              </a:ext>
-              <a:ext uri="{28A0092B-C50C-407E-A947-70E740481C1C}">
-                <a14:useLocalDpi xmlns:a14="http://schemas.microsoft.com/office/drawing/2010/main" xmlns="" val="0"/>
-              </a:ext>
-            </a:extLst>
-          </a:blip>
-          <a:stretch>
-            <a:fillRect/>
-          </a:stretch>
-        </p:blipFill>
-        <p:spPr>
-          <a:xfrm>
-            <a:off x="-3717862" y="3526335"/>
-            <a:ext cx="3223409" cy="211731"/>
-          </a:xfrm>
-          <a:prstGeom prst="rect">
-            <a:avLst/>
-          </a:prstGeom>
-        </p:spPr>
-      </p:pic>
-      <p:pic>
-        <p:nvPicPr>
-          <p:cNvPr id="56" name="Picture 55"/>
-          <p:cNvPicPr>
-            <a:picLocks noChangeAspect="1"/>
-          </p:cNvPicPr>
-          <p:nvPr/>
-        </p:nvPicPr>
-        <p:blipFill>
-          <a:blip r:embed="rId10" cstate="print">
-            <a:duotone>
-              <a:schemeClr val="accent1">
-                <a:shade val="45000"/>
-                <a:satMod val="135000"/>
-              </a:schemeClr>
-              <a:prstClr val="white"/>
-            </a:duotone>
-            <a:extLst>
-              <a:ext uri="{28A0092B-C50C-407E-A947-70E740481C1C}">
-                <a14:useLocalDpi xmlns:a14="http://schemas.microsoft.com/office/drawing/2010/main" xmlns="" val="0"/>
-              </a:ext>
-            </a:extLst>
-          </a:blip>
-          <a:stretch>
-            <a:fillRect/>
-          </a:stretch>
-        </p:blipFill>
-        <p:spPr>
-          <a:xfrm>
-            <a:off x="-3717862" y="3815855"/>
-            <a:ext cx="3223409" cy="211731"/>
-          </a:xfrm>
-          <a:prstGeom prst="rect">
-            <a:avLst/>
-          </a:prstGeom>
-        </p:spPr>
-      </p:pic>
-      <p:pic>
-        <p:nvPicPr>
-          <p:cNvPr id="57" name="Picture 56"/>
-          <p:cNvPicPr>
-            <a:picLocks noChangeAspect="1"/>
-          </p:cNvPicPr>
-          <p:nvPr/>
-        </p:nvPicPr>
-        <p:blipFill>
-          <a:blip r:embed="rId10" cstate="print">
-            <a:duotone>
-              <a:schemeClr val="accent2">
-                <a:shade val="45000"/>
-                <a:satMod val="135000"/>
-              </a:schemeClr>
-              <a:prstClr val="white"/>
-            </a:duotone>
-            <a:extLst>
-              <a:ext uri="{28A0092B-C50C-407E-A947-70E740481C1C}">
-                <a14:useLocalDpi xmlns:a14="http://schemas.microsoft.com/office/drawing/2010/main" xmlns="" val="0"/>
-              </a:ext>
-            </a:extLst>
-          </a:blip>
-          <a:stretch>
-            <a:fillRect/>
-          </a:stretch>
-        </p:blipFill>
-        <p:spPr>
-          <a:xfrm>
-            <a:off x="-3717862" y="4058098"/>
-            <a:ext cx="3223409" cy="211731"/>
-          </a:xfrm>
-          <a:prstGeom prst="rect">
-            <a:avLst/>
-          </a:prstGeom>
-        </p:spPr>
-      </p:pic>
-      <p:pic>
-        <p:nvPicPr>
-          <p:cNvPr id="58" name="Picture 57"/>
-          <p:cNvPicPr>
-            <a:picLocks noChangeAspect="1"/>
-          </p:cNvPicPr>
-          <p:nvPr/>
-        </p:nvPicPr>
-        <p:blipFill>
-          <a:blip r:embed="rId10" cstate="print">
-            <a:duotone>
-              <a:schemeClr val="accent3">
-                <a:shade val="45000"/>
-                <a:satMod val="135000"/>
-              </a:schemeClr>
-              <a:prstClr val="white"/>
-            </a:duotone>
-            <a:extLst>
-              <a:ext uri="{28A0092B-C50C-407E-A947-70E740481C1C}">
-                <a14:useLocalDpi xmlns:a14="http://schemas.microsoft.com/office/drawing/2010/main" xmlns="" val="0"/>
-              </a:ext>
-            </a:extLst>
-          </a:blip>
-          <a:stretch>
-            <a:fillRect/>
-          </a:stretch>
-        </p:blipFill>
-        <p:spPr>
-          <a:xfrm>
-            <a:off x="-3717862" y="4347617"/>
-            <a:ext cx="3223409" cy="211731"/>
-          </a:xfrm>
-          <a:prstGeom prst="rect">
-            <a:avLst/>
-          </a:prstGeom>
-        </p:spPr>
-      </p:pic>
-      <p:pic>
-        <p:nvPicPr>
-          <p:cNvPr id="59" name="Picture 58"/>
-          <p:cNvPicPr>
-            <a:picLocks noChangeAspect="1"/>
-          </p:cNvPicPr>
-          <p:nvPr/>
-        </p:nvPicPr>
-        <p:blipFill>
-          <a:blip r:embed="rId10" cstate="print">
-            <a:duotone>
-              <a:schemeClr val="accent4">
-                <a:shade val="45000"/>
-                <a:satMod val="135000"/>
-              </a:schemeClr>
-              <a:prstClr val="white"/>
-            </a:duotone>
-            <a:extLst>
-              <a:ext uri="{28A0092B-C50C-407E-A947-70E740481C1C}">
-                <a14:useLocalDpi xmlns:a14="http://schemas.microsoft.com/office/drawing/2010/main" xmlns="" val="0"/>
-              </a:ext>
-            </a:extLst>
-          </a:blip>
-          <a:stretch>
-            <a:fillRect/>
-          </a:stretch>
-        </p:blipFill>
-        <p:spPr>
-          <a:xfrm>
-            <a:off x="-3717862" y="4636936"/>
-            <a:ext cx="3223409" cy="211731"/>
-          </a:xfrm>
-          <a:prstGeom prst="rect">
-            <a:avLst/>
-          </a:prstGeom>
-        </p:spPr>
-      </p:pic>
-      <p:pic>
-        <p:nvPicPr>
-          <p:cNvPr id="60" name="Picture 59"/>
-          <p:cNvPicPr>
-            <a:picLocks noChangeAspect="1"/>
-          </p:cNvPicPr>
-          <p:nvPr/>
-        </p:nvPicPr>
-        <p:blipFill>
-          <a:blip r:embed="rId10" cstate="print">
-            <a:duotone>
-              <a:schemeClr val="accent5">
-                <a:shade val="45000"/>
-                <a:satMod val="135000"/>
-              </a:schemeClr>
-              <a:prstClr val="white"/>
-            </a:duotone>
-            <a:extLst>
-              <a:ext uri="{28A0092B-C50C-407E-A947-70E740481C1C}">
-                <a14:useLocalDpi xmlns:a14="http://schemas.microsoft.com/office/drawing/2010/main" xmlns="" val="0"/>
-              </a:ext>
-            </a:extLst>
-          </a:blip>
-          <a:stretch>
-            <a:fillRect/>
-          </a:stretch>
-        </p:blipFill>
-        <p:spPr>
-          <a:xfrm>
-            <a:off x="-3717862" y="4926455"/>
-            <a:ext cx="3223409" cy="211731"/>
-          </a:xfrm>
-          <a:prstGeom prst="rect">
-            <a:avLst/>
-          </a:prstGeom>
-        </p:spPr>
-      </p:pic>
-      <p:pic>
-        <p:nvPicPr>
-          <p:cNvPr id="61" name="Picture 60"/>
-          <p:cNvPicPr>
-            <a:picLocks noChangeAspect="1"/>
-          </p:cNvPicPr>
-          <p:nvPr/>
-        </p:nvPicPr>
-        <p:blipFill>
-          <a:blip r:embed="rId17" cstate="print">
-            <a:duotone>
-              <a:schemeClr val="accent1">
-                <a:shade val="45000"/>
-                <a:satMod val="135000"/>
-              </a:schemeClr>
-              <a:prstClr val="white"/>
-            </a:duotone>
-            <a:extLst>
-              <a:ext uri="{28A0092B-C50C-407E-A947-70E740481C1C}">
-                <a14:useLocalDpi xmlns:a14="http://schemas.microsoft.com/office/drawing/2010/main" xmlns="" val="0"/>
-              </a:ext>
-            </a:extLst>
-          </a:blip>
-          <a:stretch>
-            <a:fillRect/>
-          </a:stretch>
-        </p:blipFill>
-        <p:spPr>
-          <a:xfrm>
-            <a:off x="-1694216" y="5257550"/>
-            <a:ext cx="520120" cy="503080"/>
-          </a:xfrm>
-          <a:prstGeom prst="rect">
-            <a:avLst/>
-          </a:prstGeom>
-        </p:spPr>
-      </p:pic>
-      <p:pic>
-        <p:nvPicPr>
-          <p:cNvPr id="62" name="Picture 61"/>
-          <p:cNvPicPr>
-            <a:picLocks noChangeAspect="1"/>
-          </p:cNvPicPr>
-          <p:nvPr/>
-        </p:nvPicPr>
-        <p:blipFill>
-          <a:blip r:embed="rId18" cstate="print">
-            <a:extLst>
-              <a:ext uri="{28A0092B-C50C-407E-A947-70E740481C1C}">
-                <a14:useLocalDpi xmlns:a14="http://schemas.microsoft.com/office/drawing/2010/main" xmlns="" val="0"/>
-              </a:ext>
-            </a:extLst>
-          </a:blip>
-          <a:stretch>
-            <a:fillRect/>
-          </a:stretch>
-        </p:blipFill>
-        <p:spPr>
-          <a:xfrm>
-            <a:off x="-3844653" y="5257550"/>
-            <a:ext cx="426891" cy="470245"/>
-          </a:xfrm>
-          <a:prstGeom prst="rect">
-            <a:avLst/>
-          </a:prstGeom>
-        </p:spPr>
-      </p:pic>
-      <p:pic>
-        <p:nvPicPr>
-          <p:cNvPr id="63" name="Picture 62"/>
-          <p:cNvPicPr>
-            <a:picLocks noChangeAspect="1"/>
-          </p:cNvPicPr>
-          <p:nvPr/>
-        </p:nvPicPr>
-        <p:blipFill>
-          <a:blip r:embed="rId17" cstate="print">
-            <a:duotone>
-              <a:schemeClr val="accent2">
-                <a:shade val="45000"/>
-                <a:satMod val="135000"/>
-              </a:schemeClr>
-              <a:prstClr val="white"/>
-            </a:duotone>
-            <a:extLst>
-              <a:ext uri="{28A0092B-C50C-407E-A947-70E740481C1C}">
-                <a14:useLocalDpi xmlns:a14="http://schemas.microsoft.com/office/drawing/2010/main" xmlns="" val="0"/>
-              </a:ext>
-            </a:extLst>
-          </a:blip>
-          <a:stretch>
-            <a:fillRect/>
-          </a:stretch>
-        </p:blipFill>
-        <p:spPr>
-          <a:xfrm>
-            <a:off x="-1105381" y="5257550"/>
-            <a:ext cx="520120" cy="503080"/>
-          </a:xfrm>
-          <a:prstGeom prst="rect">
-            <a:avLst/>
-          </a:prstGeom>
-        </p:spPr>
-      </p:pic>
-      <p:pic>
-        <p:nvPicPr>
-          <p:cNvPr id="64" name="Picture 63"/>
-          <p:cNvPicPr>
-            <a:picLocks noChangeAspect="1"/>
-          </p:cNvPicPr>
-          <p:nvPr/>
-        </p:nvPicPr>
-        <p:blipFill>
-          <a:blip r:embed="rId18" cstate="print">
-            <a:duotone>
-              <a:schemeClr val="accent1">
-                <a:shade val="45000"/>
-                <a:satMod val="135000"/>
-              </a:schemeClr>
-              <a:prstClr val="white"/>
-            </a:duotone>
-            <a:extLst>
-              <a:ext uri="{28A0092B-C50C-407E-A947-70E740481C1C}">
-                <a14:useLocalDpi xmlns:a14="http://schemas.microsoft.com/office/drawing/2010/main" xmlns="" val="0"/>
-              </a:ext>
-            </a:extLst>
-          </a:blip>
-          <a:stretch>
-            <a:fillRect/>
-          </a:stretch>
-        </p:blipFill>
-        <p:spPr>
-          <a:xfrm>
-            <a:off x="-3255817" y="5257550"/>
-            <a:ext cx="426891" cy="470245"/>
-          </a:xfrm>
-          <a:prstGeom prst="rect">
-            <a:avLst/>
-          </a:prstGeom>
-        </p:spPr>
-      </p:pic>
-      <p:pic>
-        <p:nvPicPr>
-          <p:cNvPr id="65" name="Picture 64"/>
-          <p:cNvPicPr>
-            <a:picLocks noChangeAspect="1"/>
-          </p:cNvPicPr>
-          <p:nvPr/>
-        </p:nvPicPr>
-        <p:blipFill>
-          <a:blip r:embed="rId17" cstate="print">
-            <a:extLst>
-              <a:ext uri="{28A0092B-C50C-407E-A947-70E740481C1C}">
-                <a14:useLocalDpi xmlns:a14="http://schemas.microsoft.com/office/drawing/2010/main" xmlns="" val="0"/>
-              </a:ext>
-            </a:extLst>
-          </a:blip>
-          <a:stretch>
-            <a:fillRect/>
-          </a:stretch>
-        </p:blipFill>
-        <p:spPr>
-          <a:xfrm>
-            <a:off x="-2235128" y="5257550"/>
-            <a:ext cx="520120" cy="503080"/>
-          </a:xfrm>
-          <a:prstGeom prst="rect">
-            <a:avLst/>
-          </a:prstGeom>
-        </p:spPr>
-      </p:pic>
-      <p:pic>
-        <p:nvPicPr>
-          <p:cNvPr id="66" name="Picture 65"/>
-          <p:cNvPicPr>
-            <a:picLocks noChangeAspect="1"/>
-          </p:cNvPicPr>
-          <p:nvPr/>
-        </p:nvPicPr>
-        <p:blipFill>
-          <a:blip r:embed="rId18" cstate="print">
-            <a:duotone>
-              <a:schemeClr val="accent2">
-                <a:shade val="45000"/>
-                <a:satMod val="135000"/>
-              </a:schemeClr>
-              <a:prstClr val="white"/>
-            </a:duotone>
-            <a:extLst>
-              <a:ext uri="{28A0092B-C50C-407E-A947-70E740481C1C}">
-                <a14:useLocalDpi xmlns:a14="http://schemas.microsoft.com/office/drawing/2010/main" xmlns="" val="0"/>
-              </a:ext>
-            </a:extLst>
-          </a:blip>
-          <a:stretch>
-            <a:fillRect/>
-          </a:stretch>
-        </p:blipFill>
-        <p:spPr>
-          <a:xfrm>
-            <a:off x="-2758461" y="5257550"/>
-            <a:ext cx="426891" cy="470245"/>
-          </a:xfrm>
-          <a:prstGeom prst="rect">
-            <a:avLst/>
-          </a:prstGeom>
-        </p:spPr>
-      </p:pic>
-      <p:pic>
-        <p:nvPicPr>
-          <p:cNvPr id="67" name="Picture 66"/>
-          <p:cNvPicPr>
-            <a:picLocks noChangeAspect="1"/>
-          </p:cNvPicPr>
-          <p:nvPr/>
-        </p:nvPicPr>
-        <p:blipFill>
-          <a:blip r:embed="rId17" cstate="print">
-            <a:duotone>
-              <a:schemeClr val="accent4">
-                <a:shade val="45000"/>
-                <a:satMod val="135000"/>
-              </a:schemeClr>
-              <a:prstClr val="white"/>
-            </a:duotone>
-            <a:extLst>
-              <a:ext uri="{28A0092B-C50C-407E-A947-70E740481C1C}">
-                <a14:useLocalDpi xmlns:a14="http://schemas.microsoft.com/office/drawing/2010/main" xmlns="" val="0"/>
-              </a:ext>
-            </a:extLst>
-          </a:blip>
-          <a:stretch>
-            <a:fillRect/>
-          </a:stretch>
-        </p:blipFill>
-        <p:spPr>
-          <a:xfrm>
-            <a:off x="-1694216" y="5760630"/>
-            <a:ext cx="520120" cy="503080"/>
-          </a:xfrm>
-          <a:prstGeom prst="rect">
-            <a:avLst/>
-          </a:prstGeom>
-        </p:spPr>
-      </p:pic>
-      <p:pic>
-        <p:nvPicPr>
-          <p:cNvPr id="68" name="Picture 67"/>
-          <p:cNvPicPr>
-            <a:picLocks noChangeAspect="1"/>
-          </p:cNvPicPr>
-          <p:nvPr/>
-        </p:nvPicPr>
-        <p:blipFill>
-          <a:blip r:embed="rId18" cstate="print">
-            <a:duotone>
-              <a:schemeClr val="accent3">
-                <a:shade val="45000"/>
-                <a:satMod val="135000"/>
-              </a:schemeClr>
-              <a:prstClr val="white"/>
-            </a:duotone>
-            <a:extLst>
-              <a:ext uri="{28A0092B-C50C-407E-A947-70E740481C1C}">
-                <a14:useLocalDpi xmlns:a14="http://schemas.microsoft.com/office/drawing/2010/main" xmlns="" val="0"/>
-              </a:ext>
-            </a:extLst>
-          </a:blip>
-          <a:stretch>
-            <a:fillRect/>
-          </a:stretch>
-        </p:blipFill>
-        <p:spPr>
-          <a:xfrm>
-            <a:off x="-3844653" y="5760630"/>
-            <a:ext cx="426891" cy="470245"/>
-          </a:xfrm>
-          <a:prstGeom prst="rect">
-            <a:avLst/>
-          </a:prstGeom>
-        </p:spPr>
-      </p:pic>
-      <p:pic>
-        <p:nvPicPr>
-          <p:cNvPr id="69" name="Picture 68"/>
-          <p:cNvPicPr>
-            <a:picLocks noChangeAspect="1"/>
-          </p:cNvPicPr>
-          <p:nvPr/>
-        </p:nvPicPr>
-        <p:blipFill>
-          <a:blip r:embed="rId17" cstate="print">
-            <a:duotone>
-              <a:schemeClr val="accent5">
-                <a:shade val="45000"/>
-                <a:satMod val="135000"/>
-              </a:schemeClr>
-              <a:prstClr val="white"/>
-            </a:duotone>
-            <a:extLst>
-              <a:ext uri="{28A0092B-C50C-407E-A947-70E740481C1C}">
-                <a14:useLocalDpi xmlns:a14="http://schemas.microsoft.com/office/drawing/2010/main" xmlns="" val="0"/>
-              </a:ext>
-            </a:extLst>
-          </a:blip>
-          <a:stretch>
-            <a:fillRect/>
-          </a:stretch>
-        </p:blipFill>
-        <p:spPr>
-          <a:xfrm>
-            <a:off x="-1105381" y="5760630"/>
-            <a:ext cx="520120" cy="503080"/>
-          </a:xfrm>
-          <a:prstGeom prst="rect">
-            <a:avLst/>
-          </a:prstGeom>
-        </p:spPr>
-      </p:pic>
-      <p:pic>
-        <p:nvPicPr>
-          <p:cNvPr id="70" name="Picture 69"/>
-          <p:cNvPicPr>
-            <a:picLocks noChangeAspect="1"/>
-          </p:cNvPicPr>
-          <p:nvPr/>
-        </p:nvPicPr>
-        <p:blipFill>
-          <a:blip r:embed="rId18" cstate="print">
-            <a:duotone>
-              <a:schemeClr val="accent4">
-                <a:shade val="45000"/>
-                <a:satMod val="135000"/>
-              </a:schemeClr>
-              <a:prstClr val="white"/>
-            </a:duotone>
-            <a:extLst>
-              <a:ext uri="{28A0092B-C50C-407E-A947-70E740481C1C}">
-                <a14:useLocalDpi xmlns:a14="http://schemas.microsoft.com/office/drawing/2010/main" xmlns="" val="0"/>
-              </a:ext>
-            </a:extLst>
-          </a:blip>
-          <a:stretch>
-            <a:fillRect/>
-          </a:stretch>
-        </p:blipFill>
-        <p:spPr>
-          <a:xfrm>
-            <a:off x="-3255817" y="5760630"/>
-            <a:ext cx="426891" cy="470245"/>
-          </a:xfrm>
-          <a:prstGeom prst="rect">
-            <a:avLst/>
-          </a:prstGeom>
-        </p:spPr>
-      </p:pic>
-      <p:pic>
-        <p:nvPicPr>
-          <p:cNvPr id="71" name="Picture 70"/>
-          <p:cNvPicPr>
-            <a:picLocks noChangeAspect="1"/>
-          </p:cNvPicPr>
-          <p:nvPr/>
-        </p:nvPicPr>
-        <p:blipFill>
-          <a:blip r:embed="rId17" cstate="print">
-            <a:duotone>
-              <a:schemeClr val="accent3">
-                <a:shade val="45000"/>
-                <a:satMod val="135000"/>
-              </a:schemeClr>
-              <a:prstClr val="white"/>
-            </a:duotone>
-            <a:extLst>
-              <a:ext uri="{28A0092B-C50C-407E-A947-70E740481C1C}">
-                <a14:useLocalDpi xmlns:a14="http://schemas.microsoft.com/office/drawing/2010/main" xmlns="" val="0"/>
-              </a:ext>
-            </a:extLst>
-          </a:blip>
-          <a:stretch>
-            <a:fillRect/>
-          </a:stretch>
-        </p:blipFill>
-        <p:spPr>
-          <a:xfrm>
-            <a:off x="-2235128" y="5760630"/>
-            <a:ext cx="520120" cy="503080"/>
-          </a:xfrm>
-          <a:prstGeom prst="rect">
-            <a:avLst/>
-          </a:prstGeom>
-        </p:spPr>
-      </p:pic>
-      <p:pic>
-        <p:nvPicPr>
-          <p:cNvPr id="72" name="Picture 71"/>
-          <p:cNvPicPr>
-            <a:picLocks noChangeAspect="1"/>
-          </p:cNvPicPr>
-          <p:nvPr/>
-        </p:nvPicPr>
-        <p:blipFill>
-          <a:blip r:embed="rId18" cstate="print">
-            <a:duotone>
-              <a:schemeClr val="accent5">
-                <a:shade val="45000"/>
-                <a:satMod val="135000"/>
-              </a:schemeClr>
-              <a:prstClr val="white"/>
-            </a:duotone>
-            <a:extLst>
-              <a:ext uri="{28A0092B-C50C-407E-A947-70E740481C1C}">
-                <a14:useLocalDpi xmlns:a14="http://schemas.microsoft.com/office/drawing/2010/main" xmlns="" val="0"/>
-              </a:ext>
-            </a:extLst>
-          </a:blip>
-          <a:stretch>
-            <a:fillRect/>
-          </a:stretch>
-        </p:blipFill>
-        <p:spPr>
-          <a:xfrm>
-            <a:off x="-2758461" y="5760630"/>
-            <a:ext cx="426891" cy="470245"/>
-          </a:xfrm>
-          <a:prstGeom prst="rect">
-            <a:avLst/>
-          </a:prstGeom>
-        </p:spPr>
-      </p:pic>
-      <p:pic>
-        <p:nvPicPr>
-          <p:cNvPr id="73" name="Picture 72"/>
-          <p:cNvPicPr>
-            <a:picLocks noChangeAspect="1"/>
-          </p:cNvPicPr>
-          <p:nvPr/>
-        </p:nvPicPr>
-        <p:blipFill>
-          <a:blip r:embed="rId19" cstate="print">
-            <a:extLst>
-              <a:ext uri="{28A0092B-C50C-407E-A947-70E740481C1C}">
-                <a14:useLocalDpi xmlns:a14="http://schemas.microsoft.com/office/drawing/2010/main" xmlns="" val="0"/>
-              </a:ext>
-            </a:extLst>
-          </a:blip>
-          <a:stretch>
-            <a:fillRect/>
-          </a:stretch>
-        </p:blipFill>
-        <p:spPr>
-          <a:xfrm>
-            <a:off x="-3844653" y="6298321"/>
-            <a:ext cx="518208" cy="478719"/>
-          </a:xfrm>
-          <a:prstGeom prst="rect">
-            <a:avLst/>
-          </a:prstGeom>
-        </p:spPr>
-      </p:pic>
-      <p:pic>
-        <p:nvPicPr>
-          <p:cNvPr id="74" name="Picture 73"/>
-          <p:cNvPicPr>
-            <a:picLocks noChangeAspect="1"/>
-          </p:cNvPicPr>
-          <p:nvPr/>
-        </p:nvPicPr>
-        <p:blipFill>
-          <a:blip r:embed="rId19" cstate="print">
-            <a:duotone>
-              <a:schemeClr val="accent1">
-                <a:shade val="45000"/>
-                <a:satMod val="135000"/>
-              </a:schemeClr>
-              <a:prstClr val="white"/>
-            </a:duotone>
-            <a:extLst>
-              <a:ext uri="{28A0092B-C50C-407E-A947-70E740481C1C}">
-                <a14:useLocalDpi xmlns:a14="http://schemas.microsoft.com/office/drawing/2010/main" xmlns="" val="0"/>
-              </a:ext>
-            </a:extLst>
-          </a:blip>
-          <a:stretch>
-            <a:fillRect/>
-          </a:stretch>
-        </p:blipFill>
-        <p:spPr>
-          <a:xfrm>
-            <a:off x="-3290649" y="6298321"/>
-            <a:ext cx="518208" cy="478719"/>
-          </a:xfrm>
-          <a:prstGeom prst="rect">
-            <a:avLst/>
-          </a:prstGeom>
-        </p:spPr>
-      </p:pic>
-      <p:pic>
-        <p:nvPicPr>
-          <p:cNvPr id="75" name="Picture 74"/>
-          <p:cNvPicPr>
-            <a:picLocks noChangeAspect="1"/>
-          </p:cNvPicPr>
-          <p:nvPr/>
-        </p:nvPicPr>
-        <p:blipFill>
-          <a:blip r:embed="rId19" cstate="print">
-            <a:duotone>
-              <a:schemeClr val="accent2">
-                <a:shade val="45000"/>
-                <a:satMod val="135000"/>
-              </a:schemeClr>
-              <a:prstClr val="white"/>
-            </a:duotone>
-            <a:extLst>
-              <a:ext uri="{28A0092B-C50C-407E-A947-70E740481C1C}">
-                <a14:useLocalDpi xmlns:a14="http://schemas.microsoft.com/office/drawing/2010/main" xmlns="" val="0"/>
-              </a:ext>
-            </a:extLst>
-          </a:blip>
-          <a:stretch>
-            <a:fillRect/>
-          </a:stretch>
-        </p:blipFill>
-        <p:spPr>
-          <a:xfrm>
-            <a:off x="-2738014" y="6298321"/>
-            <a:ext cx="518208" cy="478719"/>
-          </a:xfrm>
-          <a:prstGeom prst="rect">
-            <a:avLst/>
-          </a:prstGeom>
-        </p:spPr>
-      </p:pic>
-      <p:pic>
-        <p:nvPicPr>
-          <p:cNvPr id="76" name="Picture 75"/>
-          <p:cNvPicPr>
-            <a:picLocks noChangeAspect="1"/>
-          </p:cNvPicPr>
-          <p:nvPr/>
-        </p:nvPicPr>
-        <p:blipFill>
-          <a:blip r:embed="rId19" cstate="print">
-            <a:duotone>
-              <a:schemeClr val="accent3">
-                <a:shade val="45000"/>
-                <a:satMod val="135000"/>
-              </a:schemeClr>
-              <a:prstClr val="white"/>
-            </a:duotone>
-            <a:extLst>
-              <a:ext uri="{28A0092B-C50C-407E-A947-70E740481C1C}">
-                <a14:useLocalDpi xmlns:a14="http://schemas.microsoft.com/office/drawing/2010/main" xmlns="" val="0"/>
-              </a:ext>
-            </a:extLst>
-          </a:blip>
-          <a:stretch>
-            <a:fillRect/>
-          </a:stretch>
-        </p:blipFill>
-        <p:spPr>
-          <a:xfrm>
-            <a:off x="-2184010" y="6298321"/>
-            <a:ext cx="518208" cy="478719"/>
-          </a:xfrm>
-          <a:prstGeom prst="rect">
-            <a:avLst/>
-          </a:prstGeom>
-        </p:spPr>
-      </p:pic>
-      <p:pic>
-        <p:nvPicPr>
-          <p:cNvPr id="77" name="Picture 76"/>
-          <p:cNvPicPr>
-            <a:picLocks noChangeAspect="1"/>
-          </p:cNvPicPr>
-          <p:nvPr/>
-        </p:nvPicPr>
-        <p:blipFill>
-          <a:blip r:embed="rId19" cstate="print">
-            <a:duotone>
-              <a:schemeClr val="accent4">
-                <a:shade val="45000"/>
-                <a:satMod val="135000"/>
-              </a:schemeClr>
-              <a:prstClr val="white"/>
-            </a:duotone>
-            <a:extLst>
-              <a:ext uri="{28A0092B-C50C-407E-A947-70E740481C1C}">
-                <a14:useLocalDpi xmlns:a14="http://schemas.microsoft.com/office/drawing/2010/main" xmlns="" val="0"/>
-              </a:ext>
-            </a:extLst>
-          </a:blip>
-          <a:stretch>
-            <a:fillRect/>
-          </a:stretch>
-        </p:blipFill>
-        <p:spPr>
-          <a:xfrm>
-            <a:off x="-1623589" y="6298321"/>
-            <a:ext cx="518208" cy="478719"/>
-          </a:xfrm>
-          <a:prstGeom prst="rect">
-            <a:avLst/>
-          </a:prstGeom>
-        </p:spPr>
-      </p:pic>
-      <p:pic>
-        <p:nvPicPr>
-          <p:cNvPr id="78" name="Picture 77"/>
-          <p:cNvPicPr>
-            <a:picLocks noChangeAspect="1"/>
-          </p:cNvPicPr>
-          <p:nvPr/>
-        </p:nvPicPr>
-        <p:blipFill>
-          <a:blip r:embed="rId19" cstate="print">
-            <a:duotone>
-              <a:schemeClr val="accent5">
-                <a:shade val="45000"/>
-                <a:satMod val="135000"/>
-              </a:schemeClr>
-              <a:prstClr val="white"/>
-            </a:duotone>
-            <a:extLst>
-              <a:ext uri="{28A0092B-C50C-407E-A947-70E740481C1C}">
-                <a14:useLocalDpi xmlns:a14="http://schemas.microsoft.com/office/drawing/2010/main" xmlns="" val="0"/>
-              </a:ext>
-            </a:extLst>
-          </a:blip>
-          <a:stretch>
-            <a:fillRect/>
-          </a:stretch>
-        </p:blipFill>
-        <p:spPr>
-          <a:xfrm>
-            <a:off x="-1069585" y="6298321"/>
-            <a:ext cx="518208" cy="478719"/>
-          </a:xfrm>
-          <a:prstGeom prst="rect">
-            <a:avLst/>
-          </a:prstGeom>
-        </p:spPr>
-      </p:pic>
-      <p:sp>
-        <p:nvSpPr>
-          <p:cNvPr id="80" name="Textfeld 79"/>
-          <p:cNvSpPr txBox="1"/>
-          <p:nvPr/>
-        </p:nvSpPr>
-        <p:spPr>
-          <a:xfrm>
-            <a:off x="3886200" y="5257800"/>
-            <a:ext cx="1143000" cy="461665"/>
-          </a:xfrm>
-          <a:prstGeom prst="rect">
-            <a:avLst/>
-          </a:prstGeom>
-          <a:noFill/>
-        </p:spPr>
-        <p:txBody>
-          <a:bodyPr wrap="square" rtlCol="0">
-            <a:spAutoFit/>
-          </a:bodyPr>
-          <a:lstStyle/>
-          <a:p>
-            <a:r>
-              <a:rPr lang="de-DE" sz="2400" b="1" dirty="0" smtClean="0">
-                <a:latin typeface="Bradley Hand ITC" pitchFamily="66" charset="0"/>
-              </a:rPr>
-              <a:t>Client</a:t>
-            </a:r>
-            <a:endParaRPr lang="de-DE" sz="2400" b="1" dirty="0">
-              <a:latin typeface="Bradley Hand ITC" pitchFamily="66" charset="0"/>
-            </a:endParaRPr>
-          </a:p>
-        </p:txBody>
-      </p:sp>
-      <p:sp>
-        <p:nvSpPr>
-          <p:cNvPr id="81" name="Textfeld 80"/>
-          <p:cNvSpPr txBox="1"/>
-          <p:nvPr/>
-        </p:nvSpPr>
-        <p:spPr>
-          <a:xfrm>
-            <a:off x="1066800" y="4495800"/>
-            <a:ext cx="1219200" cy="461665"/>
-          </a:xfrm>
-          <a:prstGeom prst="rect">
-            <a:avLst/>
-          </a:prstGeom>
-          <a:noFill/>
-        </p:spPr>
-        <p:txBody>
-          <a:bodyPr wrap="square" rtlCol="0">
-            <a:spAutoFit/>
-          </a:bodyPr>
-          <a:lstStyle/>
-          <a:p>
-            <a:r>
-              <a:rPr lang="de-DE" sz="2400" b="1" dirty="0" err="1" smtClean="0">
-                <a:latin typeface="Bradley Hand ITC" pitchFamily="66" charset="0"/>
-              </a:rPr>
-              <a:t>Nginx</a:t>
-            </a:r>
-            <a:endParaRPr lang="de-DE" b="1" dirty="0">
-              <a:latin typeface="Bradley Hand ITC" pitchFamily="66" charset="0"/>
-            </a:endParaRPr>
-          </a:p>
-        </p:txBody>
-      </p:sp>
-      <p:sp>
-        <p:nvSpPr>
-          <p:cNvPr id="82" name="Textfeld 81"/>
-          <p:cNvSpPr txBox="1"/>
-          <p:nvPr/>
-        </p:nvSpPr>
-        <p:spPr>
-          <a:xfrm>
-            <a:off x="4724400" y="2362200"/>
-            <a:ext cx="838200" cy="830997"/>
-          </a:xfrm>
-          <a:prstGeom prst="rect">
-            <a:avLst/>
-          </a:prstGeom>
-          <a:noFill/>
-        </p:spPr>
-        <p:txBody>
-          <a:bodyPr wrap="square" rtlCol="0">
-            <a:spAutoFit/>
-          </a:bodyPr>
-          <a:lstStyle/>
-          <a:p>
-            <a:r>
-              <a:rPr lang="de-DE" sz="2400" b="1" dirty="0" smtClean="0">
-                <a:latin typeface="Bradley Hand ITC" pitchFamily="66" charset="0"/>
-              </a:rPr>
-              <a:t>Open Data</a:t>
-            </a:r>
-            <a:endParaRPr lang="de-DE" sz="2400" b="1" dirty="0">
-              <a:latin typeface="Bradley Hand ITC" pitchFamily="66" charset="0"/>
-            </a:endParaRPr>
-          </a:p>
-        </p:txBody>
-      </p:sp>
-      <p:sp>
-        <p:nvSpPr>
-          <p:cNvPr id="83" name="Textfeld 82"/>
-          <p:cNvSpPr txBox="1"/>
-          <p:nvPr/>
-        </p:nvSpPr>
-        <p:spPr>
-          <a:xfrm>
-            <a:off x="838200" y="2133600"/>
-            <a:ext cx="1981200" cy="830997"/>
-          </a:xfrm>
-          <a:prstGeom prst="rect">
-            <a:avLst/>
-          </a:prstGeom>
-          <a:noFill/>
-        </p:spPr>
-        <p:txBody>
-          <a:bodyPr wrap="square" rtlCol="0">
-            <a:spAutoFit/>
-          </a:bodyPr>
-          <a:lstStyle/>
-          <a:p>
-            <a:r>
-              <a:rPr lang="de-DE" sz="2400" b="1" dirty="0" err="1" smtClean="0">
-                <a:latin typeface="Bradley Hand ITC" pitchFamily="66" charset="0"/>
-              </a:rPr>
-              <a:t>Node</a:t>
-            </a:r>
-            <a:r>
-              <a:rPr lang="de-DE" sz="2400" b="1" dirty="0" smtClean="0">
-                <a:latin typeface="Bradley Hand ITC" pitchFamily="66" charset="0"/>
-              </a:rPr>
-              <a:t>-Proxy (Express)</a:t>
-            </a:r>
-            <a:endParaRPr lang="de-DE" sz="2400" b="1" dirty="0">
-              <a:latin typeface="Bradley Hand ITC" pitchFamily="66" charset="0"/>
-            </a:endParaRPr>
-          </a:p>
-        </p:txBody>
-      </p:sp>
-      <p:sp>
-        <p:nvSpPr>
-          <p:cNvPr id="84" name="Textfeld 83"/>
-          <p:cNvSpPr txBox="1"/>
-          <p:nvPr/>
-        </p:nvSpPr>
-        <p:spPr>
-          <a:xfrm>
-            <a:off x="7010400" y="4114800"/>
-            <a:ext cx="1371600" cy="830997"/>
-          </a:xfrm>
-          <a:prstGeom prst="rect">
-            <a:avLst/>
-          </a:prstGeom>
-          <a:noFill/>
-        </p:spPr>
-        <p:txBody>
-          <a:bodyPr wrap="square" rtlCol="0">
-            <a:spAutoFit/>
-          </a:bodyPr>
-          <a:lstStyle/>
-          <a:p>
-            <a:r>
-              <a:rPr lang="de-DE" sz="2400" b="1" dirty="0" err="1" smtClean="0">
-                <a:latin typeface="Bradley Hand ITC" pitchFamily="66" charset="0"/>
-              </a:rPr>
-              <a:t>Mapbox</a:t>
-            </a:r>
-            <a:r>
-              <a:rPr lang="de-DE" sz="2400" b="1" dirty="0" smtClean="0">
-                <a:latin typeface="Bradley Hand ITC" pitchFamily="66" charset="0"/>
-              </a:rPr>
-              <a:t>/OSM</a:t>
-            </a:r>
-            <a:endParaRPr lang="de-DE" sz="2400" b="1" dirty="0">
-              <a:latin typeface="Bradley Hand ITC" pitchFamily="66" charset="0"/>
-            </a:endParaRPr>
-          </a:p>
-        </p:txBody>
-      </p:sp>
-      <p:sp>
-        <p:nvSpPr>
-          <p:cNvPr id="85" name="Textfeld 84"/>
-          <p:cNvSpPr txBox="1"/>
-          <p:nvPr/>
-        </p:nvSpPr>
-        <p:spPr>
-          <a:xfrm>
-            <a:off x="1981200" y="990600"/>
-            <a:ext cx="1905000" cy="461665"/>
-          </a:xfrm>
-          <a:prstGeom prst="rect">
-            <a:avLst/>
-          </a:prstGeom>
-          <a:noFill/>
-        </p:spPr>
-        <p:txBody>
-          <a:bodyPr wrap="square" rtlCol="0">
-            <a:spAutoFit/>
-          </a:bodyPr>
-          <a:lstStyle/>
-          <a:p>
-            <a:r>
-              <a:rPr lang="de-DE" sz="2400" b="1" dirty="0" err="1" smtClean="0">
-                <a:latin typeface="Bradley Hand ITC" pitchFamily="66" charset="0"/>
-              </a:rPr>
-              <a:t>Elasticsearch</a:t>
-            </a:r>
-            <a:endParaRPr lang="de-DE" sz="2400" b="1" dirty="0">
-              <a:latin typeface="Bradley Hand ITC" pitchFamily="66" charset="0"/>
-            </a:endParaRPr>
-          </a:p>
-        </p:txBody>
-      </p:sp>
-      <p:sp>
-        <p:nvSpPr>
-          <p:cNvPr id="86" name="Textfeld 85"/>
-          <p:cNvSpPr txBox="1"/>
-          <p:nvPr/>
-        </p:nvSpPr>
-        <p:spPr>
-          <a:xfrm>
-            <a:off x="5943600" y="1143000"/>
-            <a:ext cx="1371600" cy="461665"/>
-          </a:xfrm>
-          <a:prstGeom prst="rect">
-            <a:avLst/>
-          </a:prstGeom>
-          <a:noFill/>
-        </p:spPr>
-        <p:txBody>
-          <a:bodyPr wrap="square" rtlCol="0">
-            <a:spAutoFit/>
-          </a:bodyPr>
-          <a:lstStyle/>
-          <a:p>
-            <a:r>
-              <a:rPr lang="de-DE" sz="2400" b="1" dirty="0" err="1" smtClean="0">
-                <a:latin typeface="Bradley Hand ITC" pitchFamily="66" charset="0"/>
-              </a:rPr>
-              <a:t>Fakebot</a:t>
-            </a:r>
-            <a:endParaRPr lang="de-DE" sz="2400" b="1" dirty="0">
-              <a:latin typeface="Bradley Hand ITC" pitchFamily="66" charset="0"/>
-            </a:endParaRPr>
-          </a:p>
-        </p:txBody>
-      </p:sp>
-      <p:pic>
-        <p:nvPicPr>
-          <p:cNvPr id="88" name="Picture 41"/>
-          <p:cNvPicPr>
-            <a:picLocks noChangeAspect="1"/>
-          </p:cNvPicPr>
-          <p:nvPr/>
-        </p:nvPicPr>
-        <p:blipFill>
-          <a:blip r:embed="rId7" cstate="print">
-            <a:duotone>
-              <a:schemeClr val="accent1">
-                <a:shade val="45000"/>
-                <a:satMod val="135000"/>
-              </a:schemeClr>
-              <a:prstClr val="white"/>
-            </a:duotone>
-            <a:extLst>
-              <a:ext uri="{28A0092B-C50C-407E-A947-70E740481C1C}">
-                <a14:useLocalDpi xmlns:a14="http://schemas.microsoft.com/office/drawing/2010/main" xmlns="" val="0"/>
-              </a:ext>
-            </a:extLst>
-          </a:blip>
-          <a:stretch>
-            <a:fillRect/>
-          </a:stretch>
-        </p:blipFill>
-        <p:spPr>
-          <a:xfrm rot="10963831">
-            <a:off x="792145" y="4153989"/>
-            <a:ext cx="1676400" cy="1305571"/>
-          </a:xfrm>
-          <a:prstGeom prst="rect">
-            <a:avLst/>
-          </a:prstGeom>
-        </p:spPr>
-      </p:pic>
-      <p:pic>
-        <p:nvPicPr>
-          <p:cNvPr id="89" name="Picture 41"/>
-          <p:cNvPicPr>
-            <a:picLocks noChangeAspect="1"/>
-          </p:cNvPicPr>
-          <p:nvPr/>
-        </p:nvPicPr>
-        <p:blipFill>
-          <a:blip r:embed="rId7" cstate="print">
-            <a:duotone>
-              <a:schemeClr val="accent1">
-                <a:shade val="45000"/>
-                <a:satMod val="135000"/>
-              </a:schemeClr>
-              <a:prstClr val="white"/>
-            </a:duotone>
-            <a:extLst>
-              <a:ext uri="{28A0092B-C50C-407E-A947-70E740481C1C}">
-                <a14:useLocalDpi xmlns:a14="http://schemas.microsoft.com/office/drawing/2010/main" xmlns="" val="0"/>
-              </a:ext>
-            </a:extLst>
-          </a:blip>
-          <a:stretch>
-            <a:fillRect/>
-          </a:stretch>
-        </p:blipFill>
-        <p:spPr>
-          <a:xfrm rot="20079027">
-            <a:off x="6626681" y="3689177"/>
-            <a:ext cx="1905000" cy="1483604"/>
-          </a:xfrm>
-          <a:prstGeom prst="rect">
-            <a:avLst/>
-          </a:prstGeom>
-        </p:spPr>
-      </p:pic>
-      <p:pic>
-        <p:nvPicPr>
-          <p:cNvPr id="90" name="Picture 20"/>
-          <p:cNvPicPr>
-            <a:picLocks noChangeAspect="1"/>
-          </p:cNvPicPr>
-          <p:nvPr/>
-        </p:nvPicPr>
-        <p:blipFill>
-          <a:blip r:embed="rId4" cstate="print">
-            <a:duotone>
-              <a:schemeClr val="accent1">
-                <a:shade val="45000"/>
-                <a:satMod val="135000"/>
-              </a:schemeClr>
-              <a:prstClr val="white"/>
-            </a:duotone>
-            <a:extLst>
-              <a:ext uri="{28A0092B-C50C-407E-A947-70E740481C1C}">
-                <a14:useLocalDpi xmlns:a14="http://schemas.microsoft.com/office/drawing/2010/main" xmlns="" val="0"/>
-              </a:ext>
-            </a:extLst>
-          </a:blip>
-          <a:stretch>
-            <a:fillRect/>
-          </a:stretch>
-        </p:blipFill>
-        <p:spPr>
-          <a:xfrm rot="5400000">
-            <a:off x="1191516" y="3456684"/>
-            <a:ext cx="908106" cy="243139"/>
-          </a:xfrm>
-          <a:prstGeom prst="rect">
-            <a:avLst/>
-          </a:prstGeom>
-        </p:spPr>
-      </p:pic>
-      <p:pic>
-        <p:nvPicPr>
-          <p:cNvPr id="92" name="Picture 20"/>
-          <p:cNvPicPr>
-            <a:picLocks noChangeAspect="1"/>
-          </p:cNvPicPr>
-          <p:nvPr/>
-        </p:nvPicPr>
-        <p:blipFill>
-          <a:blip r:embed="rId4" cstate="print">
-            <a:duotone>
-              <a:schemeClr val="accent1">
-                <a:shade val="45000"/>
-                <a:satMod val="135000"/>
-              </a:schemeClr>
-              <a:prstClr val="white"/>
-            </a:duotone>
-            <a:extLst>
-              <a:ext uri="{28A0092B-C50C-407E-A947-70E740481C1C}">
-                <a14:useLocalDpi xmlns:a14="http://schemas.microsoft.com/office/drawing/2010/main" xmlns="" val="0"/>
-              </a:ext>
-            </a:extLst>
-          </a:blip>
-          <a:stretch>
-            <a:fillRect/>
-          </a:stretch>
-        </p:blipFill>
-        <p:spPr>
-          <a:xfrm rot="7370491">
-            <a:off x="1661448" y="1652668"/>
-            <a:ext cx="783319" cy="209728"/>
-          </a:xfrm>
-          <a:prstGeom prst="rect">
-            <a:avLst/>
-          </a:prstGeom>
-        </p:spPr>
-      </p:pic>
-      <p:pic>
-        <p:nvPicPr>
-          <p:cNvPr id="93" name="Picture 20"/>
-          <p:cNvPicPr>
-            <a:picLocks noChangeAspect="1"/>
-          </p:cNvPicPr>
-          <p:nvPr/>
-        </p:nvPicPr>
-        <p:blipFill>
-          <a:blip r:embed="rId4" cstate="print">
-            <a:duotone>
-              <a:schemeClr val="accent1">
-                <a:shade val="45000"/>
-                <a:satMod val="135000"/>
-              </a:schemeClr>
-              <a:prstClr val="white"/>
-            </a:duotone>
-            <a:extLst>
-              <a:ext uri="{28A0092B-C50C-407E-A947-70E740481C1C}">
-                <a14:useLocalDpi xmlns:a14="http://schemas.microsoft.com/office/drawing/2010/main" xmlns="" val="0"/>
-              </a:ext>
-            </a:extLst>
-          </a:blip>
-          <a:stretch>
-            <a:fillRect/>
-          </a:stretch>
-        </p:blipFill>
-        <p:spPr>
-          <a:xfrm rot="18219916">
-            <a:off x="2046330" y="1727040"/>
-            <a:ext cx="783319" cy="209728"/>
-          </a:xfrm>
-          <a:prstGeom prst="rect">
-            <a:avLst/>
-          </a:prstGeom>
-        </p:spPr>
-      </p:pic>
-      <p:pic>
-        <p:nvPicPr>
-          <p:cNvPr id="94" name="Picture 20"/>
-          <p:cNvPicPr>
-            <a:picLocks noChangeAspect="1"/>
-          </p:cNvPicPr>
-          <p:nvPr/>
-        </p:nvPicPr>
-        <p:blipFill>
-          <a:blip r:embed="rId4" cstate="print">
-            <a:duotone>
-              <a:schemeClr val="accent1">
-                <a:shade val="45000"/>
-                <a:satMod val="135000"/>
-              </a:schemeClr>
-              <a:prstClr val="white"/>
-            </a:duotone>
-            <a:extLst>
-              <a:ext uri="{28A0092B-C50C-407E-A947-70E740481C1C}">
-                <a14:useLocalDpi xmlns:a14="http://schemas.microsoft.com/office/drawing/2010/main" xmlns="" val="0"/>
-              </a:ext>
-            </a:extLst>
-          </a:blip>
-          <a:stretch>
-            <a:fillRect/>
-          </a:stretch>
-        </p:blipFill>
-        <p:spPr>
-          <a:xfrm rot="11153312">
-            <a:off x="4057807" y="1154367"/>
-            <a:ext cx="1730893" cy="463434"/>
-          </a:xfrm>
-          <a:prstGeom prst="rect">
-            <a:avLst/>
-          </a:prstGeom>
-        </p:spPr>
-      </p:pic>
-      <p:pic>
-        <p:nvPicPr>
-          <p:cNvPr id="95" name="Picture 20"/>
-          <p:cNvPicPr>
-            <a:picLocks noChangeAspect="1"/>
-          </p:cNvPicPr>
-          <p:nvPr/>
-        </p:nvPicPr>
-        <p:blipFill>
-          <a:blip r:embed="rId4" cstate="print">
-            <a:duotone>
-              <a:schemeClr val="accent1">
-                <a:shade val="45000"/>
-                <a:satMod val="135000"/>
-              </a:schemeClr>
-              <a:prstClr val="white"/>
-            </a:duotone>
-            <a:extLst>
-              <a:ext uri="{28A0092B-C50C-407E-A947-70E740481C1C}">
-                <a14:useLocalDpi xmlns:a14="http://schemas.microsoft.com/office/drawing/2010/main" xmlns="" val="0"/>
-              </a:ext>
-            </a:extLst>
-          </a:blip>
-          <a:stretch>
-            <a:fillRect/>
-          </a:stretch>
-        </p:blipFill>
-        <p:spPr>
-          <a:xfrm rot="13221231">
-            <a:off x="3620113" y="1862914"/>
-            <a:ext cx="1161059" cy="310865"/>
-          </a:xfrm>
-          <a:prstGeom prst="rect">
-            <a:avLst/>
-          </a:prstGeom>
-        </p:spPr>
-      </p:pic>
-      <p:pic>
-        <p:nvPicPr>
-          <p:cNvPr id="96" name="Picture 20"/>
-          <p:cNvPicPr>
-            <a:picLocks noChangeAspect="1"/>
-          </p:cNvPicPr>
-          <p:nvPr/>
-        </p:nvPicPr>
-        <p:blipFill>
-          <a:blip r:embed="rId4" cstate="print">
-            <a:duotone>
-              <a:schemeClr val="accent1">
-                <a:shade val="45000"/>
-                <a:satMod val="135000"/>
-              </a:schemeClr>
-              <a:prstClr val="white"/>
-            </a:duotone>
-            <a:extLst>
-              <a:ext uri="{28A0092B-C50C-407E-A947-70E740481C1C}">
-                <a14:useLocalDpi xmlns:a14="http://schemas.microsoft.com/office/drawing/2010/main" xmlns="" val="0"/>
-              </a:ext>
-            </a:extLst>
-          </a:blip>
-          <a:stretch>
-            <a:fillRect/>
-          </a:stretch>
-        </p:blipFill>
-        <p:spPr>
-          <a:xfrm rot="9597648">
-            <a:off x="5417290" y="5135722"/>
-            <a:ext cx="1210505" cy="324104"/>
-          </a:xfrm>
-          <a:prstGeom prst="rect">
-            <a:avLst/>
-          </a:prstGeom>
-        </p:spPr>
-      </p:pic>
-      <p:pic>
-        <p:nvPicPr>
-          <p:cNvPr id="97" name="Picture 20"/>
-          <p:cNvPicPr>
-            <a:picLocks noChangeAspect="1"/>
-          </p:cNvPicPr>
-          <p:nvPr/>
-        </p:nvPicPr>
-        <p:blipFill>
-          <a:blip r:embed="rId4" cstate="print">
-            <a:duotone>
-              <a:schemeClr val="accent1">
-                <a:shade val="45000"/>
-                <a:satMod val="135000"/>
-              </a:schemeClr>
-              <a:prstClr val="white"/>
-            </a:duotone>
-            <a:extLst>
-              <a:ext uri="{28A0092B-C50C-407E-A947-70E740481C1C}">
-                <a14:useLocalDpi xmlns:a14="http://schemas.microsoft.com/office/drawing/2010/main" xmlns="" val="0"/>
-              </a:ext>
-            </a:extLst>
-          </a:blip>
-          <a:stretch>
-            <a:fillRect/>
-          </a:stretch>
-        </p:blipFill>
-        <p:spPr>
-          <a:xfrm rot="20191001">
-            <a:off x="5272050" y="4644270"/>
-            <a:ext cx="1194079" cy="319706"/>
-          </a:xfrm>
-          <a:prstGeom prst="rect">
-            <a:avLst/>
-          </a:prstGeom>
-        </p:spPr>
-      </p:pic>
-      <p:pic>
-        <p:nvPicPr>
-          <p:cNvPr id="98" name="Picture 20"/>
-          <p:cNvPicPr>
-            <a:picLocks noChangeAspect="1"/>
-          </p:cNvPicPr>
-          <p:nvPr/>
-        </p:nvPicPr>
-        <p:blipFill>
-          <a:blip r:embed="rId4" cstate="print">
-            <a:duotone>
-              <a:schemeClr val="accent1">
-                <a:shade val="45000"/>
-                <a:satMod val="135000"/>
-              </a:schemeClr>
-              <a:prstClr val="white"/>
-            </a:duotone>
-            <a:extLst>
-              <a:ext uri="{28A0092B-C50C-407E-A947-70E740481C1C}">
-                <a14:useLocalDpi xmlns:a14="http://schemas.microsoft.com/office/drawing/2010/main" xmlns="" val="0"/>
-              </a:ext>
-            </a:extLst>
-          </a:blip>
-          <a:stretch>
-            <a:fillRect/>
-          </a:stretch>
-        </p:blipFill>
-        <p:spPr>
-          <a:xfrm rot="12093328">
-            <a:off x="2678135" y="5165764"/>
-            <a:ext cx="783319" cy="209728"/>
-          </a:xfrm>
-          <a:prstGeom prst="rect">
-            <a:avLst/>
-          </a:prstGeom>
-        </p:spPr>
-      </p:pic>
-      <p:pic>
-        <p:nvPicPr>
-          <p:cNvPr id="99" name="Picture 20"/>
-          <p:cNvPicPr>
-            <a:picLocks noChangeAspect="1"/>
-          </p:cNvPicPr>
-          <p:nvPr/>
-        </p:nvPicPr>
-        <p:blipFill>
-          <a:blip r:embed="rId4" cstate="print">
-            <a:duotone>
-              <a:schemeClr val="accent1">
-                <a:shade val="45000"/>
-                <a:satMod val="135000"/>
-              </a:schemeClr>
-              <a:prstClr val="white"/>
-            </a:duotone>
-            <a:extLst>
-              <a:ext uri="{28A0092B-C50C-407E-A947-70E740481C1C}">
-                <a14:useLocalDpi xmlns:a14="http://schemas.microsoft.com/office/drawing/2010/main" xmlns="" val="0"/>
-              </a:ext>
-            </a:extLst>
-          </a:blip>
-          <a:stretch>
-            <a:fillRect/>
-          </a:stretch>
-        </p:blipFill>
-        <p:spPr>
-          <a:xfrm rot="1232777">
-            <a:off x="2755090" y="4778989"/>
-            <a:ext cx="783319" cy="209728"/>
-          </a:xfrm>
-          <a:prstGeom prst="rect">
-            <a:avLst/>
-          </a:prstGeom>
-        </p:spPr>
-      </p:pic>
-      <p:pic>
-        <p:nvPicPr>
-          <p:cNvPr id="100" name="Picture 42"/>
-          <p:cNvPicPr>
-            <a:picLocks noChangeAspect="1"/>
-          </p:cNvPicPr>
-          <p:nvPr/>
-        </p:nvPicPr>
-        <p:blipFill>
-          <a:blip r:embed="rId7" cstate="print">
-            <a:duotone>
-              <a:schemeClr val="accent2">
-                <a:shade val="45000"/>
-                <a:satMod val="135000"/>
-              </a:schemeClr>
-              <a:prstClr val="white"/>
-            </a:duotone>
-            <a:extLst>
-              <a:ext uri="{28A0092B-C50C-407E-A947-70E740481C1C}">
-                <a14:useLocalDpi xmlns:a14="http://schemas.microsoft.com/office/drawing/2010/main" xmlns="" val="0"/>
-              </a:ext>
-            </a:extLst>
-          </a:blip>
-          <a:stretch>
-            <a:fillRect/>
-          </a:stretch>
-        </p:blipFill>
-        <p:spPr>
-          <a:xfrm>
-            <a:off x="3733800" y="4800600"/>
-            <a:ext cx="1467653" cy="1143000"/>
-          </a:xfrm>
-          <a:prstGeom prst="rect">
-            <a:avLst/>
-          </a:prstGeom>
-        </p:spPr>
-      </p:pic>
-      <p:pic>
-        <p:nvPicPr>
-          <p:cNvPr id="101" name="Picture 25"/>
-          <p:cNvPicPr>
-            <a:picLocks noChangeAspect="1"/>
-          </p:cNvPicPr>
-          <p:nvPr/>
-        </p:nvPicPr>
-        <p:blipFill>
-          <a:blip r:embed="rId5" cstate="print">
-            <a:duotone>
-              <a:schemeClr val="accent2">
-                <a:shade val="45000"/>
-                <a:satMod val="135000"/>
-              </a:schemeClr>
-              <a:prstClr val="white"/>
-            </a:duotone>
-            <a:extLst>
-              <a:ext uri="{28A0092B-C50C-407E-A947-70E740481C1C}">
-                <a14:useLocalDpi xmlns:a14="http://schemas.microsoft.com/office/drawing/2010/main" xmlns="" val="0"/>
-              </a:ext>
-            </a:extLst>
-          </a:blip>
-          <a:stretch>
-            <a:fillRect/>
-          </a:stretch>
-        </p:blipFill>
-        <p:spPr>
-          <a:xfrm>
-            <a:off x="5257800" y="1524000"/>
-            <a:ext cx="2209800" cy="122005"/>
-          </a:xfrm>
-          <a:prstGeom prst="rect">
-            <a:avLst/>
-          </a:prstGeom>
-        </p:spPr>
-      </p:pic>
-      <p:pic>
-        <p:nvPicPr>
-          <p:cNvPr id="102" name="Picture 25"/>
-          <p:cNvPicPr>
-            <a:picLocks noChangeAspect="1"/>
-          </p:cNvPicPr>
-          <p:nvPr/>
-        </p:nvPicPr>
-        <p:blipFill>
-          <a:blip r:embed="rId5" cstate="print">
-            <a:duotone>
-              <a:schemeClr val="accent2">
-                <a:shade val="45000"/>
-                <a:satMod val="135000"/>
-              </a:schemeClr>
-              <a:prstClr val="white"/>
-            </a:duotone>
-            <a:extLst>
-              <a:ext uri="{28A0092B-C50C-407E-A947-70E740481C1C}">
-                <a14:useLocalDpi xmlns:a14="http://schemas.microsoft.com/office/drawing/2010/main" xmlns="" val="0"/>
-              </a:ext>
-            </a:extLst>
-          </a:blip>
-          <a:stretch>
-            <a:fillRect/>
-          </a:stretch>
-        </p:blipFill>
-        <p:spPr>
-          <a:xfrm>
-            <a:off x="4495800" y="2743200"/>
-            <a:ext cx="1034122" cy="57095"/>
-          </a:xfrm>
-          <a:prstGeom prst="rect">
-            <a:avLst/>
-          </a:prstGeom>
-        </p:spPr>
-      </p:pic>
-      <p:pic>
-        <p:nvPicPr>
-          <p:cNvPr id="103" name="Picture 25"/>
-          <p:cNvPicPr>
-            <a:picLocks noChangeAspect="1"/>
-          </p:cNvPicPr>
-          <p:nvPr/>
-        </p:nvPicPr>
-        <p:blipFill>
-          <a:blip r:embed="rId5" cstate="print">
-            <a:duotone>
-              <a:schemeClr val="accent2">
-                <a:shade val="45000"/>
-                <a:satMod val="135000"/>
-              </a:schemeClr>
-              <a:prstClr val="white"/>
-            </a:duotone>
-            <a:extLst>
-              <a:ext uri="{28A0092B-C50C-407E-A947-70E740481C1C}">
-                <a14:useLocalDpi xmlns:a14="http://schemas.microsoft.com/office/drawing/2010/main" xmlns="" val="0"/>
-              </a:ext>
-            </a:extLst>
-          </a:blip>
-          <a:stretch>
-            <a:fillRect/>
-          </a:stretch>
-        </p:blipFill>
-        <p:spPr>
-          <a:xfrm>
-            <a:off x="4648200" y="3048000"/>
-            <a:ext cx="1034122" cy="57095"/>
-          </a:xfrm>
-          <a:prstGeom prst="rect">
-            <a:avLst/>
-          </a:prstGeom>
-        </p:spPr>
-      </p:pic>
-      <p:sp>
-        <p:nvSpPr>
-          <p:cNvPr id="104" name="Textfeld 103"/>
-          <p:cNvSpPr txBox="1"/>
-          <p:nvPr/>
-        </p:nvSpPr>
-        <p:spPr>
-          <a:xfrm>
-            <a:off x="0" y="6477000"/>
-            <a:ext cx="6096000" cy="381000"/>
-          </a:xfrm>
-          <a:prstGeom prst="rect">
-            <a:avLst/>
-          </a:prstGeom>
-          <a:noFill/>
-        </p:spPr>
-        <p:txBody>
-          <a:bodyPr wrap="square" rtlCol="0">
-            <a:spAutoFit/>
-          </a:bodyPr>
-          <a:lstStyle/>
-          <a:p>
-            <a:r>
-              <a:rPr lang="de-DE" dirty="0" smtClean="0">
-                <a:solidFill>
-                  <a:schemeClr val="tx1">
-                    <a:lumMod val="50000"/>
-                    <a:lumOff val="50000"/>
-                  </a:schemeClr>
-                </a:solidFill>
-                <a:latin typeface="Bradley Hand ITC" pitchFamily="66" charset="0"/>
-              </a:rPr>
-              <a:t>Edith, Moritz, Johannes, Jana, Anja, </a:t>
-            </a:r>
-            <a:r>
-              <a:rPr lang="de-DE" dirty="0" err="1" smtClean="0">
-                <a:solidFill>
-                  <a:schemeClr val="tx1">
-                    <a:lumMod val="50000"/>
-                    <a:lumOff val="50000"/>
-                  </a:schemeClr>
-                </a:solidFill>
-                <a:latin typeface="Bradley Hand ITC" pitchFamily="66" charset="0"/>
-              </a:rPr>
-              <a:t>Tani</a:t>
-            </a:r>
-            <a:endParaRPr lang="de-DE" dirty="0">
-              <a:solidFill>
-                <a:schemeClr val="tx1">
-                  <a:lumMod val="50000"/>
-                  <a:lumOff val="50000"/>
-                </a:schemeClr>
-              </a:solidFill>
-              <a:latin typeface="Bradley Hand ITC" pitchFamily="66" charset="0"/>
-            </a:endParaRPr>
-          </a:p>
-        </p:txBody>
-      </p:sp>
-    </p:spTree>
-    <p:extLst>
-      <p:ext uri="{BB962C8B-B14F-4D97-AF65-F5344CB8AC3E}">
-        <p14:creationId xmlns:p14="http://schemas.microsoft.com/office/powerpoint/2010/main" xmlns="" val="2163611856"/>
-      </p:ext>
-    </p:extLst>
-  </p:cSld>
-  <p:clrMapOvr>
-    <a:masterClrMapping/>
-  </p:clrMapOvr>
-  <p:timing>
-    <p:tnLst>
-      <p:par>
-        <p:cTn id="1" dur="indefinite" restart="never" nodeType="tmRoot"/>
-      </p:par>
-    </p:tnLst>
-  </p:timing>
-</p:sld>
-</file>
-
-<file path=ppt/slides/slide5.xml><?xml version="1.0" encoding="utf-8"?>
-<p:sld xmlns:a="http://schemas.openxmlformats.org/drawingml/2006/main" xmlns:r="http://schemas.openxmlformats.org/officeDocument/2006/relationships" xmlns:p="http://schemas.openxmlformats.org/presentationml/2006/main">
-  <p:cSld>
-    <p:spTree>
-      <p:nvGrpSpPr>
-        <p:cNvPr id="1" name=""/>
-        <p:cNvGrpSpPr/>
-        <p:nvPr/>
-      </p:nvGrpSpPr>
-      <p:grpSpPr>
-        <a:xfrm>
-          <a:off x="0" y="0"/>
-          <a:ext cx="0" cy="0"/>
-          <a:chOff x="0" y="0"/>
-          <a:chExt cx="0" cy="0"/>
-        </a:xfrm>
-      </p:grpSpPr>
-      <p:pic>
-        <p:nvPicPr>
-          <p:cNvPr id="8" name="Picture 7"/>
-          <p:cNvPicPr>
-            <a:picLocks noChangeAspect="1"/>
-          </p:cNvPicPr>
-          <p:nvPr/>
-        </p:nvPicPr>
-        <p:blipFill>
-          <a:blip r:embed="rId3" cstate="print">
-            <a:extLst>
-              <a:ext uri="{28A0092B-C50C-407E-A947-70E740481C1C}">
-                <a14:useLocalDpi xmlns:a14="http://schemas.microsoft.com/office/drawing/2010/main" xmlns="" val="0"/>
-              </a:ext>
-            </a:extLst>
-          </a:blip>
-          <a:stretch>
-            <a:fillRect/>
-          </a:stretch>
-        </p:blipFill>
-        <p:spPr>
-          <a:xfrm>
-            <a:off x="19084" y="0"/>
-            <a:ext cx="9105833" cy="6858000"/>
-          </a:xfrm>
-          <a:prstGeom prst="rect">
-            <a:avLst/>
-          </a:prstGeom>
-        </p:spPr>
-      </p:pic>
-      <p:pic>
-        <p:nvPicPr>
-          <p:cNvPr id="11" name="Picture 10"/>
-          <p:cNvPicPr>
-            <a:picLocks noChangeAspect="1"/>
-          </p:cNvPicPr>
-          <p:nvPr/>
-        </p:nvPicPr>
-        <p:blipFill>
-          <a:blip r:embed="rId4" cstate="print">
-            <a:extLst>
-              <a:ext uri="{28A0092B-C50C-407E-A947-70E740481C1C}">
-                <a14:useLocalDpi xmlns:a14="http://schemas.microsoft.com/office/drawing/2010/main" xmlns="" val="0"/>
-              </a:ext>
-            </a:extLst>
-          </a:blip>
-          <a:stretch>
-            <a:fillRect/>
-          </a:stretch>
-        </p:blipFill>
-        <p:spPr>
-          <a:xfrm>
-            <a:off x="-1174096" y="223592"/>
-            <a:ext cx="908106" cy="243139"/>
-          </a:xfrm>
-          <a:prstGeom prst="rect">
-            <a:avLst/>
-          </a:prstGeom>
-        </p:spPr>
-      </p:pic>
-      <p:pic>
-        <p:nvPicPr>
-          <p:cNvPr id="18" name="Picture 17"/>
-          <p:cNvPicPr>
-            <a:picLocks noChangeAspect="1"/>
-          </p:cNvPicPr>
-          <p:nvPr/>
-        </p:nvPicPr>
-        <p:blipFill>
-          <a:blip r:embed="rId5" cstate="print">
-            <a:extLst>
-              <a:ext uri="{28A0092B-C50C-407E-A947-70E740481C1C}">
-                <a14:useLocalDpi xmlns:a14="http://schemas.microsoft.com/office/drawing/2010/main" xmlns="" val="0"/>
-              </a:ext>
-            </a:extLst>
-          </a:blip>
-          <a:stretch>
-            <a:fillRect/>
-          </a:stretch>
-        </p:blipFill>
-        <p:spPr>
-          <a:xfrm>
-            <a:off x="-2436687" y="345162"/>
-            <a:ext cx="1034122" cy="57095"/>
-          </a:xfrm>
-          <a:prstGeom prst="rect">
-            <a:avLst/>
-          </a:prstGeom>
-        </p:spPr>
-      </p:pic>
-      <p:pic>
-        <p:nvPicPr>
-          <p:cNvPr id="20" name="Picture 19"/>
-          <p:cNvPicPr>
-            <a:picLocks noChangeAspect="1"/>
-          </p:cNvPicPr>
-          <p:nvPr/>
-        </p:nvPicPr>
-        <p:blipFill>
-          <a:blip r:embed="rId6" cstate="print">
-            <a:extLst>
-              <a:ext uri="{28A0092B-C50C-407E-A947-70E740481C1C}">
-                <a14:useLocalDpi xmlns:a14="http://schemas.microsoft.com/office/drawing/2010/main" xmlns="" val="0"/>
-              </a:ext>
-            </a:extLst>
-          </a:blip>
-          <a:stretch>
-            <a:fillRect/>
-          </a:stretch>
-        </p:blipFill>
-        <p:spPr>
-          <a:xfrm>
-            <a:off x="-3939771" y="240660"/>
-            <a:ext cx="1310989" cy="209002"/>
-          </a:xfrm>
-          <a:prstGeom prst="rect">
-            <a:avLst/>
-          </a:prstGeom>
-        </p:spPr>
-      </p:pic>
-      <p:pic>
-        <p:nvPicPr>
-          <p:cNvPr id="21" name="Picture 20"/>
-          <p:cNvPicPr>
-            <a:picLocks noChangeAspect="1"/>
-          </p:cNvPicPr>
-          <p:nvPr/>
-        </p:nvPicPr>
-        <p:blipFill>
-          <a:blip r:embed="rId4" cstate="print">
-            <a:duotone>
-              <a:schemeClr val="accent1">
-                <a:shade val="45000"/>
-                <a:satMod val="135000"/>
-              </a:schemeClr>
-              <a:prstClr val="white"/>
-            </a:duotone>
-            <a:extLst>
-              <a:ext uri="{28A0092B-C50C-407E-A947-70E740481C1C}">
-                <a14:useLocalDpi xmlns:a14="http://schemas.microsoft.com/office/drawing/2010/main" xmlns="" val="0"/>
-              </a:ext>
-            </a:extLst>
-          </a:blip>
-          <a:stretch>
-            <a:fillRect/>
-          </a:stretch>
-        </p:blipFill>
-        <p:spPr>
-          <a:xfrm>
-            <a:off x="-1174096" y="495474"/>
-            <a:ext cx="908106" cy="243139"/>
-          </a:xfrm>
-          <a:prstGeom prst="rect">
-            <a:avLst/>
-          </a:prstGeom>
-        </p:spPr>
-      </p:pic>
-      <p:pic>
-        <p:nvPicPr>
-          <p:cNvPr id="22" name="Picture 21"/>
-          <p:cNvPicPr>
-            <a:picLocks noChangeAspect="1"/>
-          </p:cNvPicPr>
-          <p:nvPr/>
-        </p:nvPicPr>
-        <p:blipFill>
-          <a:blip r:embed="rId5" cstate="print">
-            <a:duotone>
-              <a:schemeClr val="accent1">
-                <a:shade val="45000"/>
-                <a:satMod val="135000"/>
-              </a:schemeClr>
-              <a:prstClr val="white"/>
-            </a:duotone>
-            <a:extLst>
-              <a:ext uri="{28A0092B-C50C-407E-A947-70E740481C1C}">
-                <a14:useLocalDpi xmlns:a14="http://schemas.microsoft.com/office/drawing/2010/main" xmlns="" val="0"/>
-              </a:ext>
-            </a:extLst>
-          </a:blip>
-          <a:stretch>
-            <a:fillRect/>
-          </a:stretch>
-        </p:blipFill>
-        <p:spPr>
-          <a:xfrm>
-            <a:off x="-2436687" y="617044"/>
-            <a:ext cx="1034122" cy="57095"/>
-          </a:xfrm>
-          <a:prstGeom prst="rect">
-            <a:avLst/>
-          </a:prstGeom>
-        </p:spPr>
-      </p:pic>
-      <p:pic>
-        <p:nvPicPr>
-          <p:cNvPr id="23" name="Picture 22"/>
-          <p:cNvPicPr>
-            <a:picLocks noChangeAspect="1"/>
-          </p:cNvPicPr>
-          <p:nvPr/>
-        </p:nvPicPr>
-        <p:blipFill>
-          <a:blip r:embed="rId6" cstate="print">
-            <a:duotone>
-              <a:schemeClr val="accent1">
-                <a:shade val="45000"/>
-                <a:satMod val="135000"/>
-              </a:schemeClr>
-              <a:prstClr val="white"/>
-            </a:duotone>
-            <a:extLst>
-              <a:ext uri="{28A0092B-C50C-407E-A947-70E740481C1C}">
-                <a14:useLocalDpi xmlns:a14="http://schemas.microsoft.com/office/drawing/2010/main" xmlns="" val="0"/>
-              </a:ext>
-            </a:extLst>
-          </a:blip>
-          <a:stretch>
-            <a:fillRect/>
-          </a:stretch>
-        </p:blipFill>
-        <p:spPr>
-          <a:xfrm>
-            <a:off x="-3939771" y="512543"/>
-            <a:ext cx="1310989" cy="209002"/>
-          </a:xfrm>
-          <a:prstGeom prst="rect">
-            <a:avLst/>
-          </a:prstGeom>
-        </p:spPr>
-      </p:pic>
-      <p:pic>
-        <p:nvPicPr>
-          <p:cNvPr id="25" name="Picture 24"/>
-          <p:cNvPicPr>
-            <a:picLocks noChangeAspect="1"/>
-          </p:cNvPicPr>
-          <p:nvPr/>
-        </p:nvPicPr>
-        <p:blipFill>
-          <a:blip r:embed="rId4" cstate="print">
-            <a:duotone>
-              <a:schemeClr val="accent2">
-                <a:shade val="45000"/>
-                <a:satMod val="135000"/>
-              </a:schemeClr>
-              <a:prstClr val="white"/>
-            </a:duotone>
-            <a:extLst>
-              <a:ext uri="{28A0092B-C50C-407E-A947-70E740481C1C}">
-                <a14:useLocalDpi xmlns:a14="http://schemas.microsoft.com/office/drawing/2010/main" xmlns="" val="0"/>
-              </a:ext>
-            </a:extLst>
-          </a:blip>
-          <a:stretch>
-            <a:fillRect/>
-          </a:stretch>
-        </p:blipFill>
-        <p:spPr>
-          <a:xfrm>
-            <a:off x="-1174096" y="804220"/>
-            <a:ext cx="908106" cy="243139"/>
-          </a:xfrm>
-          <a:prstGeom prst="rect">
-            <a:avLst/>
-          </a:prstGeom>
-        </p:spPr>
-      </p:pic>
-      <p:pic>
-        <p:nvPicPr>
-          <p:cNvPr id="26" name="Picture 25"/>
-          <p:cNvPicPr>
-            <a:picLocks noChangeAspect="1"/>
-          </p:cNvPicPr>
-          <p:nvPr/>
-        </p:nvPicPr>
-        <p:blipFill>
-          <a:blip r:embed="rId5" cstate="print">
-            <a:duotone>
-              <a:schemeClr val="accent2">
-                <a:shade val="45000"/>
-                <a:satMod val="135000"/>
-              </a:schemeClr>
-              <a:prstClr val="white"/>
-            </a:duotone>
-            <a:extLst>
-              <a:ext uri="{28A0092B-C50C-407E-A947-70E740481C1C}">
-                <a14:useLocalDpi xmlns:a14="http://schemas.microsoft.com/office/drawing/2010/main" xmlns="" val="0"/>
-              </a:ext>
-            </a:extLst>
-          </a:blip>
-          <a:stretch>
-            <a:fillRect/>
-          </a:stretch>
-        </p:blipFill>
-        <p:spPr>
-          <a:xfrm>
-            <a:off x="-2436687" y="925790"/>
-            <a:ext cx="1034122" cy="57095"/>
-          </a:xfrm>
-          <a:prstGeom prst="rect">
-            <a:avLst/>
-          </a:prstGeom>
-        </p:spPr>
-      </p:pic>
-      <p:pic>
-        <p:nvPicPr>
-          <p:cNvPr id="27" name="Picture 26"/>
-          <p:cNvPicPr>
-            <a:picLocks noChangeAspect="1"/>
-          </p:cNvPicPr>
-          <p:nvPr/>
-        </p:nvPicPr>
-        <p:blipFill>
-          <a:blip r:embed="rId6" cstate="print">
-            <a:duotone>
-              <a:schemeClr val="accent2">
-                <a:shade val="45000"/>
-                <a:satMod val="135000"/>
-              </a:schemeClr>
-              <a:prstClr val="white"/>
-            </a:duotone>
-            <a:extLst>
-              <a:ext uri="{28A0092B-C50C-407E-A947-70E740481C1C}">
-                <a14:useLocalDpi xmlns:a14="http://schemas.microsoft.com/office/drawing/2010/main" xmlns="" val="0"/>
-              </a:ext>
-            </a:extLst>
-          </a:blip>
-          <a:stretch>
-            <a:fillRect/>
-          </a:stretch>
-        </p:blipFill>
-        <p:spPr>
-          <a:xfrm>
-            <a:off x="-3939771" y="821289"/>
-            <a:ext cx="1310989" cy="209002"/>
-          </a:xfrm>
-          <a:prstGeom prst="rect">
-            <a:avLst/>
-          </a:prstGeom>
-        </p:spPr>
-      </p:pic>
-      <p:pic>
-        <p:nvPicPr>
-          <p:cNvPr id="28" name="Picture 27"/>
-          <p:cNvPicPr>
-            <a:picLocks noChangeAspect="1"/>
-          </p:cNvPicPr>
-          <p:nvPr/>
-        </p:nvPicPr>
-        <p:blipFill>
-          <a:blip r:embed="rId4" cstate="print">
-            <a:duotone>
-              <a:schemeClr val="accent3">
-                <a:shade val="45000"/>
-                <a:satMod val="135000"/>
-              </a:schemeClr>
-              <a:prstClr val="white"/>
-            </a:duotone>
-            <a:extLst>
-              <a:ext uri="{28A0092B-C50C-407E-A947-70E740481C1C}">
-                <a14:useLocalDpi xmlns:a14="http://schemas.microsoft.com/office/drawing/2010/main" xmlns="" val="0"/>
-              </a:ext>
-            </a:extLst>
-          </a:blip>
-          <a:stretch>
-            <a:fillRect/>
-          </a:stretch>
-        </p:blipFill>
-        <p:spPr>
-          <a:xfrm>
-            <a:off x="-1174096" y="1098055"/>
-            <a:ext cx="908106" cy="243139"/>
-          </a:xfrm>
-          <a:prstGeom prst="rect">
-            <a:avLst/>
-          </a:prstGeom>
-        </p:spPr>
-      </p:pic>
-      <p:pic>
-        <p:nvPicPr>
-          <p:cNvPr id="29" name="Picture 28"/>
-          <p:cNvPicPr>
-            <a:picLocks noChangeAspect="1"/>
-          </p:cNvPicPr>
-          <p:nvPr/>
-        </p:nvPicPr>
-        <p:blipFill>
-          <a:blip r:embed="rId5" cstate="print">
-            <a:duotone>
-              <a:schemeClr val="accent3">
-                <a:shade val="45000"/>
-                <a:satMod val="135000"/>
-              </a:schemeClr>
-              <a:prstClr val="white"/>
-            </a:duotone>
-            <a:extLst>
-              <a:ext uri="{28A0092B-C50C-407E-A947-70E740481C1C}">
-                <a14:useLocalDpi xmlns:a14="http://schemas.microsoft.com/office/drawing/2010/main" xmlns="" val="0"/>
-              </a:ext>
-            </a:extLst>
-          </a:blip>
-          <a:stretch>
-            <a:fillRect/>
-          </a:stretch>
-        </p:blipFill>
-        <p:spPr>
-          <a:xfrm>
-            <a:off x="-2436687" y="1219625"/>
-            <a:ext cx="1034122" cy="57095"/>
-          </a:xfrm>
-          <a:prstGeom prst="rect">
-            <a:avLst/>
-          </a:prstGeom>
-        </p:spPr>
-      </p:pic>
-      <p:pic>
-        <p:nvPicPr>
-          <p:cNvPr id="30" name="Picture 29"/>
-          <p:cNvPicPr>
-            <a:picLocks noChangeAspect="1"/>
-          </p:cNvPicPr>
-          <p:nvPr/>
-        </p:nvPicPr>
-        <p:blipFill>
-          <a:blip r:embed="rId6" cstate="print">
-            <a:duotone>
-              <a:schemeClr val="accent3">
-                <a:shade val="45000"/>
-                <a:satMod val="135000"/>
-              </a:schemeClr>
-              <a:prstClr val="white"/>
-            </a:duotone>
-            <a:extLst>
-              <a:ext uri="{28A0092B-C50C-407E-A947-70E740481C1C}">
-                <a14:useLocalDpi xmlns:a14="http://schemas.microsoft.com/office/drawing/2010/main" xmlns="" val="0"/>
-              </a:ext>
-            </a:extLst>
-          </a:blip>
-          <a:stretch>
-            <a:fillRect/>
-          </a:stretch>
-        </p:blipFill>
-        <p:spPr>
-          <a:xfrm>
-            <a:off x="-3939771" y="1115124"/>
-            <a:ext cx="1310989" cy="209002"/>
-          </a:xfrm>
-          <a:prstGeom prst="rect">
-            <a:avLst/>
-          </a:prstGeom>
-        </p:spPr>
-      </p:pic>
-      <p:pic>
-        <p:nvPicPr>
-          <p:cNvPr id="31" name="Picture 30"/>
-          <p:cNvPicPr>
-            <a:picLocks noChangeAspect="1"/>
-          </p:cNvPicPr>
-          <p:nvPr/>
-        </p:nvPicPr>
-        <p:blipFill>
-          <a:blip r:embed="rId4" cstate="print">
-            <a:duotone>
-              <a:schemeClr val="accent4">
-                <a:shade val="45000"/>
-                <a:satMod val="135000"/>
-              </a:schemeClr>
-              <a:prstClr val="white"/>
-            </a:duotone>
-            <a:extLst>
-              <a:ext uri="{28A0092B-C50C-407E-A947-70E740481C1C}">
-                <a14:useLocalDpi xmlns:a14="http://schemas.microsoft.com/office/drawing/2010/main" xmlns="" val="0"/>
-              </a:ext>
-            </a:extLst>
-          </a:blip>
-          <a:stretch>
-            <a:fillRect/>
-          </a:stretch>
-        </p:blipFill>
-        <p:spPr>
-          <a:xfrm>
-            <a:off x="-1174096" y="1415953"/>
-            <a:ext cx="908106" cy="243139"/>
-          </a:xfrm>
-          <a:prstGeom prst="rect">
-            <a:avLst/>
-          </a:prstGeom>
-        </p:spPr>
-      </p:pic>
-      <p:pic>
-        <p:nvPicPr>
-          <p:cNvPr id="32" name="Picture 31"/>
-          <p:cNvPicPr>
-            <a:picLocks noChangeAspect="1"/>
-          </p:cNvPicPr>
-          <p:nvPr/>
-        </p:nvPicPr>
-        <p:blipFill>
-          <a:blip r:embed="rId5" cstate="print">
-            <a:duotone>
-              <a:schemeClr val="accent4">
-                <a:shade val="45000"/>
-                <a:satMod val="135000"/>
-              </a:schemeClr>
-              <a:prstClr val="white"/>
-            </a:duotone>
-            <a:extLst>
-              <a:ext uri="{28A0092B-C50C-407E-A947-70E740481C1C}">
-                <a14:useLocalDpi xmlns:a14="http://schemas.microsoft.com/office/drawing/2010/main" xmlns="" val="0"/>
-              </a:ext>
-            </a:extLst>
-          </a:blip>
-          <a:stretch>
-            <a:fillRect/>
-          </a:stretch>
-        </p:blipFill>
-        <p:spPr>
-          <a:xfrm>
-            <a:off x="-2436687" y="1537523"/>
-            <a:ext cx="1034122" cy="57095"/>
-          </a:xfrm>
-          <a:prstGeom prst="rect">
-            <a:avLst/>
-          </a:prstGeom>
-        </p:spPr>
-      </p:pic>
-      <p:pic>
-        <p:nvPicPr>
-          <p:cNvPr id="33" name="Picture 32"/>
-          <p:cNvPicPr>
-            <a:picLocks noChangeAspect="1"/>
-          </p:cNvPicPr>
-          <p:nvPr/>
-        </p:nvPicPr>
-        <p:blipFill>
-          <a:blip r:embed="rId6" cstate="print">
-            <a:duotone>
-              <a:schemeClr val="accent4">
-                <a:shade val="45000"/>
-                <a:satMod val="135000"/>
-              </a:schemeClr>
-              <a:prstClr val="white"/>
-            </a:duotone>
-            <a:extLst>
-              <a:ext uri="{28A0092B-C50C-407E-A947-70E740481C1C}">
-                <a14:useLocalDpi xmlns:a14="http://schemas.microsoft.com/office/drawing/2010/main" xmlns="" val="0"/>
-              </a:ext>
-            </a:extLst>
-          </a:blip>
-          <a:stretch>
-            <a:fillRect/>
-          </a:stretch>
-        </p:blipFill>
-        <p:spPr>
-          <a:xfrm>
-            <a:off x="-3939771" y="1433021"/>
-            <a:ext cx="1310989" cy="209002"/>
-          </a:xfrm>
-          <a:prstGeom prst="rect">
-            <a:avLst/>
-          </a:prstGeom>
-        </p:spPr>
-      </p:pic>
-      <p:pic>
-        <p:nvPicPr>
-          <p:cNvPr id="34" name="Picture 33"/>
-          <p:cNvPicPr>
-            <a:picLocks noChangeAspect="1"/>
-          </p:cNvPicPr>
-          <p:nvPr/>
-        </p:nvPicPr>
-        <p:blipFill>
-          <a:blip r:embed="rId4" cstate="print">
-            <a:duotone>
-              <a:schemeClr val="accent5">
-                <a:shade val="45000"/>
-                <a:satMod val="135000"/>
-              </a:schemeClr>
-              <a:prstClr val="white"/>
-            </a:duotone>
-            <a:extLst>
-              <a:ext uri="{28A0092B-C50C-407E-A947-70E740481C1C}">
-                <a14:useLocalDpi xmlns:a14="http://schemas.microsoft.com/office/drawing/2010/main" xmlns="" val="0"/>
-              </a:ext>
-            </a:extLst>
-          </a:blip>
-          <a:stretch>
-            <a:fillRect/>
-          </a:stretch>
-        </p:blipFill>
-        <p:spPr>
-          <a:xfrm>
-            <a:off x="-1174096" y="1720184"/>
-            <a:ext cx="908106" cy="243139"/>
-          </a:xfrm>
-          <a:prstGeom prst="rect">
-            <a:avLst/>
-          </a:prstGeom>
-        </p:spPr>
-      </p:pic>
-      <p:pic>
-        <p:nvPicPr>
-          <p:cNvPr id="35" name="Picture 34"/>
-          <p:cNvPicPr>
-            <a:picLocks noChangeAspect="1"/>
-          </p:cNvPicPr>
-          <p:nvPr/>
-        </p:nvPicPr>
-        <p:blipFill>
-          <a:blip r:embed="rId5" cstate="print">
-            <a:duotone>
-              <a:schemeClr val="accent5">
-                <a:shade val="45000"/>
-                <a:satMod val="135000"/>
-              </a:schemeClr>
-              <a:prstClr val="white"/>
-            </a:duotone>
-            <a:extLst>
-              <a:ext uri="{28A0092B-C50C-407E-A947-70E740481C1C}">
-                <a14:useLocalDpi xmlns:a14="http://schemas.microsoft.com/office/drawing/2010/main" xmlns="" val="0"/>
-              </a:ext>
-            </a:extLst>
-          </a:blip>
-          <a:stretch>
-            <a:fillRect/>
-          </a:stretch>
-        </p:blipFill>
-        <p:spPr>
-          <a:xfrm>
-            <a:off x="-2436687" y="1841754"/>
-            <a:ext cx="1034122" cy="57095"/>
-          </a:xfrm>
-          <a:prstGeom prst="rect">
-            <a:avLst/>
-          </a:prstGeom>
-        </p:spPr>
-      </p:pic>
-      <p:pic>
-        <p:nvPicPr>
-          <p:cNvPr id="36" name="Picture 35"/>
-          <p:cNvPicPr>
-            <a:picLocks noChangeAspect="1"/>
-          </p:cNvPicPr>
-          <p:nvPr/>
-        </p:nvPicPr>
-        <p:blipFill>
-          <a:blip r:embed="rId6" cstate="print">
-            <a:duotone>
-              <a:schemeClr val="accent5">
-                <a:shade val="45000"/>
-                <a:satMod val="135000"/>
-              </a:schemeClr>
-              <a:prstClr val="white"/>
-            </a:duotone>
-            <a:extLst>
-              <a:ext uri="{28A0092B-C50C-407E-A947-70E740481C1C}">
-                <a14:useLocalDpi xmlns:a14="http://schemas.microsoft.com/office/drawing/2010/main" xmlns="" val="0"/>
-              </a:ext>
-            </a:extLst>
-          </a:blip>
-          <a:stretch>
-            <a:fillRect/>
-          </a:stretch>
-        </p:blipFill>
-        <p:spPr>
-          <a:xfrm>
-            <a:off x="-3939771" y="1737253"/>
-            <a:ext cx="1310989" cy="209002"/>
-          </a:xfrm>
-          <a:prstGeom prst="rect">
-            <a:avLst/>
-          </a:prstGeom>
-        </p:spPr>
-      </p:pic>
-      <p:pic>
-        <p:nvPicPr>
-          <p:cNvPr id="37" name="Picture 36"/>
-          <p:cNvPicPr>
-            <a:picLocks noChangeAspect="1"/>
-          </p:cNvPicPr>
-          <p:nvPr/>
-        </p:nvPicPr>
-        <p:blipFill>
-          <a:blip r:embed="rId7" cstate="print">
-            <a:extLst>
-              <a:ext uri="{28A0092B-C50C-407E-A947-70E740481C1C}">
-                <a14:useLocalDpi xmlns:a14="http://schemas.microsoft.com/office/drawing/2010/main" xmlns="" val="0"/>
-              </a:ext>
-            </a:extLst>
-          </a:blip>
-          <a:stretch>
-            <a:fillRect/>
-          </a:stretch>
-        </p:blipFill>
-        <p:spPr>
-          <a:xfrm>
-            <a:off x="-3969265" y="2067385"/>
-            <a:ext cx="541388" cy="421630"/>
-          </a:xfrm>
-          <a:prstGeom prst="rect">
-            <a:avLst/>
-          </a:prstGeom>
-        </p:spPr>
-      </p:pic>
-      <p:pic>
-        <p:nvPicPr>
-          <p:cNvPr id="38" name="Picture 37"/>
-          <p:cNvPicPr>
-            <a:picLocks noChangeAspect="1"/>
-          </p:cNvPicPr>
-          <p:nvPr/>
-        </p:nvPicPr>
-        <p:blipFill>
-          <a:blip r:embed="rId8" cstate="print">
-            <a:extLst>
-              <a:ext uri="{28A0092B-C50C-407E-A947-70E740481C1C}">
-                <a14:useLocalDpi xmlns:a14="http://schemas.microsoft.com/office/drawing/2010/main" xmlns="" val="0"/>
-              </a:ext>
-            </a:extLst>
-          </a:blip>
-          <a:stretch>
-            <a:fillRect/>
-          </a:stretch>
-        </p:blipFill>
-        <p:spPr>
-          <a:xfrm>
-            <a:off x="-2655326" y="2172810"/>
-            <a:ext cx="435521" cy="306178"/>
-          </a:xfrm>
-          <a:prstGeom prst="rect">
-            <a:avLst/>
-          </a:prstGeom>
-        </p:spPr>
-      </p:pic>
-      <p:pic>
-        <p:nvPicPr>
-          <p:cNvPr id="39" name="Picture 38"/>
-          <p:cNvPicPr>
-            <a:picLocks noChangeAspect="1"/>
-          </p:cNvPicPr>
-          <p:nvPr/>
-        </p:nvPicPr>
-        <p:blipFill>
-          <a:blip r:embed="rId9" cstate="print">
-            <a:extLst>
-              <a:ext uri="{28A0092B-C50C-407E-A947-70E740481C1C}">
-                <a14:useLocalDpi xmlns:a14="http://schemas.microsoft.com/office/drawing/2010/main" xmlns="" val="0"/>
-              </a:ext>
-            </a:extLst>
-          </a:blip>
-          <a:stretch>
-            <a:fillRect/>
-          </a:stretch>
-        </p:blipFill>
-        <p:spPr>
-          <a:xfrm rot="9902188" flipV="1">
-            <a:off x="-1539909" y="2134699"/>
-            <a:ext cx="621838" cy="361288"/>
-          </a:xfrm>
-          <a:prstGeom prst="rect">
-            <a:avLst/>
-          </a:prstGeom>
-        </p:spPr>
-      </p:pic>
-      <p:pic>
-        <p:nvPicPr>
-          <p:cNvPr id="40" name="Picture 39"/>
-          <p:cNvPicPr>
-            <a:picLocks noChangeAspect="1"/>
-          </p:cNvPicPr>
-          <p:nvPr/>
-        </p:nvPicPr>
-        <p:blipFill>
-          <a:blip r:embed="rId9" cstate="print">
-            <a:duotone>
-              <a:schemeClr val="accent1">
-                <a:shade val="45000"/>
-                <a:satMod val="135000"/>
-              </a:schemeClr>
-              <a:prstClr val="white"/>
-            </a:duotone>
-            <a:extLst>
-              <a:ext uri="{28A0092B-C50C-407E-A947-70E740481C1C}">
-                <a14:useLocalDpi xmlns:a14="http://schemas.microsoft.com/office/drawing/2010/main" xmlns="" val="0"/>
-              </a:ext>
-            </a:extLst>
-          </a:blip>
-          <a:stretch>
-            <a:fillRect/>
-          </a:stretch>
-        </p:blipFill>
-        <p:spPr>
-          <a:xfrm rot="9902188" flipV="1">
-            <a:off x="-840213" y="2134699"/>
-            <a:ext cx="621838" cy="361288"/>
-          </a:xfrm>
-          <a:prstGeom prst="rect">
-            <a:avLst/>
-          </a:prstGeom>
-        </p:spPr>
-      </p:pic>
-      <p:pic>
-        <p:nvPicPr>
-          <p:cNvPr id="41" name="Picture 40"/>
-          <p:cNvPicPr>
-            <a:picLocks noChangeAspect="1"/>
-          </p:cNvPicPr>
-          <p:nvPr/>
-        </p:nvPicPr>
-        <p:blipFill>
-          <a:blip r:embed="rId8" cstate="print">
-            <a:duotone>
-              <a:schemeClr val="accent1">
-                <a:shade val="45000"/>
-                <a:satMod val="135000"/>
-              </a:schemeClr>
-              <a:prstClr val="white"/>
-            </a:duotone>
-            <a:extLst>
-              <a:ext uri="{28A0092B-C50C-407E-A947-70E740481C1C}">
-                <a14:useLocalDpi xmlns:a14="http://schemas.microsoft.com/office/drawing/2010/main" xmlns="" val="0"/>
-              </a:ext>
-            </a:extLst>
-          </a:blip>
-          <a:stretch>
-            <a:fillRect/>
-          </a:stretch>
-        </p:blipFill>
-        <p:spPr>
-          <a:xfrm>
-            <a:off x="-2106157" y="2180238"/>
-            <a:ext cx="435521" cy="306178"/>
-          </a:xfrm>
-          <a:prstGeom prst="rect">
-            <a:avLst/>
-          </a:prstGeom>
-        </p:spPr>
-      </p:pic>
-      <p:pic>
-        <p:nvPicPr>
-          <p:cNvPr id="42" name="Picture 41"/>
-          <p:cNvPicPr>
-            <a:picLocks noChangeAspect="1"/>
-          </p:cNvPicPr>
-          <p:nvPr/>
-        </p:nvPicPr>
-        <p:blipFill>
-          <a:blip r:embed="rId7" cstate="print">
-            <a:duotone>
-              <a:schemeClr val="accent1">
-                <a:shade val="45000"/>
-                <a:satMod val="135000"/>
-              </a:schemeClr>
-              <a:prstClr val="white"/>
-            </a:duotone>
-            <a:extLst>
-              <a:ext uri="{28A0092B-C50C-407E-A947-70E740481C1C}">
-                <a14:useLocalDpi xmlns:a14="http://schemas.microsoft.com/office/drawing/2010/main" xmlns="" val="0"/>
-              </a:ext>
-            </a:extLst>
-          </a:blip>
-          <a:stretch>
-            <a:fillRect/>
-          </a:stretch>
-        </p:blipFill>
-        <p:spPr>
-          <a:xfrm>
-            <a:off x="-3326513" y="2067385"/>
-            <a:ext cx="541388" cy="421630"/>
-          </a:xfrm>
-          <a:prstGeom prst="rect">
-            <a:avLst/>
-          </a:prstGeom>
-        </p:spPr>
-      </p:pic>
-      <p:pic>
-        <p:nvPicPr>
-          <p:cNvPr id="43" name="Picture 42"/>
-          <p:cNvPicPr>
-            <a:picLocks noChangeAspect="1"/>
-          </p:cNvPicPr>
-          <p:nvPr/>
-        </p:nvPicPr>
-        <p:blipFill>
-          <a:blip r:embed="rId7" cstate="print">
-            <a:duotone>
-              <a:schemeClr val="accent2">
-                <a:shade val="45000"/>
-                <a:satMod val="135000"/>
-              </a:schemeClr>
-              <a:prstClr val="white"/>
-            </a:duotone>
-            <a:extLst>
-              <a:ext uri="{28A0092B-C50C-407E-A947-70E740481C1C}">
-                <a14:useLocalDpi xmlns:a14="http://schemas.microsoft.com/office/drawing/2010/main" xmlns="" val="0"/>
-              </a:ext>
-            </a:extLst>
-          </a:blip>
-          <a:stretch>
-            <a:fillRect/>
-          </a:stretch>
-        </p:blipFill>
-        <p:spPr>
-          <a:xfrm>
-            <a:off x="-3969265" y="2485829"/>
-            <a:ext cx="541388" cy="421630"/>
-          </a:xfrm>
-          <a:prstGeom prst="rect">
-            <a:avLst/>
-          </a:prstGeom>
-        </p:spPr>
-      </p:pic>
-      <p:pic>
-        <p:nvPicPr>
-          <p:cNvPr id="44" name="Picture 43"/>
-          <p:cNvPicPr>
-            <a:picLocks noChangeAspect="1"/>
-          </p:cNvPicPr>
-          <p:nvPr/>
-        </p:nvPicPr>
-        <p:blipFill>
-          <a:blip r:embed="rId8" cstate="print">
-            <a:duotone>
-              <a:schemeClr val="accent2">
-                <a:shade val="45000"/>
-                <a:satMod val="135000"/>
-              </a:schemeClr>
-              <a:prstClr val="white"/>
-            </a:duotone>
-            <a:extLst>
-              <a:ext uri="{28A0092B-C50C-407E-A947-70E740481C1C}">
-                <a14:useLocalDpi xmlns:a14="http://schemas.microsoft.com/office/drawing/2010/main" xmlns="" val="0"/>
-              </a:ext>
-            </a:extLst>
-          </a:blip>
-          <a:stretch>
-            <a:fillRect/>
-          </a:stretch>
-        </p:blipFill>
-        <p:spPr>
-          <a:xfrm>
-            <a:off x="-2655327" y="2591254"/>
-            <a:ext cx="435521" cy="306178"/>
-          </a:xfrm>
-          <a:prstGeom prst="rect">
-            <a:avLst/>
-          </a:prstGeom>
-        </p:spPr>
-      </p:pic>
-      <p:pic>
-        <p:nvPicPr>
-          <p:cNvPr id="45" name="Picture 44"/>
-          <p:cNvPicPr>
-            <a:picLocks noChangeAspect="1"/>
-          </p:cNvPicPr>
-          <p:nvPr/>
-        </p:nvPicPr>
-        <p:blipFill>
-          <a:blip r:embed="rId9" cstate="print">
-            <a:duotone>
-              <a:schemeClr val="accent2">
-                <a:shade val="45000"/>
-                <a:satMod val="135000"/>
-              </a:schemeClr>
-              <a:prstClr val="white"/>
-            </a:duotone>
-            <a:extLst>
-              <a:ext uri="{28A0092B-C50C-407E-A947-70E740481C1C}">
-                <a14:useLocalDpi xmlns:a14="http://schemas.microsoft.com/office/drawing/2010/main" xmlns="" val="0"/>
-              </a:ext>
-            </a:extLst>
-          </a:blip>
-          <a:stretch>
-            <a:fillRect/>
-          </a:stretch>
-        </p:blipFill>
-        <p:spPr>
-          <a:xfrm rot="9902188" flipV="1">
-            <a:off x="-1539909" y="2553143"/>
-            <a:ext cx="621838" cy="361288"/>
-          </a:xfrm>
-          <a:prstGeom prst="rect">
-            <a:avLst/>
-          </a:prstGeom>
-        </p:spPr>
-      </p:pic>
-      <p:pic>
-        <p:nvPicPr>
-          <p:cNvPr id="46" name="Picture 45"/>
-          <p:cNvPicPr>
-            <a:picLocks noChangeAspect="1"/>
-          </p:cNvPicPr>
-          <p:nvPr/>
-        </p:nvPicPr>
-        <p:blipFill>
-          <a:blip r:embed="rId9" cstate="print">
-            <a:duotone>
-              <a:schemeClr val="accent3">
-                <a:shade val="45000"/>
-                <a:satMod val="135000"/>
-              </a:schemeClr>
-              <a:prstClr val="white"/>
-            </a:duotone>
-            <a:extLst>
-              <a:ext uri="{28A0092B-C50C-407E-A947-70E740481C1C}">
-                <a14:useLocalDpi xmlns:a14="http://schemas.microsoft.com/office/drawing/2010/main" xmlns="" val="0"/>
-              </a:ext>
-            </a:extLst>
-          </a:blip>
-          <a:stretch>
-            <a:fillRect/>
-          </a:stretch>
-        </p:blipFill>
-        <p:spPr>
-          <a:xfrm rot="9902188" flipV="1">
-            <a:off x="-840213" y="2553143"/>
-            <a:ext cx="621838" cy="361288"/>
-          </a:xfrm>
-          <a:prstGeom prst="rect">
-            <a:avLst/>
-          </a:prstGeom>
-        </p:spPr>
-      </p:pic>
-      <p:pic>
-        <p:nvPicPr>
-          <p:cNvPr id="47" name="Picture 46"/>
-          <p:cNvPicPr>
-            <a:picLocks noChangeAspect="1"/>
-          </p:cNvPicPr>
-          <p:nvPr/>
-        </p:nvPicPr>
-        <p:blipFill>
-          <a:blip r:embed="rId8" cstate="print">
-            <a:duotone>
-              <a:schemeClr val="accent3">
-                <a:shade val="45000"/>
-                <a:satMod val="135000"/>
-              </a:schemeClr>
-              <a:prstClr val="white"/>
-            </a:duotone>
-            <a:extLst>
-              <a:ext uri="{28A0092B-C50C-407E-A947-70E740481C1C}">
-                <a14:useLocalDpi xmlns:a14="http://schemas.microsoft.com/office/drawing/2010/main" xmlns="" val="0"/>
-              </a:ext>
-            </a:extLst>
-          </a:blip>
-          <a:stretch>
-            <a:fillRect/>
-          </a:stretch>
-        </p:blipFill>
-        <p:spPr>
-          <a:xfrm>
-            <a:off x="-2106158" y="2598682"/>
-            <a:ext cx="435521" cy="306178"/>
-          </a:xfrm>
-          <a:prstGeom prst="rect">
-            <a:avLst/>
-          </a:prstGeom>
-        </p:spPr>
-      </p:pic>
-      <p:pic>
-        <p:nvPicPr>
-          <p:cNvPr id="48" name="Picture 47"/>
-          <p:cNvPicPr>
-            <a:picLocks noChangeAspect="1"/>
-          </p:cNvPicPr>
-          <p:nvPr/>
-        </p:nvPicPr>
-        <p:blipFill>
-          <a:blip r:embed="rId7" cstate="print">
-            <a:duotone>
-              <a:schemeClr val="accent3">
-                <a:shade val="45000"/>
-                <a:satMod val="135000"/>
-              </a:schemeClr>
-              <a:prstClr val="white"/>
-            </a:duotone>
-            <a:extLst>
-              <a:ext uri="{28A0092B-C50C-407E-A947-70E740481C1C}">
-                <a14:useLocalDpi xmlns:a14="http://schemas.microsoft.com/office/drawing/2010/main" xmlns="" val="0"/>
-              </a:ext>
-            </a:extLst>
-          </a:blip>
-          <a:stretch>
-            <a:fillRect/>
-          </a:stretch>
-        </p:blipFill>
-        <p:spPr>
-          <a:xfrm>
-            <a:off x="-3326513" y="2485829"/>
-            <a:ext cx="541388" cy="421630"/>
-          </a:xfrm>
-          <a:prstGeom prst="rect">
-            <a:avLst/>
-          </a:prstGeom>
-        </p:spPr>
-      </p:pic>
-      <p:pic>
-        <p:nvPicPr>
-          <p:cNvPr id="49" name="Picture 48"/>
-          <p:cNvPicPr>
-            <a:picLocks noChangeAspect="1"/>
-          </p:cNvPicPr>
-          <p:nvPr/>
-        </p:nvPicPr>
-        <p:blipFill>
-          <a:blip r:embed="rId7" cstate="print">
-            <a:duotone>
-              <a:schemeClr val="accent4">
-                <a:shade val="45000"/>
-                <a:satMod val="135000"/>
-              </a:schemeClr>
-              <a:prstClr val="white"/>
-            </a:duotone>
-            <a:extLst>
-              <a:ext uri="{28A0092B-C50C-407E-A947-70E740481C1C}">
-                <a14:useLocalDpi xmlns:a14="http://schemas.microsoft.com/office/drawing/2010/main" xmlns="" val="0"/>
-              </a:ext>
-            </a:extLst>
-          </a:blip>
-          <a:stretch>
-            <a:fillRect/>
-          </a:stretch>
-        </p:blipFill>
-        <p:spPr>
-          <a:xfrm>
-            <a:off x="-3969265" y="2911701"/>
-            <a:ext cx="541388" cy="421630"/>
-          </a:xfrm>
-          <a:prstGeom prst="rect">
-            <a:avLst/>
-          </a:prstGeom>
-        </p:spPr>
-      </p:pic>
-      <p:pic>
-        <p:nvPicPr>
-          <p:cNvPr id="50" name="Picture 49"/>
-          <p:cNvPicPr>
-            <a:picLocks noChangeAspect="1"/>
-          </p:cNvPicPr>
-          <p:nvPr/>
-        </p:nvPicPr>
-        <p:blipFill>
-          <a:blip r:embed="rId8" cstate="print">
-            <a:duotone>
-              <a:schemeClr val="accent4">
-                <a:shade val="45000"/>
-                <a:satMod val="135000"/>
-              </a:schemeClr>
-              <a:prstClr val="white"/>
-            </a:duotone>
-            <a:extLst>
-              <a:ext uri="{28A0092B-C50C-407E-A947-70E740481C1C}">
-                <a14:useLocalDpi xmlns:a14="http://schemas.microsoft.com/office/drawing/2010/main" xmlns="" val="0"/>
-              </a:ext>
-            </a:extLst>
-          </a:blip>
-          <a:stretch>
-            <a:fillRect/>
-          </a:stretch>
-        </p:blipFill>
-        <p:spPr>
-          <a:xfrm>
-            <a:off x="-2655327" y="3017125"/>
-            <a:ext cx="435521" cy="306178"/>
-          </a:xfrm>
-          <a:prstGeom prst="rect">
-            <a:avLst/>
-          </a:prstGeom>
-        </p:spPr>
-      </p:pic>
-      <p:pic>
-        <p:nvPicPr>
-          <p:cNvPr id="51" name="Picture 50"/>
-          <p:cNvPicPr>
-            <a:picLocks noChangeAspect="1"/>
-          </p:cNvPicPr>
-          <p:nvPr/>
-        </p:nvPicPr>
-        <p:blipFill>
-          <a:blip r:embed="rId9" cstate="print">
-            <a:duotone>
-              <a:schemeClr val="accent4">
-                <a:shade val="45000"/>
-                <a:satMod val="135000"/>
-              </a:schemeClr>
-              <a:prstClr val="white"/>
-            </a:duotone>
-            <a:extLst>
-              <a:ext uri="{28A0092B-C50C-407E-A947-70E740481C1C}">
-                <a14:useLocalDpi xmlns:a14="http://schemas.microsoft.com/office/drawing/2010/main" xmlns="" val="0"/>
-              </a:ext>
-            </a:extLst>
-          </a:blip>
-          <a:stretch>
-            <a:fillRect/>
-          </a:stretch>
-        </p:blipFill>
-        <p:spPr>
-          <a:xfrm rot="9902188" flipV="1">
-            <a:off x="-1539909" y="2979015"/>
-            <a:ext cx="621838" cy="361288"/>
-          </a:xfrm>
-          <a:prstGeom prst="rect">
-            <a:avLst/>
-          </a:prstGeom>
-        </p:spPr>
-      </p:pic>
-      <p:pic>
-        <p:nvPicPr>
-          <p:cNvPr id="52" name="Picture 51"/>
-          <p:cNvPicPr>
-            <a:picLocks noChangeAspect="1"/>
-          </p:cNvPicPr>
-          <p:nvPr/>
-        </p:nvPicPr>
-        <p:blipFill>
-          <a:blip r:embed="rId9" cstate="print">
-            <a:duotone>
-              <a:schemeClr val="accent5">
-                <a:shade val="45000"/>
-                <a:satMod val="135000"/>
-              </a:schemeClr>
-              <a:prstClr val="white"/>
-            </a:duotone>
-            <a:extLst>
-              <a:ext uri="{28A0092B-C50C-407E-A947-70E740481C1C}">
-                <a14:useLocalDpi xmlns:a14="http://schemas.microsoft.com/office/drawing/2010/main" xmlns="" val="0"/>
-              </a:ext>
-            </a:extLst>
-          </a:blip>
-          <a:stretch>
-            <a:fillRect/>
-          </a:stretch>
-        </p:blipFill>
-        <p:spPr>
-          <a:xfrm rot="9902188" flipV="1">
-            <a:off x="-840213" y="2979015"/>
-            <a:ext cx="621838" cy="361288"/>
-          </a:xfrm>
-          <a:prstGeom prst="rect">
-            <a:avLst/>
-          </a:prstGeom>
-        </p:spPr>
-      </p:pic>
-      <p:pic>
-        <p:nvPicPr>
-          <p:cNvPr id="53" name="Picture 52"/>
-          <p:cNvPicPr>
-            <a:picLocks noChangeAspect="1"/>
-          </p:cNvPicPr>
-          <p:nvPr/>
-        </p:nvPicPr>
-        <p:blipFill>
-          <a:blip r:embed="rId8" cstate="print">
-            <a:duotone>
-              <a:schemeClr val="accent5">
-                <a:shade val="45000"/>
-                <a:satMod val="135000"/>
-              </a:schemeClr>
-              <a:prstClr val="white"/>
-            </a:duotone>
-            <a:extLst>
-              <a:ext uri="{28A0092B-C50C-407E-A947-70E740481C1C}">
-                <a14:useLocalDpi xmlns:a14="http://schemas.microsoft.com/office/drawing/2010/main" xmlns="" val="0"/>
-              </a:ext>
-            </a:extLst>
-          </a:blip>
-          <a:stretch>
-            <a:fillRect/>
-          </a:stretch>
-        </p:blipFill>
-        <p:spPr>
-          <a:xfrm>
-            <a:off x="-2106158" y="3024553"/>
-            <a:ext cx="435521" cy="306178"/>
-          </a:xfrm>
-          <a:prstGeom prst="rect">
-            <a:avLst/>
-          </a:prstGeom>
-        </p:spPr>
-      </p:pic>
-      <p:pic>
-        <p:nvPicPr>
-          <p:cNvPr id="54" name="Picture 53"/>
-          <p:cNvPicPr>
-            <a:picLocks noChangeAspect="1"/>
-          </p:cNvPicPr>
-          <p:nvPr/>
-        </p:nvPicPr>
-        <p:blipFill>
-          <a:blip r:embed="rId7" cstate="print">
-            <a:duotone>
-              <a:schemeClr val="accent5">
-                <a:shade val="45000"/>
-                <a:satMod val="135000"/>
-              </a:schemeClr>
-              <a:prstClr val="white"/>
-            </a:duotone>
-            <a:extLst>
-              <a:ext uri="{28A0092B-C50C-407E-A947-70E740481C1C}">
-                <a14:useLocalDpi xmlns:a14="http://schemas.microsoft.com/office/drawing/2010/main" xmlns="" val="0"/>
-              </a:ext>
-            </a:extLst>
-          </a:blip>
-          <a:stretch>
-            <a:fillRect/>
-          </a:stretch>
-        </p:blipFill>
-        <p:spPr>
-          <a:xfrm>
-            <a:off x="-3326513" y="2911701"/>
-            <a:ext cx="541388" cy="421630"/>
-          </a:xfrm>
-          <a:prstGeom prst="rect">
-            <a:avLst/>
-          </a:prstGeom>
-        </p:spPr>
-      </p:pic>
-      <p:pic>
-        <p:nvPicPr>
-          <p:cNvPr id="55" name="Picture 54"/>
-          <p:cNvPicPr>
-            <a:picLocks noChangeAspect="1"/>
-          </p:cNvPicPr>
-          <p:nvPr/>
-        </p:nvPicPr>
-        <p:blipFill>
-          <a:blip r:embed="rId10" cstate="print">
-            <a:extLst>
-              <a:ext uri="{BEBA8EAE-BF5A-486C-A8C5-ECC9F3942E4B}">
-                <a14:imgProps xmlns:a14="http://schemas.microsoft.com/office/drawing/2010/main" xmlns="">
-                  <a14:imgLayer r:embed="rId16">
-                    <a14:imgEffect>
-                      <a14:saturation sat="0"/>
-                    </a14:imgEffect>
-                  </a14:imgLayer>
-                </a14:imgProps>
-              </a:ext>
-              <a:ext uri="{28A0092B-C50C-407E-A947-70E740481C1C}">
-                <a14:useLocalDpi xmlns:a14="http://schemas.microsoft.com/office/drawing/2010/main" xmlns="" val="0"/>
-              </a:ext>
-            </a:extLst>
-          </a:blip>
-          <a:stretch>
-            <a:fillRect/>
-          </a:stretch>
-        </p:blipFill>
-        <p:spPr>
-          <a:xfrm>
-            <a:off x="-3717862" y="3526335"/>
-            <a:ext cx="3223409" cy="211731"/>
-          </a:xfrm>
-          <a:prstGeom prst="rect">
-            <a:avLst/>
-          </a:prstGeom>
-        </p:spPr>
-      </p:pic>
-      <p:pic>
-        <p:nvPicPr>
-          <p:cNvPr id="56" name="Picture 55"/>
-          <p:cNvPicPr>
-            <a:picLocks noChangeAspect="1"/>
-          </p:cNvPicPr>
-          <p:nvPr/>
-        </p:nvPicPr>
-        <p:blipFill>
-          <a:blip r:embed="rId10" cstate="print">
-            <a:duotone>
-              <a:schemeClr val="accent1">
-                <a:shade val="45000"/>
-                <a:satMod val="135000"/>
-              </a:schemeClr>
-              <a:prstClr val="white"/>
-            </a:duotone>
-            <a:extLst>
-              <a:ext uri="{28A0092B-C50C-407E-A947-70E740481C1C}">
-                <a14:useLocalDpi xmlns:a14="http://schemas.microsoft.com/office/drawing/2010/main" xmlns="" val="0"/>
-              </a:ext>
-            </a:extLst>
-          </a:blip>
-          <a:stretch>
-            <a:fillRect/>
-          </a:stretch>
-        </p:blipFill>
-        <p:spPr>
-          <a:xfrm>
-            <a:off x="-3717862" y="3815855"/>
-            <a:ext cx="3223409" cy="211731"/>
-          </a:xfrm>
-          <a:prstGeom prst="rect">
-            <a:avLst/>
-          </a:prstGeom>
-        </p:spPr>
-      </p:pic>
-      <p:pic>
-        <p:nvPicPr>
-          <p:cNvPr id="57" name="Picture 56"/>
-          <p:cNvPicPr>
-            <a:picLocks noChangeAspect="1"/>
-          </p:cNvPicPr>
-          <p:nvPr/>
-        </p:nvPicPr>
-        <p:blipFill>
-          <a:blip r:embed="rId10" cstate="print">
-            <a:duotone>
-              <a:schemeClr val="accent2">
-                <a:shade val="45000"/>
-                <a:satMod val="135000"/>
-              </a:schemeClr>
-              <a:prstClr val="white"/>
-            </a:duotone>
-            <a:extLst>
-              <a:ext uri="{28A0092B-C50C-407E-A947-70E740481C1C}">
-                <a14:useLocalDpi xmlns:a14="http://schemas.microsoft.com/office/drawing/2010/main" xmlns="" val="0"/>
-              </a:ext>
-            </a:extLst>
-          </a:blip>
-          <a:stretch>
-            <a:fillRect/>
-          </a:stretch>
-        </p:blipFill>
-        <p:spPr>
-          <a:xfrm>
-            <a:off x="-3717862" y="4058098"/>
-            <a:ext cx="3223409" cy="211731"/>
-          </a:xfrm>
-          <a:prstGeom prst="rect">
-            <a:avLst/>
-          </a:prstGeom>
-        </p:spPr>
-      </p:pic>
-      <p:pic>
-        <p:nvPicPr>
-          <p:cNvPr id="58" name="Picture 57"/>
-          <p:cNvPicPr>
-            <a:picLocks noChangeAspect="1"/>
-          </p:cNvPicPr>
-          <p:nvPr/>
-        </p:nvPicPr>
-        <p:blipFill>
-          <a:blip r:embed="rId10" cstate="print">
-            <a:duotone>
-              <a:schemeClr val="accent3">
-                <a:shade val="45000"/>
-                <a:satMod val="135000"/>
-              </a:schemeClr>
-              <a:prstClr val="white"/>
-            </a:duotone>
-            <a:extLst>
-              <a:ext uri="{28A0092B-C50C-407E-A947-70E740481C1C}">
-                <a14:useLocalDpi xmlns:a14="http://schemas.microsoft.com/office/drawing/2010/main" xmlns="" val="0"/>
-              </a:ext>
-            </a:extLst>
-          </a:blip>
-          <a:stretch>
-            <a:fillRect/>
-          </a:stretch>
-        </p:blipFill>
-        <p:spPr>
-          <a:xfrm>
-            <a:off x="-3717862" y="4347617"/>
-            <a:ext cx="3223409" cy="211731"/>
-          </a:xfrm>
-          <a:prstGeom prst="rect">
-            <a:avLst/>
-          </a:prstGeom>
-        </p:spPr>
-      </p:pic>
-      <p:pic>
-        <p:nvPicPr>
-          <p:cNvPr id="59" name="Picture 58"/>
-          <p:cNvPicPr>
-            <a:picLocks noChangeAspect="1"/>
-          </p:cNvPicPr>
-          <p:nvPr/>
-        </p:nvPicPr>
-        <p:blipFill>
-          <a:blip r:embed="rId10" cstate="print">
-            <a:duotone>
-              <a:schemeClr val="accent4">
-                <a:shade val="45000"/>
-                <a:satMod val="135000"/>
-              </a:schemeClr>
-              <a:prstClr val="white"/>
-            </a:duotone>
-            <a:extLst>
-              <a:ext uri="{28A0092B-C50C-407E-A947-70E740481C1C}">
-                <a14:useLocalDpi xmlns:a14="http://schemas.microsoft.com/office/drawing/2010/main" xmlns="" val="0"/>
-              </a:ext>
-            </a:extLst>
-          </a:blip>
-          <a:stretch>
-            <a:fillRect/>
-          </a:stretch>
-        </p:blipFill>
-        <p:spPr>
-          <a:xfrm>
-            <a:off x="-3717862" y="4636936"/>
-            <a:ext cx="3223409" cy="211731"/>
-          </a:xfrm>
-          <a:prstGeom prst="rect">
-            <a:avLst/>
-          </a:prstGeom>
-        </p:spPr>
-      </p:pic>
-      <p:pic>
-        <p:nvPicPr>
-          <p:cNvPr id="60" name="Picture 59"/>
-          <p:cNvPicPr>
-            <a:picLocks noChangeAspect="1"/>
-          </p:cNvPicPr>
-          <p:nvPr/>
-        </p:nvPicPr>
-        <p:blipFill>
-          <a:blip r:embed="rId10" cstate="print">
-            <a:duotone>
-              <a:schemeClr val="accent5">
-                <a:shade val="45000"/>
-                <a:satMod val="135000"/>
-              </a:schemeClr>
-              <a:prstClr val="white"/>
-            </a:duotone>
-            <a:extLst>
-              <a:ext uri="{28A0092B-C50C-407E-A947-70E740481C1C}">
-                <a14:useLocalDpi xmlns:a14="http://schemas.microsoft.com/office/drawing/2010/main" xmlns="" val="0"/>
-              </a:ext>
-            </a:extLst>
-          </a:blip>
-          <a:stretch>
-            <a:fillRect/>
-          </a:stretch>
-        </p:blipFill>
-        <p:spPr>
-          <a:xfrm>
-            <a:off x="-3717862" y="4926455"/>
-            <a:ext cx="3223409" cy="211731"/>
-          </a:xfrm>
-          <a:prstGeom prst="rect">
-            <a:avLst/>
-          </a:prstGeom>
-        </p:spPr>
-      </p:pic>
-      <p:pic>
-        <p:nvPicPr>
-          <p:cNvPr id="61" name="Picture 60"/>
-          <p:cNvPicPr>
-            <a:picLocks noChangeAspect="1"/>
-          </p:cNvPicPr>
-          <p:nvPr/>
-        </p:nvPicPr>
-        <p:blipFill>
-          <a:blip r:embed="rId17" cstate="print">
-            <a:duotone>
-              <a:schemeClr val="accent1">
-                <a:shade val="45000"/>
-                <a:satMod val="135000"/>
-              </a:schemeClr>
-              <a:prstClr val="white"/>
-            </a:duotone>
-            <a:extLst>
-              <a:ext uri="{28A0092B-C50C-407E-A947-70E740481C1C}">
-                <a14:useLocalDpi xmlns:a14="http://schemas.microsoft.com/office/drawing/2010/main" xmlns="" val="0"/>
-              </a:ext>
-            </a:extLst>
-          </a:blip>
-          <a:stretch>
-            <a:fillRect/>
-          </a:stretch>
-        </p:blipFill>
-        <p:spPr>
-          <a:xfrm>
-            <a:off x="-1694216" y="5257550"/>
-            <a:ext cx="520120" cy="503080"/>
-          </a:xfrm>
-          <a:prstGeom prst="rect">
-            <a:avLst/>
-          </a:prstGeom>
-        </p:spPr>
-      </p:pic>
-      <p:pic>
-        <p:nvPicPr>
-          <p:cNvPr id="62" name="Picture 61"/>
-          <p:cNvPicPr>
-            <a:picLocks noChangeAspect="1"/>
-          </p:cNvPicPr>
-          <p:nvPr/>
-        </p:nvPicPr>
-        <p:blipFill>
-          <a:blip r:embed="rId18" cstate="print">
-            <a:extLst>
-              <a:ext uri="{28A0092B-C50C-407E-A947-70E740481C1C}">
-                <a14:useLocalDpi xmlns:a14="http://schemas.microsoft.com/office/drawing/2010/main" xmlns="" val="0"/>
-              </a:ext>
-            </a:extLst>
-          </a:blip>
-          <a:stretch>
-            <a:fillRect/>
-          </a:stretch>
-        </p:blipFill>
-        <p:spPr>
-          <a:xfrm>
-            <a:off x="-3844653" y="5257550"/>
-            <a:ext cx="426891" cy="470245"/>
-          </a:xfrm>
-          <a:prstGeom prst="rect">
-            <a:avLst/>
-          </a:prstGeom>
-        </p:spPr>
-      </p:pic>
-      <p:pic>
-        <p:nvPicPr>
-          <p:cNvPr id="63" name="Picture 62"/>
-          <p:cNvPicPr>
-            <a:picLocks noChangeAspect="1"/>
-          </p:cNvPicPr>
-          <p:nvPr/>
-        </p:nvPicPr>
-        <p:blipFill>
-          <a:blip r:embed="rId17" cstate="print">
-            <a:duotone>
-              <a:schemeClr val="accent2">
-                <a:shade val="45000"/>
-                <a:satMod val="135000"/>
-              </a:schemeClr>
-              <a:prstClr val="white"/>
-            </a:duotone>
-            <a:extLst>
-              <a:ext uri="{28A0092B-C50C-407E-A947-70E740481C1C}">
-                <a14:useLocalDpi xmlns:a14="http://schemas.microsoft.com/office/drawing/2010/main" xmlns="" val="0"/>
-              </a:ext>
-            </a:extLst>
-          </a:blip>
-          <a:stretch>
-            <a:fillRect/>
-          </a:stretch>
-        </p:blipFill>
-        <p:spPr>
-          <a:xfrm>
-            <a:off x="-1105381" y="5257550"/>
-            <a:ext cx="520120" cy="503080"/>
-          </a:xfrm>
-          <a:prstGeom prst="rect">
-            <a:avLst/>
-          </a:prstGeom>
-        </p:spPr>
-      </p:pic>
-      <p:pic>
-        <p:nvPicPr>
-          <p:cNvPr id="64" name="Picture 63"/>
-          <p:cNvPicPr>
-            <a:picLocks noChangeAspect="1"/>
-          </p:cNvPicPr>
-          <p:nvPr/>
-        </p:nvPicPr>
-        <p:blipFill>
-          <a:blip r:embed="rId18" cstate="print">
-            <a:duotone>
-              <a:schemeClr val="accent1">
-                <a:shade val="45000"/>
-                <a:satMod val="135000"/>
-              </a:schemeClr>
-              <a:prstClr val="white"/>
-            </a:duotone>
-            <a:extLst>
-              <a:ext uri="{28A0092B-C50C-407E-A947-70E740481C1C}">
-                <a14:useLocalDpi xmlns:a14="http://schemas.microsoft.com/office/drawing/2010/main" xmlns="" val="0"/>
-              </a:ext>
-            </a:extLst>
-          </a:blip>
-          <a:stretch>
-            <a:fillRect/>
-          </a:stretch>
-        </p:blipFill>
-        <p:spPr>
-          <a:xfrm>
-            <a:off x="-3255817" y="5257550"/>
-            <a:ext cx="426891" cy="470245"/>
-          </a:xfrm>
-          <a:prstGeom prst="rect">
-            <a:avLst/>
-          </a:prstGeom>
-        </p:spPr>
-      </p:pic>
-      <p:pic>
-        <p:nvPicPr>
-          <p:cNvPr id="65" name="Picture 64"/>
-          <p:cNvPicPr>
-            <a:picLocks noChangeAspect="1"/>
-          </p:cNvPicPr>
-          <p:nvPr/>
-        </p:nvPicPr>
-        <p:blipFill>
-          <a:blip r:embed="rId17" cstate="print">
-            <a:extLst>
-              <a:ext uri="{28A0092B-C50C-407E-A947-70E740481C1C}">
-                <a14:useLocalDpi xmlns:a14="http://schemas.microsoft.com/office/drawing/2010/main" xmlns="" val="0"/>
-              </a:ext>
-            </a:extLst>
-          </a:blip>
-          <a:stretch>
-            <a:fillRect/>
-          </a:stretch>
-        </p:blipFill>
-        <p:spPr>
-          <a:xfrm>
-            <a:off x="-2235128" y="5257550"/>
-            <a:ext cx="520120" cy="503080"/>
-          </a:xfrm>
-          <a:prstGeom prst="rect">
-            <a:avLst/>
-          </a:prstGeom>
-        </p:spPr>
-      </p:pic>
-      <p:pic>
-        <p:nvPicPr>
-          <p:cNvPr id="66" name="Picture 65"/>
-          <p:cNvPicPr>
-            <a:picLocks noChangeAspect="1"/>
-          </p:cNvPicPr>
-          <p:nvPr/>
-        </p:nvPicPr>
-        <p:blipFill>
-          <a:blip r:embed="rId18" cstate="print">
-            <a:duotone>
-              <a:schemeClr val="accent2">
-                <a:shade val="45000"/>
-                <a:satMod val="135000"/>
-              </a:schemeClr>
-              <a:prstClr val="white"/>
-            </a:duotone>
-            <a:extLst>
-              <a:ext uri="{28A0092B-C50C-407E-A947-70E740481C1C}">
-                <a14:useLocalDpi xmlns:a14="http://schemas.microsoft.com/office/drawing/2010/main" xmlns="" val="0"/>
-              </a:ext>
-            </a:extLst>
-          </a:blip>
-          <a:stretch>
-            <a:fillRect/>
-          </a:stretch>
-        </p:blipFill>
-        <p:spPr>
-          <a:xfrm>
-            <a:off x="-2758461" y="5257550"/>
-            <a:ext cx="426891" cy="470245"/>
-          </a:xfrm>
-          <a:prstGeom prst="rect">
-            <a:avLst/>
-          </a:prstGeom>
-        </p:spPr>
-      </p:pic>
-      <p:pic>
-        <p:nvPicPr>
-          <p:cNvPr id="67" name="Picture 66"/>
-          <p:cNvPicPr>
-            <a:picLocks noChangeAspect="1"/>
-          </p:cNvPicPr>
-          <p:nvPr/>
-        </p:nvPicPr>
-        <p:blipFill>
-          <a:blip r:embed="rId17" cstate="print">
-            <a:duotone>
-              <a:schemeClr val="accent4">
-                <a:shade val="45000"/>
-                <a:satMod val="135000"/>
-              </a:schemeClr>
-              <a:prstClr val="white"/>
-            </a:duotone>
-            <a:extLst>
-              <a:ext uri="{28A0092B-C50C-407E-A947-70E740481C1C}">
-                <a14:useLocalDpi xmlns:a14="http://schemas.microsoft.com/office/drawing/2010/main" xmlns="" val="0"/>
-              </a:ext>
-            </a:extLst>
-          </a:blip>
-          <a:stretch>
-            <a:fillRect/>
-          </a:stretch>
-        </p:blipFill>
-        <p:spPr>
-          <a:xfrm>
-            <a:off x="-1694216" y="5760630"/>
-            <a:ext cx="520120" cy="503080"/>
-          </a:xfrm>
-          <a:prstGeom prst="rect">
-            <a:avLst/>
-          </a:prstGeom>
-        </p:spPr>
-      </p:pic>
-      <p:pic>
-        <p:nvPicPr>
-          <p:cNvPr id="68" name="Picture 67"/>
-          <p:cNvPicPr>
-            <a:picLocks noChangeAspect="1"/>
-          </p:cNvPicPr>
-          <p:nvPr/>
-        </p:nvPicPr>
-        <p:blipFill>
-          <a:blip r:embed="rId18" cstate="print">
-            <a:duotone>
-              <a:schemeClr val="accent3">
-                <a:shade val="45000"/>
-                <a:satMod val="135000"/>
-              </a:schemeClr>
-              <a:prstClr val="white"/>
-            </a:duotone>
-            <a:extLst>
-              <a:ext uri="{28A0092B-C50C-407E-A947-70E740481C1C}">
-                <a14:useLocalDpi xmlns:a14="http://schemas.microsoft.com/office/drawing/2010/main" xmlns="" val="0"/>
-              </a:ext>
-            </a:extLst>
-          </a:blip>
-          <a:stretch>
-            <a:fillRect/>
-          </a:stretch>
-        </p:blipFill>
-        <p:spPr>
-          <a:xfrm>
-            <a:off x="-3844653" y="5760630"/>
-            <a:ext cx="426891" cy="470245"/>
-          </a:xfrm>
-          <a:prstGeom prst="rect">
-            <a:avLst/>
-          </a:prstGeom>
-        </p:spPr>
-      </p:pic>
-      <p:pic>
-        <p:nvPicPr>
-          <p:cNvPr id="69" name="Picture 68"/>
-          <p:cNvPicPr>
-            <a:picLocks noChangeAspect="1"/>
-          </p:cNvPicPr>
-          <p:nvPr/>
-        </p:nvPicPr>
-        <p:blipFill>
-          <a:blip r:embed="rId17" cstate="print">
-            <a:duotone>
-              <a:schemeClr val="accent5">
-                <a:shade val="45000"/>
-                <a:satMod val="135000"/>
-              </a:schemeClr>
-              <a:prstClr val="white"/>
-            </a:duotone>
-            <a:extLst>
-              <a:ext uri="{28A0092B-C50C-407E-A947-70E740481C1C}">
-                <a14:useLocalDpi xmlns:a14="http://schemas.microsoft.com/office/drawing/2010/main" xmlns="" val="0"/>
-              </a:ext>
-            </a:extLst>
-          </a:blip>
-          <a:stretch>
-            <a:fillRect/>
-          </a:stretch>
-        </p:blipFill>
-        <p:spPr>
-          <a:xfrm>
-            <a:off x="-1105381" y="5760630"/>
-            <a:ext cx="520120" cy="503080"/>
-          </a:xfrm>
-          <a:prstGeom prst="rect">
-            <a:avLst/>
-          </a:prstGeom>
-        </p:spPr>
-      </p:pic>
-      <p:pic>
-        <p:nvPicPr>
-          <p:cNvPr id="70" name="Picture 69"/>
-          <p:cNvPicPr>
-            <a:picLocks noChangeAspect="1"/>
-          </p:cNvPicPr>
-          <p:nvPr/>
-        </p:nvPicPr>
-        <p:blipFill>
-          <a:blip r:embed="rId18" cstate="print">
-            <a:duotone>
-              <a:schemeClr val="accent4">
-                <a:shade val="45000"/>
-                <a:satMod val="135000"/>
-              </a:schemeClr>
-              <a:prstClr val="white"/>
-            </a:duotone>
-            <a:extLst>
-              <a:ext uri="{28A0092B-C50C-407E-A947-70E740481C1C}">
-                <a14:useLocalDpi xmlns:a14="http://schemas.microsoft.com/office/drawing/2010/main" xmlns="" val="0"/>
-              </a:ext>
-            </a:extLst>
-          </a:blip>
-          <a:stretch>
-            <a:fillRect/>
-          </a:stretch>
-        </p:blipFill>
-        <p:spPr>
-          <a:xfrm>
-            <a:off x="-3255817" y="5760630"/>
-            <a:ext cx="426891" cy="470245"/>
-          </a:xfrm>
-          <a:prstGeom prst="rect">
-            <a:avLst/>
-          </a:prstGeom>
-        </p:spPr>
-      </p:pic>
-      <p:pic>
-        <p:nvPicPr>
-          <p:cNvPr id="71" name="Picture 70"/>
-          <p:cNvPicPr>
-            <a:picLocks noChangeAspect="1"/>
-          </p:cNvPicPr>
-          <p:nvPr/>
-        </p:nvPicPr>
-        <p:blipFill>
-          <a:blip r:embed="rId17" cstate="print">
-            <a:duotone>
-              <a:schemeClr val="accent3">
-                <a:shade val="45000"/>
-                <a:satMod val="135000"/>
-              </a:schemeClr>
-              <a:prstClr val="white"/>
-            </a:duotone>
-            <a:extLst>
-              <a:ext uri="{28A0092B-C50C-407E-A947-70E740481C1C}">
-                <a14:useLocalDpi xmlns:a14="http://schemas.microsoft.com/office/drawing/2010/main" xmlns="" val="0"/>
-              </a:ext>
-            </a:extLst>
-          </a:blip>
-          <a:stretch>
-            <a:fillRect/>
-          </a:stretch>
-        </p:blipFill>
-        <p:spPr>
-          <a:xfrm>
-            <a:off x="-2235128" y="5760630"/>
-            <a:ext cx="520120" cy="503080"/>
-          </a:xfrm>
-          <a:prstGeom prst="rect">
-            <a:avLst/>
-          </a:prstGeom>
-        </p:spPr>
-      </p:pic>
-      <p:pic>
-        <p:nvPicPr>
-          <p:cNvPr id="72" name="Picture 71"/>
-          <p:cNvPicPr>
-            <a:picLocks noChangeAspect="1"/>
-          </p:cNvPicPr>
-          <p:nvPr/>
-        </p:nvPicPr>
-        <p:blipFill>
-          <a:blip r:embed="rId18" cstate="print">
-            <a:duotone>
-              <a:schemeClr val="accent5">
-                <a:shade val="45000"/>
-                <a:satMod val="135000"/>
-              </a:schemeClr>
-              <a:prstClr val="white"/>
-            </a:duotone>
-            <a:extLst>
-              <a:ext uri="{28A0092B-C50C-407E-A947-70E740481C1C}">
-                <a14:useLocalDpi xmlns:a14="http://schemas.microsoft.com/office/drawing/2010/main" xmlns="" val="0"/>
-              </a:ext>
-            </a:extLst>
-          </a:blip>
-          <a:stretch>
-            <a:fillRect/>
-          </a:stretch>
-        </p:blipFill>
-        <p:spPr>
-          <a:xfrm>
-            <a:off x="-2758461" y="5760630"/>
-            <a:ext cx="426891" cy="470245"/>
-          </a:xfrm>
-          <a:prstGeom prst="rect">
-            <a:avLst/>
-          </a:prstGeom>
-        </p:spPr>
-      </p:pic>
-      <p:pic>
-        <p:nvPicPr>
-          <p:cNvPr id="73" name="Picture 72"/>
-          <p:cNvPicPr>
-            <a:picLocks noChangeAspect="1"/>
-          </p:cNvPicPr>
-          <p:nvPr/>
-        </p:nvPicPr>
-        <p:blipFill>
-          <a:blip r:embed="rId19" cstate="print">
-            <a:extLst>
-              <a:ext uri="{28A0092B-C50C-407E-A947-70E740481C1C}">
-                <a14:useLocalDpi xmlns:a14="http://schemas.microsoft.com/office/drawing/2010/main" xmlns="" val="0"/>
-              </a:ext>
-            </a:extLst>
-          </a:blip>
-          <a:stretch>
-            <a:fillRect/>
-          </a:stretch>
-        </p:blipFill>
-        <p:spPr>
-          <a:xfrm>
-            <a:off x="-3844653" y="6298321"/>
-            <a:ext cx="518208" cy="478719"/>
-          </a:xfrm>
-          <a:prstGeom prst="rect">
-            <a:avLst/>
-          </a:prstGeom>
-        </p:spPr>
-      </p:pic>
-      <p:pic>
-        <p:nvPicPr>
-          <p:cNvPr id="74" name="Picture 73"/>
-          <p:cNvPicPr>
-            <a:picLocks noChangeAspect="1"/>
-          </p:cNvPicPr>
-          <p:nvPr/>
-        </p:nvPicPr>
-        <p:blipFill>
-          <a:blip r:embed="rId19" cstate="print">
-            <a:duotone>
-              <a:schemeClr val="accent1">
-                <a:shade val="45000"/>
-                <a:satMod val="135000"/>
-              </a:schemeClr>
-              <a:prstClr val="white"/>
-            </a:duotone>
-            <a:extLst>
-              <a:ext uri="{28A0092B-C50C-407E-A947-70E740481C1C}">
-                <a14:useLocalDpi xmlns:a14="http://schemas.microsoft.com/office/drawing/2010/main" xmlns="" val="0"/>
-              </a:ext>
-            </a:extLst>
-          </a:blip>
-          <a:stretch>
-            <a:fillRect/>
-          </a:stretch>
-        </p:blipFill>
-        <p:spPr>
-          <a:xfrm>
-            <a:off x="-3290649" y="6298321"/>
-            <a:ext cx="518208" cy="478719"/>
-          </a:xfrm>
-          <a:prstGeom prst="rect">
-            <a:avLst/>
-          </a:prstGeom>
-        </p:spPr>
-      </p:pic>
-      <p:pic>
-        <p:nvPicPr>
-          <p:cNvPr id="75" name="Picture 74"/>
-          <p:cNvPicPr>
-            <a:picLocks noChangeAspect="1"/>
-          </p:cNvPicPr>
-          <p:nvPr/>
-        </p:nvPicPr>
-        <p:blipFill>
-          <a:blip r:embed="rId19" cstate="print">
-            <a:duotone>
-              <a:schemeClr val="accent2">
-                <a:shade val="45000"/>
-                <a:satMod val="135000"/>
-              </a:schemeClr>
-              <a:prstClr val="white"/>
-            </a:duotone>
-            <a:extLst>
-              <a:ext uri="{28A0092B-C50C-407E-A947-70E740481C1C}">
-                <a14:useLocalDpi xmlns:a14="http://schemas.microsoft.com/office/drawing/2010/main" xmlns="" val="0"/>
-              </a:ext>
-            </a:extLst>
-          </a:blip>
-          <a:stretch>
-            <a:fillRect/>
-          </a:stretch>
-        </p:blipFill>
-        <p:spPr>
-          <a:xfrm>
-            <a:off x="-2738014" y="6298321"/>
-            <a:ext cx="518208" cy="478719"/>
-          </a:xfrm>
-          <a:prstGeom prst="rect">
-            <a:avLst/>
-          </a:prstGeom>
-        </p:spPr>
-      </p:pic>
-      <p:pic>
-        <p:nvPicPr>
-          <p:cNvPr id="76" name="Picture 75"/>
-          <p:cNvPicPr>
-            <a:picLocks noChangeAspect="1"/>
-          </p:cNvPicPr>
-          <p:nvPr/>
-        </p:nvPicPr>
-        <p:blipFill>
-          <a:blip r:embed="rId19" cstate="print">
-            <a:duotone>
-              <a:schemeClr val="accent3">
-                <a:shade val="45000"/>
-                <a:satMod val="135000"/>
-              </a:schemeClr>
-              <a:prstClr val="white"/>
-            </a:duotone>
-            <a:extLst>
-              <a:ext uri="{28A0092B-C50C-407E-A947-70E740481C1C}">
-                <a14:useLocalDpi xmlns:a14="http://schemas.microsoft.com/office/drawing/2010/main" xmlns="" val="0"/>
-              </a:ext>
-            </a:extLst>
-          </a:blip>
-          <a:stretch>
-            <a:fillRect/>
-          </a:stretch>
-        </p:blipFill>
-        <p:spPr>
-          <a:xfrm>
-            <a:off x="-2184010" y="6298321"/>
-            <a:ext cx="518208" cy="478719"/>
-          </a:xfrm>
-          <a:prstGeom prst="rect">
-            <a:avLst/>
-          </a:prstGeom>
-        </p:spPr>
-      </p:pic>
-      <p:pic>
-        <p:nvPicPr>
-          <p:cNvPr id="77" name="Picture 76"/>
-          <p:cNvPicPr>
-            <a:picLocks noChangeAspect="1"/>
-          </p:cNvPicPr>
-          <p:nvPr/>
-        </p:nvPicPr>
-        <p:blipFill>
-          <a:blip r:embed="rId19" cstate="print">
-            <a:duotone>
-              <a:schemeClr val="accent4">
-                <a:shade val="45000"/>
-                <a:satMod val="135000"/>
-              </a:schemeClr>
-              <a:prstClr val="white"/>
-            </a:duotone>
-            <a:extLst>
-              <a:ext uri="{28A0092B-C50C-407E-A947-70E740481C1C}">
-                <a14:useLocalDpi xmlns:a14="http://schemas.microsoft.com/office/drawing/2010/main" xmlns="" val="0"/>
-              </a:ext>
-            </a:extLst>
-          </a:blip>
-          <a:stretch>
-            <a:fillRect/>
-          </a:stretch>
-        </p:blipFill>
-        <p:spPr>
-          <a:xfrm>
-            <a:off x="-1623589" y="6298321"/>
-            <a:ext cx="518208" cy="478719"/>
-          </a:xfrm>
-          <a:prstGeom prst="rect">
-            <a:avLst/>
-          </a:prstGeom>
-        </p:spPr>
-      </p:pic>
-      <p:pic>
-        <p:nvPicPr>
-          <p:cNvPr id="78" name="Picture 77"/>
-          <p:cNvPicPr>
-            <a:picLocks noChangeAspect="1"/>
-          </p:cNvPicPr>
-          <p:nvPr/>
-        </p:nvPicPr>
-        <p:blipFill>
-          <a:blip r:embed="rId19" cstate="print">
-            <a:duotone>
-              <a:schemeClr val="accent5">
-                <a:shade val="45000"/>
-                <a:satMod val="135000"/>
-              </a:schemeClr>
-              <a:prstClr val="white"/>
-            </a:duotone>
-            <a:extLst>
-              <a:ext uri="{28A0092B-C50C-407E-A947-70E740481C1C}">
-                <a14:useLocalDpi xmlns:a14="http://schemas.microsoft.com/office/drawing/2010/main" xmlns="" val="0"/>
-              </a:ext>
-            </a:extLst>
-          </a:blip>
-          <a:stretch>
-            <a:fillRect/>
-          </a:stretch>
-        </p:blipFill>
-        <p:spPr>
-          <a:xfrm>
-            <a:off x="-1069585" y="6298321"/>
-            <a:ext cx="518208" cy="478719"/>
-          </a:xfrm>
-          <a:prstGeom prst="rect">
-            <a:avLst/>
-          </a:prstGeom>
-        </p:spPr>
-      </p:pic>
-      <p:sp>
-        <p:nvSpPr>
-          <p:cNvPr id="79" name="Textfeld 78"/>
-          <p:cNvSpPr txBox="1"/>
-          <p:nvPr/>
-        </p:nvSpPr>
-        <p:spPr>
-          <a:xfrm>
-            <a:off x="2286000" y="1752600"/>
-            <a:ext cx="3810000" cy="646331"/>
-          </a:xfrm>
-          <a:prstGeom prst="rect">
-            <a:avLst/>
-          </a:prstGeom>
-          <a:noFill/>
-        </p:spPr>
-        <p:txBody>
-          <a:bodyPr wrap="square" rtlCol="0">
-            <a:spAutoFit/>
-          </a:bodyPr>
-          <a:lstStyle/>
-          <a:p>
-            <a:r>
-              <a:rPr lang="de-DE" sz="3600" dirty="0" smtClean="0"/>
-              <a:t>Link zur Website </a:t>
-            </a:r>
-            <a:endParaRPr lang="de-DE" sz="3600" dirty="0"/>
-          </a:p>
-        </p:txBody>
-      </p:sp>
-      <p:sp>
-        <p:nvSpPr>
-          <p:cNvPr id="80" name="Textfeld 79"/>
-          <p:cNvSpPr txBox="1"/>
-          <p:nvPr/>
-        </p:nvSpPr>
-        <p:spPr>
-          <a:xfrm>
-            <a:off x="0" y="6477000"/>
-            <a:ext cx="6096000" cy="381000"/>
-          </a:xfrm>
-          <a:prstGeom prst="rect">
-            <a:avLst/>
-          </a:prstGeom>
-          <a:noFill/>
-        </p:spPr>
-        <p:txBody>
-          <a:bodyPr wrap="square" rtlCol="0">
-            <a:spAutoFit/>
-          </a:bodyPr>
-          <a:lstStyle/>
-          <a:p>
-            <a:r>
-              <a:rPr lang="de-DE" dirty="0" smtClean="0">
-                <a:solidFill>
-                  <a:schemeClr val="tx1">
-                    <a:lumMod val="50000"/>
-                    <a:lumOff val="50000"/>
-                  </a:schemeClr>
-                </a:solidFill>
-                <a:latin typeface="Bradley Hand ITC" pitchFamily="66" charset="0"/>
-              </a:rPr>
-              <a:t>Edith, Moritz, Johannes, Jana, Anja, </a:t>
-            </a:r>
-            <a:r>
-              <a:rPr lang="de-DE" dirty="0" err="1" smtClean="0">
-                <a:solidFill>
-                  <a:schemeClr val="tx1">
-                    <a:lumMod val="50000"/>
-                    <a:lumOff val="50000"/>
-                  </a:schemeClr>
-                </a:solidFill>
-                <a:latin typeface="Bradley Hand ITC" pitchFamily="66" charset="0"/>
-              </a:rPr>
-              <a:t>Tani</a:t>
-            </a:r>
-            <a:endParaRPr lang="de-DE" dirty="0">
-              <a:solidFill>
-                <a:schemeClr val="tx1">
-                  <a:lumMod val="50000"/>
-                  <a:lumOff val="50000"/>
-                </a:schemeClr>
-              </a:solidFill>
-              <a:latin typeface="Bradley Hand ITC" pitchFamily="66" charset="0"/>
-            </a:endParaRPr>
-          </a:p>
-        </p:txBody>
-      </p:sp>
-    </p:spTree>
-    <p:extLst>
-      <p:ext uri="{BB962C8B-B14F-4D97-AF65-F5344CB8AC3E}">
-        <p14:creationId xmlns:p14="http://schemas.microsoft.com/office/powerpoint/2010/main" xmlns="" val="2163611856"/>
+        <p14:creationId xmlns="" xmlns:p14="http://schemas.microsoft.com/office/powerpoint/2010/main" val="2163611856"/>
       </p:ext>
     </p:extLst>
   </p:cSld>

--- a/präsentation/WildMap.pptx
+++ b/präsentation/WildMap.pptx
@@ -195,7 +195,7 @@
             <a:fld id="{E165D6A6-775F-40D4-9550-F8E9C872FCBF}" type="datetimeFigureOut">
               <a:rPr lang="de-DE" smtClean="0"/>
               <a:pPr/>
-              <a:t>13.09.2014</a:t>
+              <a:t>14.09.2014</a:t>
             </a:fld>
             <a:endParaRPr lang="de-DE"/>
           </a:p>
@@ -921,7 +921,7 @@
             <a:fld id="{97BECD69-6470-4477-B1CF-D3F308DA1833}" type="datetimeFigureOut">
               <a:rPr lang="en-US" smtClean="0"/>
               <a:pPr/>
-              <a:t>9/13/2014</a:t>
+              <a:t>9/14/2014</a:t>
             </a:fld>
             <a:endParaRPr lang="en-US"/>
           </a:p>
@@ -973,7 +973,7 @@
     </p:spTree>
     <p:extLst>
       <p:ext uri="{BB962C8B-B14F-4D97-AF65-F5344CB8AC3E}">
-        <p14:creationId xmlns="" xmlns:p14="http://schemas.microsoft.com/office/powerpoint/2010/main" val="1457345725"/>
+        <p14:creationId xmlns:p14="http://schemas.microsoft.com/office/powerpoint/2010/main" xmlns="" val="1457345725"/>
       </p:ext>
     </p:extLst>
   </p:cSld>
@@ -1093,7 +1093,7 @@
             <a:fld id="{97BECD69-6470-4477-B1CF-D3F308DA1833}" type="datetimeFigureOut">
               <a:rPr lang="en-US" smtClean="0"/>
               <a:pPr/>
-              <a:t>9/13/2014</a:t>
+              <a:t>9/14/2014</a:t>
             </a:fld>
             <a:endParaRPr lang="en-US"/>
           </a:p>
@@ -1145,7 +1145,7 @@
     </p:spTree>
     <p:extLst>
       <p:ext uri="{BB962C8B-B14F-4D97-AF65-F5344CB8AC3E}">
-        <p14:creationId xmlns="" xmlns:p14="http://schemas.microsoft.com/office/powerpoint/2010/main" val="27762613"/>
+        <p14:creationId xmlns:p14="http://schemas.microsoft.com/office/powerpoint/2010/main" xmlns="" val="27762613"/>
       </p:ext>
     </p:extLst>
   </p:cSld>
@@ -1275,7 +1275,7 @@
             <a:fld id="{97BECD69-6470-4477-B1CF-D3F308DA1833}" type="datetimeFigureOut">
               <a:rPr lang="en-US" smtClean="0"/>
               <a:pPr/>
-              <a:t>9/13/2014</a:t>
+              <a:t>9/14/2014</a:t>
             </a:fld>
             <a:endParaRPr lang="en-US"/>
           </a:p>
@@ -1327,7 +1327,7 @@
     </p:spTree>
     <p:extLst>
       <p:ext uri="{BB962C8B-B14F-4D97-AF65-F5344CB8AC3E}">
-        <p14:creationId xmlns="" xmlns:p14="http://schemas.microsoft.com/office/powerpoint/2010/main" val="2131739852"/>
+        <p14:creationId xmlns:p14="http://schemas.microsoft.com/office/powerpoint/2010/main" xmlns="" val="2131739852"/>
       </p:ext>
     </p:extLst>
   </p:cSld>
@@ -1447,7 +1447,7 @@
             <a:fld id="{97BECD69-6470-4477-B1CF-D3F308DA1833}" type="datetimeFigureOut">
               <a:rPr lang="en-US" smtClean="0"/>
               <a:pPr/>
-              <a:t>9/13/2014</a:t>
+              <a:t>9/14/2014</a:t>
             </a:fld>
             <a:endParaRPr lang="en-US"/>
           </a:p>
@@ -1499,7 +1499,7 @@
     </p:spTree>
     <p:extLst>
       <p:ext uri="{BB962C8B-B14F-4D97-AF65-F5344CB8AC3E}">
-        <p14:creationId xmlns="" xmlns:p14="http://schemas.microsoft.com/office/powerpoint/2010/main" val="2167622155"/>
+        <p14:creationId xmlns:p14="http://schemas.microsoft.com/office/powerpoint/2010/main" xmlns="" val="2167622155"/>
       </p:ext>
     </p:extLst>
   </p:cSld>
@@ -1695,7 +1695,7 @@
             <a:fld id="{97BECD69-6470-4477-B1CF-D3F308DA1833}" type="datetimeFigureOut">
               <a:rPr lang="en-US" smtClean="0"/>
               <a:pPr/>
-              <a:t>9/13/2014</a:t>
+              <a:t>9/14/2014</a:t>
             </a:fld>
             <a:endParaRPr lang="en-US"/>
           </a:p>
@@ -1747,7 +1747,7 @@
     </p:spTree>
     <p:extLst>
       <p:ext uri="{BB962C8B-B14F-4D97-AF65-F5344CB8AC3E}">
-        <p14:creationId xmlns="" xmlns:p14="http://schemas.microsoft.com/office/powerpoint/2010/main" val="774575004"/>
+        <p14:creationId xmlns:p14="http://schemas.microsoft.com/office/powerpoint/2010/main" xmlns="" val="774575004"/>
       </p:ext>
     </p:extLst>
   </p:cSld>
@@ -1985,7 +1985,7 @@
             <a:fld id="{97BECD69-6470-4477-B1CF-D3F308DA1833}" type="datetimeFigureOut">
               <a:rPr lang="en-US" smtClean="0"/>
               <a:pPr/>
-              <a:t>9/13/2014</a:t>
+              <a:t>9/14/2014</a:t>
             </a:fld>
             <a:endParaRPr lang="en-US"/>
           </a:p>
@@ -2037,7 +2037,7 @@
     </p:spTree>
     <p:extLst>
       <p:ext uri="{BB962C8B-B14F-4D97-AF65-F5344CB8AC3E}">
-        <p14:creationId xmlns="" xmlns:p14="http://schemas.microsoft.com/office/powerpoint/2010/main" val="1815237217"/>
+        <p14:creationId xmlns:p14="http://schemas.microsoft.com/office/powerpoint/2010/main" xmlns="" val="1815237217"/>
       </p:ext>
     </p:extLst>
   </p:cSld>
@@ -2409,7 +2409,7 @@
             <a:fld id="{97BECD69-6470-4477-B1CF-D3F308DA1833}" type="datetimeFigureOut">
               <a:rPr lang="en-US" smtClean="0"/>
               <a:pPr/>
-              <a:t>9/13/2014</a:t>
+              <a:t>9/14/2014</a:t>
             </a:fld>
             <a:endParaRPr lang="en-US"/>
           </a:p>
@@ -2461,7 +2461,7 @@
     </p:spTree>
     <p:extLst>
       <p:ext uri="{BB962C8B-B14F-4D97-AF65-F5344CB8AC3E}">
-        <p14:creationId xmlns="" xmlns:p14="http://schemas.microsoft.com/office/powerpoint/2010/main" val="744224409"/>
+        <p14:creationId xmlns:p14="http://schemas.microsoft.com/office/powerpoint/2010/main" xmlns="" val="744224409"/>
       </p:ext>
     </p:extLst>
   </p:cSld>
@@ -2529,7 +2529,7 @@
             <a:fld id="{97BECD69-6470-4477-B1CF-D3F308DA1833}" type="datetimeFigureOut">
               <a:rPr lang="en-US" smtClean="0"/>
               <a:pPr/>
-              <a:t>9/13/2014</a:t>
+              <a:t>9/14/2014</a:t>
             </a:fld>
             <a:endParaRPr lang="en-US"/>
           </a:p>
@@ -2581,7 +2581,7 @@
     </p:spTree>
     <p:extLst>
       <p:ext uri="{BB962C8B-B14F-4D97-AF65-F5344CB8AC3E}">
-        <p14:creationId xmlns="" xmlns:p14="http://schemas.microsoft.com/office/powerpoint/2010/main" val="2687918467"/>
+        <p14:creationId xmlns:p14="http://schemas.microsoft.com/office/powerpoint/2010/main" xmlns="" val="2687918467"/>
       </p:ext>
     </p:extLst>
   </p:cSld>
@@ -2626,7 +2626,7 @@
             <a:fld id="{97BECD69-6470-4477-B1CF-D3F308DA1833}" type="datetimeFigureOut">
               <a:rPr lang="en-US" smtClean="0"/>
               <a:pPr/>
-              <a:t>9/13/2014</a:t>
+              <a:t>9/14/2014</a:t>
             </a:fld>
             <a:endParaRPr lang="en-US"/>
           </a:p>
@@ -2678,7 +2678,7 @@
     </p:spTree>
     <p:extLst>
       <p:ext uri="{BB962C8B-B14F-4D97-AF65-F5344CB8AC3E}">
-        <p14:creationId xmlns="" xmlns:p14="http://schemas.microsoft.com/office/powerpoint/2010/main" val="2421876414"/>
+        <p14:creationId xmlns:p14="http://schemas.microsoft.com/office/powerpoint/2010/main" xmlns="" val="2421876414"/>
       </p:ext>
     </p:extLst>
   </p:cSld>
@@ -2905,7 +2905,7 @@
             <a:fld id="{97BECD69-6470-4477-B1CF-D3F308DA1833}" type="datetimeFigureOut">
               <a:rPr lang="en-US" smtClean="0"/>
               <a:pPr/>
-              <a:t>9/13/2014</a:t>
+              <a:t>9/14/2014</a:t>
             </a:fld>
             <a:endParaRPr lang="en-US"/>
           </a:p>
@@ -2957,7 +2957,7 @@
     </p:spTree>
     <p:extLst>
       <p:ext uri="{BB962C8B-B14F-4D97-AF65-F5344CB8AC3E}">
-        <p14:creationId xmlns="" xmlns:p14="http://schemas.microsoft.com/office/powerpoint/2010/main" val="1216412965"/>
+        <p14:creationId xmlns:p14="http://schemas.microsoft.com/office/powerpoint/2010/main" xmlns="" val="1216412965"/>
       </p:ext>
     </p:extLst>
   </p:cSld>
@@ -3164,7 +3164,7 @@
             <a:fld id="{97BECD69-6470-4477-B1CF-D3F308DA1833}" type="datetimeFigureOut">
               <a:rPr lang="en-US" smtClean="0"/>
               <a:pPr/>
-              <a:t>9/13/2014</a:t>
+              <a:t>9/14/2014</a:t>
             </a:fld>
             <a:endParaRPr lang="en-US"/>
           </a:p>
@@ -3216,7 +3216,7 @@
     </p:spTree>
     <p:extLst>
       <p:ext uri="{BB962C8B-B14F-4D97-AF65-F5344CB8AC3E}">
-        <p14:creationId xmlns="" xmlns:p14="http://schemas.microsoft.com/office/powerpoint/2010/main" val="2643636076"/>
+        <p14:creationId xmlns:p14="http://schemas.microsoft.com/office/powerpoint/2010/main" xmlns="" val="2643636076"/>
       </p:ext>
     </p:extLst>
   </p:cSld>
@@ -3379,7 +3379,7 @@
             <a:fld id="{97BECD69-6470-4477-B1CF-D3F308DA1833}" type="datetimeFigureOut">
               <a:rPr lang="en-US" smtClean="0"/>
               <a:pPr/>
-              <a:t>9/13/2014</a:t>
+              <a:t>9/14/2014</a:t>
             </a:fld>
             <a:endParaRPr lang="en-US"/>
           </a:p>
@@ -3467,7 +3467,7 @@
     </p:spTree>
     <p:extLst>
       <p:ext uri="{BB962C8B-B14F-4D97-AF65-F5344CB8AC3E}">
-        <p14:creationId xmlns="" xmlns:p14="http://schemas.microsoft.com/office/powerpoint/2010/main" val="631787515"/>
+        <p14:creationId xmlns:p14="http://schemas.microsoft.com/office/powerpoint/2010/main" xmlns="" val="631787515"/>
       </p:ext>
     </p:extLst>
   </p:cSld>
@@ -3767,7 +3767,7 @@
           <a:blip r:embed="rId3" cstate="print">
             <a:extLst>
               <a:ext uri="{28A0092B-C50C-407E-A947-70E740481C1C}">
-                <a14:useLocalDpi xmlns="" xmlns:a14="http://schemas.microsoft.com/office/drawing/2010/main" val="0"/>
+                <a14:useLocalDpi xmlns:a14="http://schemas.microsoft.com/office/drawing/2010/main" xmlns="" val="0"/>
               </a:ext>
             </a:extLst>
           </a:blip>
@@ -3797,7 +3797,7 @@
           <a:blip r:embed="rId4" cstate="print">
             <a:extLst>
               <a:ext uri="{28A0092B-C50C-407E-A947-70E740481C1C}">
-                <a14:useLocalDpi xmlns="" xmlns:a14="http://schemas.microsoft.com/office/drawing/2010/main" val="0"/>
+                <a14:useLocalDpi xmlns:a14="http://schemas.microsoft.com/office/drawing/2010/main" xmlns="" val="0"/>
               </a:ext>
             </a:extLst>
           </a:blip>
@@ -3827,7 +3827,7 @@
           <a:blip r:embed="rId5" cstate="print">
             <a:extLst>
               <a:ext uri="{28A0092B-C50C-407E-A947-70E740481C1C}">
-                <a14:useLocalDpi xmlns="" xmlns:a14="http://schemas.microsoft.com/office/drawing/2010/main" val="0"/>
+                <a14:useLocalDpi xmlns:a14="http://schemas.microsoft.com/office/drawing/2010/main" xmlns="" val="0"/>
               </a:ext>
             </a:extLst>
           </a:blip>
@@ -3857,7 +3857,7 @@
           <a:blip r:embed="rId6" cstate="print">
             <a:extLst>
               <a:ext uri="{28A0092B-C50C-407E-A947-70E740481C1C}">
-                <a14:useLocalDpi xmlns="" xmlns:a14="http://schemas.microsoft.com/office/drawing/2010/main" val="0"/>
+                <a14:useLocalDpi xmlns:a14="http://schemas.microsoft.com/office/drawing/2010/main" xmlns="" val="0"/>
               </a:ext>
             </a:extLst>
           </a:blip>
@@ -3894,7 +3894,7 @@
             </a:duotone>
             <a:extLst>
               <a:ext uri="{28A0092B-C50C-407E-A947-70E740481C1C}">
-                <a14:useLocalDpi xmlns="" xmlns:a14="http://schemas.microsoft.com/office/drawing/2010/main" val="0"/>
+                <a14:useLocalDpi xmlns:a14="http://schemas.microsoft.com/office/drawing/2010/main" xmlns="" val="0"/>
               </a:ext>
             </a:extLst>
           </a:blip>
@@ -3931,7 +3931,7 @@
             </a:duotone>
             <a:extLst>
               <a:ext uri="{28A0092B-C50C-407E-A947-70E740481C1C}">
-                <a14:useLocalDpi xmlns="" xmlns:a14="http://schemas.microsoft.com/office/drawing/2010/main" val="0"/>
+                <a14:useLocalDpi xmlns:a14="http://schemas.microsoft.com/office/drawing/2010/main" xmlns="" val="0"/>
               </a:ext>
             </a:extLst>
           </a:blip>
@@ -3968,7 +3968,7 @@
             </a:duotone>
             <a:extLst>
               <a:ext uri="{28A0092B-C50C-407E-A947-70E740481C1C}">
-                <a14:useLocalDpi xmlns="" xmlns:a14="http://schemas.microsoft.com/office/drawing/2010/main" val="0"/>
+                <a14:useLocalDpi xmlns:a14="http://schemas.microsoft.com/office/drawing/2010/main" xmlns="" val="0"/>
               </a:ext>
             </a:extLst>
           </a:blip>
@@ -4005,7 +4005,7 @@
             </a:duotone>
             <a:extLst>
               <a:ext uri="{28A0092B-C50C-407E-A947-70E740481C1C}">
-                <a14:useLocalDpi xmlns="" xmlns:a14="http://schemas.microsoft.com/office/drawing/2010/main" val="0"/>
+                <a14:useLocalDpi xmlns:a14="http://schemas.microsoft.com/office/drawing/2010/main" xmlns="" val="0"/>
               </a:ext>
             </a:extLst>
           </a:blip>
@@ -4042,7 +4042,7 @@
             </a:duotone>
             <a:extLst>
               <a:ext uri="{28A0092B-C50C-407E-A947-70E740481C1C}">
-                <a14:useLocalDpi xmlns="" xmlns:a14="http://schemas.microsoft.com/office/drawing/2010/main" val="0"/>
+                <a14:useLocalDpi xmlns:a14="http://schemas.microsoft.com/office/drawing/2010/main" xmlns="" val="0"/>
               </a:ext>
             </a:extLst>
           </a:blip>
@@ -4079,7 +4079,7 @@
             </a:duotone>
             <a:extLst>
               <a:ext uri="{28A0092B-C50C-407E-A947-70E740481C1C}">
-                <a14:useLocalDpi xmlns="" xmlns:a14="http://schemas.microsoft.com/office/drawing/2010/main" val="0"/>
+                <a14:useLocalDpi xmlns:a14="http://schemas.microsoft.com/office/drawing/2010/main" xmlns="" val="0"/>
               </a:ext>
             </a:extLst>
           </a:blip>
@@ -4116,7 +4116,7 @@
             </a:duotone>
             <a:extLst>
               <a:ext uri="{28A0092B-C50C-407E-A947-70E740481C1C}">
-                <a14:useLocalDpi xmlns="" xmlns:a14="http://schemas.microsoft.com/office/drawing/2010/main" val="0"/>
+                <a14:useLocalDpi xmlns:a14="http://schemas.microsoft.com/office/drawing/2010/main" xmlns="" val="0"/>
               </a:ext>
             </a:extLst>
           </a:blip>
@@ -4153,7 +4153,7 @@
             </a:duotone>
             <a:extLst>
               <a:ext uri="{28A0092B-C50C-407E-A947-70E740481C1C}">
-                <a14:useLocalDpi xmlns="" xmlns:a14="http://schemas.microsoft.com/office/drawing/2010/main" val="0"/>
+                <a14:useLocalDpi xmlns:a14="http://schemas.microsoft.com/office/drawing/2010/main" xmlns="" val="0"/>
               </a:ext>
             </a:extLst>
           </a:blip>
@@ -4190,7 +4190,7 @@
             </a:duotone>
             <a:extLst>
               <a:ext uri="{28A0092B-C50C-407E-A947-70E740481C1C}">
-                <a14:useLocalDpi xmlns="" xmlns:a14="http://schemas.microsoft.com/office/drawing/2010/main" val="0"/>
+                <a14:useLocalDpi xmlns:a14="http://schemas.microsoft.com/office/drawing/2010/main" xmlns="" val="0"/>
               </a:ext>
             </a:extLst>
           </a:blip>
@@ -4227,7 +4227,7 @@
             </a:duotone>
             <a:extLst>
               <a:ext uri="{28A0092B-C50C-407E-A947-70E740481C1C}">
-                <a14:useLocalDpi xmlns="" xmlns:a14="http://schemas.microsoft.com/office/drawing/2010/main" val="0"/>
+                <a14:useLocalDpi xmlns:a14="http://schemas.microsoft.com/office/drawing/2010/main" xmlns="" val="0"/>
               </a:ext>
             </a:extLst>
           </a:blip>
@@ -4264,7 +4264,7 @@
             </a:duotone>
             <a:extLst>
               <a:ext uri="{28A0092B-C50C-407E-A947-70E740481C1C}">
-                <a14:useLocalDpi xmlns="" xmlns:a14="http://schemas.microsoft.com/office/drawing/2010/main" val="0"/>
+                <a14:useLocalDpi xmlns:a14="http://schemas.microsoft.com/office/drawing/2010/main" xmlns="" val="0"/>
               </a:ext>
             </a:extLst>
           </a:blip>
@@ -4301,7 +4301,7 @@
             </a:duotone>
             <a:extLst>
               <a:ext uri="{28A0092B-C50C-407E-A947-70E740481C1C}">
-                <a14:useLocalDpi xmlns="" xmlns:a14="http://schemas.microsoft.com/office/drawing/2010/main" val="0"/>
+                <a14:useLocalDpi xmlns:a14="http://schemas.microsoft.com/office/drawing/2010/main" xmlns="" val="0"/>
               </a:ext>
             </a:extLst>
           </a:blip>
@@ -4338,7 +4338,7 @@
             </a:duotone>
             <a:extLst>
               <a:ext uri="{28A0092B-C50C-407E-A947-70E740481C1C}">
-                <a14:useLocalDpi xmlns="" xmlns:a14="http://schemas.microsoft.com/office/drawing/2010/main" val="0"/>
+                <a14:useLocalDpi xmlns:a14="http://schemas.microsoft.com/office/drawing/2010/main" xmlns="" val="0"/>
               </a:ext>
             </a:extLst>
           </a:blip>
@@ -4375,7 +4375,7 @@
             </a:duotone>
             <a:extLst>
               <a:ext uri="{28A0092B-C50C-407E-A947-70E740481C1C}">
-                <a14:useLocalDpi xmlns="" xmlns:a14="http://schemas.microsoft.com/office/drawing/2010/main" val="0"/>
+                <a14:useLocalDpi xmlns:a14="http://schemas.microsoft.com/office/drawing/2010/main" xmlns="" val="0"/>
               </a:ext>
             </a:extLst>
           </a:blip>
@@ -4412,7 +4412,7 @@
             </a:duotone>
             <a:extLst>
               <a:ext uri="{28A0092B-C50C-407E-A947-70E740481C1C}">
-                <a14:useLocalDpi xmlns="" xmlns:a14="http://schemas.microsoft.com/office/drawing/2010/main" val="0"/>
+                <a14:useLocalDpi xmlns:a14="http://schemas.microsoft.com/office/drawing/2010/main" xmlns="" val="0"/>
               </a:ext>
             </a:extLst>
           </a:blip>
@@ -4442,7 +4442,7 @@
           <a:blip r:embed="rId7" cstate="print">
             <a:extLst>
               <a:ext uri="{28A0092B-C50C-407E-A947-70E740481C1C}">
-                <a14:useLocalDpi xmlns="" xmlns:a14="http://schemas.microsoft.com/office/drawing/2010/main" val="0"/>
+                <a14:useLocalDpi xmlns:a14="http://schemas.microsoft.com/office/drawing/2010/main" xmlns="" val="0"/>
               </a:ext>
             </a:extLst>
           </a:blip>
@@ -4472,7 +4472,7 @@
           <a:blip r:embed="rId8" cstate="print">
             <a:extLst>
               <a:ext uri="{28A0092B-C50C-407E-A947-70E740481C1C}">
-                <a14:useLocalDpi xmlns="" xmlns:a14="http://schemas.microsoft.com/office/drawing/2010/main" val="0"/>
+                <a14:useLocalDpi xmlns:a14="http://schemas.microsoft.com/office/drawing/2010/main" xmlns="" val="0"/>
               </a:ext>
             </a:extLst>
           </a:blip>
@@ -4502,7 +4502,7 @@
           <a:blip r:embed="rId9" cstate="print">
             <a:extLst>
               <a:ext uri="{28A0092B-C50C-407E-A947-70E740481C1C}">
-                <a14:useLocalDpi xmlns="" xmlns:a14="http://schemas.microsoft.com/office/drawing/2010/main" val="0"/>
+                <a14:useLocalDpi xmlns:a14="http://schemas.microsoft.com/office/drawing/2010/main" xmlns="" val="0"/>
               </a:ext>
             </a:extLst>
           </a:blip>
@@ -4539,7 +4539,7 @@
             </a:duotone>
             <a:extLst>
               <a:ext uri="{28A0092B-C50C-407E-A947-70E740481C1C}">
-                <a14:useLocalDpi xmlns="" xmlns:a14="http://schemas.microsoft.com/office/drawing/2010/main" val="0"/>
+                <a14:useLocalDpi xmlns:a14="http://schemas.microsoft.com/office/drawing/2010/main" xmlns="" val="0"/>
               </a:ext>
             </a:extLst>
           </a:blip>
@@ -4576,7 +4576,7 @@
             </a:duotone>
             <a:extLst>
               <a:ext uri="{28A0092B-C50C-407E-A947-70E740481C1C}">
-                <a14:useLocalDpi xmlns="" xmlns:a14="http://schemas.microsoft.com/office/drawing/2010/main" val="0"/>
+                <a14:useLocalDpi xmlns:a14="http://schemas.microsoft.com/office/drawing/2010/main" xmlns="" val="0"/>
               </a:ext>
             </a:extLst>
           </a:blip>
@@ -4613,7 +4613,7 @@
             </a:duotone>
             <a:extLst>
               <a:ext uri="{28A0092B-C50C-407E-A947-70E740481C1C}">
-                <a14:useLocalDpi xmlns="" xmlns:a14="http://schemas.microsoft.com/office/drawing/2010/main" val="0"/>
+                <a14:useLocalDpi xmlns:a14="http://schemas.microsoft.com/office/drawing/2010/main" xmlns="" val="0"/>
               </a:ext>
             </a:extLst>
           </a:blip>
@@ -4650,7 +4650,7 @@
             </a:duotone>
             <a:extLst>
               <a:ext uri="{28A0092B-C50C-407E-A947-70E740481C1C}">
-                <a14:useLocalDpi xmlns="" xmlns:a14="http://schemas.microsoft.com/office/drawing/2010/main" val="0"/>
+                <a14:useLocalDpi xmlns:a14="http://schemas.microsoft.com/office/drawing/2010/main" xmlns="" val="0"/>
               </a:ext>
             </a:extLst>
           </a:blip>
@@ -4687,7 +4687,7 @@
             </a:duotone>
             <a:extLst>
               <a:ext uri="{28A0092B-C50C-407E-A947-70E740481C1C}">
-                <a14:useLocalDpi xmlns="" xmlns:a14="http://schemas.microsoft.com/office/drawing/2010/main" val="0"/>
+                <a14:useLocalDpi xmlns:a14="http://schemas.microsoft.com/office/drawing/2010/main" xmlns="" val="0"/>
               </a:ext>
             </a:extLst>
           </a:blip>
@@ -4724,7 +4724,7 @@
             </a:duotone>
             <a:extLst>
               <a:ext uri="{28A0092B-C50C-407E-A947-70E740481C1C}">
-                <a14:useLocalDpi xmlns="" xmlns:a14="http://schemas.microsoft.com/office/drawing/2010/main" val="0"/>
+                <a14:useLocalDpi xmlns:a14="http://schemas.microsoft.com/office/drawing/2010/main" xmlns="" val="0"/>
               </a:ext>
             </a:extLst>
           </a:blip>
@@ -4761,7 +4761,7 @@
             </a:duotone>
             <a:extLst>
               <a:ext uri="{28A0092B-C50C-407E-A947-70E740481C1C}">
-                <a14:useLocalDpi xmlns="" xmlns:a14="http://schemas.microsoft.com/office/drawing/2010/main" val="0"/>
+                <a14:useLocalDpi xmlns:a14="http://schemas.microsoft.com/office/drawing/2010/main" xmlns="" val="0"/>
               </a:ext>
             </a:extLst>
           </a:blip>
@@ -4798,7 +4798,7 @@
             </a:duotone>
             <a:extLst>
               <a:ext uri="{28A0092B-C50C-407E-A947-70E740481C1C}">
-                <a14:useLocalDpi xmlns="" xmlns:a14="http://schemas.microsoft.com/office/drawing/2010/main" val="0"/>
+                <a14:useLocalDpi xmlns:a14="http://schemas.microsoft.com/office/drawing/2010/main" xmlns="" val="0"/>
               </a:ext>
             </a:extLst>
           </a:blip>
@@ -4835,7 +4835,7 @@
             </a:duotone>
             <a:extLst>
               <a:ext uri="{28A0092B-C50C-407E-A947-70E740481C1C}">
-                <a14:useLocalDpi xmlns="" xmlns:a14="http://schemas.microsoft.com/office/drawing/2010/main" val="0"/>
+                <a14:useLocalDpi xmlns:a14="http://schemas.microsoft.com/office/drawing/2010/main" xmlns="" val="0"/>
               </a:ext>
             </a:extLst>
           </a:blip>
@@ -4872,7 +4872,7 @@
             </a:duotone>
             <a:extLst>
               <a:ext uri="{28A0092B-C50C-407E-A947-70E740481C1C}">
-                <a14:useLocalDpi xmlns="" xmlns:a14="http://schemas.microsoft.com/office/drawing/2010/main" val="0"/>
+                <a14:useLocalDpi xmlns:a14="http://schemas.microsoft.com/office/drawing/2010/main" xmlns="" val="0"/>
               </a:ext>
             </a:extLst>
           </a:blip>
@@ -4909,7 +4909,7 @@
             </a:duotone>
             <a:extLst>
               <a:ext uri="{28A0092B-C50C-407E-A947-70E740481C1C}">
-                <a14:useLocalDpi xmlns="" xmlns:a14="http://schemas.microsoft.com/office/drawing/2010/main" val="0"/>
+                <a14:useLocalDpi xmlns:a14="http://schemas.microsoft.com/office/drawing/2010/main" xmlns="" val="0"/>
               </a:ext>
             </a:extLst>
           </a:blip>
@@ -4946,7 +4946,7 @@
             </a:duotone>
             <a:extLst>
               <a:ext uri="{28A0092B-C50C-407E-A947-70E740481C1C}">
-                <a14:useLocalDpi xmlns="" xmlns:a14="http://schemas.microsoft.com/office/drawing/2010/main" val="0"/>
+                <a14:useLocalDpi xmlns:a14="http://schemas.microsoft.com/office/drawing/2010/main" xmlns="" val="0"/>
               </a:ext>
             </a:extLst>
           </a:blip>
@@ -4983,7 +4983,7 @@
             </a:duotone>
             <a:extLst>
               <a:ext uri="{28A0092B-C50C-407E-A947-70E740481C1C}">
-                <a14:useLocalDpi xmlns="" xmlns:a14="http://schemas.microsoft.com/office/drawing/2010/main" val="0"/>
+                <a14:useLocalDpi xmlns:a14="http://schemas.microsoft.com/office/drawing/2010/main" xmlns="" val="0"/>
               </a:ext>
             </a:extLst>
           </a:blip>
@@ -5020,7 +5020,7 @@
             </a:duotone>
             <a:extLst>
               <a:ext uri="{28A0092B-C50C-407E-A947-70E740481C1C}">
-                <a14:useLocalDpi xmlns="" xmlns:a14="http://schemas.microsoft.com/office/drawing/2010/main" val="0"/>
+                <a14:useLocalDpi xmlns:a14="http://schemas.microsoft.com/office/drawing/2010/main" xmlns="" val="0"/>
               </a:ext>
             </a:extLst>
           </a:blip>
@@ -5057,7 +5057,7 @@
             </a:duotone>
             <a:extLst>
               <a:ext uri="{28A0092B-C50C-407E-A947-70E740481C1C}">
-                <a14:useLocalDpi xmlns="" xmlns:a14="http://schemas.microsoft.com/office/drawing/2010/main" val="0"/>
+                <a14:useLocalDpi xmlns:a14="http://schemas.microsoft.com/office/drawing/2010/main" xmlns="" val="0"/>
               </a:ext>
             </a:extLst>
           </a:blip>
@@ -5087,7 +5087,7 @@
           <a:blip r:embed="rId10" cstate="print">
             <a:extLst>
               <a:ext uri="{BEBA8EAE-BF5A-486C-A8C5-ECC9F3942E4B}">
-                <a14:imgProps xmlns="" xmlns:a14="http://schemas.microsoft.com/office/drawing/2010/main">
+                <a14:imgProps xmlns:a14="http://schemas.microsoft.com/office/drawing/2010/main" xmlns="">
                   <a14:imgLayer r:embed="rId16">
                     <a14:imgEffect>
                       <a14:saturation sat="0"/>
@@ -5096,7 +5096,7 @@
                 </a14:imgProps>
               </a:ext>
               <a:ext uri="{28A0092B-C50C-407E-A947-70E740481C1C}">
-                <a14:useLocalDpi xmlns="" xmlns:a14="http://schemas.microsoft.com/office/drawing/2010/main" val="0"/>
+                <a14:useLocalDpi xmlns:a14="http://schemas.microsoft.com/office/drawing/2010/main" xmlns="" val="0"/>
               </a:ext>
             </a:extLst>
           </a:blip>
@@ -5133,7 +5133,7 @@
             </a:duotone>
             <a:extLst>
               <a:ext uri="{28A0092B-C50C-407E-A947-70E740481C1C}">
-                <a14:useLocalDpi xmlns="" xmlns:a14="http://schemas.microsoft.com/office/drawing/2010/main" val="0"/>
+                <a14:useLocalDpi xmlns:a14="http://schemas.microsoft.com/office/drawing/2010/main" xmlns="" val="0"/>
               </a:ext>
             </a:extLst>
           </a:blip>
@@ -5170,7 +5170,7 @@
             </a:duotone>
             <a:extLst>
               <a:ext uri="{28A0092B-C50C-407E-A947-70E740481C1C}">
-                <a14:useLocalDpi xmlns="" xmlns:a14="http://schemas.microsoft.com/office/drawing/2010/main" val="0"/>
+                <a14:useLocalDpi xmlns:a14="http://schemas.microsoft.com/office/drawing/2010/main" xmlns="" val="0"/>
               </a:ext>
             </a:extLst>
           </a:blip>
@@ -5207,7 +5207,7 @@
             </a:duotone>
             <a:extLst>
               <a:ext uri="{28A0092B-C50C-407E-A947-70E740481C1C}">
-                <a14:useLocalDpi xmlns="" xmlns:a14="http://schemas.microsoft.com/office/drawing/2010/main" val="0"/>
+                <a14:useLocalDpi xmlns:a14="http://schemas.microsoft.com/office/drawing/2010/main" xmlns="" val="0"/>
               </a:ext>
             </a:extLst>
           </a:blip>
@@ -5244,7 +5244,7 @@
             </a:duotone>
             <a:extLst>
               <a:ext uri="{28A0092B-C50C-407E-A947-70E740481C1C}">
-                <a14:useLocalDpi xmlns="" xmlns:a14="http://schemas.microsoft.com/office/drawing/2010/main" val="0"/>
+                <a14:useLocalDpi xmlns:a14="http://schemas.microsoft.com/office/drawing/2010/main" xmlns="" val="0"/>
               </a:ext>
             </a:extLst>
           </a:blip>
@@ -5281,7 +5281,7 @@
             </a:duotone>
             <a:extLst>
               <a:ext uri="{28A0092B-C50C-407E-A947-70E740481C1C}">
-                <a14:useLocalDpi xmlns="" xmlns:a14="http://schemas.microsoft.com/office/drawing/2010/main" val="0"/>
+                <a14:useLocalDpi xmlns:a14="http://schemas.microsoft.com/office/drawing/2010/main" xmlns="" val="0"/>
               </a:ext>
             </a:extLst>
           </a:blip>
@@ -5318,7 +5318,7 @@
             </a:duotone>
             <a:extLst>
               <a:ext uri="{28A0092B-C50C-407E-A947-70E740481C1C}">
-                <a14:useLocalDpi xmlns="" xmlns:a14="http://schemas.microsoft.com/office/drawing/2010/main" val="0"/>
+                <a14:useLocalDpi xmlns:a14="http://schemas.microsoft.com/office/drawing/2010/main" xmlns="" val="0"/>
               </a:ext>
             </a:extLst>
           </a:blip>
@@ -5348,7 +5348,7 @@
           <a:blip r:embed="rId18" cstate="print">
             <a:extLst>
               <a:ext uri="{28A0092B-C50C-407E-A947-70E740481C1C}">
-                <a14:useLocalDpi xmlns="" xmlns:a14="http://schemas.microsoft.com/office/drawing/2010/main" val="0"/>
+                <a14:useLocalDpi xmlns:a14="http://schemas.microsoft.com/office/drawing/2010/main" xmlns="" val="0"/>
               </a:ext>
             </a:extLst>
           </a:blip>
@@ -5385,7 +5385,7 @@
             </a:duotone>
             <a:extLst>
               <a:ext uri="{28A0092B-C50C-407E-A947-70E740481C1C}">
-                <a14:useLocalDpi xmlns="" xmlns:a14="http://schemas.microsoft.com/office/drawing/2010/main" val="0"/>
+                <a14:useLocalDpi xmlns:a14="http://schemas.microsoft.com/office/drawing/2010/main" xmlns="" val="0"/>
               </a:ext>
             </a:extLst>
           </a:blip>
@@ -5422,7 +5422,7 @@
             </a:duotone>
             <a:extLst>
               <a:ext uri="{28A0092B-C50C-407E-A947-70E740481C1C}">
-                <a14:useLocalDpi xmlns="" xmlns:a14="http://schemas.microsoft.com/office/drawing/2010/main" val="0"/>
+                <a14:useLocalDpi xmlns:a14="http://schemas.microsoft.com/office/drawing/2010/main" xmlns="" val="0"/>
               </a:ext>
             </a:extLst>
           </a:blip>
@@ -5452,7 +5452,7 @@
           <a:blip r:embed="rId17" cstate="print">
             <a:extLst>
               <a:ext uri="{28A0092B-C50C-407E-A947-70E740481C1C}">
-                <a14:useLocalDpi xmlns="" xmlns:a14="http://schemas.microsoft.com/office/drawing/2010/main" val="0"/>
+                <a14:useLocalDpi xmlns:a14="http://schemas.microsoft.com/office/drawing/2010/main" xmlns="" val="0"/>
               </a:ext>
             </a:extLst>
           </a:blip>
@@ -5489,7 +5489,7 @@
             </a:duotone>
             <a:extLst>
               <a:ext uri="{28A0092B-C50C-407E-A947-70E740481C1C}">
-                <a14:useLocalDpi xmlns="" xmlns:a14="http://schemas.microsoft.com/office/drawing/2010/main" val="0"/>
+                <a14:useLocalDpi xmlns:a14="http://schemas.microsoft.com/office/drawing/2010/main" xmlns="" val="0"/>
               </a:ext>
             </a:extLst>
           </a:blip>
@@ -5526,7 +5526,7 @@
             </a:duotone>
             <a:extLst>
               <a:ext uri="{28A0092B-C50C-407E-A947-70E740481C1C}">
-                <a14:useLocalDpi xmlns="" xmlns:a14="http://schemas.microsoft.com/office/drawing/2010/main" val="0"/>
+                <a14:useLocalDpi xmlns:a14="http://schemas.microsoft.com/office/drawing/2010/main" xmlns="" val="0"/>
               </a:ext>
             </a:extLst>
           </a:blip>
@@ -5563,7 +5563,7 @@
             </a:duotone>
             <a:extLst>
               <a:ext uri="{28A0092B-C50C-407E-A947-70E740481C1C}">
-                <a14:useLocalDpi xmlns="" xmlns:a14="http://schemas.microsoft.com/office/drawing/2010/main" val="0"/>
+                <a14:useLocalDpi xmlns:a14="http://schemas.microsoft.com/office/drawing/2010/main" xmlns="" val="0"/>
               </a:ext>
             </a:extLst>
           </a:blip>
@@ -5600,7 +5600,7 @@
             </a:duotone>
             <a:extLst>
               <a:ext uri="{28A0092B-C50C-407E-A947-70E740481C1C}">
-                <a14:useLocalDpi xmlns="" xmlns:a14="http://schemas.microsoft.com/office/drawing/2010/main" val="0"/>
+                <a14:useLocalDpi xmlns:a14="http://schemas.microsoft.com/office/drawing/2010/main" xmlns="" val="0"/>
               </a:ext>
             </a:extLst>
           </a:blip>
@@ -5637,7 +5637,7 @@
             </a:duotone>
             <a:extLst>
               <a:ext uri="{28A0092B-C50C-407E-A947-70E740481C1C}">
-                <a14:useLocalDpi xmlns="" xmlns:a14="http://schemas.microsoft.com/office/drawing/2010/main" val="0"/>
+                <a14:useLocalDpi xmlns:a14="http://schemas.microsoft.com/office/drawing/2010/main" xmlns="" val="0"/>
               </a:ext>
             </a:extLst>
           </a:blip>
@@ -5674,7 +5674,7 @@
             </a:duotone>
             <a:extLst>
               <a:ext uri="{28A0092B-C50C-407E-A947-70E740481C1C}">
-                <a14:useLocalDpi xmlns="" xmlns:a14="http://schemas.microsoft.com/office/drawing/2010/main" val="0"/>
+                <a14:useLocalDpi xmlns:a14="http://schemas.microsoft.com/office/drawing/2010/main" xmlns="" val="0"/>
               </a:ext>
             </a:extLst>
           </a:blip>
@@ -5711,7 +5711,7 @@
             </a:duotone>
             <a:extLst>
               <a:ext uri="{28A0092B-C50C-407E-A947-70E740481C1C}">
-                <a14:useLocalDpi xmlns="" xmlns:a14="http://schemas.microsoft.com/office/drawing/2010/main" val="0"/>
+                <a14:useLocalDpi xmlns:a14="http://schemas.microsoft.com/office/drawing/2010/main" xmlns="" val="0"/>
               </a:ext>
             </a:extLst>
           </a:blip>
@@ -5741,7 +5741,7 @@
           <a:blip r:embed="rId19" cstate="print">
             <a:extLst>
               <a:ext uri="{28A0092B-C50C-407E-A947-70E740481C1C}">
-                <a14:useLocalDpi xmlns="" xmlns:a14="http://schemas.microsoft.com/office/drawing/2010/main" val="0"/>
+                <a14:useLocalDpi xmlns:a14="http://schemas.microsoft.com/office/drawing/2010/main" xmlns="" val="0"/>
               </a:ext>
             </a:extLst>
           </a:blip>
@@ -5778,7 +5778,7 @@
             </a:duotone>
             <a:extLst>
               <a:ext uri="{28A0092B-C50C-407E-A947-70E740481C1C}">
-                <a14:useLocalDpi xmlns="" xmlns:a14="http://schemas.microsoft.com/office/drawing/2010/main" val="0"/>
+                <a14:useLocalDpi xmlns:a14="http://schemas.microsoft.com/office/drawing/2010/main" xmlns="" val="0"/>
               </a:ext>
             </a:extLst>
           </a:blip>
@@ -5815,7 +5815,7 @@
             </a:duotone>
             <a:extLst>
               <a:ext uri="{28A0092B-C50C-407E-A947-70E740481C1C}">
-                <a14:useLocalDpi xmlns="" xmlns:a14="http://schemas.microsoft.com/office/drawing/2010/main" val="0"/>
+                <a14:useLocalDpi xmlns:a14="http://schemas.microsoft.com/office/drawing/2010/main" xmlns="" val="0"/>
               </a:ext>
             </a:extLst>
           </a:blip>
@@ -5852,7 +5852,7 @@
             </a:duotone>
             <a:extLst>
               <a:ext uri="{28A0092B-C50C-407E-A947-70E740481C1C}">
-                <a14:useLocalDpi xmlns="" xmlns:a14="http://schemas.microsoft.com/office/drawing/2010/main" val="0"/>
+                <a14:useLocalDpi xmlns:a14="http://schemas.microsoft.com/office/drawing/2010/main" xmlns="" val="0"/>
               </a:ext>
             </a:extLst>
           </a:blip>
@@ -5889,7 +5889,7 @@
             </a:duotone>
             <a:extLst>
               <a:ext uri="{28A0092B-C50C-407E-A947-70E740481C1C}">
-                <a14:useLocalDpi xmlns="" xmlns:a14="http://schemas.microsoft.com/office/drawing/2010/main" val="0"/>
+                <a14:useLocalDpi xmlns:a14="http://schemas.microsoft.com/office/drawing/2010/main" xmlns="" val="0"/>
               </a:ext>
             </a:extLst>
           </a:blip>
@@ -5926,7 +5926,7 @@
             </a:duotone>
             <a:extLst>
               <a:ext uri="{28A0092B-C50C-407E-A947-70E740481C1C}">
-                <a14:useLocalDpi xmlns="" xmlns:a14="http://schemas.microsoft.com/office/drawing/2010/main" val="0"/>
+                <a14:useLocalDpi xmlns:a14="http://schemas.microsoft.com/office/drawing/2010/main" xmlns="" val="0"/>
               </a:ext>
             </a:extLst>
           </a:blip>
@@ -6031,7 +6031,7 @@
     </p:spTree>
     <p:extLst>
       <p:ext uri="{BB962C8B-B14F-4D97-AF65-F5344CB8AC3E}">
-        <p14:creationId xmlns="" xmlns:p14="http://schemas.microsoft.com/office/powerpoint/2010/main" val="2163611856"/>
+        <p14:creationId xmlns:p14="http://schemas.microsoft.com/office/powerpoint/2010/main" xmlns="" val="2163611856"/>
       </p:ext>
     </p:extLst>
   </p:cSld>
@@ -6077,7 +6077,7 @@
           <a:blip r:embed="rId3" cstate="print">
             <a:extLst>
               <a:ext uri="{28A0092B-C50C-407E-A947-70E740481C1C}">
-                <a14:useLocalDpi xmlns="" xmlns:a14="http://schemas.microsoft.com/office/drawing/2010/main" val="0"/>
+                <a14:useLocalDpi xmlns:a14="http://schemas.microsoft.com/office/drawing/2010/main" xmlns="" val="0"/>
               </a:ext>
             </a:extLst>
           </a:blip>
@@ -6107,7 +6107,7 @@
           <a:blip r:embed="rId4" cstate="print">
             <a:extLst>
               <a:ext uri="{28A0092B-C50C-407E-A947-70E740481C1C}">
-                <a14:useLocalDpi xmlns="" xmlns:a14="http://schemas.microsoft.com/office/drawing/2010/main" val="0"/>
+                <a14:useLocalDpi xmlns:a14="http://schemas.microsoft.com/office/drawing/2010/main" xmlns="" val="0"/>
               </a:ext>
             </a:extLst>
           </a:blip>
@@ -6137,7 +6137,7 @@
           <a:blip r:embed="rId5" cstate="print">
             <a:extLst>
               <a:ext uri="{28A0092B-C50C-407E-A947-70E740481C1C}">
-                <a14:useLocalDpi xmlns="" xmlns:a14="http://schemas.microsoft.com/office/drawing/2010/main" val="0"/>
+                <a14:useLocalDpi xmlns:a14="http://schemas.microsoft.com/office/drawing/2010/main" xmlns="" val="0"/>
               </a:ext>
             </a:extLst>
           </a:blip>
@@ -6167,7 +6167,7 @@
           <a:blip r:embed="rId6" cstate="print">
             <a:extLst>
               <a:ext uri="{28A0092B-C50C-407E-A947-70E740481C1C}">
-                <a14:useLocalDpi xmlns="" xmlns:a14="http://schemas.microsoft.com/office/drawing/2010/main" val="0"/>
+                <a14:useLocalDpi xmlns:a14="http://schemas.microsoft.com/office/drawing/2010/main" xmlns="" val="0"/>
               </a:ext>
             </a:extLst>
           </a:blip>
@@ -6204,7 +6204,7 @@
             </a:duotone>
             <a:extLst>
               <a:ext uri="{28A0092B-C50C-407E-A947-70E740481C1C}">
-                <a14:useLocalDpi xmlns="" xmlns:a14="http://schemas.microsoft.com/office/drawing/2010/main" val="0"/>
+                <a14:useLocalDpi xmlns:a14="http://schemas.microsoft.com/office/drawing/2010/main" xmlns="" val="0"/>
               </a:ext>
             </a:extLst>
           </a:blip>
@@ -6241,7 +6241,7 @@
             </a:duotone>
             <a:extLst>
               <a:ext uri="{28A0092B-C50C-407E-A947-70E740481C1C}">
-                <a14:useLocalDpi xmlns="" xmlns:a14="http://schemas.microsoft.com/office/drawing/2010/main" val="0"/>
+                <a14:useLocalDpi xmlns:a14="http://schemas.microsoft.com/office/drawing/2010/main" xmlns="" val="0"/>
               </a:ext>
             </a:extLst>
           </a:blip>
@@ -6278,7 +6278,7 @@
             </a:duotone>
             <a:extLst>
               <a:ext uri="{28A0092B-C50C-407E-A947-70E740481C1C}">
-                <a14:useLocalDpi xmlns="" xmlns:a14="http://schemas.microsoft.com/office/drawing/2010/main" val="0"/>
+                <a14:useLocalDpi xmlns:a14="http://schemas.microsoft.com/office/drawing/2010/main" xmlns="" val="0"/>
               </a:ext>
             </a:extLst>
           </a:blip>
@@ -6315,7 +6315,7 @@
             </a:duotone>
             <a:extLst>
               <a:ext uri="{28A0092B-C50C-407E-A947-70E740481C1C}">
-                <a14:useLocalDpi xmlns="" xmlns:a14="http://schemas.microsoft.com/office/drawing/2010/main" val="0"/>
+                <a14:useLocalDpi xmlns:a14="http://schemas.microsoft.com/office/drawing/2010/main" xmlns="" val="0"/>
               </a:ext>
             </a:extLst>
           </a:blip>
@@ -6352,7 +6352,7 @@
             </a:duotone>
             <a:extLst>
               <a:ext uri="{28A0092B-C50C-407E-A947-70E740481C1C}">
-                <a14:useLocalDpi xmlns="" xmlns:a14="http://schemas.microsoft.com/office/drawing/2010/main" val="0"/>
+                <a14:useLocalDpi xmlns:a14="http://schemas.microsoft.com/office/drawing/2010/main" xmlns="" val="0"/>
               </a:ext>
             </a:extLst>
           </a:blip>
@@ -6389,7 +6389,7 @@
             </a:duotone>
             <a:extLst>
               <a:ext uri="{28A0092B-C50C-407E-A947-70E740481C1C}">
-                <a14:useLocalDpi xmlns="" xmlns:a14="http://schemas.microsoft.com/office/drawing/2010/main" val="0"/>
+                <a14:useLocalDpi xmlns:a14="http://schemas.microsoft.com/office/drawing/2010/main" xmlns="" val="0"/>
               </a:ext>
             </a:extLst>
           </a:blip>
@@ -6426,7 +6426,7 @@
             </a:duotone>
             <a:extLst>
               <a:ext uri="{28A0092B-C50C-407E-A947-70E740481C1C}">
-                <a14:useLocalDpi xmlns="" xmlns:a14="http://schemas.microsoft.com/office/drawing/2010/main" val="0"/>
+                <a14:useLocalDpi xmlns:a14="http://schemas.microsoft.com/office/drawing/2010/main" xmlns="" val="0"/>
               </a:ext>
             </a:extLst>
           </a:blip>
@@ -6463,7 +6463,7 @@
             </a:duotone>
             <a:extLst>
               <a:ext uri="{28A0092B-C50C-407E-A947-70E740481C1C}">
-                <a14:useLocalDpi xmlns="" xmlns:a14="http://schemas.microsoft.com/office/drawing/2010/main" val="0"/>
+                <a14:useLocalDpi xmlns:a14="http://schemas.microsoft.com/office/drawing/2010/main" xmlns="" val="0"/>
               </a:ext>
             </a:extLst>
           </a:blip>
@@ -6500,7 +6500,7 @@
             </a:duotone>
             <a:extLst>
               <a:ext uri="{28A0092B-C50C-407E-A947-70E740481C1C}">
-                <a14:useLocalDpi xmlns="" xmlns:a14="http://schemas.microsoft.com/office/drawing/2010/main" val="0"/>
+                <a14:useLocalDpi xmlns:a14="http://schemas.microsoft.com/office/drawing/2010/main" xmlns="" val="0"/>
               </a:ext>
             </a:extLst>
           </a:blip>
@@ -6537,7 +6537,7 @@
             </a:duotone>
             <a:extLst>
               <a:ext uri="{28A0092B-C50C-407E-A947-70E740481C1C}">
-                <a14:useLocalDpi xmlns="" xmlns:a14="http://schemas.microsoft.com/office/drawing/2010/main" val="0"/>
+                <a14:useLocalDpi xmlns:a14="http://schemas.microsoft.com/office/drawing/2010/main" xmlns="" val="0"/>
               </a:ext>
             </a:extLst>
           </a:blip>
@@ -6574,7 +6574,7 @@
             </a:duotone>
             <a:extLst>
               <a:ext uri="{28A0092B-C50C-407E-A947-70E740481C1C}">
-                <a14:useLocalDpi xmlns="" xmlns:a14="http://schemas.microsoft.com/office/drawing/2010/main" val="0"/>
+                <a14:useLocalDpi xmlns:a14="http://schemas.microsoft.com/office/drawing/2010/main" xmlns="" val="0"/>
               </a:ext>
             </a:extLst>
           </a:blip>
@@ -6611,7 +6611,7 @@
             </a:duotone>
             <a:extLst>
               <a:ext uri="{28A0092B-C50C-407E-A947-70E740481C1C}">
-                <a14:useLocalDpi xmlns="" xmlns:a14="http://schemas.microsoft.com/office/drawing/2010/main" val="0"/>
+                <a14:useLocalDpi xmlns:a14="http://schemas.microsoft.com/office/drawing/2010/main" xmlns="" val="0"/>
               </a:ext>
             </a:extLst>
           </a:blip>
@@ -6648,7 +6648,7 @@
             </a:duotone>
             <a:extLst>
               <a:ext uri="{28A0092B-C50C-407E-A947-70E740481C1C}">
-                <a14:useLocalDpi xmlns="" xmlns:a14="http://schemas.microsoft.com/office/drawing/2010/main" val="0"/>
+                <a14:useLocalDpi xmlns:a14="http://schemas.microsoft.com/office/drawing/2010/main" xmlns="" val="0"/>
               </a:ext>
             </a:extLst>
           </a:blip>
@@ -6685,7 +6685,7 @@
             </a:duotone>
             <a:extLst>
               <a:ext uri="{28A0092B-C50C-407E-A947-70E740481C1C}">
-                <a14:useLocalDpi xmlns="" xmlns:a14="http://schemas.microsoft.com/office/drawing/2010/main" val="0"/>
+                <a14:useLocalDpi xmlns:a14="http://schemas.microsoft.com/office/drawing/2010/main" xmlns="" val="0"/>
               </a:ext>
             </a:extLst>
           </a:blip>
@@ -6722,7 +6722,7 @@
             </a:duotone>
             <a:extLst>
               <a:ext uri="{28A0092B-C50C-407E-A947-70E740481C1C}">
-                <a14:useLocalDpi xmlns="" xmlns:a14="http://schemas.microsoft.com/office/drawing/2010/main" val="0"/>
+                <a14:useLocalDpi xmlns:a14="http://schemas.microsoft.com/office/drawing/2010/main" xmlns="" val="0"/>
               </a:ext>
             </a:extLst>
           </a:blip>
@@ -6752,7 +6752,7 @@
           <a:blip r:embed="rId7" cstate="print">
             <a:extLst>
               <a:ext uri="{28A0092B-C50C-407E-A947-70E740481C1C}">
-                <a14:useLocalDpi xmlns="" xmlns:a14="http://schemas.microsoft.com/office/drawing/2010/main" val="0"/>
+                <a14:useLocalDpi xmlns:a14="http://schemas.microsoft.com/office/drawing/2010/main" xmlns="" val="0"/>
               </a:ext>
             </a:extLst>
           </a:blip>
@@ -6782,7 +6782,7 @@
           <a:blip r:embed="rId8" cstate="print">
             <a:extLst>
               <a:ext uri="{28A0092B-C50C-407E-A947-70E740481C1C}">
-                <a14:useLocalDpi xmlns="" xmlns:a14="http://schemas.microsoft.com/office/drawing/2010/main" val="0"/>
+                <a14:useLocalDpi xmlns:a14="http://schemas.microsoft.com/office/drawing/2010/main" xmlns="" val="0"/>
               </a:ext>
             </a:extLst>
           </a:blip>
@@ -6812,7 +6812,7 @@
           <a:blip r:embed="rId9" cstate="print">
             <a:extLst>
               <a:ext uri="{28A0092B-C50C-407E-A947-70E740481C1C}">
-                <a14:useLocalDpi xmlns="" xmlns:a14="http://schemas.microsoft.com/office/drawing/2010/main" val="0"/>
+                <a14:useLocalDpi xmlns:a14="http://schemas.microsoft.com/office/drawing/2010/main" xmlns="" val="0"/>
               </a:ext>
             </a:extLst>
           </a:blip>
@@ -6849,7 +6849,7 @@
             </a:duotone>
             <a:extLst>
               <a:ext uri="{28A0092B-C50C-407E-A947-70E740481C1C}">
-                <a14:useLocalDpi xmlns="" xmlns:a14="http://schemas.microsoft.com/office/drawing/2010/main" val="0"/>
+                <a14:useLocalDpi xmlns:a14="http://schemas.microsoft.com/office/drawing/2010/main" xmlns="" val="0"/>
               </a:ext>
             </a:extLst>
           </a:blip>
@@ -6886,7 +6886,7 @@
             </a:duotone>
             <a:extLst>
               <a:ext uri="{28A0092B-C50C-407E-A947-70E740481C1C}">
-                <a14:useLocalDpi xmlns="" xmlns:a14="http://schemas.microsoft.com/office/drawing/2010/main" val="0"/>
+                <a14:useLocalDpi xmlns:a14="http://schemas.microsoft.com/office/drawing/2010/main" xmlns="" val="0"/>
               </a:ext>
             </a:extLst>
           </a:blip>
@@ -6923,7 +6923,7 @@
             </a:duotone>
             <a:extLst>
               <a:ext uri="{28A0092B-C50C-407E-A947-70E740481C1C}">
-                <a14:useLocalDpi xmlns="" xmlns:a14="http://schemas.microsoft.com/office/drawing/2010/main" val="0"/>
+                <a14:useLocalDpi xmlns:a14="http://schemas.microsoft.com/office/drawing/2010/main" xmlns="" val="0"/>
               </a:ext>
             </a:extLst>
           </a:blip>
@@ -6960,7 +6960,7 @@
             </a:duotone>
             <a:extLst>
               <a:ext uri="{28A0092B-C50C-407E-A947-70E740481C1C}">
-                <a14:useLocalDpi xmlns="" xmlns:a14="http://schemas.microsoft.com/office/drawing/2010/main" val="0"/>
+                <a14:useLocalDpi xmlns:a14="http://schemas.microsoft.com/office/drawing/2010/main" xmlns="" val="0"/>
               </a:ext>
             </a:extLst>
           </a:blip>
@@ -6997,7 +6997,7 @@
             </a:duotone>
             <a:extLst>
               <a:ext uri="{28A0092B-C50C-407E-A947-70E740481C1C}">
-                <a14:useLocalDpi xmlns="" xmlns:a14="http://schemas.microsoft.com/office/drawing/2010/main" val="0"/>
+                <a14:useLocalDpi xmlns:a14="http://schemas.microsoft.com/office/drawing/2010/main" xmlns="" val="0"/>
               </a:ext>
             </a:extLst>
           </a:blip>
@@ -7034,7 +7034,7 @@
             </a:duotone>
             <a:extLst>
               <a:ext uri="{28A0092B-C50C-407E-A947-70E740481C1C}">
-                <a14:useLocalDpi xmlns="" xmlns:a14="http://schemas.microsoft.com/office/drawing/2010/main" val="0"/>
+                <a14:useLocalDpi xmlns:a14="http://schemas.microsoft.com/office/drawing/2010/main" xmlns="" val="0"/>
               </a:ext>
             </a:extLst>
           </a:blip>
@@ -7071,7 +7071,7 @@
             </a:duotone>
             <a:extLst>
               <a:ext uri="{28A0092B-C50C-407E-A947-70E740481C1C}">
-                <a14:useLocalDpi xmlns="" xmlns:a14="http://schemas.microsoft.com/office/drawing/2010/main" val="0"/>
+                <a14:useLocalDpi xmlns:a14="http://schemas.microsoft.com/office/drawing/2010/main" xmlns="" val="0"/>
               </a:ext>
             </a:extLst>
           </a:blip>
@@ -7108,7 +7108,7 @@
             </a:duotone>
             <a:extLst>
               <a:ext uri="{28A0092B-C50C-407E-A947-70E740481C1C}">
-                <a14:useLocalDpi xmlns="" xmlns:a14="http://schemas.microsoft.com/office/drawing/2010/main" val="0"/>
+                <a14:useLocalDpi xmlns:a14="http://schemas.microsoft.com/office/drawing/2010/main" xmlns="" val="0"/>
               </a:ext>
             </a:extLst>
           </a:blip>
@@ -7145,7 +7145,7 @@
             </a:duotone>
             <a:extLst>
               <a:ext uri="{28A0092B-C50C-407E-A947-70E740481C1C}">
-                <a14:useLocalDpi xmlns="" xmlns:a14="http://schemas.microsoft.com/office/drawing/2010/main" val="0"/>
+                <a14:useLocalDpi xmlns:a14="http://schemas.microsoft.com/office/drawing/2010/main" xmlns="" val="0"/>
               </a:ext>
             </a:extLst>
           </a:blip>
@@ -7182,7 +7182,7 @@
             </a:duotone>
             <a:extLst>
               <a:ext uri="{28A0092B-C50C-407E-A947-70E740481C1C}">
-                <a14:useLocalDpi xmlns="" xmlns:a14="http://schemas.microsoft.com/office/drawing/2010/main" val="0"/>
+                <a14:useLocalDpi xmlns:a14="http://schemas.microsoft.com/office/drawing/2010/main" xmlns="" val="0"/>
               </a:ext>
             </a:extLst>
           </a:blip>
@@ -7219,7 +7219,7 @@
             </a:duotone>
             <a:extLst>
               <a:ext uri="{28A0092B-C50C-407E-A947-70E740481C1C}">
-                <a14:useLocalDpi xmlns="" xmlns:a14="http://schemas.microsoft.com/office/drawing/2010/main" val="0"/>
+                <a14:useLocalDpi xmlns:a14="http://schemas.microsoft.com/office/drawing/2010/main" xmlns="" val="0"/>
               </a:ext>
             </a:extLst>
           </a:blip>
@@ -7256,7 +7256,7 @@
             </a:duotone>
             <a:extLst>
               <a:ext uri="{28A0092B-C50C-407E-A947-70E740481C1C}">
-                <a14:useLocalDpi xmlns="" xmlns:a14="http://schemas.microsoft.com/office/drawing/2010/main" val="0"/>
+                <a14:useLocalDpi xmlns:a14="http://schemas.microsoft.com/office/drawing/2010/main" xmlns="" val="0"/>
               </a:ext>
             </a:extLst>
           </a:blip>
@@ -7293,7 +7293,7 @@
             </a:duotone>
             <a:extLst>
               <a:ext uri="{28A0092B-C50C-407E-A947-70E740481C1C}">
-                <a14:useLocalDpi xmlns="" xmlns:a14="http://schemas.microsoft.com/office/drawing/2010/main" val="0"/>
+                <a14:useLocalDpi xmlns:a14="http://schemas.microsoft.com/office/drawing/2010/main" xmlns="" val="0"/>
               </a:ext>
             </a:extLst>
           </a:blip>
@@ -7330,7 +7330,7 @@
             </a:duotone>
             <a:extLst>
               <a:ext uri="{28A0092B-C50C-407E-A947-70E740481C1C}">
-                <a14:useLocalDpi xmlns="" xmlns:a14="http://schemas.microsoft.com/office/drawing/2010/main" val="0"/>
+                <a14:useLocalDpi xmlns:a14="http://schemas.microsoft.com/office/drawing/2010/main" xmlns="" val="0"/>
               </a:ext>
             </a:extLst>
           </a:blip>
@@ -7367,7 +7367,7 @@
             </a:duotone>
             <a:extLst>
               <a:ext uri="{28A0092B-C50C-407E-A947-70E740481C1C}">
-                <a14:useLocalDpi xmlns="" xmlns:a14="http://schemas.microsoft.com/office/drawing/2010/main" val="0"/>
+                <a14:useLocalDpi xmlns:a14="http://schemas.microsoft.com/office/drawing/2010/main" xmlns="" val="0"/>
               </a:ext>
             </a:extLst>
           </a:blip>
@@ -7397,7 +7397,7 @@
           <a:blip r:embed="rId10" cstate="print">
             <a:extLst>
               <a:ext uri="{BEBA8EAE-BF5A-486C-A8C5-ECC9F3942E4B}">
-                <a14:imgProps xmlns="" xmlns:a14="http://schemas.microsoft.com/office/drawing/2010/main">
+                <a14:imgProps xmlns:a14="http://schemas.microsoft.com/office/drawing/2010/main" xmlns="">
                   <a14:imgLayer r:embed="rId16">
                     <a14:imgEffect>
                       <a14:saturation sat="0"/>
@@ -7406,7 +7406,7 @@
                 </a14:imgProps>
               </a:ext>
               <a:ext uri="{28A0092B-C50C-407E-A947-70E740481C1C}">
-                <a14:useLocalDpi xmlns="" xmlns:a14="http://schemas.microsoft.com/office/drawing/2010/main" val="0"/>
+                <a14:useLocalDpi xmlns:a14="http://schemas.microsoft.com/office/drawing/2010/main" xmlns="" val="0"/>
               </a:ext>
             </a:extLst>
           </a:blip>
@@ -7443,7 +7443,7 @@
             </a:duotone>
             <a:extLst>
               <a:ext uri="{28A0092B-C50C-407E-A947-70E740481C1C}">
-                <a14:useLocalDpi xmlns="" xmlns:a14="http://schemas.microsoft.com/office/drawing/2010/main" val="0"/>
+                <a14:useLocalDpi xmlns:a14="http://schemas.microsoft.com/office/drawing/2010/main" xmlns="" val="0"/>
               </a:ext>
             </a:extLst>
           </a:blip>
@@ -7480,7 +7480,7 @@
             </a:duotone>
             <a:extLst>
               <a:ext uri="{28A0092B-C50C-407E-A947-70E740481C1C}">
-                <a14:useLocalDpi xmlns="" xmlns:a14="http://schemas.microsoft.com/office/drawing/2010/main" val="0"/>
+                <a14:useLocalDpi xmlns:a14="http://schemas.microsoft.com/office/drawing/2010/main" xmlns="" val="0"/>
               </a:ext>
             </a:extLst>
           </a:blip>
@@ -7517,7 +7517,7 @@
             </a:duotone>
             <a:extLst>
               <a:ext uri="{28A0092B-C50C-407E-A947-70E740481C1C}">
-                <a14:useLocalDpi xmlns="" xmlns:a14="http://schemas.microsoft.com/office/drawing/2010/main" val="0"/>
+                <a14:useLocalDpi xmlns:a14="http://schemas.microsoft.com/office/drawing/2010/main" xmlns="" val="0"/>
               </a:ext>
             </a:extLst>
           </a:blip>
@@ -7554,7 +7554,7 @@
             </a:duotone>
             <a:extLst>
               <a:ext uri="{28A0092B-C50C-407E-A947-70E740481C1C}">
-                <a14:useLocalDpi xmlns="" xmlns:a14="http://schemas.microsoft.com/office/drawing/2010/main" val="0"/>
+                <a14:useLocalDpi xmlns:a14="http://schemas.microsoft.com/office/drawing/2010/main" xmlns="" val="0"/>
               </a:ext>
             </a:extLst>
           </a:blip>
@@ -7591,7 +7591,7 @@
             </a:duotone>
             <a:extLst>
               <a:ext uri="{28A0092B-C50C-407E-A947-70E740481C1C}">
-                <a14:useLocalDpi xmlns="" xmlns:a14="http://schemas.microsoft.com/office/drawing/2010/main" val="0"/>
+                <a14:useLocalDpi xmlns:a14="http://schemas.microsoft.com/office/drawing/2010/main" xmlns="" val="0"/>
               </a:ext>
             </a:extLst>
           </a:blip>
@@ -7628,7 +7628,7 @@
             </a:duotone>
             <a:extLst>
               <a:ext uri="{28A0092B-C50C-407E-A947-70E740481C1C}">
-                <a14:useLocalDpi xmlns="" xmlns:a14="http://schemas.microsoft.com/office/drawing/2010/main" val="0"/>
+                <a14:useLocalDpi xmlns:a14="http://schemas.microsoft.com/office/drawing/2010/main" xmlns="" val="0"/>
               </a:ext>
             </a:extLst>
           </a:blip>
@@ -7658,7 +7658,7 @@
           <a:blip r:embed="rId18" cstate="print">
             <a:extLst>
               <a:ext uri="{28A0092B-C50C-407E-A947-70E740481C1C}">
-                <a14:useLocalDpi xmlns="" xmlns:a14="http://schemas.microsoft.com/office/drawing/2010/main" val="0"/>
+                <a14:useLocalDpi xmlns:a14="http://schemas.microsoft.com/office/drawing/2010/main" xmlns="" val="0"/>
               </a:ext>
             </a:extLst>
           </a:blip>
@@ -7695,7 +7695,7 @@
             </a:duotone>
             <a:extLst>
               <a:ext uri="{28A0092B-C50C-407E-A947-70E740481C1C}">
-                <a14:useLocalDpi xmlns="" xmlns:a14="http://schemas.microsoft.com/office/drawing/2010/main" val="0"/>
+                <a14:useLocalDpi xmlns:a14="http://schemas.microsoft.com/office/drawing/2010/main" xmlns="" val="0"/>
               </a:ext>
             </a:extLst>
           </a:blip>
@@ -7732,7 +7732,7 @@
             </a:duotone>
             <a:extLst>
               <a:ext uri="{28A0092B-C50C-407E-A947-70E740481C1C}">
-                <a14:useLocalDpi xmlns="" xmlns:a14="http://schemas.microsoft.com/office/drawing/2010/main" val="0"/>
+                <a14:useLocalDpi xmlns:a14="http://schemas.microsoft.com/office/drawing/2010/main" xmlns="" val="0"/>
               </a:ext>
             </a:extLst>
           </a:blip>
@@ -7762,7 +7762,7 @@
           <a:blip r:embed="rId17" cstate="print">
             <a:extLst>
               <a:ext uri="{28A0092B-C50C-407E-A947-70E740481C1C}">
-                <a14:useLocalDpi xmlns="" xmlns:a14="http://schemas.microsoft.com/office/drawing/2010/main" val="0"/>
+                <a14:useLocalDpi xmlns:a14="http://schemas.microsoft.com/office/drawing/2010/main" xmlns="" val="0"/>
               </a:ext>
             </a:extLst>
           </a:blip>
@@ -7799,7 +7799,7 @@
             </a:duotone>
             <a:extLst>
               <a:ext uri="{28A0092B-C50C-407E-A947-70E740481C1C}">
-                <a14:useLocalDpi xmlns="" xmlns:a14="http://schemas.microsoft.com/office/drawing/2010/main" val="0"/>
+                <a14:useLocalDpi xmlns:a14="http://schemas.microsoft.com/office/drawing/2010/main" xmlns="" val="0"/>
               </a:ext>
             </a:extLst>
           </a:blip>
@@ -7836,7 +7836,7 @@
             </a:duotone>
             <a:extLst>
               <a:ext uri="{28A0092B-C50C-407E-A947-70E740481C1C}">
-                <a14:useLocalDpi xmlns="" xmlns:a14="http://schemas.microsoft.com/office/drawing/2010/main" val="0"/>
+                <a14:useLocalDpi xmlns:a14="http://schemas.microsoft.com/office/drawing/2010/main" xmlns="" val="0"/>
               </a:ext>
             </a:extLst>
           </a:blip>
@@ -7873,7 +7873,7 @@
             </a:duotone>
             <a:extLst>
               <a:ext uri="{28A0092B-C50C-407E-A947-70E740481C1C}">
-                <a14:useLocalDpi xmlns="" xmlns:a14="http://schemas.microsoft.com/office/drawing/2010/main" val="0"/>
+                <a14:useLocalDpi xmlns:a14="http://schemas.microsoft.com/office/drawing/2010/main" xmlns="" val="0"/>
               </a:ext>
             </a:extLst>
           </a:blip>
@@ -7910,7 +7910,7 @@
             </a:duotone>
             <a:extLst>
               <a:ext uri="{28A0092B-C50C-407E-A947-70E740481C1C}">
-                <a14:useLocalDpi xmlns="" xmlns:a14="http://schemas.microsoft.com/office/drawing/2010/main" val="0"/>
+                <a14:useLocalDpi xmlns:a14="http://schemas.microsoft.com/office/drawing/2010/main" xmlns="" val="0"/>
               </a:ext>
             </a:extLst>
           </a:blip>
@@ -7947,7 +7947,7 @@
             </a:duotone>
             <a:extLst>
               <a:ext uri="{28A0092B-C50C-407E-A947-70E740481C1C}">
-                <a14:useLocalDpi xmlns="" xmlns:a14="http://schemas.microsoft.com/office/drawing/2010/main" val="0"/>
+                <a14:useLocalDpi xmlns:a14="http://schemas.microsoft.com/office/drawing/2010/main" xmlns="" val="0"/>
               </a:ext>
             </a:extLst>
           </a:blip>
@@ -7984,7 +7984,7 @@
             </a:duotone>
             <a:extLst>
               <a:ext uri="{28A0092B-C50C-407E-A947-70E740481C1C}">
-                <a14:useLocalDpi xmlns="" xmlns:a14="http://schemas.microsoft.com/office/drawing/2010/main" val="0"/>
+                <a14:useLocalDpi xmlns:a14="http://schemas.microsoft.com/office/drawing/2010/main" xmlns="" val="0"/>
               </a:ext>
             </a:extLst>
           </a:blip>
@@ -8021,7 +8021,7 @@
             </a:duotone>
             <a:extLst>
               <a:ext uri="{28A0092B-C50C-407E-A947-70E740481C1C}">
-                <a14:useLocalDpi xmlns="" xmlns:a14="http://schemas.microsoft.com/office/drawing/2010/main" val="0"/>
+                <a14:useLocalDpi xmlns:a14="http://schemas.microsoft.com/office/drawing/2010/main" xmlns="" val="0"/>
               </a:ext>
             </a:extLst>
           </a:blip>
@@ -8051,7 +8051,7 @@
           <a:blip r:embed="rId19" cstate="print">
             <a:extLst>
               <a:ext uri="{28A0092B-C50C-407E-A947-70E740481C1C}">
-                <a14:useLocalDpi xmlns="" xmlns:a14="http://schemas.microsoft.com/office/drawing/2010/main" val="0"/>
+                <a14:useLocalDpi xmlns:a14="http://schemas.microsoft.com/office/drawing/2010/main" xmlns="" val="0"/>
               </a:ext>
             </a:extLst>
           </a:blip>
@@ -8088,7 +8088,7 @@
             </a:duotone>
             <a:extLst>
               <a:ext uri="{28A0092B-C50C-407E-A947-70E740481C1C}">
-                <a14:useLocalDpi xmlns="" xmlns:a14="http://schemas.microsoft.com/office/drawing/2010/main" val="0"/>
+                <a14:useLocalDpi xmlns:a14="http://schemas.microsoft.com/office/drawing/2010/main" xmlns="" val="0"/>
               </a:ext>
             </a:extLst>
           </a:blip>
@@ -8125,7 +8125,7 @@
             </a:duotone>
             <a:extLst>
               <a:ext uri="{28A0092B-C50C-407E-A947-70E740481C1C}">
-                <a14:useLocalDpi xmlns="" xmlns:a14="http://schemas.microsoft.com/office/drawing/2010/main" val="0"/>
+                <a14:useLocalDpi xmlns:a14="http://schemas.microsoft.com/office/drawing/2010/main" xmlns="" val="0"/>
               </a:ext>
             </a:extLst>
           </a:blip>
@@ -8162,7 +8162,7 @@
             </a:duotone>
             <a:extLst>
               <a:ext uri="{28A0092B-C50C-407E-A947-70E740481C1C}">
-                <a14:useLocalDpi xmlns="" xmlns:a14="http://schemas.microsoft.com/office/drawing/2010/main" val="0"/>
+                <a14:useLocalDpi xmlns:a14="http://schemas.microsoft.com/office/drawing/2010/main" xmlns="" val="0"/>
               </a:ext>
             </a:extLst>
           </a:blip>
@@ -8199,7 +8199,7 @@
             </a:duotone>
             <a:extLst>
               <a:ext uri="{28A0092B-C50C-407E-A947-70E740481C1C}">
-                <a14:useLocalDpi xmlns="" xmlns:a14="http://schemas.microsoft.com/office/drawing/2010/main" val="0"/>
+                <a14:useLocalDpi xmlns:a14="http://schemas.microsoft.com/office/drawing/2010/main" xmlns="" val="0"/>
               </a:ext>
             </a:extLst>
           </a:blip>
@@ -8236,7 +8236,7 @@
             </a:duotone>
             <a:extLst>
               <a:ext uri="{28A0092B-C50C-407E-A947-70E740481C1C}">
-                <a14:useLocalDpi xmlns="" xmlns:a14="http://schemas.microsoft.com/office/drawing/2010/main" val="0"/>
+                <a14:useLocalDpi xmlns:a14="http://schemas.microsoft.com/office/drawing/2010/main" xmlns="" val="0"/>
               </a:ext>
             </a:extLst>
           </a:blip>
@@ -8297,7 +8297,7 @@
           <a:blip r:embed="rId17" cstate="print">
             <a:extLst>
               <a:ext uri="{28A0092B-C50C-407E-A947-70E740481C1C}">
-                <a14:useLocalDpi xmlns="" xmlns:a14="http://schemas.microsoft.com/office/drawing/2010/main" val="0"/>
+                <a14:useLocalDpi xmlns:a14="http://schemas.microsoft.com/office/drawing/2010/main" xmlns="" val="0"/>
               </a:ext>
             </a:extLst>
           </a:blip>
@@ -8365,7 +8365,7 @@
           <a:blip r:embed="rId5" cstate="print">
             <a:extLst>
               <a:ext uri="{28A0092B-C50C-407E-A947-70E740481C1C}">
-                <a14:useLocalDpi xmlns="" xmlns:a14="http://schemas.microsoft.com/office/drawing/2010/main" val="0"/>
+                <a14:useLocalDpi xmlns:a14="http://schemas.microsoft.com/office/drawing/2010/main" xmlns="" val="0"/>
               </a:ext>
             </a:extLst>
           </a:blip>
@@ -8470,7 +8470,7 @@
     </p:spTree>
     <p:extLst>
       <p:ext uri="{BB962C8B-B14F-4D97-AF65-F5344CB8AC3E}">
-        <p14:creationId xmlns="" xmlns:p14="http://schemas.microsoft.com/office/powerpoint/2010/main" val="2163611856"/>
+        <p14:creationId xmlns:p14="http://schemas.microsoft.com/office/powerpoint/2010/main" xmlns="" val="2163611856"/>
       </p:ext>
     </p:extLst>
   </p:cSld>
@@ -8516,7 +8516,7 @@
           <a:blip r:embed="rId3" cstate="print">
             <a:extLst>
               <a:ext uri="{28A0092B-C50C-407E-A947-70E740481C1C}">
-                <a14:useLocalDpi xmlns="" xmlns:a14="http://schemas.microsoft.com/office/drawing/2010/main" val="0"/>
+                <a14:useLocalDpi xmlns:a14="http://schemas.microsoft.com/office/drawing/2010/main" xmlns="" val="0"/>
               </a:ext>
             </a:extLst>
           </a:blip>
@@ -8546,7 +8546,7 @@
           <a:blip r:embed="rId4" cstate="print">
             <a:extLst>
               <a:ext uri="{28A0092B-C50C-407E-A947-70E740481C1C}">
-                <a14:useLocalDpi xmlns="" xmlns:a14="http://schemas.microsoft.com/office/drawing/2010/main" val="0"/>
+                <a14:useLocalDpi xmlns:a14="http://schemas.microsoft.com/office/drawing/2010/main" xmlns="" val="0"/>
               </a:ext>
             </a:extLst>
           </a:blip>
@@ -8576,7 +8576,7 @@
           <a:blip r:embed="rId5" cstate="print">
             <a:extLst>
               <a:ext uri="{28A0092B-C50C-407E-A947-70E740481C1C}">
-                <a14:useLocalDpi xmlns="" xmlns:a14="http://schemas.microsoft.com/office/drawing/2010/main" val="0"/>
+                <a14:useLocalDpi xmlns:a14="http://schemas.microsoft.com/office/drawing/2010/main" xmlns="" val="0"/>
               </a:ext>
             </a:extLst>
           </a:blip>
@@ -8606,7 +8606,7 @@
           <a:blip r:embed="rId6" cstate="print">
             <a:extLst>
               <a:ext uri="{28A0092B-C50C-407E-A947-70E740481C1C}">
-                <a14:useLocalDpi xmlns="" xmlns:a14="http://schemas.microsoft.com/office/drawing/2010/main" val="0"/>
+                <a14:useLocalDpi xmlns:a14="http://schemas.microsoft.com/office/drawing/2010/main" xmlns="" val="0"/>
               </a:ext>
             </a:extLst>
           </a:blip>
@@ -8643,7 +8643,7 @@
             </a:duotone>
             <a:extLst>
               <a:ext uri="{28A0092B-C50C-407E-A947-70E740481C1C}">
-                <a14:useLocalDpi xmlns="" xmlns:a14="http://schemas.microsoft.com/office/drawing/2010/main" val="0"/>
+                <a14:useLocalDpi xmlns:a14="http://schemas.microsoft.com/office/drawing/2010/main" xmlns="" val="0"/>
               </a:ext>
             </a:extLst>
           </a:blip>
@@ -8680,7 +8680,7 @@
             </a:duotone>
             <a:extLst>
               <a:ext uri="{28A0092B-C50C-407E-A947-70E740481C1C}">
-                <a14:useLocalDpi xmlns="" xmlns:a14="http://schemas.microsoft.com/office/drawing/2010/main" val="0"/>
+                <a14:useLocalDpi xmlns:a14="http://schemas.microsoft.com/office/drawing/2010/main" xmlns="" val="0"/>
               </a:ext>
             </a:extLst>
           </a:blip>
@@ -8717,7 +8717,7 @@
             </a:duotone>
             <a:extLst>
               <a:ext uri="{28A0092B-C50C-407E-A947-70E740481C1C}">
-                <a14:useLocalDpi xmlns="" xmlns:a14="http://schemas.microsoft.com/office/drawing/2010/main" val="0"/>
+                <a14:useLocalDpi xmlns:a14="http://schemas.microsoft.com/office/drawing/2010/main" xmlns="" val="0"/>
               </a:ext>
             </a:extLst>
           </a:blip>
@@ -8754,7 +8754,7 @@
             </a:duotone>
             <a:extLst>
               <a:ext uri="{28A0092B-C50C-407E-A947-70E740481C1C}">
-                <a14:useLocalDpi xmlns="" xmlns:a14="http://schemas.microsoft.com/office/drawing/2010/main" val="0"/>
+                <a14:useLocalDpi xmlns:a14="http://schemas.microsoft.com/office/drawing/2010/main" xmlns="" val="0"/>
               </a:ext>
             </a:extLst>
           </a:blip>
@@ -8791,7 +8791,7 @@
             </a:duotone>
             <a:extLst>
               <a:ext uri="{28A0092B-C50C-407E-A947-70E740481C1C}">
-                <a14:useLocalDpi xmlns="" xmlns:a14="http://schemas.microsoft.com/office/drawing/2010/main" val="0"/>
+                <a14:useLocalDpi xmlns:a14="http://schemas.microsoft.com/office/drawing/2010/main" xmlns="" val="0"/>
               </a:ext>
             </a:extLst>
           </a:blip>
@@ -8828,7 +8828,7 @@
             </a:duotone>
             <a:extLst>
               <a:ext uri="{28A0092B-C50C-407E-A947-70E740481C1C}">
-                <a14:useLocalDpi xmlns="" xmlns:a14="http://schemas.microsoft.com/office/drawing/2010/main" val="0"/>
+                <a14:useLocalDpi xmlns:a14="http://schemas.microsoft.com/office/drawing/2010/main" xmlns="" val="0"/>
               </a:ext>
             </a:extLst>
           </a:blip>
@@ -8865,7 +8865,7 @@
             </a:duotone>
             <a:extLst>
               <a:ext uri="{28A0092B-C50C-407E-A947-70E740481C1C}">
-                <a14:useLocalDpi xmlns="" xmlns:a14="http://schemas.microsoft.com/office/drawing/2010/main" val="0"/>
+                <a14:useLocalDpi xmlns:a14="http://schemas.microsoft.com/office/drawing/2010/main" xmlns="" val="0"/>
               </a:ext>
             </a:extLst>
           </a:blip>
@@ -8902,7 +8902,7 @@
             </a:duotone>
             <a:extLst>
               <a:ext uri="{28A0092B-C50C-407E-A947-70E740481C1C}">
-                <a14:useLocalDpi xmlns="" xmlns:a14="http://schemas.microsoft.com/office/drawing/2010/main" val="0"/>
+                <a14:useLocalDpi xmlns:a14="http://schemas.microsoft.com/office/drawing/2010/main" xmlns="" val="0"/>
               </a:ext>
             </a:extLst>
           </a:blip>
@@ -8939,7 +8939,7 @@
             </a:duotone>
             <a:extLst>
               <a:ext uri="{28A0092B-C50C-407E-A947-70E740481C1C}">
-                <a14:useLocalDpi xmlns="" xmlns:a14="http://schemas.microsoft.com/office/drawing/2010/main" val="0"/>
+                <a14:useLocalDpi xmlns:a14="http://schemas.microsoft.com/office/drawing/2010/main" xmlns="" val="0"/>
               </a:ext>
             </a:extLst>
           </a:blip>
@@ -8976,7 +8976,7 @@
             </a:duotone>
             <a:extLst>
               <a:ext uri="{28A0092B-C50C-407E-A947-70E740481C1C}">
-                <a14:useLocalDpi xmlns="" xmlns:a14="http://schemas.microsoft.com/office/drawing/2010/main" val="0"/>
+                <a14:useLocalDpi xmlns:a14="http://schemas.microsoft.com/office/drawing/2010/main" xmlns="" val="0"/>
               </a:ext>
             </a:extLst>
           </a:blip>
@@ -9013,7 +9013,7 @@
             </a:duotone>
             <a:extLst>
               <a:ext uri="{28A0092B-C50C-407E-A947-70E740481C1C}">
-                <a14:useLocalDpi xmlns="" xmlns:a14="http://schemas.microsoft.com/office/drawing/2010/main" val="0"/>
+                <a14:useLocalDpi xmlns:a14="http://schemas.microsoft.com/office/drawing/2010/main" xmlns="" val="0"/>
               </a:ext>
             </a:extLst>
           </a:blip>
@@ -9050,7 +9050,7 @@
             </a:duotone>
             <a:extLst>
               <a:ext uri="{28A0092B-C50C-407E-A947-70E740481C1C}">
-                <a14:useLocalDpi xmlns="" xmlns:a14="http://schemas.microsoft.com/office/drawing/2010/main" val="0"/>
+                <a14:useLocalDpi xmlns:a14="http://schemas.microsoft.com/office/drawing/2010/main" xmlns="" val="0"/>
               </a:ext>
             </a:extLst>
           </a:blip>
@@ -9087,7 +9087,7 @@
             </a:duotone>
             <a:extLst>
               <a:ext uri="{28A0092B-C50C-407E-A947-70E740481C1C}">
-                <a14:useLocalDpi xmlns="" xmlns:a14="http://schemas.microsoft.com/office/drawing/2010/main" val="0"/>
+                <a14:useLocalDpi xmlns:a14="http://schemas.microsoft.com/office/drawing/2010/main" xmlns="" val="0"/>
               </a:ext>
             </a:extLst>
           </a:blip>
@@ -9124,7 +9124,7 @@
             </a:duotone>
             <a:extLst>
               <a:ext uri="{28A0092B-C50C-407E-A947-70E740481C1C}">
-                <a14:useLocalDpi xmlns="" xmlns:a14="http://schemas.microsoft.com/office/drawing/2010/main" val="0"/>
+                <a14:useLocalDpi xmlns:a14="http://schemas.microsoft.com/office/drawing/2010/main" xmlns="" val="0"/>
               </a:ext>
             </a:extLst>
           </a:blip>
@@ -9161,7 +9161,7 @@
             </a:duotone>
             <a:extLst>
               <a:ext uri="{28A0092B-C50C-407E-A947-70E740481C1C}">
-                <a14:useLocalDpi xmlns="" xmlns:a14="http://schemas.microsoft.com/office/drawing/2010/main" val="0"/>
+                <a14:useLocalDpi xmlns:a14="http://schemas.microsoft.com/office/drawing/2010/main" xmlns="" val="0"/>
               </a:ext>
             </a:extLst>
           </a:blip>
@@ -9191,7 +9191,7 @@
           <a:blip r:embed="rId7" cstate="print">
             <a:extLst>
               <a:ext uri="{28A0092B-C50C-407E-A947-70E740481C1C}">
-                <a14:useLocalDpi xmlns="" xmlns:a14="http://schemas.microsoft.com/office/drawing/2010/main" val="0"/>
+                <a14:useLocalDpi xmlns:a14="http://schemas.microsoft.com/office/drawing/2010/main" xmlns="" val="0"/>
               </a:ext>
             </a:extLst>
           </a:blip>
@@ -9221,7 +9221,7 @@
           <a:blip r:embed="rId8" cstate="print">
             <a:extLst>
               <a:ext uri="{28A0092B-C50C-407E-A947-70E740481C1C}">
-                <a14:useLocalDpi xmlns="" xmlns:a14="http://schemas.microsoft.com/office/drawing/2010/main" val="0"/>
+                <a14:useLocalDpi xmlns:a14="http://schemas.microsoft.com/office/drawing/2010/main" xmlns="" val="0"/>
               </a:ext>
             </a:extLst>
           </a:blip>
@@ -9251,7 +9251,7 @@
           <a:blip r:embed="rId9" cstate="print">
             <a:extLst>
               <a:ext uri="{28A0092B-C50C-407E-A947-70E740481C1C}">
-                <a14:useLocalDpi xmlns="" xmlns:a14="http://schemas.microsoft.com/office/drawing/2010/main" val="0"/>
+                <a14:useLocalDpi xmlns:a14="http://schemas.microsoft.com/office/drawing/2010/main" xmlns="" val="0"/>
               </a:ext>
             </a:extLst>
           </a:blip>
@@ -9288,7 +9288,7 @@
             </a:duotone>
             <a:extLst>
               <a:ext uri="{28A0092B-C50C-407E-A947-70E740481C1C}">
-                <a14:useLocalDpi xmlns="" xmlns:a14="http://schemas.microsoft.com/office/drawing/2010/main" val="0"/>
+                <a14:useLocalDpi xmlns:a14="http://schemas.microsoft.com/office/drawing/2010/main" xmlns="" val="0"/>
               </a:ext>
             </a:extLst>
           </a:blip>
@@ -9325,7 +9325,7 @@
             </a:duotone>
             <a:extLst>
               <a:ext uri="{28A0092B-C50C-407E-A947-70E740481C1C}">
-                <a14:useLocalDpi xmlns="" xmlns:a14="http://schemas.microsoft.com/office/drawing/2010/main" val="0"/>
+                <a14:useLocalDpi xmlns:a14="http://schemas.microsoft.com/office/drawing/2010/main" xmlns="" val="0"/>
               </a:ext>
             </a:extLst>
           </a:blip>
@@ -9362,7 +9362,7 @@
             </a:duotone>
             <a:extLst>
               <a:ext uri="{28A0092B-C50C-407E-A947-70E740481C1C}">
-                <a14:useLocalDpi xmlns="" xmlns:a14="http://schemas.microsoft.com/office/drawing/2010/main" val="0"/>
+                <a14:useLocalDpi xmlns:a14="http://schemas.microsoft.com/office/drawing/2010/main" xmlns="" val="0"/>
               </a:ext>
             </a:extLst>
           </a:blip>
@@ -9399,7 +9399,7 @@
             </a:duotone>
             <a:extLst>
               <a:ext uri="{28A0092B-C50C-407E-A947-70E740481C1C}">
-                <a14:useLocalDpi xmlns="" xmlns:a14="http://schemas.microsoft.com/office/drawing/2010/main" val="0"/>
+                <a14:useLocalDpi xmlns:a14="http://schemas.microsoft.com/office/drawing/2010/main" xmlns="" val="0"/>
               </a:ext>
             </a:extLst>
           </a:blip>
@@ -9436,7 +9436,7 @@
             </a:duotone>
             <a:extLst>
               <a:ext uri="{28A0092B-C50C-407E-A947-70E740481C1C}">
-                <a14:useLocalDpi xmlns="" xmlns:a14="http://schemas.microsoft.com/office/drawing/2010/main" val="0"/>
+                <a14:useLocalDpi xmlns:a14="http://schemas.microsoft.com/office/drawing/2010/main" xmlns="" val="0"/>
               </a:ext>
             </a:extLst>
           </a:blip>
@@ -9473,7 +9473,7 @@
             </a:duotone>
             <a:extLst>
               <a:ext uri="{28A0092B-C50C-407E-A947-70E740481C1C}">
-                <a14:useLocalDpi xmlns="" xmlns:a14="http://schemas.microsoft.com/office/drawing/2010/main" val="0"/>
+                <a14:useLocalDpi xmlns:a14="http://schemas.microsoft.com/office/drawing/2010/main" xmlns="" val="0"/>
               </a:ext>
             </a:extLst>
           </a:blip>
@@ -9510,7 +9510,7 @@
             </a:duotone>
             <a:extLst>
               <a:ext uri="{28A0092B-C50C-407E-A947-70E740481C1C}">
-                <a14:useLocalDpi xmlns="" xmlns:a14="http://schemas.microsoft.com/office/drawing/2010/main" val="0"/>
+                <a14:useLocalDpi xmlns:a14="http://schemas.microsoft.com/office/drawing/2010/main" xmlns="" val="0"/>
               </a:ext>
             </a:extLst>
           </a:blip>
@@ -9547,7 +9547,7 @@
             </a:duotone>
             <a:extLst>
               <a:ext uri="{28A0092B-C50C-407E-A947-70E740481C1C}">
-                <a14:useLocalDpi xmlns="" xmlns:a14="http://schemas.microsoft.com/office/drawing/2010/main" val="0"/>
+                <a14:useLocalDpi xmlns:a14="http://schemas.microsoft.com/office/drawing/2010/main" xmlns="" val="0"/>
               </a:ext>
             </a:extLst>
           </a:blip>
@@ -9584,7 +9584,7 @@
             </a:duotone>
             <a:extLst>
               <a:ext uri="{28A0092B-C50C-407E-A947-70E740481C1C}">
-                <a14:useLocalDpi xmlns="" xmlns:a14="http://schemas.microsoft.com/office/drawing/2010/main" val="0"/>
+                <a14:useLocalDpi xmlns:a14="http://schemas.microsoft.com/office/drawing/2010/main" xmlns="" val="0"/>
               </a:ext>
             </a:extLst>
           </a:blip>
@@ -9621,7 +9621,7 @@
             </a:duotone>
             <a:extLst>
               <a:ext uri="{28A0092B-C50C-407E-A947-70E740481C1C}">
-                <a14:useLocalDpi xmlns="" xmlns:a14="http://schemas.microsoft.com/office/drawing/2010/main" val="0"/>
+                <a14:useLocalDpi xmlns:a14="http://schemas.microsoft.com/office/drawing/2010/main" xmlns="" val="0"/>
               </a:ext>
             </a:extLst>
           </a:blip>
@@ -9658,7 +9658,7 @@
             </a:duotone>
             <a:extLst>
               <a:ext uri="{28A0092B-C50C-407E-A947-70E740481C1C}">
-                <a14:useLocalDpi xmlns="" xmlns:a14="http://schemas.microsoft.com/office/drawing/2010/main" val="0"/>
+                <a14:useLocalDpi xmlns:a14="http://schemas.microsoft.com/office/drawing/2010/main" xmlns="" val="0"/>
               </a:ext>
             </a:extLst>
           </a:blip>
@@ -9695,7 +9695,7 @@
             </a:duotone>
             <a:extLst>
               <a:ext uri="{28A0092B-C50C-407E-A947-70E740481C1C}">
-                <a14:useLocalDpi xmlns="" xmlns:a14="http://schemas.microsoft.com/office/drawing/2010/main" val="0"/>
+                <a14:useLocalDpi xmlns:a14="http://schemas.microsoft.com/office/drawing/2010/main" xmlns="" val="0"/>
               </a:ext>
             </a:extLst>
           </a:blip>
@@ -9732,7 +9732,7 @@
             </a:duotone>
             <a:extLst>
               <a:ext uri="{28A0092B-C50C-407E-A947-70E740481C1C}">
-                <a14:useLocalDpi xmlns="" xmlns:a14="http://schemas.microsoft.com/office/drawing/2010/main" val="0"/>
+                <a14:useLocalDpi xmlns:a14="http://schemas.microsoft.com/office/drawing/2010/main" xmlns="" val="0"/>
               </a:ext>
             </a:extLst>
           </a:blip>
@@ -9769,7 +9769,7 @@
             </a:duotone>
             <a:extLst>
               <a:ext uri="{28A0092B-C50C-407E-A947-70E740481C1C}">
-                <a14:useLocalDpi xmlns="" xmlns:a14="http://schemas.microsoft.com/office/drawing/2010/main" val="0"/>
+                <a14:useLocalDpi xmlns:a14="http://schemas.microsoft.com/office/drawing/2010/main" xmlns="" val="0"/>
               </a:ext>
             </a:extLst>
           </a:blip>
@@ -9806,7 +9806,7 @@
             </a:duotone>
             <a:extLst>
               <a:ext uri="{28A0092B-C50C-407E-A947-70E740481C1C}">
-                <a14:useLocalDpi xmlns="" xmlns:a14="http://schemas.microsoft.com/office/drawing/2010/main" val="0"/>
+                <a14:useLocalDpi xmlns:a14="http://schemas.microsoft.com/office/drawing/2010/main" xmlns="" val="0"/>
               </a:ext>
             </a:extLst>
           </a:blip>
@@ -9836,7 +9836,7 @@
           <a:blip r:embed="rId10" cstate="print">
             <a:extLst>
               <a:ext uri="{BEBA8EAE-BF5A-486C-A8C5-ECC9F3942E4B}">
-                <a14:imgProps xmlns="" xmlns:a14="http://schemas.microsoft.com/office/drawing/2010/main">
+                <a14:imgProps xmlns:a14="http://schemas.microsoft.com/office/drawing/2010/main" xmlns="">
                   <a14:imgLayer r:embed="rId16">
                     <a14:imgEffect>
                       <a14:saturation sat="0"/>
@@ -9845,7 +9845,7 @@
                 </a14:imgProps>
               </a:ext>
               <a:ext uri="{28A0092B-C50C-407E-A947-70E740481C1C}">
-                <a14:useLocalDpi xmlns="" xmlns:a14="http://schemas.microsoft.com/office/drawing/2010/main" val="0"/>
+                <a14:useLocalDpi xmlns:a14="http://schemas.microsoft.com/office/drawing/2010/main" xmlns="" val="0"/>
               </a:ext>
             </a:extLst>
           </a:blip>
@@ -9882,7 +9882,7 @@
             </a:duotone>
             <a:extLst>
               <a:ext uri="{28A0092B-C50C-407E-A947-70E740481C1C}">
-                <a14:useLocalDpi xmlns="" xmlns:a14="http://schemas.microsoft.com/office/drawing/2010/main" val="0"/>
+                <a14:useLocalDpi xmlns:a14="http://schemas.microsoft.com/office/drawing/2010/main" xmlns="" val="0"/>
               </a:ext>
             </a:extLst>
           </a:blip>
@@ -9919,7 +9919,7 @@
             </a:duotone>
             <a:extLst>
               <a:ext uri="{28A0092B-C50C-407E-A947-70E740481C1C}">
-                <a14:useLocalDpi xmlns="" xmlns:a14="http://schemas.microsoft.com/office/drawing/2010/main" val="0"/>
+                <a14:useLocalDpi xmlns:a14="http://schemas.microsoft.com/office/drawing/2010/main" xmlns="" val="0"/>
               </a:ext>
             </a:extLst>
           </a:blip>
@@ -9956,7 +9956,7 @@
             </a:duotone>
             <a:extLst>
               <a:ext uri="{28A0092B-C50C-407E-A947-70E740481C1C}">
-                <a14:useLocalDpi xmlns="" xmlns:a14="http://schemas.microsoft.com/office/drawing/2010/main" val="0"/>
+                <a14:useLocalDpi xmlns:a14="http://schemas.microsoft.com/office/drawing/2010/main" xmlns="" val="0"/>
               </a:ext>
             </a:extLst>
           </a:blip>
@@ -9993,7 +9993,7 @@
             </a:duotone>
             <a:extLst>
               <a:ext uri="{28A0092B-C50C-407E-A947-70E740481C1C}">
-                <a14:useLocalDpi xmlns="" xmlns:a14="http://schemas.microsoft.com/office/drawing/2010/main" val="0"/>
+                <a14:useLocalDpi xmlns:a14="http://schemas.microsoft.com/office/drawing/2010/main" xmlns="" val="0"/>
               </a:ext>
             </a:extLst>
           </a:blip>
@@ -10030,7 +10030,7 @@
             </a:duotone>
             <a:extLst>
               <a:ext uri="{28A0092B-C50C-407E-A947-70E740481C1C}">
-                <a14:useLocalDpi xmlns="" xmlns:a14="http://schemas.microsoft.com/office/drawing/2010/main" val="0"/>
+                <a14:useLocalDpi xmlns:a14="http://schemas.microsoft.com/office/drawing/2010/main" xmlns="" val="0"/>
               </a:ext>
             </a:extLst>
           </a:blip>
@@ -10067,7 +10067,7 @@
             </a:duotone>
             <a:extLst>
               <a:ext uri="{28A0092B-C50C-407E-A947-70E740481C1C}">
-                <a14:useLocalDpi xmlns="" xmlns:a14="http://schemas.microsoft.com/office/drawing/2010/main" val="0"/>
+                <a14:useLocalDpi xmlns:a14="http://schemas.microsoft.com/office/drawing/2010/main" xmlns="" val="0"/>
               </a:ext>
             </a:extLst>
           </a:blip>
@@ -10097,7 +10097,7 @@
           <a:blip r:embed="rId18" cstate="print">
             <a:extLst>
               <a:ext uri="{28A0092B-C50C-407E-A947-70E740481C1C}">
-                <a14:useLocalDpi xmlns="" xmlns:a14="http://schemas.microsoft.com/office/drawing/2010/main" val="0"/>
+                <a14:useLocalDpi xmlns:a14="http://schemas.microsoft.com/office/drawing/2010/main" xmlns="" val="0"/>
               </a:ext>
             </a:extLst>
           </a:blip>
@@ -10134,7 +10134,7 @@
             </a:duotone>
             <a:extLst>
               <a:ext uri="{28A0092B-C50C-407E-A947-70E740481C1C}">
-                <a14:useLocalDpi xmlns="" xmlns:a14="http://schemas.microsoft.com/office/drawing/2010/main" val="0"/>
+                <a14:useLocalDpi xmlns:a14="http://schemas.microsoft.com/office/drawing/2010/main" xmlns="" val="0"/>
               </a:ext>
             </a:extLst>
           </a:blip>
@@ -10171,7 +10171,7 @@
             </a:duotone>
             <a:extLst>
               <a:ext uri="{28A0092B-C50C-407E-A947-70E740481C1C}">
-                <a14:useLocalDpi xmlns="" xmlns:a14="http://schemas.microsoft.com/office/drawing/2010/main" val="0"/>
+                <a14:useLocalDpi xmlns:a14="http://schemas.microsoft.com/office/drawing/2010/main" xmlns="" val="0"/>
               </a:ext>
             </a:extLst>
           </a:blip>
@@ -10201,7 +10201,7 @@
           <a:blip r:embed="rId17" cstate="print">
             <a:extLst>
               <a:ext uri="{28A0092B-C50C-407E-A947-70E740481C1C}">
-                <a14:useLocalDpi xmlns="" xmlns:a14="http://schemas.microsoft.com/office/drawing/2010/main" val="0"/>
+                <a14:useLocalDpi xmlns:a14="http://schemas.microsoft.com/office/drawing/2010/main" xmlns="" val="0"/>
               </a:ext>
             </a:extLst>
           </a:blip>
@@ -10238,7 +10238,7 @@
             </a:duotone>
             <a:extLst>
               <a:ext uri="{28A0092B-C50C-407E-A947-70E740481C1C}">
-                <a14:useLocalDpi xmlns="" xmlns:a14="http://schemas.microsoft.com/office/drawing/2010/main" val="0"/>
+                <a14:useLocalDpi xmlns:a14="http://schemas.microsoft.com/office/drawing/2010/main" xmlns="" val="0"/>
               </a:ext>
             </a:extLst>
           </a:blip>
@@ -10275,7 +10275,7 @@
             </a:duotone>
             <a:extLst>
               <a:ext uri="{28A0092B-C50C-407E-A947-70E740481C1C}">
-                <a14:useLocalDpi xmlns="" xmlns:a14="http://schemas.microsoft.com/office/drawing/2010/main" val="0"/>
+                <a14:useLocalDpi xmlns:a14="http://schemas.microsoft.com/office/drawing/2010/main" xmlns="" val="0"/>
               </a:ext>
             </a:extLst>
           </a:blip>
@@ -10312,7 +10312,7 @@
             </a:duotone>
             <a:extLst>
               <a:ext uri="{28A0092B-C50C-407E-A947-70E740481C1C}">
-                <a14:useLocalDpi xmlns="" xmlns:a14="http://schemas.microsoft.com/office/drawing/2010/main" val="0"/>
+                <a14:useLocalDpi xmlns:a14="http://schemas.microsoft.com/office/drawing/2010/main" xmlns="" val="0"/>
               </a:ext>
             </a:extLst>
           </a:blip>
@@ -10349,7 +10349,7 @@
             </a:duotone>
             <a:extLst>
               <a:ext uri="{28A0092B-C50C-407E-A947-70E740481C1C}">
-                <a14:useLocalDpi xmlns="" xmlns:a14="http://schemas.microsoft.com/office/drawing/2010/main" val="0"/>
+                <a14:useLocalDpi xmlns:a14="http://schemas.microsoft.com/office/drawing/2010/main" xmlns="" val="0"/>
               </a:ext>
             </a:extLst>
           </a:blip>
@@ -10386,7 +10386,7 @@
             </a:duotone>
             <a:extLst>
               <a:ext uri="{28A0092B-C50C-407E-A947-70E740481C1C}">
-                <a14:useLocalDpi xmlns="" xmlns:a14="http://schemas.microsoft.com/office/drawing/2010/main" val="0"/>
+                <a14:useLocalDpi xmlns:a14="http://schemas.microsoft.com/office/drawing/2010/main" xmlns="" val="0"/>
               </a:ext>
             </a:extLst>
           </a:blip>
@@ -10423,7 +10423,7 @@
             </a:duotone>
             <a:extLst>
               <a:ext uri="{28A0092B-C50C-407E-A947-70E740481C1C}">
-                <a14:useLocalDpi xmlns="" xmlns:a14="http://schemas.microsoft.com/office/drawing/2010/main" val="0"/>
+                <a14:useLocalDpi xmlns:a14="http://schemas.microsoft.com/office/drawing/2010/main" xmlns="" val="0"/>
               </a:ext>
             </a:extLst>
           </a:blip>
@@ -10460,7 +10460,7 @@
             </a:duotone>
             <a:extLst>
               <a:ext uri="{28A0092B-C50C-407E-A947-70E740481C1C}">
-                <a14:useLocalDpi xmlns="" xmlns:a14="http://schemas.microsoft.com/office/drawing/2010/main" val="0"/>
+                <a14:useLocalDpi xmlns:a14="http://schemas.microsoft.com/office/drawing/2010/main" xmlns="" val="0"/>
               </a:ext>
             </a:extLst>
           </a:blip>
@@ -10490,7 +10490,7 @@
           <a:blip r:embed="rId19" cstate="print">
             <a:extLst>
               <a:ext uri="{28A0092B-C50C-407E-A947-70E740481C1C}">
-                <a14:useLocalDpi xmlns="" xmlns:a14="http://schemas.microsoft.com/office/drawing/2010/main" val="0"/>
+                <a14:useLocalDpi xmlns:a14="http://schemas.microsoft.com/office/drawing/2010/main" xmlns="" val="0"/>
               </a:ext>
             </a:extLst>
           </a:blip>
@@ -10527,7 +10527,7 @@
             </a:duotone>
             <a:extLst>
               <a:ext uri="{28A0092B-C50C-407E-A947-70E740481C1C}">
-                <a14:useLocalDpi xmlns="" xmlns:a14="http://schemas.microsoft.com/office/drawing/2010/main" val="0"/>
+                <a14:useLocalDpi xmlns:a14="http://schemas.microsoft.com/office/drawing/2010/main" xmlns="" val="0"/>
               </a:ext>
             </a:extLst>
           </a:blip>
@@ -10564,7 +10564,7 @@
             </a:duotone>
             <a:extLst>
               <a:ext uri="{28A0092B-C50C-407E-A947-70E740481C1C}">
-                <a14:useLocalDpi xmlns="" xmlns:a14="http://schemas.microsoft.com/office/drawing/2010/main" val="0"/>
+                <a14:useLocalDpi xmlns:a14="http://schemas.microsoft.com/office/drawing/2010/main" xmlns="" val="0"/>
               </a:ext>
             </a:extLst>
           </a:blip>
@@ -10601,7 +10601,7 @@
             </a:duotone>
             <a:extLst>
               <a:ext uri="{28A0092B-C50C-407E-A947-70E740481C1C}">
-                <a14:useLocalDpi xmlns="" xmlns:a14="http://schemas.microsoft.com/office/drawing/2010/main" val="0"/>
+                <a14:useLocalDpi xmlns:a14="http://schemas.microsoft.com/office/drawing/2010/main" xmlns="" val="0"/>
               </a:ext>
             </a:extLst>
           </a:blip>
@@ -10638,7 +10638,7 @@
             </a:duotone>
             <a:extLst>
               <a:ext uri="{28A0092B-C50C-407E-A947-70E740481C1C}">
-                <a14:useLocalDpi xmlns="" xmlns:a14="http://schemas.microsoft.com/office/drawing/2010/main" val="0"/>
+                <a14:useLocalDpi xmlns:a14="http://schemas.microsoft.com/office/drawing/2010/main" xmlns="" val="0"/>
               </a:ext>
             </a:extLst>
           </a:blip>
@@ -10675,7 +10675,7 @@
             </a:duotone>
             <a:extLst>
               <a:ext uri="{28A0092B-C50C-407E-A947-70E740481C1C}">
-                <a14:useLocalDpi xmlns="" xmlns:a14="http://schemas.microsoft.com/office/drawing/2010/main" val="0"/>
+                <a14:useLocalDpi xmlns:a14="http://schemas.microsoft.com/office/drawing/2010/main" xmlns="" val="0"/>
               </a:ext>
             </a:extLst>
           </a:blip>
@@ -10962,7 +10962,7 @@
             </a:duotone>
             <a:extLst>
               <a:ext uri="{28A0092B-C50C-407E-A947-70E740481C1C}">
-                <a14:useLocalDpi xmlns="" xmlns:a14="http://schemas.microsoft.com/office/drawing/2010/main" val="0"/>
+                <a14:useLocalDpi xmlns:a14="http://schemas.microsoft.com/office/drawing/2010/main" xmlns="" val="0"/>
               </a:ext>
             </a:extLst>
           </a:blip>
@@ -10999,7 +10999,7 @@
             </a:duotone>
             <a:extLst>
               <a:ext uri="{28A0092B-C50C-407E-A947-70E740481C1C}">
-                <a14:useLocalDpi xmlns="" xmlns:a14="http://schemas.microsoft.com/office/drawing/2010/main" val="0"/>
+                <a14:useLocalDpi xmlns:a14="http://schemas.microsoft.com/office/drawing/2010/main" xmlns="" val="0"/>
               </a:ext>
             </a:extLst>
           </a:blip>
@@ -11036,7 +11036,7 @@
             </a:duotone>
             <a:extLst>
               <a:ext uri="{28A0092B-C50C-407E-A947-70E740481C1C}">
-                <a14:useLocalDpi xmlns="" xmlns:a14="http://schemas.microsoft.com/office/drawing/2010/main" val="0"/>
+                <a14:useLocalDpi xmlns:a14="http://schemas.microsoft.com/office/drawing/2010/main" xmlns="" val="0"/>
               </a:ext>
             </a:extLst>
           </a:blip>
@@ -11073,7 +11073,7 @@
             </a:duotone>
             <a:extLst>
               <a:ext uri="{28A0092B-C50C-407E-A947-70E740481C1C}">
-                <a14:useLocalDpi xmlns="" xmlns:a14="http://schemas.microsoft.com/office/drawing/2010/main" val="0"/>
+                <a14:useLocalDpi xmlns:a14="http://schemas.microsoft.com/office/drawing/2010/main" xmlns="" val="0"/>
               </a:ext>
             </a:extLst>
           </a:blip>
@@ -11110,7 +11110,7 @@
             </a:duotone>
             <a:extLst>
               <a:ext uri="{28A0092B-C50C-407E-A947-70E740481C1C}">
-                <a14:useLocalDpi xmlns="" xmlns:a14="http://schemas.microsoft.com/office/drawing/2010/main" val="0"/>
+                <a14:useLocalDpi xmlns:a14="http://schemas.microsoft.com/office/drawing/2010/main" xmlns="" val="0"/>
               </a:ext>
             </a:extLst>
           </a:blip>
@@ -11147,7 +11147,7 @@
             </a:duotone>
             <a:extLst>
               <a:ext uri="{28A0092B-C50C-407E-A947-70E740481C1C}">
-                <a14:useLocalDpi xmlns="" xmlns:a14="http://schemas.microsoft.com/office/drawing/2010/main" val="0"/>
+                <a14:useLocalDpi xmlns:a14="http://schemas.microsoft.com/office/drawing/2010/main" xmlns="" val="0"/>
               </a:ext>
             </a:extLst>
           </a:blip>
@@ -11184,7 +11184,7 @@
             </a:duotone>
             <a:extLst>
               <a:ext uri="{28A0092B-C50C-407E-A947-70E740481C1C}">
-                <a14:useLocalDpi xmlns="" xmlns:a14="http://schemas.microsoft.com/office/drawing/2010/main" val="0"/>
+                <a14:useLocalDpi xmlns:a14="http://schemas.microsoft.com/office/drawing/2010/main" xmlns="" val="0"/>
               </a:ext>
             </a:extLst>
           </a:blip>
@@ -11221,7 +11221,7 @@
             </a:duotone>
             <a:extLst>
               <a:ext uri="{28A0092B-C50C-407E-A947-70E740481C1C}">
-                <a14:useLocalDpi xmlns="" xmlns:a14="http://schemas.microsoft.com/office/drawing/2010/main" val="0"/>
+                <a14:useLocalDpi xmlns:a14="http://schemas.microsoft.com/office/drawing/2010/main" xmlns="" val="0"/>
               </a:ext>
             </a:extLst>
           </a:blip>
@@ -11258,7 +11258,7 @@
             </a:duotone>
             <a:extLst>
               <a:ext uri="{28A0092B-C50C-407E-A947-70E740481C1C}">
-                <a14:useLocalDpi xmlns="" xmlns:a14="http://schemas.microsoft.com/office/drawing/2010/main" val="0"/>
+                <a14:useLocalDpi xmlns:a14="http://schemas.microsoft.com/office/drawing/2010/main" xmlns="" val="0"/>
               </a:ext>
             </a:extLst>
           </a:blip>
@@ -11295,7 +11295,7 @@
             </a:duotone>
             <a:extLst>
               <a:ext uri="{28A0092B-C50C-407E-A947-70E740481C1C}">
-                <a14:useLocalDpi xmlns="" xmlns:a14="http://schemas.microsoft.com/office/drawing/2010/main" val="0"/>
+                <a14:useLocalDpi xmlns:a14="http://schemas.microsoft.com/office/drawing/2010/main" xmlns="" val="0"/>
               </a:ext>
             </a:extLst>
           </a:blip>
@@ -11332,7 +11332,7 @@
             </a:duotone>
             <a:extLst>
               <a:ext uri="{28A0092B-C50C-407E-A947-70E740481C1C}">
-                <a14:useLocalDpi xmlns="" xmlns:a14="http://schemas.microsoft.com/office/drawing/2010/main" val="0"/>
+                <a14:useLocalDpi xmlns:a14="http://schemas.microsoft.com/office/drawing/2010/main" xmlns="" val="0"/>
               </a:ext>
             </a:extLst>
           </a:blip>
@@ -11369,7 +11369,7 @@
             </a:duotone>
             <a:extLst>
               <a:ext uri="{28A0092B-C50C-407E-A947-70E740481C1C}">
-                <a14:useLocalDpi xmlns="" xmlns:a14="http://schemas.microsoft.com/office/drawing/2010/main" val="0"/>
+                <a14:useLocalDpi xmlns:a14="http://schemas.microsoft.com/office/drawing/2010/main" xmlns="" val="0"/>
               </a:ext>
             </a:extLst>
           </a:blip>
@@ -11406,7 +11406,7 @@
             </a:duotone>
             <a:extLst>
               <a:ext uri="{28A0092B-C50C-407E-A947-70E740481C1C}">
-                <a14:useLocalDpi xmlns="" xmlns:a14="http://schemas.microsoft.com/office/drawing/2010/main" val="0"/>
+                <a14:useLocalDpi xmlns:a14="http://schemas.microsoft.com/office/drawing/2010/main" xmlns="" val="0"/>
               </a:ext>
             </a:extLst>
           </a:blip>
@@ -11443,7 +11443,7 @@
             </a:duotone>
             <a:extLst>
               <a:ext uri="{28A0092B-C50C-407E-A947-70E740481C1C}">
-                <a14:useLocalDpi xmlns="" xmlns:a14="http://schemas.microsoft.com/office/drawing/2010/main" val="0"/>
+                <a14:useLocalDpi xmlns:a14="http://schemas.microsoft.com/office/drawing/2010/main" xmlns="" val="0"/>
               </a:ext>
             </a:extLst>
           </a:blip>
@@ -11480,7 +11480,7 @@
             </a:duotone>
             <a:extLst>
               <a:ext uri="{28A0092B-C50C-407E-A947-70E740481C1C}">
-                <a14:useLocalDpi xmlns="" xmlns:a14="http://schemas.microsoft.com/office/drawing/2010/main" val="0"/>
+                <a14:useLocalDpi xmlns:a14="http://schemas.microsoft.com/office/drawing/2010/main" xmlns="" val="0"/>
               </a:ext>
             </a:extLst>
           </a:blip>
@@ -11556,10 +11556,47 @@
           </a:p>
         </p:txBody>
       </p:sp>
+      <p:pic>
+        <p:nvPicPr>
+          <p:cNvPr id="87" name="Picture 20"/>
+          <p:cNvPicPr>
+            <a:picLocks noChangeAspect="1"/>
+          </p:cNvPicPr>
+          <p:nvPr/>
+        </p:nvPicPr>
+        <p:blipFill>
+          <a:blip r:embed="rId4" cstate="print">
+            <a:duotone>
+              <a:schemeClr val="accent1">
+                <a:shade val="45000"/>
+                <a:satMod val="135000"/>
+              </a:schemeClr>
+              <a:prstClr val="white"/>
+            </a:duotone>
+            <a:extLst>
+              <a:ext uri="{28A0092B-C50C-407E-A947-70E740481C1C}">
+                <a14:useLocalDpi xmlns:a14="http://schemas.microsoft.com/office/drawing/2010/main" xmlns="" val="0"/>
+              </a:ext>
+            </a:extLst>
+          </a:blip>
+          <a:stretch>
+            <a:fillRect/>
+          </a:stretch>
+        </p:blipFill>
+        <p:spPr>
+          <a:xfrm rot="16387797">
+            <a:off x="911327" y="3310244"/>
+            <a:ext cx="908106" cy="243139"/>
+          </a:xfrm>
+          <a:prstGeom prst="rect">
+            <a:avLst/>
+          </a:prstGeom>
+        </p:spPr>
+      </p:pic>
     </p:spTree>
     <p:extLst>
       <p:ext uri="{BB962C8B-B14F-4D97-AF65-F5344CB8AC3E}">
-        <p14:creationId xmlns="" xmlns:p14="http://schemas.microsoft.com/office/powerpoint/2010/main" val="2163611856"/>
+        <p14:creationId xmlns:p14="http://schemas.microsoft.com/office/powerpoint/2010/main" xmlns="" val="2163611856"/>
       </p:ext>
     </p:extLst>
   </p:cSld>
